--- a/Project 1 Presentation.pptx
+++ b/Project 1 Presentation.pptx
@@ -25,16 +25,17 @@
     <p:sldId id="270" r:id="rId20"/>
     <p:sldId id="271" r:id="rId21"/>
     <p:sldId id="272" r:id="rId22"/>
+    <p:sldId id="273" r:id="rId23"/>
   </p:sldIdLst>
   <p:sldSz cy="5143500" cx="9144000"/>
   <p:notesSz cx="6858000" cy="9144000"/>
   <p:embeddedFontLst>
     <p:embeddedFont>
       <p:font typeface="Roboto"/>
-      <p:regular r:id="rId23"/>
-      <p:bold r:id="rId24"/>
-      <p:italic r:id="rId25"/>
-      <p:boldItalic r:id="rId26"/>
+      <p:regular r:id="rId24"/>
+      <p:bold r:id="rId25"/>
+      <p:italic r:id="rId26"/>
+      <p:boldItalic r:id="rId27"/>
     </p:embeddedFont>
   </p:embeddedFontLst>
   <p:defaultTextStyle>
@@ -1558,6 +1559,105 @@
       <p:sp>
         <p:nvSpPr>
           <p:cNvPr id="193" name="Google Shape;193;g156e7f6da3c_0_108:notes"/>
+          <p:cNvSpPr txBox="1"/>
+          <p:nvPr>
+            <p:ph idx="1" type="body"/>
+          </p:nvPr>
+        </p:nvSpPr>
+        <p:spPr>
+          <a:xfrm>
+            <a:off x="685800" y="4343400"/>
+            <a:ext cx="5486400" cy="4114800"/>
+          </a:xfrm>
+          <a:prstGeom prst="rect">
+            <a:avLst/>
+          </a:prstGeom>
+        </p:spPr>
+        <p:txBody>
+          <a:bodyPr anchorCtr="0" anchor="t" bIns="91425" lIns="91425" spcFirstLastPara="1" rIns="91425" wrap="square" tIns="91425">
+            <a:noAutofit/>
+          </a:bodyPr>
+          <a:lstStyle/>
+          <a:p>
+            <a:pPr indent="0" lvl="0" marL="0" rtl="0" algn="l">
+              <a:spcBef>
+                <a:spcPts val="0"/>
+              </a:spcBef>
+              <a:spcAft>
+                <a:spcPts val="0"/>
+              </a:spcAft>
+              <a:buNone/>
+            </a:pPr>
+            <a:r>
+              <a:t/>
+            </a:r>
+            <a:endParaRPr/>
+          </a:p>
+        </p:txBody>
+      </p:sp>
+    </p:spTree>
+  </p:cSld>
+  <p:clrMapOvr>
+    <a:masterClrMapping/>
+  </p:clrMapOvr>
+</p:notes>
+</file>
+
+<file path=ppt/notesSlides/notesSlide18.xml><?xml version="1.0" encoding="utf-8"?>
+<p:notes xmlns:a="http://schemas.openxmlformats.org/drawingml/2006/main" xmlns:r="http://schemas.openxmlformats.org/officeDocument/2006/relationships" xmlns:mc="http://schemas.openxmlformats.org/markup-compatibility/2006" xmlns:mv="urn:schemas-microsoft-com:mac:vml" xmlns:p="http://schemas.openxmlformats.org/presentationml/2006/main" xmlns:c="http://schemas.openxmlformats.org/drawingml/2006/chart" xmlns:dgm="http://schemas.openxmlformats.org/drawingml/2006/diagram" xmlns:o="urn:schemas-microsoft-com:office:office" xmlns:v="urn:schemas-microsoft-com:vml" xmlns:pvml="urn:schemas-microsoft-com:office:powerpoint" xmlns:com="http://schemas.openxmlformats.org/drawingml/2006/compatibility" xmlns:p14="http://schemas.microsoft.com/office/powerpoint/2010/main" xmlns:p15="http://schemas.microsoft.com/office/powerpoint/2012/main" xmlns:ahyp="http://schemas.microsoft.com/office/drawing/2018/hyperlinkcolor" showMasterPhAnim="0" showMasterSp="0">
+  <p:cSld>
+    <p:spTree>
+      <p:nvGrpSpPr>
+        <p:cNvPr id="197" name="Shape 197"/>
+        <p:cNvGrpSpPr/>
+        <p:nvPr/>
+      </p:nvGrpSpPr>
+      <p:grpSpPr>
+        <a:xfrm>
+          <a:off x="0" y="0"/>
+          <a:ext cx="0" cy="0"/>
+          <a:chOff x="0" y="0"/>
+          <a:chExt cx="0" cy="0"/>
+        </a:xfrm>
+      </p:grpSpPr>
+      <p:sp>
+        <p:nvSpPr>
+          <p:cNvPr id="198" name="Google Shape;198;g157cd330988_3_5:notes"/>
+          <p:cNvSpPr/>
+          <p:nvPr>
+            <p:ph idx="2" type="sldImg"/>
+          </p:nvPr>
+        </p:nvSpPr>
+        <p:spPr>
+          <a:xfrm>
+            <a:off x="381300" y="685800"/>
+            <a:ext cx="6096000" cy="3429000"/>
+          </a:xfrm>
+          <a:custGeom>
+            <a:rect b="b" l="l" r="r" t="t"/>
+            <a:pathLst>
+              <a:path extrusionOk="0" h="120000" w="120000">
+                <a:moveTo>
+                  <a:pt x="0" y="0"/>
+                </a:moveTo>
+                <a:lnTo>
+                  <a:pt x="120000" y="0"/>
+                </a:lnTo>
+                <a:lnTo>
+                  <a:pt x="120000" y="120000"/>
+                </a:lnTo>
+                <a:lnTo>
+                  <a:pt x="0" y="120000"/>
+                </a:lnTo>
+                <a:close/>
+              </a:path>
+            </a:pathLst>
+          </a:custGeom>
+        </p:spPr>
+      </p:sp>
+      <p:sp>
+        <p:nvSpPr>
+          <p:cNvPr id="199" name="Google Shape;199;g157cd330988_3_5:notes"/>
           <p:cNvSpPr txBox="1"/>
           <p:nvPr>
             <p:ph idx="1" type="body"/>
@@ -9423,7 +9523,7 @@
         <p:spPr>
           <a:xfrm>
             <a:off x="311700" y="1017700"/>
-            <a:ext cx="5806725" cy="3871167"/>
+            <a:ext cx="5680925" cy="3787274"/>
           </a:xfrm>
           <a:prstGeom prst="rect">
             <a:avLst/>
@@ -9569,11 +9669,11 @@
             </a:pPr>
             <a:r>
               <a:rPr lang="en-GB"/>
-              <a:t>Furnishing status</a:t>
+              <a:t>More furnished properties are more expensive</a:t>
             </a:r>
             <a:r>
               <a:rPr lang="en-GB"/>
-              <a:t> affects rental prices.</a:t>
+              <a:t>.</a:t>
             </a:r>
             <a:endParaRPr/>
           </a:p>
@@ -9595,8 +9695,8 @@
         </p:blipFill>
         <p:spPr>
           <a:xfrm>
-            <a:off x="311700" y="1017700"/>
-            <a:ext cx="5806450" cy="3870975"/>
+            <a:off x="311699" y="1017689"/>
+            <a:ext cx="5806450" cy="3870948"/>
           </a:xfrm>
           <a:prstGeom prst="rect">
             <a:avLst/>
@@ -9642,8 +9742,8 @@
         </p:nvSpPr>
         <p:spPr>
           <a:xfrm>
-            <a:off x="6119825" y="1498475"/>
-            <a:ext cx="1910100" cy="2416800"/>
+            <a:off x="6190775" y="1498475"/>
+            <a:ext cx="2001900" cy="2416800"/>
           </a:xfrm>
           <a:prstGeom prst="rect">
             <a:avLst/>
@@ -9742,11 +9842,11 @@
             </a:pPr>
             <a:r>
               <a:rPr lang="en-GB"/>
-              <a:t>Point of Contact</a:t>
+              <a:t>Contact agent rentals will be more expensive</a:t>
             </a:r>
             <a:r>
               <a:rPr lang="en-GB"/>
-              <a:t> affects rental price.</a:t>
+              <a:t>.</a:t>
             </a:r>
             <a:endParaRPr/>
           </a:p>
@@ -9769,7 +9869,7 @@
         <p:spPr>
           <a:xfrm>
             <a:off x="311700" y="1017700"/>
-            <a:ext cx="5808126" cy="3872092"/>
+            <a:ext cx="5814450" cy="3876300"/>
           </a:xfrm>
           <a:prstGeom prst="rect">
             <a:avLst/>
@@ -10505,7 +10605,7 @@
                   <a:srgbClr val="1D1C1D"/>
                 </a:solidFill>
               </a:rPr>
-              <a:t>Rental properties measure by carpet area appear to be the most expensive.</a:t>
+              <a:t>Rental properties measured by carpet area appear to be the most expensive.</a:t>
             </a:r>
             <a:endParaRPr sz="1400">
               <a:solidFill>
@@ -10533,7 +10633,7 @@
                   <a:srgbClr val="1D1C1D"/>
                 </a:solidFill>
               </a:rPr>
-              <a:t>It appears Hyderabad is the most expensive city.</a:t>
+              <a:t>It appears Mumbai is the most expensive city.</a:t>
             </a:r>
             <a:endParaRPr sz="1400">
               <a:solidFill>
@@ -10561,7 +10661,7 @@
                   <a:srgbClr val="1D1C1D"/>
                 </a:solidFill>
               </a:rPr>
-              <a:t>The more furnished a property is - the cheaper it seems to be.</a:t>
+              <a:t>The more furnished a property is - the more expensive it seems to be.</a:t>
             </a:r>
             <a:endParaRPr sz="1400">
               <a:solidFill>
@@ -10589,7 +10689,7 @@
                   <a:srgbClr val="1D1C1D"/>
                 </a:solidFill>
               </a:rPr>
-              <a:t>Contact Owner seems to be the most expensive point of contact.</a:t>
+              <a:t>Contact Agent seems to be the most expensive point of contact.</a:t>
             </a:r>
             <a:endParaRPr sz="1400">
               <a:solidFill>
@@ -10732,6 +10832,71 @@
                 <a:srgbClr val="000000"/>
               </a:solidFill>
             </a:endParaRPr>
+          </a:p>
+        </p:txBody>
+      </p:sp>
+    </p:spTree>
+  </p:cSld>
+  <p:clrMapOvr>
+    <a:masterClrMapping/>
+  </p:clrMapOvr>
+</p:sld>
+</file>
+
+<file path=ppt/slides/slide18.xml><?xml version="1.0" encoding="utf-8"?>
+<p:sld xmlns:a="http://schemas.openxmlformats.org/drawingml/2006/main" xmlns:r="http://schemas.openxmlformats.org/officeDocument/2006/relationships" xmlns:mc="http://schemas.openxmlformats.org/markup-compatibility/2006" xmlns:mv="urn:schemas-microsoft-com:mac:vml" xmlns:p="http://schemas.openxmlformats.org/presentationml/2006/main" xmlns:c="http://schemas.openxmlformats.org/drawingml/2006/chart" xmlns:dgm="http://schemas.openxmlformats.org/drawingml/2006/diagram" xmlns:o="urn:schemas-microsoft-com:office:office" xmlns:v="urn:schemas-microsoft-com:vml" xmlns:pvml="urn:schemas-microsoft-com:office:powerpoint" xmlns:com="http://schemas.openxmlformats.org/drawingml/2006/compatibility" xmlns:p14="http://schemas.microsoft.com/office/powerpoint/2010/main" xmlns:p15="http://schemas.microsoft.com/office/powerpoint/2012/main" xmlns:ahyp="http://schemas.microsoft.com/office/drawing/2018/hyperlinkcolor">
+  <p:cSld>
+    <p:spTree>
+      <p:nvGrpSpPr>
+        <p:cNvPr id="200" name="Shape 200"/>
+        <p:cNvGrpSpPr/>
+        <p:nvPr/>
+      </p:nvGrpSpPr>
+      <p:grpSpPr>
+        <a:xfrm>
+          <a:off x="0" y="0"/>
+          <a:ext cx="0" cy="0"/>
+          <a:chOff x="0" y="0"/>
+          <a:chExt cx="0" cy="0"/>
+        </a:xfrm>
+      </p:grpSpPr>
+      <p:sp>
+        <p:nvSpPr>
+          <p:cNvPr id="201" name="Google Shape;201;p30"/>
+          <p:cNvSpPr txBox="1"/>
+          <p:nvPr>
+            <p:ph type="title"/>
+          </p:nvPr>
+        </p:nvSpPr>
+        <p:spPr>
+          <a:xfrm>
+            <a:off x="490250" y="526350"/>
+            <a:ext cx="7048500" cy="4090800"/>
+          </a:xfrm>
+          <a:prstGeom prst="rect">
+            <a:avLst/>
+          </a:prstGeom>
+        </p:spPr>
+        <p:txBody>
+          <a:bodyPr anchorCtr="0" anchor="ctr" bIns="91425" lIns="91425" spcFirstLastPara="1" rIns="91425" wrap="square" tIns="91425">
+            <a:normAutofit/>
+          </a:bodyPr>
+          <a:lstStyle/>
+          <a:p>
+            <a:pPr indent="0" lvl="0" marL="0" rtl="0" algn="l">
+              <a:spcBef>
+                <a:spcPts val="0"/>
+              </a:spcBef>
+              <a:spcAft>
+                <a:spcPts val="0"/>
+              </a:spcAft>
+              <a:buNone/>
+            </a:pPr>
+            <a:r>
+              <a:rPr lang="en-GB"/>
+              <a:t>Thanks for listening!</a:t>
+            </a:r>
+            <a:endParaRPr/>
           </a:p>
         </p:txBody>
       </p:sp>
@@ -12239,6 +12404,285 @@
 </file>
 
 <file path=ppt/theme/theme1.xml><?xml version="1.0" encoding="utf-8"?>
+<a:theme xmlns:a="http://schemas.openxmlformats.org/drawingml/2006/main" xmlns:r="http://schemas.openxmlformats.org/officeDocument/2006/relationships" name="Geometric">
+  <a:themeElements>
+    <a:clrScheme name="Geometric">
+      <a:dk1>
+        <a:srgbClr val="2A3990"/>
+      </a:dk1>
+      <a:lt1>
+        <a:srgbClr val="FFFFFF"/>
+      </a:lt1>
+      <a:dk2>
+        <a:srgbClr val="434343"/>
+      </a:dk2>
+      <a:lt2>
+        <a:srgbClr val="999999"/>
+      </a:lt2>
+      <a:accent1>
+        <a:srgbClr val="212D74"/>
+      </a:accent1>
+      <a:accent2>
+        <a:srgbClr val="3949AB"/>
+      </a:accent2>
+      <a:accent3>
+        <a:srgbClr val="9C254D"/>
+      </a:accent3>
+      <a:accent4>
+        <a:srgbClr val="D23369"/>
+      </a:accent4>
+      <a:accent5>
+        <a:srgbClr val="F06292"/>
+      </a:accent5>
+      <a:accent6>
+        <a:srgbClr val="7890CD"/>
+      </a:accent6>
+      <a:hlink>
+        <a:srgbClr val="F06292"/>
+      </a:hlink>
+      <a:folHlink>
+        <a:srgbClr val="F06292"/>
+      </a:folHlink>
+    </a:clrScheme>
+    <a:fontScheme name="Office">
+      <a:majorFont>
+        <a:latin typeface="Arial"/>
+        <a:ea typeface=""/>
+        <a:cs typeface=""/>
+        <a:font script="Jpan" typeface="ＭＳ Ｐゴシック"/>
+        <a:font script="Hang" typeface="맑은 고딕"/>
+        <a:font script="Hans" typeface="宋体"/>
+        <a:font script="Hant" typeface="新細明體"/>
+        <a:font script="Arab" typeface="Times New Roman"/>
+        <a:font script="Hebr" typeface="Times New Roman"/>
+        <a:font script="Thai" typeface="Angsana New"/>
+        <a:font script="Ethi" typeface="Nyala"/>
+        <a:font script="Beng" typeface="Vrinda"/>
+        <a:font script="Gujr" typeface="Shruti"/>
+        <a:font script="Khmr" typeface="MoolBoran"/>
+        <a:font script="Knda" typeface="Tunga"/>
+        <a:font script="Guru" typeface="Raavi"/>
+        <a:font script="Cans" typeface="Euphemia"/>
+        <a:font script="Cher" typeface="Plantagenet Cherokee"/>
+        <a:font script="Yiii" typeface="Microsoft Yi Baiti"/>
+        <a:font script="Tibt" typeface="Microsoft Himalaya"/>
+        <a:font script="Thaa" typeface="MV Boli"/>
+        <a:font script="Deva" typeface="Mangal"/>
+        <a:font script="Telu" typeface="Gautami"/>
+        <a:font script="Taml" typeface="Latha"/>
+        <a:font script="Syrc" typeface="Estrangelo Edessa"/>
+        <a:font script="Orya" typeface="Kalinga"/>
+        <a:font script="Mlym" typeface="Kartika"/>
+        <a:font script="Laoo" typeface="DokChampa"/>
+        <a:font script="Sinh" typeface="Iskoola Pota"/>
+        <a:font script="Mong" typeface="Mongolian Baiti"/>
+        <a:font script="Viet" typeface="Times New Roman"/>
+        <a:font script="Uigh" typeface="Microsoft Uighur"/>
+        <a:font script="Geor" typeface="Sylfaen"/>
+      </a:majorFont>
+      <a:minorFont>
+        <a:latin typeface="Arial"/>
+        <a:ea typeface=""/>
+        <a:cs typeface=""/>
+        <a:font script="Jpan" typeface="ＭＳ Ｐゴシック"/>
+        <a:font script="Hang" typeface="맑은 고딕"/>
+        <a:font script="Hans" typeface="宋体"/>
+        <a:font script="Hant" typeface="新細明體"/>
+        <a:font script="Arab" typeface="Arial"/>
+        <a:font script="Hebr" typeface="Arial"/>
+        <a:font script="Thai" typeface="Cordia New"/>
+        <a:font script="Ethi" typeface="Nyala"/>
+        <a:font script="Beng" typeface="Vrinda"/>
+        <a:font script="Gujr" typeface="Shruti"/>
+        <a:font script="Khmr" typeface="DaunPenh"/>
+        <a:font script="Knda" typeface="Tunga"/>
+        <a:font script="Guru" typeface="Raavi"/>
+        <a:font script="Cans" typeface="Euphemia"/>
+        <a:font script="Cher" typeface="Plantagenet Cherokee"/>
+        <a:font script="Yiii" typeface="Microsoft Yi Baiti"/>
+        <a:font script="Tibt" typeface="Microsoft Himalaya"/>
+        <a:font script="Thaa" typeface="MV Boli"/>
+        <a:font script="Deva" typeface="Mangal"/>
+        <a:font script="Telu" typeface="Gautami"/>
+        <a:font script="Taml" typeface="Latha"/>
+        <a:font script="Syrc" typeface="Estrangelo Edessa"/>
+        <a:font script="Orya" typeface="Kalinga"/>
+        <a:font script="Mlym" typeface="Kartika"/>
+        <a:font script="Laoo" typeface="DokChampa"/>
+        <a:font script="Sinh" typeface="Iskoola Pota"/>
+        <a:font script="Mong" typeface="Mongolian Baiti"/>
+        <a:font script="Viet" typeface="Arial"/>
+        <a:font script="Uigh" typeface="Microsoft Uighur"/>
+        <a:font script="Geor" typeface="Sylfaen"/>
+      </a:minorFont>
+    </a:fontScheme>
+    <a:fmtScheme name="Office">
+      <a:fillStyleLst>
+        <a:solidFill>
+          <a:schemeClr val="phClr"/>
+        </a:solidFill>
+        <a:gradFill rotWithShape="1">
+          <a:gsLst>
+            <a:gs pos="0">
+              <a:schemeClr val="phClr">
+                <a:tint val="50000"/>
+                <a:satMod val="300000"/>
+              </a:schemeClr>
+            </a:gs>
+            <a:gs pos="35000">
+              <a:schemeClr val="phClr">
+                <a:tint val="37000"/>
+                <a:satMod val="300000"/>
+              </a:schemeClr>
+            </a:gs>
+            <a:gs pos="100000">
+              <a:schemeClr val="phClr">
+                <a:tint val="15000"/>
+                <a:satMod val="350000"/>
+              </a:schemeClr>
+            </a:gs>
+          </a:gsLst>
+          <a:lin ang="16200000" scaled="1"/>
+        </a:gradFill>
+        <a:gradFill rotWithShape="1">
+          <a:gsLst>
+            <a:gs pos="0">
+              <a:schemeClr val="phClr">
+                <a:tint val="100000"/>
+                <a:shade val="100000"/>
+                <a:satMod val="130000"/>
+              </a:schemeClr>
+            </a:gs>
+            <a:gs pos="100000">
+              <a:schemeClr val="phClr">
+                <a:tint val="50000"/>
+                <a:shade val="100000"/>
+                <a:satMod val="350000"/>
+              </a:schemeClr>
+            </a:gs>
+          </a:gsLst>
+          <a:lin ang="16200000" scaled="0"/>
+        </a:gradFill>
+      </a:fillStyleLst>
+      <a:lnStyleLst>
+        <a:ln w="9525" cap="flat" cmpd="sng" algn="ctr">
+          <a:solidFill>
+            <a:schemeClr val="phClr">
+              <a:shade val="95000"/>
+              <a:satMod val="105000"/>
+            </a:schemeClr>
+          </a:solidFill>
+          <a:prstDash val="solid"/>
+        </a:ln>
+        <a:ln w="25400" cap="flat" cmpd="sng" algn="ctr">
+          <a:solidFill>
+            <a:schemeClr val="phClr"/>
+          </a:solidFill>
+          <a:prstDash val="solid"/>
+        </a:ln>
+        <a:ln w="38100" cap="flat" cmpd="sng" algn="ctr">
+          <a:solidFill>
+            <a:schemeClr val="phClr"/>
+          </a:solidFill>
+          <a:prstDash val="solid"/>
+        </a:ln>
+      </a:lnStyleLst>
+      <a:effectStyleLst>
+        <a:effectStyle>
+          <a:effectLst>
+            <a:outerShdw blurRad="40000" dist="20000" dir="5400000" rotWithShape="0">
+              <a:srgbClr val="000000">
+                <a:alpha val="38000"/>
+              </a:srgbClr>
+            </a:outerShdw>
+          </a:effectLst>
+        </a:effectStyle>
+        <a:effectStyle>
+          <a:effectLst>
+            <a:outerShdw blurRad="40000" dist="23000" dir="5400000" rotWithShape="0">
+              <a:srgbClr val="000000">
+                <a:alpha val="35000"/>
+              </a:srgbClr>
+            </a:outerShdw>
+          </a:effectLst>
+        </a:effectStyle>
+        <a:effectStyle>
+          <a:effectLst>
+            <a:outerShdw blurRad="40000" dist="23000" dir="5400000" rotWithShape="0">
+              <a:srgbClr val="000000">
+                <a:alpha val="35000"/>
+              </a:srgbClr>
+            </a:outerShdw>
+          </a:effectLst>
+          <a:scene3d>
+            <a:camera prst="orthographicFront">
+              <a:rot lat="0" lon="0" rev="0"/>
+            </a:camera>
+            <a:lightRig rig="threePt" dir="t">
+              <a:rot lat="0" lon="0" rev="1200000"/>
+            </a:lightRig>
+          </a:scene3d>
+          <a:sp3d>
+            <a:bevelT w="63500" h="25400"/>
+          </a:sp3d>
+        </a:effectStyle>
+      </a:effectStyleLst>
+      <a:bgFillStyleLst>
+        <a:solidFill>
+          <a:schemeClr val="phClr"/>
+        </a:solidFill>
+        <a:gradFill rotWithShape="1">
+          <a:gsLst>
+            <a:gs pos="0">
+              <a:schemeClr val="phClr">
+                <a:tint val="40000"/>
+                <a:satMod val="350000"/>
+              </a:schemeClr>
+            </a:gs>
+            <a:gs pos="40000">
+              <a:schemeClr val="phClr">
+                <a:tint val="45000"/>
+                <a:shade val="99000"/>
+                <a:satMod val="350000"/>
+              </a:schemeClr>
+            </a:gs>
+            <a:gs pos="100000">
+              <a:schemeClr val="phClr">
+                <a:shade val="20000"/>
+                <a:satMod val="255000"/>
+              </a:schemeClr>
+            </a:gs>
+          </a:gsLst>
+          <a:path path="circle">
+            <a:fillToRect l="50000" t="-80000" r="50000" b="180000"/>
+          </a:path>
+        </a:gradFill>
+        <a:gradFill rotWithShape="1">
+          <a:gsLst>
+            <a:gs pos="0">
+              <a:schemeClr val="phClr">
+                <a:tint val="80000"/>
+                <a:satMod val="300000"/>
+              </a:schemeClr>
+            </a:gs>
+            <a:gs pos="100000">
+              <a:schemeClr val="phClr">
+                <a:shade val="30000"/>
+                <a:satMod val="200000"/>
+              </a:schemeClr>
+            </a:gs>
+          </a:gsLst>
+          <a:path path="circle">
+            <a:fillToRect l="50000" t="50000" r="50000" b="50000"/>
+          </a:path>
+        </a:gradFill>
+      </a:bgFillStyleLst>
+    </a:fmtScheme>
+  </a:themeElements>
+</a:theme>
+</file>
+
+<file path=ppt/theme/theme2.xml><?xml version="1.0" encoding="utf-8"?>
 <a:theme xmlns:a="http://schemas.openxmlformats.org/drawingml/2006/main" xmlns:r="http://schemas.openxmlformats.org/officeDocument/2006/relationships">
   <a:themeElements>
     <a:clrScheme name="Default">
@@ -12515,283 +12959,4 @@
     </a:fmtScheme>
   </a:themeElements>
 </a:theme>
-</file>
-
-<file path=ppt/theme/theme2.xml><?xml version="1.0" encoding="utf-8"?>
-<a:theme xmlns:a="http://schemas.openxmlformats.org/drawingml/2006/main" xmlns:r="http://schemas.openxmlformats.org/officeDocument/2006/relationships" name="Geometric">
-  <a:themeElements>
-    <a:clrScheme name="Geometric">
-      <a:dk1>
-        <a:srgbClr val="2A3990"/>
-      </a:dk1>
-      <a:lt1>
-        <a:srgbClr val="FFFFFF"/>
-      </a:lt1>
-      <a:dk2>
-        <a:srgbClr val="434343"/>
-      </a:dk2>
-      <a:lt2>
-        <a:srgbClr val="999999"/>
-      </a:lt2>
-      <a:accent1>
-        <a:srgbClr val="212D74"/>
-      </a:accent1>
-      <a:accent2>
-        <a:srgbClr val="3949AB"/>
-      </a:accent2>
-      <a:accent3>
-        <a:srgbClr val="9C254D"/>
-      </a:accent3>
-      <a:accent4>
-        <a:srgbClr val="D23369"/>
-      </a:accent4>
-      <a:accent5>
-        <a:srgbClr val="F06292"/>
-      </a:accent5>
-      <a:accent6>
-        <a:srgbClr val="7890CD"/>
-      </a:accent6>
-      <a:hlink>
-        <a:srgbClr val="F06292"/>
-      </a:hlink>
-      <a:folHlink>
-        <a:srgbClr val="F06292"/>
-      </a:folHlink>
-    </a:clrScheme>
-    <a:fontScheme name="Office">
-      <a:majorFont>
-        <a:latin typeface="Arial"/>
-        <a:ea typeface=""/>
-        <a:cs typeface=""/>
-        <a:font script="Jpan" typeface="ＭＳ Ｐゴシック"/>
-        <a:font script="Hang" typeface="맑은 고딕"/>
-        <a:font script="Hans" typeface="宋体"/>
-        <a:font script="Hant" typeface="新細明體"/>
-        <a:font script="Arab" typeface="Times New Roman"/>
-        <a:font script="Hebr" typeface="Times New Roman"/>
-        <a:font script="Thai" typeface="Angsana New"/>
-        <a:font script="Ethi" typeface="Nyala"/>
-        <a:font script="Beng" typeface="Vrinda"/>
-        <a:font script="Gujr" typeface="Shruti"/>
-        <a:font script="Khmr" typeface="MoolBoran"/>
-        <a:font script="Knda" typeface="Tunga"/>
-        <a:font script="Guru" typeface="Raavi"/>
-        <a:font script="Cans" typeface="Euphemia"/>
-        <a:font script="Cher" typeface="Plantagenet Cherokee"/>
-        <a:font script="Yiii" typeface="Microsoft Yi Baiti"/>
-        <a:font script="Tibt" typeface="Microsoft Himalaya"/>
-        <a:font script="Thaa" typeface="MV Boli"/>
-        <a:font script="Deva" typeface="Mangal"/>
-        <a:font script="Telu" typeface="Gautami"/>
-        <a:font script="Taml" typeface="Latha"/>
-        <a:font script="Syrc" typeface="Estrangelo Edessa"/>
-        <a:font script="Orya" typeface="Kalinga"/>
-        <a:font script="Mlym" typeface="Kartika"/>
-        <a:font script="Laoo" typeface="DokChampa"/>
-        <a:font script="Sinh" typeface="Iskoola Pota"/>
-        <a:font script="Mong" typeface="Mongolian Baiti"/>
-        <a:font script="Viet" typeface="Times New Roman"/>
-        <a:font script="Uigh" typeface="Microsoft Uighur"/>
-        <a:font script="Geor" typeface="Sylfaen"/>
-      </a:majorFont>
-      <a:minorFont>
-        <a:latin typeface="Arial"/>
-        <a:ea typeface=""/>
-        <a:cs typeface=""/>
-        <a:font script="Jpan" typeface="ＭＳ Ｐゴシック"/>
-        <a:font script="Hang" typeface="맑은 고딕"/>
-        <a:font script="Hans" typeface="宋体"/>
-        <a:font script="Hant" typeface="新細明體"/>
-        <a:font script="Arab" typeface="Arial"/>
-        <a:font script="Hebr" typeface="Arial"/>
-        <a:font script="Thai" typeface="Cordia New"/>
-        <a:font script="Ethi" typeface="Nyala"/>
-        <a:font script="Beng" typeface="Vrinda"/>
-        <a:font script="Gujr" typeface="Shruti"/>
-        <a:font script="Khmr" typeface="DaunPenh"/>
-        <a:font script="Knda" typeface="Tunga"/>
-        <a:font script="Guru" typeface="Raavi"/>
-        <a:font script="Cans" typeface="Euphemia"/>
-        <a:font script="Cher" typeface="Plantagenet Cherokee"/>
-        <a:font script="Yiii" typeface="Microsoft Yi Baiti"/>
-        <a:font script="Tibt" typeface="Microsoft Himalaya"/>
-        <a:font script="Thaa" typeface="MV Boli"/>
-        <a:font script="Deva" typeface="Mangal"/>
-        <a:font script="Telu" typeface="Gautami"/>
-        <a:font script="Taml" typeface="Latha"/>
-        <a:font script="Syrc" typeface="Estrangelo Edessa"/>
-        <a:font script="Orya" typeface="Kalinga"/>
-        <a:font script="Mlym" typeface="Kartika"/>
-        <a:font script="Laoo" typeface="DokChampa"/>
-        <a:font script="Sinh" typeface="Iskoola Pota"/>
-        <a:font script="Mong" typeface="Mongolian Baiti"/>
-        <a:font script="Viet" typeface="Arial"/>
-        <a:font script="Uigh" typeface="Microsoft Uighur"/>
-        <a:font script="Geor" typeface="Sylfaen"/>
-      </a:minorFont>
-    </a:fontScheme>
-    <a:fmtScheme name="Office">
-      <a:fillStyleLst>
-        <a:solidFill>
-          <a:schemeClr val="phClr"/>
-        </a:solidFill>
-        <a:gradFill rotWithShape="1">
-          <a:gsLst>
-            <a:gs pos="0">
-              <a:schemeClr val="phClr">
-                <a:tint val="50000"/>
-                <a:satMod val="300000"/>
-              </a:schemeClr>
-            </a:gs>
-            <a:gs pos="35000">
-              <a:schemeClr val="phClr">
-                <a:tint val="37000"/>
-                <a:satMod val="300000"/>
-              </a:schemeClr>
-            </a:gs>
-            <a:gs pos="100000">
-              <a:schemeClr val="phClr">
-                <a:tint val="15000"/>
-                <a:satMod val="350000"/>
-              </a:schemeClr>
-            </a:gs>
-          </a:gsLst>
-          <a:lin ang="16200000" scaled="1"/>
-        </a:gradFill>
-        <a:gradFill rotWithShape="1">
-          <a:gsLst>
-            <a:gs pos="0">
-              <a:schemeClr val="phClr">
-                <a:tint val="100000"/>
-                <a:shade val="100000"/>
-                <a:satMod val="130000"/>
-              </a:schemeClr>
-            </a:gs>
-            <a:gs pos="100000">
-              <a:schemeClr val="phClr">
-                <a:tint val="50000"/>
-                <a:shade val="100000"/>
-                <a:satMod val="350000"/>
-              </a:schemeClr>
-            </a:gs>
-          </a:gsLst>
-          <a:lin ang="16200000" scaled="0"/>
-        </a:gradFill>
-      </a:fillStyleLst>
-      <a:lnStyleLst>
-        <a:ln w="9525" cap="flat" cmpd="sng" algn="ctr">
-          <a:solidFill>
-            <a:schemeClr val="phClr">
-              <a:shade val="95000"/>
-              <a:satMod val="105000"/>
-            </a:schemeClr>
-          </a:solidFill>
-          <a:prstDash val="solid"/>
-        </a:ln>
-        <a:ln w="25400" cap="flat" cmpd="sng" algn="ctr">
-          <a:solidFill>
-            <a:schemeClr val="phClr"/>
-          </a:solidFill>
-          <a:prstDash val="solid"/>
-        </a:ln>
-        <a:ln w="38100" cap="flat" cmpd="sng" algn="ctr">
-          <a:solidFill>
-            <a:schemeClr val="phClr"/>
-          </a:solidFill>
-          <a:prstDash val="solid"/>
-        </a:ln>
-      </a:lnStyleLst>
-      <a:effectStyleLst>
-        <a:effectStyle>
-          <a:effectLst>
-            <a:outerShdw blurRad="40000" dist="20000" dir="5400000" rotWithShape="0">
-              <a:srgbClr val="000000">
-                <a:alpha val="38000"/>
-              </a:srgbClr>
-            </a:outerShdw>
-          </a:effectLst>
-        </a:effectStyle>
-        <a:effectStyle>
-          <a:effectLst>
-            <a:outerShdw blurRad="40000" dist="23000" dir="5400000" rotWithShape="0">
-              <a:srgbClr val="000000">
-                <a:alpha val="35000"/>
-              </a:srgbClr>
-            </a:outerShdw>
-          </a:effectLst>
-        </a:effectStyle>
-        <a:effectStyle>
-          <a:effectLst>
-            <a:outerShdw blurRad="40000" dist="23000" dir="5400000" rotWithShape="0">
-              <a:srgbClr val="000000">
-                <a:alpha val="35000"/>
-              </a:srgbClr>
-            </a:outerShdw>
-          </a:effectLst>
-          <a:scene3d>
-            <a:camera prst="orthographicFront">
-              <a:rot lat="0" lon="0" rev="0"/>
-            </a:camera>
-            <a:lightRig rig="threePt" dir="t">
-              <a:rot lat="0" lon="0" rev="1200000"/>
-            </a:lightRig>
-          </a:scene3d>
-          <a:sp3d>
-            <a:bevelT w="63500" h="25400"/>
-          </a:sp3d>
-        </a:effectStyle>
-      </a:effectStyleLst>
-      <a:bgFillStyleLst>
-        <a:solidFill>
-          <a:schemeClr val="phClr"/>
-        </a:solidFill>
-        <a:gradFill rotWithShape="1">
-          <a:gsLst>
-            <a:gs pos="0">
-              <a:schemeClr val="phClr">
-                <a:tint val="40000"/>
-                <a:satMod val="350000"/>
-              </a:schemeClr>
-            </a:gs>
-            <a:gs pos="40000">
-              <a:schemeClr val="phClr">
-                <a:tint val="45000"/>
-                <a:shade val="99000"/>
-                <a:satMod val="350000"/>
-              </a:schemeClr>
-            </a:gs>
-            <a:gs pos="100000">
-              <a:schemeClr val="phClr">
-                <a:shade val="20000"/>
-                <a:satMod val="255000"/>
-              </a:schemeClr>
-            </a:gs>
-          </a:gsLst>
-          <a:path path="circle">
-            <a:fillToRect l="50000" t="-80000" r="50000" b="180000"/>
-          </a:path>
-        </a:gradFill>
-        <a:gradFill rotWithShape="1">
-          <a:gsLst>
-            <a:gs pos="0">
-              <a:schemeClr val="phClr">
-                <a:tint val="80000"/>
-                <a:satMod val="300000"/>
-              </a:schemeClr>
-            </a:gs>
-            <a:gs pos="100000">
-              <a:schemeClr val="phClr">
-                <a:shade val="30000"/>
-                <a:satMod val="200000"/>
-              </a:schemeClr>
-            </a:gs>
-          </a:gsLst>
-          <a:path path="circle">
-            <a:fillToRect l="50000" t="50000" r="50000" b="50000"/>
-          </a:path>
-        </a:gradFill>
-      </a:bgFillStyleLst>
-    </a:fmtScheme>
-  </a:themeElements>
-</a:theme>
 </file>
--- a/Project 1 Presentation.pptx
+++ b/Project 1 Presentation.pptx
@@ -9842,7 +9842,7 @@
             </a:pPr>
             <a:r>
               <a:rPr lang="en-GB"/>
-              <a:t>Contact agent rentals will be more expensive</a:t>
+              <a:t>Contact agent rentals are more expensive</a:t>
             </a:r>
             <a:r>
               <a:rPr lang="en-GB"/>

--- a/Project 1 Presentation.pptx
+++ b/Project 1 Presentation.pptx
@@ -1,45 +1,45 @@
 
 <file path=ppt/presentation.xml><?xml version="1.0" encoding="utf-8"?>
-<p:presentation xmlns:a="http://schemas.openxmlformats.org/drawingml/2006/main" xmlns:r="http://schemas.openxmlformats.org/officeDocument/2006/relationships" xmlns:mc="http://schemas.openxmlformats.org/markup-compatibility/2006" xmlns:mv="urn:schemas-microsoft-com:mac:vml" xmlns:p="http://schemas.openxmlformats.org/presentationml/2006/main" xmlns:c="http://schemas.openxmlformats.org/drawingml/2006/chart" xmlns:dgm="http://schemas.openxmlformats.org/drawingml/2006/diagram" xmlns:o="urn:schemas-microsoft-com:office:office" xmlns:v="urn:schemas-microsoft-com:vml" xmlns:pvml="urn:schemas-microsoft-com:office:powerpoint" xmlns:com="http://schemas.openxmlformats.org/drawingml/2006/compatibility" xmlns:p14="http://schemas.microsoft.com/office/powerpoint/2010/main" xmlns:p15="http://schemas.microsoft.com/office/powerpoint/2012/main" xmlns:ahyp="http://schemas.microsoft.com/office/drawing/2018/hyperlinkcolor" autoCompressPictures="0" embedTrueTypeFonts="1" strictFirstAndLastChars="0" saveSubsetFonts="1">
+<p:presentation xmlns:a="http://schemas.openxmlformats.org/drawingml/2006/main" xmlns:r="http://schemas.openxmlformats.org/officeDocument/2006/relationships" xmlns:p="http://schemas.openxmlformats.org/presentationml/2006/main" strictFirstAndLastChars="0" embedTrueTypeFonts="1" saveSubsetFonts="1" autoCompressPictures="0">
   <p:sldMasterIdLst>
-    <p:sldMasterId id="2147483659" r:id="rId4"/>
+    <p:sldMasterId id="2147483659" r:id="rId1"/>
   </p:sldMasterIdLst>
   <p:notesMasterIdLst>
-    <p:notesMasterId r:id="rId5"/>
+    <p:notesMasterId r:id="rId20"/>
   </p:notesMasterIdLst>
   <p:sldIdLst>
-    <p:sldId id="256" r:id="rId6"/>
-    <p:sldId id="257" r:id="rId7"/>
-    <p:sldId id="258" r:id="rId8"/>
-    <p:sldId id="259" r:id="rId9"/>
-    <p:sldId id="260" r:id="rId10"/>
-    <p:sldId id="261" r:id="rId11"/>
-    <p:sldId id="262" r:id="rId12"/>
-    <p:sldId id="263" r:id="rId13"/>
-    <p:sldId id="264" r:id="rId14"/>
-    <p:sldId id="265" r:id="rId15"/>
-    <p:sldId id="266" r:id="rId16"/>
-    <p:sldId id="267" r:id="rId17"/>
-    <p:sldId id="268" r:id="rId18"/>
-    <p:sldId id="269" r:id="rId19"/>
-    <p:sldId id="270" r:id="rId20"/>
-    <p:sldId id="271" r:id="rId21"/>
-    <p:sldId id="272" r:id="rId22"/>
-    <p:sldId id="273" r:id="rId23"/>
+    <p:sldId id="256" r:id="rId2"/>
+    <p:sldId id="257" r:id="rId3"/>
+    <p:sldId id="258" r:id="rId4"/>
+    <p:sldId id="259" r:id="rId5"/>
+    <p:sldId id="260" r:id="rId6"/>
+    <p:sldId id="261" r:id="rId7"/>
+    <p:sldId id="262" r:id="rId8"/>
+    <p:sldId id="263" r:id="rId9"/>
+    <p:sldId id="264" r:id="rId10"/>
+    <p:sldId id="265" r:id="rId11"/>
+    <p:sldId id="266" r:id="rId12"/>
+    <p:sldId id="267" r:id="rId13"/>
+    <p:sldId id="268" r:id="rId14"/>
+    <p:sldId id="269" r:id="rId15"/>
+    <p:sldId id="270" r:id="rId16"/>
+    <p:sldId id="271" r:id="rId17"/>
+    <p:sldId id="272" r:id="rId18"/>
+    <p:sldId id="273" r:id="rId19"/>
   </p:sldIdLst>
-  <p:sldSz cy="5143500" cx="9144000"/>
+  <p:sldSz cx="9144000" cy="5143500" type="screen16x9"/>
   <p:notesSz cx="6858000" cy="9144000"/>
   <p:embeddedFontLst>
     <p:embeddedFont>
-      <p:font typeface="Roboto"/>
-      <p:regular r:id="rId24"/>
-      <p:bold r:id="rId25"/>
-      <p:italic r:id="rId26"/>
-      <p:boldItalic r:id="rId27"/>
+      <p:font typeface="Roboto" panose="02000000000000000000" pitchFamily="2" charset="0"/>
+      <p:regular r:id="rId21"/>
+      <p:bold r:id="rId22"/>
+      <p:italic r:id="rId23"/>
+      <p:boldItalic r:id="rId24"/>
     </p:embeddedFont>
   </p:embeddedFontLst>
   <p:defaultTextStyle>
-    <a:defPPr lvl="0" marR="0" rtl="0" algn="l">
+    <a:defPPr marR="0" lvl="0" algn="l" rtl="0">
       <a:lnSpc>
         <a:spcPct val="100000"/>
       </a:lnSpc>
@@ -50,7 +50,7 @@
         <a:spcPts val="0"/>
       </a:spcAft>
     </a:defPPr>
-    <a:lvl1pPr lvl="0" marR="0" rtl="0" algn="l">
+    <a:lvl1pPr marR="0" lvl="0" algn="l" rtl="0">
       <a:lnSpc>
         <a:spcPct val="100000"/>
       </a:lnSpc>
@@ -64,7 +64,7 @@
         <a:srgbClr val="000000"/>
       </a:buClr>
       <a:buFont typeface="Arial"/>
-      <a:defRPr b="0" i="0" sz="1400" u="none" cap="none" strike="noStrike">
+      <a:defRPr sz="1400" b="0" i="0" u="none" strike="noStrike" cap="none">
         <a:solidFill>
           <a:srgbClr val="000000"/>
         </a:solidFill>
@@ -74,7 +74,7 @@
         <a:sym typeface="Arial"/>
       </a:defRPr>
     </a:lvl1pPr>
-    <a:lvl2pPr lvl="1" marR="0" rtl="0" algn="l">
+    <a:lvl2pPr marR="0" lvl="1" algn="l" rtl="0">
       <a:lnSpc>
         <a:spcPct val="100000"/>
       </a:lnSpc>
@@ -88,7 +88,7 @@
         <a:srgbClr val="000000"/>
       </a:buClr>
       <a:buFont typeface="Arial"/>
-      <a:defRPr b="0" i="0" sz="1400" u="none" cap="none" strike="noStrike">
+      <a:defRPr sz="1400" b="0" i="0" u="none" strike="noStrike" cap="none">
         <a:solidFill>
           <a:srgbClr val="000000"/>
         </a:solidFill>
@@ -98,7 +98,7 @@
         <a:sym typeface="Arial"/>
       </a:defRPr>
     </a:lvl2pPr>
-    <a:lvl3pPr lvl="2" marR="0" rtl="0" algn="l">
+    <a:lvl3pPr marR="0" lvl="2" algn="l" rtl="0">
       <a:lnSpc>
         <a:spcPct val="100000"/>
       </a:lnSpc>
@@ -112,7 +112,7 @@
         <a:srgbClr val="000000"/>
       </a:buClr>
       <a:buFont typeface="Arial"/>
-      <a:defRPr b="0" i="0" sz="1400" u="none" cap="none" strike="noStrike">
+      <a:defRPr sz="1400" b="0" i="0" u="none" strike="noStrike" cap="none">
         <a:solidFill>
           <a:srgbClr val="000000"/>
         </a:solidFill>
@@ -122,7 +122,7 @@
         <a:sym typeface="Arial"/>
       </a:defRPr>
     </a:lvl3pPr>
-    <a:lvl4pPr lvl="3" marR="0" rtl="0" algn="l">
+    <a:lvl4pPr marR="0" lvl="3" algn="l" rtl="0">
       <a:lnSpc>
         <a:spcPct val="100000"/>
       </a:lnSpc>
@@ -136,7 +136,7 @@
         <a:srgbClr val="000000"/>
       </a:buClr>
       <a:buFont typeface="Arial"/>
-      <a:defRPr b="0" i="0" sz="1400" u="none" cap="none" strike="noStrike">
+      <a:defRPr sz="1400" b="0" i="0" u="none" strike="noStrike" cap="none">
         <a:solidFill>
           <a:srgbClr val="000000"/>
         </a:solidFill>
@@ -146,7 +146,7 @@
         <a:sym typeface="Arial"/>
       </a:defRPr>
     </a:lvl4pPr>
-    <a:lvl5pPr lvl="4" marR="0" rtl="0" algn="l">
+    <a:lvl5pPr marR="0" lvl="4" algn="l" rtl="0">
       <a:lnSpc>
         <a:spcPct val="100000"/>
       </a:lnSpc>
@@ -160,7 +160,7 @@
         <a:srgbClr val="000000"/>
       </a:buClr>
       <a:buFont typeface="Arial"/>
-      <a:defRPr b="0" i="0" sz="1400" u="none" cap="none" strike="noStrike">
+      <a:defRPr sz="1400" b="0" i="0" u="none" strike="noStrike" cap="none">
         <a:solidFill>
           <a:srgbClr val="000000"/>
         </a:solidFill>
@@ -170,7 +170,7 @@
         <a:sym typeface="Arial"/>
       </a:defRPr>
     </a:lvl5pPr>
-    <a:lvl6pPr lvl="5" marR="0" rtl="0" algn="l">
+    <a:lvl6pPr marR="0" lvl="5" algn="l" rtl="0">
       <a:lnSpc>
         <a:spcPct val="100000"/>
       </a:lnSpc>
@@ -184,7 +184,7 @@
         <a:srgbClr val="000000"/>
       </a:buClr>
       <a:buFont typeface="Arial"/>
-      <a:defRPr b="0" i="0" sz="1400" u="none" cap="none" strike="noStrike">
+      <a:defRPr sz="1400" b="0" i="0" u="none" strike="noStrike" cap="none">
         <a:solidFill>
           <a:srgbClr val="000000"/>
         </a:solidFill>
@@ -194,7 +194,7 @@
         <a:sym typeface="Arial"/>
       </a:defRPr>
     </a:lvl6pPr>
-    <a:lvl7pPr lvl="6" marR="0" rtl="0" algn="l">
+    <a:lvl7pPr marR="0" lvl="6" algn="l" rtl="0">
       <a:lnSpc>
         <a:spcPct val="100000"/>
       </a:lnSpc>
@@ -208,7 +208,7 @@
         <a:srgbClr val="000000"/>
       </a:buClr>
       <a:buFont typeface="Arial"/>
-      <a:defRPr b="0" i="0" sz="1400" u="none" cap="none" strike="noStrike">
+      <a:defRPr sz="1400" b="0" i="0" u="none" strike="noStrike" cap="none">
         <a:solidFill>
           <a:srgbClr val="000000"/>
         </a:solidFill>
@@ -218,7 +218,7 @@
         <a:sym typeface="Arial"/>
       </a:defRPr>
     </a:lvl7pPr>
-    <a:lvl8pPr lvl="7" marR="0" rtl="0" algn="l">
+    <a:lvl8pPr marR="0" lvl="7" algn="l" rtl="0">
       <a:lnSpc>
         <a:spcPct val="100000"/>
       </a:lnSpc>
@@ -232,7 +232,7 @@
         <a:srgbClr val="000000"/>
       </a:buClr>
       <a:buFont typeface="Arial"/>
-      <a:defRPr b="0" i="0" sz="1400" u="none" cap="none" strike="noStrike">
+      <a:defRPr sz="1400" b="0" i="0" u="none" strike="noStrike" cap="none">
         <a:solidFill>
           <a:srgbClr val="000000"/>
         </a:solidFill>
@@ -242,7 +242,7 @@
         <a:sym typeface="Arial"/>
       </a:defRPr>
     </a:lvl8pPr>
-    <a:lvl9pPr lvl="8" marR="0" rtl="0" algn="l">
+    <a:lvl9pPr marR="0" lvl="8" algn="l" rtl="0">
       <a:lnSpc>
         <a:spcPct val="100000"/>
       </a:lnSpc>
@@ -256,7 +256,7 @@
         <a:srgbClr val="000000"/>
       </a:buClr>
       <a:buFont typeface="Arial"/>
-      <a:defRPr b="0" i="0" sz="1400" u="none" cap="none" strike="noStrike">
+      <a:defRPr sz="1400" b="0" i="0" u="none" strike="noStrike" cap="none">
         <a:solidFill>
           <a:srgbClr val="000000"/>
         </a:solidFill>
@@ -269,7 +269,7 @@
   </p:defaultTextStyle>
   <p:extLst>
     <p:ext uri="{EFAFB233-063F-42B5-8137-9DF3F51BA10A}">
-      <p15:sldGuideLst>
+      <p15:sldGuideLst xmlns:p15="http://schemas.microsoft.com/office/powerpoint/2012/main">
         <p15:guide id="1" orient="horz" pos="1620">
           <p15:clr>
             <a:srgbClr val="A4A3A4"/>
@@ -286,12 +286,54 @@
 </p:presentation>
 </file>
 
+<file path=ppt/changesInfos/changesInfo1.xml><?xml version="1.0" encoding="utf-8"?>
+<pc:chgInfo xmlns:a="http://schemas.openxmlformats.org/drawingml/2006/main" xmlns:r="http://schemas.openxmlformats.org/officeDocument/2006/relationships" xmlns:ac="http://schemas.microsoft.com/office/drawing/2013/main/command" xmlns:pc="http://schemas.microsoft.com/office/powerpoint/2013/main/command">
+  <pc:docChgLst>
+    <pc:chgData name="Frank Mckenzie-Stripp" userId="1d7dca4b7dda3aab" providerId="LiveId" clId="{54DF188F-4CBC-4E61-9368-76604287AECD}"/>
+    <pc:docChg chg="custSel modSld">
+      <pc:chgData name="Frank Mckenzie-Stripp" userId="1d7dca4b7dda3aab" providerId="LiveId" clId="{54DF188F-4CBC-4E61-9368-76604287AECD}" dt="2022-09-22T12:10:59.531" v="121" actId="20577"/>
+      <pc:docMkLst>
+        <pc:docMk/>
+      </pc:docMkLst>
+      <pc:sldChg chg="modSp mod">
+        <pc:chgData name="Frank Mckenzie-Stripp" userId="1d7dca4b7dda3aab" providerId="LiveId" clId="{54DF188F-4CBC-4E61-9368-76604287AECD}" dt="2022-09-22T12:10:59.531" v="121" actId="20577"/>
+        <pc:sldMkLst>
+          <pc:docMk/>
+          <pc:sldMk cId="0" sldId="258"/>
+        </pc:sldMkLst>
+        <pc:spChg chg="mod">
+          <ac:chgData name="Frank Mckenzie-Stripp" userId="1d7dca4b7dda3aab" providerId="LiveId" clId="{54DF188F-4CBC-4E61-9368-76604287AECD}" dt="2022-09-22T12:10:59.531" v="121" actId="20577"/>
+          <ac:spMkLst>
+            <pc:docMk/>
+            <pc:sldMk cId="0" sldId="258"/>
+            <ac:spMk id="99" creationId="{00000000-0000-0000-0000-000000000000}"/>
+          </ac:spMkLst>
+        </pc:spChg>
+        <pc:picChg chg="mod">
+          <ac:chgData name="Frank Mckenzie-Stripp" userId="1d7dca4b7dda3aab" providerId="LiveId" clId="{54DF188F-4CBC-4E61-9368-76604287AECD}" dt="2022-09-22T12:10:12.673" v="0" actId="1076"/>
+          <ac:picMkLst>
+            <pc:docMk/>
+            <pc:sldMk cId="0" sldId="258"/>
+            <ac:picMk id="100" creationId="{00000000-0000-0000-0000-000000000000}"/>
+          </ac:picMkLst>
+        </pc:picChg>
+      </pc:sldChg>
+    </pc:docChg>
+  </pc:docChgLst>
+</pc:chgInfo>
+</file>
+
 <file path=ppt/notesMasters/notesMaster1.xml><?xml version="1.0" encoding="utf-8"?>
-<p:notesMaster xmlns:a="http://schemas.openxmlformats.org/drawingml/2006/main" xmlns:r="http://schemas.openxmlformats.org/officeDocument/2006/relationships" xmlns:mc="http://schemas.openxmlformats.org/markup-compatibility/2006" xmlns:mv="urn:schemas-microsoft-com:mac:vml" xmlns:p="http://schemas.openxmlformats.org/presentationml/2006/main" xmlns:c="http://schemas.openxmlformats.org/drawingml/2006/chart" xmlns:dgm="http://schemas.openxmlformats.org/drawingml/2006/diagram" xmlns:o="urn:schemas-microsoft-com:office:office" xmlns:v="urn:schemas-microsoft-com:vml" xmlns:pvml="urn:schemas-microsoft-com:office:powerpoint" xmlns:com="http://schemas.openxmlformats.org/drawingml/2006/compatibility" xmlns:p14="http://schemas.microsoft.com/office/powerpoint/2010/main" xmlns:p15="http://schemas.microsoft.com/office/powerpoint/2012/main" xmlns:ahyp="http://schemas.microsoft.com/office/drawing/2018/hyperlinkcolor">
+<p:notesMaster xmlns:a="http://schemas.openxmlformats.org/drawingml/2006/main" xmlns:r="http://schemas.openxmlformats.org/officeDocument/2006/relationships" xmlns:p="http://schemas.openxmlformats.org/presentationml/2006/main">
   <p:cSld>
+    <p:bg>
+      <p:bgRef idx="1001">
+        <a:schemeClr val="bg1"/>
+      </p:bgRef>
+    </p:bg>
     <p:spTree>
       <p:nvGrpSpPr>
-        <p:cNvPr id="2" name="Shape 2"/>
+        <p:cNvPr id="1" name="Shape 2"/>
         <p:cNvGrpSpPr/>
         <p:nvPr/>
       </p:nvGrpSpPr>
@@ -306,9 +348,11 @@
       <p:sp>
         <p:nvSpPr>
           <p:cNvPr id="3" name="Google Shape;3;n"/>
-          <p:cNvSpPr/>
+          <p:cNvSpPr>
+            <a:spLocks noGrp="1" noRot="1" noChangeAspect="1"/>
+          </p:cNvSpPr>
           <p:nvPr>
-            <p:ph idx="2" type="sldImg"/>
+            <p:ph type="sldImg" idx="2"/>
           </p:nvPr>
         </p:nvSpPr>
         <p:spPr>
@@ -317,9 +361,13 @@
             <a:ext cx="6096075" cy="3429000"/>
           </a:xfrm>
           <a:custGeom>
-            <a:rect b="b" l="l" r="r" t="t"/>
+            <a:avLst/>
+            <a:gdLst/>
+            <a:ahLst/>
+            <a:cxnLst/>
+            <a:rect l="l" t="t" r="r" b="b"/>
             <a:pathLst>
-              <a:path extrusionOk="0" h="120000" w="120000">
+              <a:path w="120000" h="120000" extrusionOk="0">
                 <a:moveTo>
                   <a:pt x="0" y="0"/>
                 </a:moveTo>
@@ -337,23 +385,25 @@
             </a:pathLst>
           </a:custGeom>
           <a:noFill/>
-          <a:ln cap="flat" cmpd="sng" w="9525">
+          <a:ln w="9525" cap="flat" cmpd="sng">
             <a:solidFill>
               <a:srgbClr val="000000"/>
             </a:solidFill>
             <a:prstDash val="solid"/>
             <a:round/>
-            <a:headEnd len="sm" w="sm" type="none"/>
-            <a:tailEnd len="sm" w="sm" type="none"/>
+            <a:headEnd type="none" w="sm" len="sm"/>
+            <a:tailEnd type="none" w="sm" len="sm"/>
           </a:ln>
         </p:spPr>
       </p:sp>
       <p:sp>
         <p:nvSpPr>
           <p:cNvPr id="4" name="Google Shape;4;n"/>
-          <p:cNvSpPr txBox="1"/>
+          <p:cNvSpPr txBox="1">
+            <a:spLocks noGrp="1"/>
+          </p:cNvSpPr>
           <p:nvPr>
-            <p:ph idx="1" type="body"/>
+            <p:ph type="body" idx="1"/>
           </p:nvPr>
         </p:nvSpPr>
         <p:spPr>
@@ -370,11 +420,11 @@
           </a:ln>
         </p:spPr>
         <p:txBody>
-          <a:bodyPr anchorCtr="0" anchor="t" bIns="91425" lIns="91425" spcFirstLastPara="1" rIns="91425" wrap="square" tIns="91425">
+          <a:bodyPr spcFirstLastPara="1" wrap="square" lIns="91425" tIns="91425" rIns="91425" bIns="91425" anchor="t" anchorCtr="0">
             <a:noAutofit/>
           </a:bodyPr>
           <a:lstStyle>
-            <a:lvl1pPr indent="-298450" lvl="0" marL="457200">
+            <a:lvl1pPr marL="457200" lvl="0" indent="-298450">
               <a:spcBef>
                 <a:spcPts val="0"/>
               </a:spcBef>
@@ -385,7 +435,7 @@
               <a:buChar char="●"/>
               <a:defRPr sz="1100"/>
             </a:lvl1pPr>
-            <a:lvl2pPr indent="-298450" lvl="1" marL="914400">
+            <a:lvl2pPr marL="914400" lvl="1" indent="-298450">
               <a:spcBef>
                 <a:spcPts val="0"/>
               </a:spcBef>
@@ -396,7 +446,7 @@
               <a:buChar char="○"/>
               <a:defRPr sz="1100"/>
             </a:lvl2pPr>
-            <a:lvl3pPr indent="-298450" lvl="2" marL="1371600">
+            <a:lvl3pPr marL="1371600" lvl="2" indent="-298450">
               <a:spcBef>
                 <a:spcPts val="0"/>
               </a:spcBef>
@@ -407,7 +457,7 @@
               <a:buChar char="■"/>
               <a:defRPr sz="1100"/>
             </a:lvl3pPr>
-            <a:lvl4pPr indent="-298450" lvl="3" marL="1828800">
+            <a:lvl4pPr marL="1828800" lvl="3" indent="-298450">
               <a:spcBef>
                 <a:spcPts val="0"/>
               </a:spcBef>
@@ -418,7 +468,7 @@
               <a:buChar char="●"/>
               <a:defRPr sz="1100"/>
             </a:lvl4pPr>
-            <a:lvl5pPr indent="-298450" lvl="4" marL="2286000">
+            <a:lvl5pPr marL="2286000" lvl="4" indent="-298450">
               <a:spcBef>
                 <a:spcPts val="0"/>
               </a:spcBef>
@@ -429,7 +479,7 @@
               <a:buChar char="○"/>
               <a:defRPr sz="1100"/>
             </a:lvl5pPr>
-            <a:lvl6pPr indent="-298450" lvl="5" marL="2743200">
+            <a:lvl6pPr marL="2743200" lvl="5" indent="-298450">
               <a:spcBef>
                 <a:spcPts val="0"/>
               </a:spcBef>
@@ -440,7 +490,7 @@
               <a:buChar char="■"/>
               <a:defRPr sz="1100"/>
             </a:lvl6pPr>
-            <a:lvl7pPr indent="-298450" lvl="6" marL="3200400">
+            <a:lvl7pPr marL="3200400" lvl="6" indent="-298450">
               <a:spcBef>
                 <a:spcPts val="0"/>
               </a:spcBef>
@@ -451,7 +501,7 @@
               <a:buChar char="●"/>
               <a:defRPr sz="1100"/>
             </a:lvl7pPr>
-            <a:lvl8pPr indent="-298450" lvl="7" marL="3657600">
+            <a:lvl8pPr marL="3657600" lvl="7" indent="-298450">
               <a:spcBef>
                 <a:spcPts val="0"/>
               </a:spcBef>
@@ -462,7 +512,7 @@
               <a:buChar char="○"/>
               <a:defRPr sz="1100"/>
             </a:lvl8pPr>
-            <a:lvl9pPr indent="-298450" lvl="8" marL="4114800">
+            <a:lvl9pPr marL="4114800" lvl="8" indent="-298450">
               <a:spcBef>
                 <a:spcPts val="0"/>
               </a:spcBef>
@@ -474,14 +524,16 @@
               <a:defRPr sz="1100"/>
             </a:lvl9pPr>
           </a:lstStyle>
-          <a:p/>
+          <a:p>
+            <a:endParaRPr/>
+          </a:p>
         </p:txBody>
       </p:sp>
     </p:spTree>
   </p:cSld>
-  <p:clrMap accent1="accent1" accent2="accent2" accent3="accent3" accent4="accent4" accent5="accent5" accent6="accent6" bg1="lt1" bg2="dk2" tx1="dk1" tx2="lt2" folHlink="folHlink" hlink="hlink"/>
+  <p:clrMap bg1="lt1" tx1="dk1" bg2="dk2" tx2="lt2" accent1="accent1" accent2="accent2" accent3="accent3" accent4="accent4" accent5="accent5" accent6="accent6" hlink="hlink" folHlink="folHlink"/>
   <p:notesStyle>
-    <a:defPPr lvl="0" marR="0" rtl="0" algn="l">
+    <a:defPPr marR="0" lvl="0" algn="l" rtl="0">
       <a:lnSpc>
         <a:spcPct val="100000"/>
       </a:lnSpc>
@@ -492,7 +544,7 @@
         <a:spcPts val="0"/>
       </a:spcAft>
     </a:defPPr>
-    <a:lvl1pPr lvl="0" marR="0" rtl="0" algn="l">
+    <a:lvl1pPr marR="0" lvl="0" algn="l" rtl="0">
       <a:lnSpc>
         <a:spcPct val="100000"/>
       </a:lnSpc>
@@ -506,7 +558,7 @@
         <a:srgbClr val="000000"/>
       </a:buClr>
       <a:buFont typeface="Arial"/>
-      <a:defRPr b="0" i="0" sz="1400" u="none" cap="none" strike="noStrike">
+      <a:defRPr sz="1400" b="0" i="0" u="none" strike="noStrike" cap="none">
         <a:solidFill>
           <a:srgbClr val="000000"/>
         </a:solidFill>
@@ -516,7 +568,7 @@
         <a:sym typeface="Arial"/>
       </a:defRPr>
     </a:lvl1pPr>
-    <a:lvl2pPr lvl="1" marR="0" rtl="0" algn="l">
+    <a:lvl2pPr marR="0" lvl="1" algn="l" rtl="0">
       <a:lnSpc>
         <a:spcPct val="100000"/>
       </a:lnSpc>
@@ -530,7 +582,7 @@
         <a:srgbClr val="000000"/>
       </a:buClr>
       <a:buFont typeface="Arial"/>
-      <a:defRPr b="0" i="0" sz="1400" u="none" cap="none" strike="noStrike">
+      <a:defRPr sz="1400" b="0" i="0" u="none" strike="noStrike" cap="none">
         <a:solidFill>
           <a:srgbClr val="000000"/>
         </a:solidFill>
@@ -540,7 +592,7 @@
         <a:sym typeface="Arial"/>
       </a:defRPr>
     </a:lvl2pPr>
-    <a:lvl3pPr lvl="2" marR="0" rtl="0" algn="l">
+    <a:lvl3pPr marR="0" lvl="2" algn="l" rtl="0">
       <a:lnSpc>
         <a:spcPct val="100000"/>
       </a:lnSpc>
@@ -554,7 +606,7 @@
         <a:srgbClr val="000000"/>
       </a:buClr>
       <a:buFont typeface="Arial"/>
-      <a:defRPr b="0" i="0" sz="1400" u="none" cap="none" strike="noStrike">
+      <a:defRPr sz="1400" b="0" i="0" u="none" strike="noStrike" cap="none">
         <a:solidFill>
           <a:srgbClr val="000000"/>
         </a:solidFill>
@@ -564,7 +616,7 @@
         <a:sym typeface="Arial"/>
       </a:defRPr>
     </a:lvl3pPr>
-    <a:lvl4pPr lvl="3" marR="0" rtl="0" algn="l">
+    <a:lvl4pPr marR="0" lvl="3" algn="l" rtl="0">
       <a:lnSpc>
         <a:spcPct val="100000"/>
       </a:lnSpc>
@@ -578,7 +630,7 @@
         <a:srgbClr val="000000"/>
       </a:buClr>
       <a:buFont typeface="Arial"/>
-      <a:defRPr b="0" i="0" sz="1400" u="none" cap="none" strike="noStrike">
+      <a:defRPr sz="1400" b="0" i="0" u="none" strike="noStrike" cap="none">
         <a:solidFill>
           <a:srgbClr val="000000"/>
         </a:solidFill>
@@ -588,7 +640,7 @@
         <a:sym typeface="Arial"/>
       </a:defRPr>
     </a:lvl4pPr>
-    <a:lvl5pPr lvl="4" marR="0" rtl="0" algn="l">
+    <a:lvl5pPr marR="0" lvl="4" algn="l" rtl="0">
       <a:lnSpc>
         <a:spcPct val="100000"/>
       </a:lnSpc>
@@ -602,7 +654,7 @@
         <a:srgbClr val="000000"/>
       </a:buClr>
       <a:buFont typeface="Arial"/>
-      <a:defRPr b="0" i="0" sz="1400" u="none" cap="none" strike="noStrike">
+      <a:defRPr sz="1400" b="0" i="0" u="none" strike="noStrike" cap="none">
         <a:solidFill>
           <a:srgbClr val="000000"/>
         </a:solidFill>
@@ -612,7 +664,7 @@
         <a:sym typeface="Arial"/>
       </a:defRPr>
     </a:lvl5pPr>
-    <a:lvl6pPr lvl="5" marR="0" rtl="0" algn="l">
+    <a:lvl6pPr marR="0" lvl="5" algn="l" rtl="0">
       <a:lnSpc>
         <a:spcPct val="100000"/>
       </a:lnSpc>
@@ -626,7 +678,7 @@
         <a:srgbClr val="000000"/>
       </a:buClr>
       <a:buFont typeface="Arial"/>
-      <a:defRPr b="0" i="0" sz="1400" u="none" cap="none" strike="noStrike">
+      <a:defRPr sz="1400" b="0" i="0" u="none" strike="noStrike" cap="none">
         <a:solidFill>
           <a:srgbClr val="000000"/>
         </a:solidFill>
@@ -636,7 +688,7 @@
         <a:sym typeface="Arial"/>
       </a:defRPr>
     </a:lvl6pPr>
-    <a:lvl7pPr lvl="6" marR="0" rtl="0" algn="l">
+    <a:lvl7pPr marR="0" lvl="6" algn="l" rtl="0">
       <a:lnSpc>
         <a:spcPct val="100000"/>
       </a:lnSpc>
@@ -650,7 +702,7 @@
         <a:srgbClr val="000000"/>
       </a:buClr>
       <a:buFont typeface="Arial"/>
-      <a:defRPr b="0" i="0" sz="1400" u="none" cap="none" strike="noStrike">
+      <a:defRPr sz="1400" b="0" i="0" u="none" strike="noStrike" cap="none">
         <a:solidFill>
           <a:srgbClr val="000000"/>
         </a:solidFill>
@@ -660,7 +712,7 @@
         <a:sym typeface="Arial"/>
       </a:defRPr>
     </a:lvl7pPr>
-    <a:lvl8pPr lvl="7" marR="0" rtl="0" algn="l">
+    <a:lvl8pPr marR="0" lvl="7" algn="l" rtl="0">
       <a:lnSpc>
         <a:spcPct val="100000"/>
       </a:lnSpc>
@@ -674,7 +726,7 @@
         <a:srgbClr val="000000"/>
       </a:buClr>
       <a:buFont typeface="Arial"/>
-      <a:defRPr b="0" i="0" sz="1400" u="none" cap="none" strike="noStrike">
+      <a:defRPr sz="1400" b="0" i="0" u="none" strike="noStrike" cap="none">
         <a:solidFill>
           <a:srgbClr val="000000"/>
         </a:solidFill>
@@ -684,7 +736,7 @@
         <a:sym typeface="Arial"/>
       </a:defRPr>
     </a:lvl8pPr>
-    <a:lvl9pPr lvl="8" marR="0" rtl="0" algn="l">
+    <a:lvl9pPr marR="0" lvl="8" algn="l" rtl="0">
       <a:lnSpc>
         <a:spcPct val="100000"/>
       </a:lnSpc>
@@ -698,7 +750,7 @@
         <a:srgbClr val="000000"/>
       </a:buClr>
       <a:buFont typeface="Arial"/>
-      <a:defRPr b="0" i="0" sz="1400" u="none" cap="none" strike="noStrike">
+      <a:defRPr sz="1400" b="0" i="0" u="none" strike="noStrike" cap="none">
         <a:solidFill>
           <a:srgbClr val="000000"/>
         </a:solidFill>
@@ -713,11 +765,11 @@
 </file>
 
 <file path=ppt/notesSlides/notesSlide1.xml><?xml version="1.0" encoding="utf-8"?>
-<p:notes xmlns:a="http://schemas.openxmlformats.org/drawingml/2006/main" xmlns:r="http://schemas.openxmlformats.org/officeDocument/2006/relationships" xmlns:mc="http://schemas.openxmlformats.org/markup-compatibility/2006" xmlns:mv="urn:schemas-microsoft-com:mac:vml" xmlns:p="http://schemas.openxmlformats.org/presentationml/2006/main" xmlns:c="http://schemas.openxmlformats.org/drawingml/2006/chart" xmlns:dgm="http://schemas.openxmlformats.org/drawingml/2006/diagram" xmlns:o="urn:schemas-microsoft-com:office:office" xmlns:v="urn:schemas-microsoft-com:vml" xmlns:pvml="urn:schemas-microsoft-com:office:powerpoint" xmlns:com="http://schemas.openxmlformats.org/drawingml/2006/compatibility" xmlns:p14="http://schemas.microsoft.com/office/powerpoint/2010/main" xmlns:p15="http://schemas.microsoft.com/office/powerpoint/2012/main" xmlns:ahyp="http://schemas.microsoft.com/office/drawing/2018/hyperlinkcolor" showMasterPhAnim="0" showMasterSp="0">
+<p:notes xmlns:a="http://schemas.openxmlformats.org/drawingml/2006/main" xmlns:r="http://schemas.openxmlformats.org/officeDocument/2006/relationships" xmlns:p="http://schemas.openxmlformats.org/presentationml/2006/main" showMasterSp="0" showMasterPhAnim="0">
   <p:cSld>
     <p:spTree>
       <p:nvGrpSpPr>
-        <p:cNvPr id="81" name="Shape 81"/>
+        <p:cNvPr id="1" name="Shape 81"/>
         <p:cNvGrpSpPr/>
         <p:nvPr/>
       </p:nvGrpSpPr>
@@ -732,9 +784,11 @@
       <p:sp>
         <p:nvSpPr>
           <p:cNvPr id="82" name="Google Shape;82;p:notes"/>
-          <p:cNvSpPr/>
+          <p:cNvSpPr>
+            <a:spLocks noGrp="1" noRot="1" noChangeAspect="1"/>
+          </p:cNvSpPr>
           <p:nvPr>
-            <p:ph idx="2" type="sldImg"/>
+            <p:ph type="sldImg" idx="2"/>
           </p:nvPr>
         </p:nvSpPr>
         <p:spPr>
@@ -743,9 +797,13 @@
             <a:ext cx="6096075" cy="3429000"/>
           </a:xfrm>
           <a:custGeom>
-            <a:rect b="b" l="l" r="r" t="t"/>
+            <a:avLst/>
+            <a:gdLst/>
+            <a:ahLst/>
+            <a:cxnLst/>
+            <a:rect l="l" t="t" r="r" b="b"/>
             <a:pathLst>
-              <a:path extrusionOk="0" h="120000" w="120000">
+              <a:path w="120000" h="120000" extrusionOk="0">
                 <a:moveTo>
                   <a:pt x="0" y="0"/>
                 </a:moveTo>
@@ -767,9 +825,11 @@
       <p:sp>
         <p:nvSpPr>
           <p:cNvPr id="83" name="Google Shape;83;p:notes"/>
-          <p:cNvSpPr txBox="1"/>
+          <p:cNvSpPr txBox="1">
+            <a:spLocks noGrp="1"/>
+          </p:cNvSpPr>
           <p:nvPr>
-            <p:ph idx="1" type="body"/>
+            <p:ph type="body" idx="1"/>
           </p:nvPr>
         </p:nvSpPr>
         <p:spPr>
@@ -782,12 +842,12 @@
           </a:prstGeom>
         </p:spPr>
         <p:txBody>
-          <a:bodyPr anchorCtr="0" anchor="t" bIns="91425" lIns="91425" spcFirstLastPara="1" rIns="91425" wrap="square" tIns="91425">
+          <a:bodyPr spcFirstLastPara="1" wrap="square" lIns="91425" tIns="91425" rIns="91425" bIns="91425" anchor="t" anchorCtr="0">
             <a:noAutofit/>
           </a:bodyPr>
           <a:lstStyle/>
           <a:p>
-            <a:pPr indent="0" lvl="0" marL="0" rtl="0" algn="l">
+            <a:pPr marL="0" lvl="0" indent="0" algn="l" rtl="0">
               <a:spcBef>
                 <a:spcPts val="0"/>
               </a:spcBef>
@@ -796,9 +856,6 @@
               </a:spcAft>
               <a:buNone/>
             </a:pPr>
-            <a:r>
-              <a:t/>
-            </a:r>
             <a:endParaRPr/>
           </a:p>
         </p:txBody>
@@ -812,11 +869,11 @@
 </file>
 
 <file path=ppt/notesSlides/notesSlide10.xml><?xml version="1.0" encoding="utf-8"?>
-<p:notes xmlns:a="http://schemas.openxmlformats.org/drawingml/2006/main" xmlns:r="http://schemas.openxmlformats.org/officeDocument/2006/relationships" xmlns:mc="http://schemas.openxmlformats.org/markup-compatibility/2006" xmlns:mv="urn:schemas-microsoft-com:mac:vml" xmlns:p="http://schemas.openxmlformats.org/presentationml/2006/main" xmlns:c="http://schemas.openxmlformats.org/drawingml/2006/chart" xmlns:dgm="http://schemas.openxmlformats.org/drawingml/2006/diagram" xmlns:o="urn:schemas-microsoft-com:office:office" xmlns:v="urn:schemas-microsoft-com:vml" xmlns:pvml="urn:schemas-microsoft-com:office:powerpoint" xmlns:com="http://schemas.openxmlformats.org/drawingml/2006/compatibility" xmlns:p14="http://schemas.microsoft.com/office/powerpoint/2010/main" xmlns:p15="http://schemas.microsoft.com/office/powerpoint/2012/main" xmlns:ahyp="http://schemas.microsoft.com/office/drawing/2018/hyperlinkcolor" showMasterPhAnim="0" showMasterSp="0">
+<p:notes xmlns:a="http://schemas.openxmlformats.org/drawingml/2006/main" xmlns:r="http://schemas.openxmlformats.org/officeDocument/2006/relationships" xmlns:p="http://schemas.openxmlformats.org/presentationml/2006/main" showMasterSp="0" showMasterPhAnim="0">
   <p:cSld>
     <p:spTree>
       <p:nvGrpSpPr>
-        <p:cNvPr id="142" name="Shape 142"/>
+        <p:cNvPr id="1" name="Shape 142"/>
         <p:cNvGrpSpPr/>
         <p:nvPr/>
       </p:nvGrpSpPr>
@@ -831,9 +888,11 @@
       <p:sp>
         <p:nvSpPr>
           <p:cNvPr id="143" name="Google Shape;143;g156e7f6da3c_4_13:notes"/>
-          <p:cNvSpPr/>
+          <p:cNvSpPr>
+            <a:spLocks noGrp="1" noRot="1" noChangeAspect="1"/>
+          </p:cNvSpPr>
           <p:nvPr>
-            <p:ph idx="2" type="sldImg"/>
+            <p:ph type="sldImg" idx="2"/>
           </p:nvPr>
         </p:nvSpPr>
         <p:spPr>
@@ -842,9 +901,13 @@
             <a:ext cx="6096000" cy="3429000"/>
           </a:xfrm>
           <a:custGeom>
-            <a:rect b="b" l="l" r="r" t="t"/>
+            <a:avLst/>
+            <a:gdLst/>
+            <a:ahLst/>
+            <a:cxnLst/>
+            <a:rect l="l" t="t" r="r" b="b"/>
             <a:pathLst>
-              <a:path extrusionOk="0" h="120000" w="120000">
+              <a:path w="120000" h="120000" extrusionOk="0">
                 <a:moveTo>
                   <a:pt x="0" y="0"/>
                 </a:moveTo>
@@ -866,9 +929,11 @@
       <p:sp>
         <p:nvSpPr>
           <p:cNvPr id="144" name="Google Shape;144;g156e7f6da3c_4_13:notes"/>
-          <p:cNvSpPr txBox="1"/>
+          <p:cNvSpPr txBox="1">
+            <a:spLocks noGrp="1"/>
+          </p:cNvSpPr>
           <p:nvPr>
-            <p:ph idx="1" type="body"/>
+            <p:ph type="body" idx="1"/>
           </p:nvPr>
         </p:nvSpPr>
         <p:spPr>
@@ -881,12 +946,12 @@
           </a:prstGeom>
         </p:spPr>
         <p:txBody>
-          <a:bodyPr anchorCtr="0" anchor="t" bIns="91425" lIns="91425" spcFirstLastPara="1" rIns="91425" wrap="square" tIns="91425">
+          <a:bodyPr spcFirstLastPara="1" wrap="square" lIns="91425" tIns="91425" rIns="91425" bIns="91425" anchor="t" anchorCtr="0">
             <a:noAutofit/>
           </a:bodyPr>
           <a:lstStyle/>
           <a:p>
-            <a:pPr indent="0" lvl="0" marL="0" rtl="0" algn="l">
+            <a:pPr marL="0" lvl="0" indent="0" algn="l" rtl="0">
               <a:spcBef>
                 <a:spcPts val="0"/>
               </a:spcBef>
@@ -895,9 +960,6 @@
               </a:spcAft>
               <a:buNone/>
             </a:pPr>
-            <a:r>
-              <a:t/>
-            </a:r>
             <a:endParaRPr/>
           </a:p>
         </p:txBody>
@@ -911,11 +973,11 @@
 </file>
 
 <file path=ppt/notesSlides/notesSlide11.xml><?xml version="1.0" encoding="utf-8"?>
-<p:notes xmlns:a="http://schemas.openxmlformats.org/drawingml/2006/main" xmlns:r="http://schemas.openxmlformats.org/officeDocument/2006/relationships" xmlns:mc="http://schemas.openxmlformats.org/markup-compatibility/2006" xmlns:mv="urn:schemas-microsoft-com:mac:vml" xmlns:p="http://schemas.openxmlformats.org/presentationml/2006/main" xmlns:c="http://schemas.openxmlformats.org/drawingml/2006/chart" xmlns:dgm="http://schemas.openxmlformats.org/drawingml/2006/diagram" xmlns:o="urn:schemas-microsoft-com:office:office" xmlns:v="urn:schemas-microsoft-com:vml" xmlns:pvml="urn:schemas-microsoft-com:office:powerpoint" xmlns:com="http://schemas.openxmlformats.org/drawingml/2006/compatibility" xmlns:p14="http://schemas.microsoft.com/office/powerpoint/2010/main" xmlns:p15="http://schemas.microsoft.com/office/powerpoint/2012/main" xmlns:ahyp="http://schemas.microsoft.com/office/drawing/2018/hyperlinkcolor" showMasterPhAnim="0" showMasterSp="0">
+<p:notes xmlns:a="http://schemas.openxmlformats.org/drawingml/2006/main" xmlns:r="http://schemas.openxmlformats.org/officeDocument/2006/relationships" xmlns:p="http://schemas.openxmlformats.org/presentationml/2006/main" showMasterSp="0" showMasterPhAnim="0">
   <p:cSld>
     <p:spTree>
       <p:nvGrpSpPr>
-        <p:cNvPr id="149" name="Shape 149"/>
+        <p:cNvPr id="1" name="Shape 149"/>
         <p:cNvGrpSpPr/>
         <p:nvPr/>
       </p:nvGrpSpPr>
@@ -930,9 +992,11 @@
       <p:sp>
         <p:nvSpPr>
           <p:cNvPr id="150" name="Google Shape;150;g156e7f6da3c_4_19:notes"/>
-          <p:cNvSpPr/>
+          <p:cNvSpPr>
+            <a:spLocks noGrp="1" noRot="1" noChangeAspect="1"/>
+          </p:cNvSpPr>
           <p:nvPr>
-            <p:ph idx="2" type="sldImg"/>
+            <p:ph type="sldImg" idx="2"/>
           </p:nvPr>
         </p:nvSpPr>
         <p:spPr>
@@ -941,9 +1005,13 @@
             <a:ext cx="6096000" cy="3429000"/>
           </a:xfrm>
           <a:custGeom>
-            <a:rect b="b" l="l" r="r" t="t"/>
+            <a:avLst/>
+            <a:gdLst/>
+            <a:ahLst/>
+            <a:cxnLst/>
+            <a:rect l="l" t="t" r="r" b="b"/>
             <a:pathLst>
-              <a:path extrusionOk="0" h="120000" w="120000">
+              <a:path w="120000" h="120000" extrusionOk="0">
                 <a:moveTo>
                   <a:pt x="0" y="0"/>
                 </a:moveTo>
@@ -965,9 +1033,11 @@
       <p:sp>
         <p:nvSpPr>
           <p:cNvPr id="151" name="Google Shape;151;g156e7f6da3c_4_19:notes"/>
-          <p:cNvSpPr txBox="1"/>
+          <p:cNvSpPr txBox="1">
+            <a:spLocks noGrp="1"/>
+          </p:cNvSpPr>
           <p:nvPr>
-            <p:ph idx="1" type="body"/>
+            <p:ph type="body" idx="1"/>
           </p:nvPr>
         </p:nvSpPr>
         <p:spPr>
@@ -980,12 +1050,12 @@
           </a:prstGeom>
         </p:spPr>
         <p:txBody>
-          <a:bodyPr anchorCtr="0" anchor="t" bIns="91425" lIns="91425" spcFirstLastPara="1" rIns="91425" wrap="square" tIns="91425">
+          <a:bodyPr spcFirstLastPara="1" wrap="square" lIns="91425" tIns="91425" rIns="91425" bIns="91425" anchor="t" anchorCtr="0">
             <a:noAutofit/>
           </a:bodyPr>
           <a:lstStyle/>
           <a:p>
-            <a:pPr indent="0" lvl="0" marL="0" rtl="0" algn="l">
+            <a:pPr marL="0" lvl="0" indent="0" algn="l" rtl="0">
               <a:spcBef>
                 <a:spcPts val="0"/>
               </a:spcBef>
@@ -994,9 +1064,6 @@
               </a:spcAft>
               <a:buNone/>
             </a:pPr>
-            <a:r>
-              <a:t/>
-            </a:r>
             <a:endParaRPr/>
           </a:p>
         </p:txBody>
@@ -1010,11 +1077,11 @@
 </file>
 
 <file path=ppt/notesSlides/notesSlide12.xml><?xml version="1.0" encoding="utf-8"?>
-<p:notes xmlns:a="http://schemas.openxmlformats.org/drawingml/2006/main" xmlns:r="http://schemas.openxmlformats.org/officeDocument/2006/relationships" xmlns:mc="http://schemas.openxmlformats.org/markup-compatibility/2006" xmlns:mv="urn:schemas-microsoft-com:mac:vml" xmlns:p="http://schemas.openxmlformats.org/presentationml/2006/main" xmlns:c="http://schemas.openxmlformats.org/drawingml/2006/chart" xmlns:dgm="http://schemas.openxmlformats.org/drawingml/2006/diagram" xmlns:o="urn:schemas-microsoft-com:office:office" xmlns:v="urn:schemas-microsoft-com:vml" xmlns:pvml="urn:schemas-microsoft-com:office:powerpoint" xmlns:com="http://schemas.openxmlformats.org/drawingml/2006/compatibility" xmlns:p14="http://schemas.microsoft.com/office/powerpoint/2010/main" xmlns:p15="http://schemas.microsoft.com/office/powerpoint/2012/main" xmlns:ahyp="http://schemas.microsoft.com/office/drawing/2018/hyperlinkcolor" showMasterPhAnim="0" showMasterSp="0">
+<p:notes xmlns:a="http://schemas.openxmlformats.org/drawingml/2006/main" xmlns:r="http://schemas.openxmlformats.org/officeDocument/2006/relationships" xmlns:p="http://schemas.openxmlformats.org/presentationml/2006/main" showMasterSp="0" showMasterPhAnim="0">
   <p:cSld>
     <p:spTree>
       <p:nvGrpSpPr>
-        <p:cNvPr id="156" name="Shape 156"/>
+        <p:cNvPr id="1" name="Shape 156"/>
         <p:cNvGrpSpPr/>
         <p:nvPr/>
       </p:nvGrpSpPr>
@@ -1029,9 +1096,11 @@
       <p:sp>
         <p:nvSpPr>
           <p:cNvPr id="157" name="Google Shape;157;g156e7f6da3c_4_25:notes"/>
-          <p:cNvSpPr/>
+          <p:cNvSpPr>
+            <a:spLocks noGrp="1" noRot="1" noChangeAspect="1"/>
+          </p:cNvSpPr>
           <p:nvPr>
-            <p:ph idx="2" type="sldImg"/>
+            <p:ph type="sldImg" idx="2"/>
           </p:nvPr>
         </p:nvSpPr>
         <p:spPr>
@@ -1040,9 +1109,13 @@
             <a:ext cx="6096000" cy="3429000"/>
           </a:xfrm>
           <a:custGeom>
-            <a:rect b="b" l="l" r="r" t="t"/>
+            <a:avLst/>
+            <a:gdLst/>
+            <a:ahLst/>
+            <a:cxnLst/>
+            <a:rect l="l" t="t" r="r" b="b"/>
             <a:pathLst>
-              <a:path extrusionOk="0" h="120000" w="120000">
+              <a:path w="120000" h="120000" extrusionOk="0">
                 <a:moveTo>
                   <a:pt x="0" y="0"/>
                 </a:moveTo>
@@ -1064,9 +1137,11 @@
       <p:sp>
         <p:nvSpPr>
           <p:cNvPr id="158" name="Google Shape;158;g156e7f6da3c_4_25:notes"/>
-          <p:cNvSpPr txBox="1"/>
+          <p:cNvSpPr txBox="1">
+            <a:spLocks noGrp="1"/>
+          </p:cNvSpPr>
           <p:nvPr>
-            <p:ph idx="1" type="body"/>
+            <p:ph type="body" idx="1"/>
           </p:nvPr>
         </p:nvSpPr>
         <p:spPr>
@@ -1079,12 +1154,12 @@
           </a:prstGeom>
         </p:spPr>
         <p:txBody>
-          <a:bodyPr anchorCtr="0" anchor="t" bIns="91425" lIns="91425" spcFirstLastPara="1" rIns="91425" wrap="square" tIns="91425">
+          <a:bodyPr spcFirstLastPara="1" wrap="square" lIns="91425" tIns="91425" rIns="91425" bIns="91425" anchor="t" anchorCtr="0">
             <a:noAutofit/>
           </a:bodyPr>
           <a:lstStyle/>
           <a:p>
-            <a:pPr indent="0" lvl="0" marL="0" rtl="0" algn="l">
+            <a:pPr marL="0" lvl="0" indent="0" algn="l" rtl="0">
               <a:spcBef>
                 <a:spcPts val="0"/>
               </a:spcBef>
@@ -1093,9 +1168,6 @@
               </a:spcAft>
               <a:buNone/>
             </a:pPr>
-            <a:r>
-              <a:t/>
-            </a:r>
             <a:endParaRPr/>
           </a:p>
         </p:txBody>
@@ -1109,11 +1181,11 @@
 </file>
 
 <file path=ppt/notesSlides/notesSlide13.xml><?xml version="1.0" encoding="utf-8"?>
-<p:notes xmlns:a="http://schemas.openxmlformats.org/drawingml/2006/main" xmlns:r="http://schemas.openxmlformats.org/officeDocument/2006/relationships" xmlns:mc="http://schemas.openxmlformats.org/markup-compatibility/2006" xmlns:mv="urn:schemas-microsoft-com:mac:vml" xmlns:p="http://schemas.openxmlformats.org/presentationml/2006/main" xmlns:c="http://schemas.openxmlformats.org/drawingml/2006/chart" xmlns:dgm="http://schemas.openxmlformats.org/drawingml/2006/diagram" xmlns:o="urn:schemas-microsoft-com:office:office" xmlns:v="urn:schemas-microsoft-com:vml" xmlns:pvml="urn:schemas-microsoft-com:office:powerpoint" xmlns:com="http://schemas.openxmlformats.org/drawingml/2006/compatibility" xmlns:p14="http://schemas.microsoft.com/office/powerpoint/2010/main" xmlns:p15="http://schemas.microsoft.com/office/powerpoint/2012/main" xmlns:ahyp="http://schemas.microsoft.com/office/drawing/2018/hyperlinkcolor" showMasterPhAnim="0" showMasterSp="0">
+<p:notes xmlns:a="http://schemas.openxmlformats.org/drawingml/2006/main" xmlns:r="http://schemas.openxmlformats.org/officeDocument/2006/relationships" xmlns:p="http://schemas.openxmlformats.org/presentationml/2006/main" showMasterSp="0" showMasterPhAnim="0">
   <p:cSld>
     <p:spTree>
       <p:nvGrpSpPr>
-        <p:cNvPr id="163" name="Shape 163"/>
+        <p:cNvPr id="1" name="Shape 163"/>
         <p:cNvGrpSpPr/>
         <p:nvPr/>
       </p:nvGrpSpPr>
@@ -1128,9 +1200,11 @@
       <p:sp>
         <p:nvSpPr>
           <p:cNvPr id="164" name="Google Shape;164;g156e7f6da3c_4_31:notes"/>
-          <p:cNvSpPr/>
+          <p:cNvSpPr>
+            <a:spLocks noGrp="1" noRot="1" noChangeAspect="1"/>
+          </p:cNvSpPr>
           <p:nvPr>
-            <p:ph idx="2" type="sldImg"/>
+            <p:ph type="sldImg" idx="2"/>
           </p:nvPr>
         </p:nvSpPr>
         <p:spPr>
@@ -1139,9 +1213,13 @@
             <a:ext cx="6096000" cy="3429000"/>
           </a:xfrm>
           <a:custGeom>
-            <a:rect b="b" l="l" r="r" t="t"/>
+            <a:avLst/>
+            <a:gdLst/>
+            <a:ahLst/>
+            <a:cxnLst/>
+            <a:rect l="l" t="t" r="r" b="b"/>
             <a:pathLst>
-              <a:path extrusionOk="0" h="120000" w="120000">
+              <a:path w="120000" h="120000" extrusionOk="0">
                 <a:moveTo>
                   <a:pt x="0" y="0"/>
                 </a:moveTo>
@@ -1163,9 +1241,11 @@
       <p:sp>
         <p:nvSpPr>
           <p:cNvPr id="165" name="Google Shape;165;g156e7f6da3c_4_31:notes"/>
-          <p:cNvSpPr txBox="1"/>
+          <p:cNvSpPr txBox="1">
+            <a:spLocks noGrp="1"/>
+          </p:cNvSpPr>
           <p:nvPr>
-            <p:ph idx="1" type="body"/>
+            <p:ph type="body" idx="1"/>
           </p:nvPr>
         </p:nvSpPr>
         <p:spPr>
@@ -1178,12 +1258,12 @@
           </a:prstGeom>
         </p:spPr>
         <p:txBody>
-          <a:bodyPr anchorCtr="0" anchor="t" bIns="91425" lIns="91425" spcFirstLastPara="1" rIns="91425" wrap="square" tIns="91425">
+          <a:bodyPr spcFirstLastPara="1" wrap="square" lIns="91425" tIns="91425" rIns="91425" bIns="91425" anchor="t" anchorCtr="0">
             <a:noAutofit/>
           </a:bodyPr>
           <a:lstStyle/>
           <a:p>
-            <a:pPr indent="0" lvl="0" marL="0" rtl="0" algn="l">
+            <a:pPr marL="0" lvl="0" indent="0" algn="l" rtl="0">
               <a:spcBef>
                 <a:spcPts val="0"/>
               </a:spcBef>
@@ -1192,9 +1272,6 @@
               </a:spcAft>
               <a:buNone/>
             </a:pPr>
-            <a:r>
-              <a:t/>
-            </a:r>
             <a:endParaRPr/>
           </a:p>
         </p:txBody>
@@ -1208,11 +1285,11 @@
 </file>
 
 <file path=ppt/notesSlides/notesSlide14.xml><?xml version="1.0" encoding="utf-8"?>
-<p:notes xmlns:a="http://schemas.openxmlformats.org/drawingml/2006/main" xmlns:r="http://schemas.openxmlformats.org/officeDocument/2006/relationships" xmlns:mc="http://schemas.openxmlformats.org/markup-compatibility/2006" xmlns:mv="urn:schemas-microsoft-com:mac:vml" xmlns:p="http://schemas.openxmlformats.org/presentationml/2006/main" xmlns:c="http://schemas.openxmlformats.org/drawingml/2006/chart" xmlns:dgm="http://schemas.openxmlformats.org/drawingml/2006/diagram" xmlns:o="urn:schemas-microsoft-com:office:office" xmlns:v="urn:schemas-microsoft-com:vml" xmlns:pvml="urn:schemas-microsoft-com:office:powerpoint" xmlns:com="http://schemas.openxmlformats.org/drawingml/2006/compatibility" xmlns:p14="http://schemas.microsoft.com/office/powerpoint/2010/main" xmlns:p15="http://schemas.microsoft.com/office/powerpoint/2012/main" xmlns:ahyp="http://schemas.microsoft.com/office/drawing/2018/hyperlinkcolor" showMasterPhAnim="0" showMasterSp="0">
+<p:notes xmlns:a="http://schemas.openxmlformats.org/drawingml/2006/main" xmlns:r="http://schemas.openxmlformats.org/officeDocument/2006/relationships" xmlns:p="http://schemas.openxmlformats.org/presentationml/2006/main" showMasterSp="0" showMasterPhAnim="0">
   <p:cSld>
     <p:spTree>
       <p:nvGrpSpPr>
-        <p:cNvPr id="170" name="Shape 170"/>
+        <p:cNvPr id="1" name="Shape 170"/>
         <p:cNvGrpSpPr/>
         <p:nvPr/>
       </p:nvGrpSpPr>
@@ -1227,9 +1304,11 @@
       <p:sp>
         <p:nvSpPr>
           <p:cNvPr id="171" name="Google Shape;171;g156e7f6da3c_4_37:notes"/>
-          <p:cNvSpPr/>
+          <p:cNvSpPr>
+            <a:spLocks noGrp="1" noRot="1" noChangeAspect="1"/>
+          </p:cNvSpPr>
           <p:nvPr>
-            <p:ph idx="2" type="sldImg"/>
+            <p:ph type="sldImg" idx="2"/>
           </p:nvPr>
         </p:nvSpPr>
         <p:spPr>
@@ -1238,9 +1317,13 @@
             <a:ext cx="6096000" cy="3429000"/>
           </a:xfrm>
           <a:custGeom>
-            <a:rect b="b" l="l" r="r" t="t"/>
+            <a:avLst/>
+            <a:gdLst/>
+            <a:ahLst/>
+            <a:cxnLst/>
+            <a:rect l="l" t="t" r="r" b="b"/>
             <a:pathLst>
-              <a:path extrusionOk="0" h="120000" w="120000">
+              <a:path w="120000" h="120000" extrusionOk="0">
                 <a:moveTo>
                   <a:pt x="0" y="0"/>
                 </a:moveTo>
@@ -1262,9 +1345,11 @@
       <p:sp>
         <p:nvSpPr>
           <p:cNvPr id="172" name="Google Shape;172;g156e7f6da3c_4_37:notes"/>
-          <p:cNvSpPr txBox="1"/>
+          <p:cNvSpPr txBox="1">
+            <a:spLocks noGrp="1"/>
+          </p:cNvSpPr>
           <p:nvPr>
-            <p:ph idx="1" type="body"/>
+            <p:ph type="body" idx="1"/>
           </p:nvPr>
         </p:nvSpPr>
         <p:spPr>
@@ -1277,12 +1362,12 @@
           </a:prstGeom>
         </p:spPr>
         <p:txBody>
-          <a:bodyPr anchorCtr="0" anchor="t" bIns="91425" lIns="91425" spcFirstLastPara="1" rIns="91425" wrap="square" tIns="91425">
+          <a:bodyPr spcFirstLastPara="1" wrap="square" lIns="91425" tIns="91425" rIns="91425" bIns="91425" anchor="t" anchorCtr="0">
             <a:noAutofit/>
           </a:bodyPr>
           <a:lstStyle/>
           <a:p>
-            <a:pPr indent="0" lvl="0" marL="0" rtl="0" algn="l">
+            <a:pPr marL="0" lvl="0" indent="0" algn="l" rtl="0">
               <a:spcBef>
                 <a:spcPts val="0"/>
               </a:spcBef>
@@ -1291,9 +1376,6 @@
               </a:spcAft>
               <a:buNone/>
             </a:pPr>
-            <a:r>
-              <a:t/>
-            </a:r>
             <a:endParaRPr/>
           </a:p>
         </p:txBody>
@@ -1307,11 +1389,11 @@
 </file>
 
 <file path=ppt/notesSlides/notesSlide15.xml><?xml version="1.0" encoding="utf-8"?>
-<p:notes xmlns:a="http://schemas.openxmlformats.org/drawingml/2006/main" xmlns:r="http://schemas.openxmlformats.org/officeDocument/2006/relationships" xmlns:mc="http://schemas.openxmlformats.org/markup-compatibility/2006" xmlns:mv="urn:schemas-microsoft-com:mac:vml" xmlns:p="http://schemas.openxmlformats.org/presentationml/2006/main" xmlns:c="http://schemas.openxmlformats.org/drawingml/2006/chart" xmlns:dgm="http://schemas.openxmlformats.org/drawingml/2006/diagram" xmlns:o="urn:schemas-microsoft-com:office:office" xmlns:v="urn:schemas-microsoft-com:vml" xmlns:pvml="urn:schemas-microsoft-com:office:powerpoint" xmlns:com="http://schemas.openxmlformats.org/drawingml/2006/compatibility" xmlns:p14="http://schemas.microsoft.com/office/powerpoint/2010/main" xmlns:p15="http://schemas.microsoft.com/office/powerpoint/2012/main" xmlns:ahyp="http://schemas.microsoft.com/office/drawing/2018/hyperlinkcolor" showMasterPhAnim="0" showMasterSp="0">
+<p:notes xmlns:a="http://schemas.openxmlformats.org/drawingml/2006/main" xmlns:r="http://schemas.openxmlformats.org/officeDocument/2006/relationships" xmlns:p="http://schemas.openxmlformats.org/presentationml/2006/main" showMasterSp="0" showMasterPhAnim="0">
   <p:cSld>
     <p:spTree>
       <p:nvGrpSpPr>
-        <p:cNvPr id="177" name="Shape 177"/>
+        <p:cNvPr id="1" name="Shape 177"/>
         <p:cNvGrpSpPr/>
         <p:nvPr/>
       </p:nvGrpSpPr>
@@ -1326,9 +1408,11 @@
       <p:sp>
         <p:nvSpPr>
           <p:cNvPr id="178" name="Google Shape;178;g156e7f6da3c_0_121:notes"/>
-          <p:cNvSpPr/>
+          <p:cNvSpPr>
+            <a:spLocks noGrp="1" noRot="1" noChangeAspect="1"/>
+          </p:cNvSpPr>
           <p:nvPr>
-            <p:ph idx="2" type="sldImg"/>
+            <p:ph type="sldImg" idx="2"/>
           </p:nvPr>
         </p:nvSpPr>
         <p:spPr>
@@ -1337,9 +1421,13 @@
             <a:ext cx="6096000" cy="3429000"/>
           </a:xfrm>
           <a:custGeom>
-            <a:rect b="b" l="l" r="r" t="t"/>
+            <a:avLst/>
+            <a:gdLst/>
+            <a:ahLst/>
+            <a:cxnLst/>
+            <a:rect l="l" t="t" r="r" b="b"/>
             <a:pathLst>
-              <a:path extrusionOk="0" h="120000" w="120000">
+              <a:path w="120000" h="120000" extrusionOk="0">
                 <a:moveTo>
                   <a:pt x="0" y="0"/>
                 </a:moveTo>
@@ -1361,9 +1449,11 @@
       <p:sp>
         <p:nvSpPr>
           <p:cNvPr id="179" name="Google Shape;179;g156e7f6da3c_0_121:notes"/>
-          <p:cNvSpPr txBox="1"/>
+          <p:cNvSpPr txBox="1">
+            <a:spLocks noGrp="1"/>
+          </p:cNvSpPr>
           <p:nvPr>
-            <p:ph idx="1" type="body"/>
+            <p:ph type="body" idx="1"/>
           </p:nvPr>
         </p:nvSpPr>
         <p:spPr>
@@ -1376,12 +1466,12 @@
           </a:prstGeom>
         </p:spPr>
         <p:txBody>
-          <a:bodyPr anchorCtr="0" anchor="t" bIns="91425" lIns="91425" spcFirstLastPara="1" rIns="91425" wrap="square" tIns="91425">
+          <a:bodyPr spcFirstLastPara="1" wrap="square" lIns="91425" tIns="91425" rIns="91425" bIns="91425" anchor="t" anchorCtr="0">
             <a:noAutofit/>
           </a:bodyPr>
           <a:lstStyle/>
           <a:p>
-            <a:pPr indent="0" lvl="0" marL="0" rtl="0" algn="l">
+            <a:pPr marL="0" lvl="0" indent="0" algn="l" rtl="0">
               <a:spcBef>
                 <a:spcPts val="0"/>
               </a:spcBef>
@@ -1390,9 +1480,6 @@
               </a:spcAft>
               <a:buNone/>
             </a:pPr>
-            <a:r>
-              <a:t/>
-            </a:r>
             <a:endParaRPr/>
           </a:p>
         </p:txBody>
@@ -1406,11 +1493,11 @@
 </file>
 
 <file path=ppt/notesSlides/notesSlide16.xml><?xml version="1.0" encoding="utf-8"?>
-<p:notes xmlns:a="http://schemas.openxmlformats.org/drawingml/2006/main" xmlns:r="http://schemas.openxmlformats.org/officeDocument/2006/relationships" xmlns:mc="http://schemas.openxmlformats.org/markup-compatibility/2006" xmlns:mv="urn:schemas-microsoft-com:mac:vml" xmlns:p="http://schemas.openxmlformats.org/presentationml/2006/main" xmlns:c="http://schemas.openxmlformats.org/drawingml/2006/chart" xmlns:dgm="http://schemas.openxmlformats.org/drawingml/2006/diagram" xmlns:o="urn:schemas-microsoft-com:office:office" xmlns:v="urn:schemas-microsoft-com:vml" xmlns:pvml="urn:schemas-microsoft-com:office:powerpoint" xmlns:com="http://schemas.openxmlformats.org/drawingml/2006/compatibility" xmlns:p14="http://schemas.microsoft.com/office/powerpoint/2010/main" xmlns:p15="http://schemas.microsoft.com/office/powerpoint/2012/main" xmlns:ahyp="http://schemas.microsoft.com/office/drawing/2018/hyperlinkcolor" showMasterPhAnim="0" showMasterSp="0">
+<p:notes xmlns:a="http://schemas.openxmlformats.org/drawingml/2006/main" xmlns:r="http://schemas.openxmlformats.org/officeDocument/2006/relationships" xmlns:p="http://schemas.openxmlformats.org/presentationml/2006/main" showMasterSp="0" showMasterPhAnim="0">
   <p:cSld>
     <p:spTree>
       <p:nvGrpSpPr>
-        <p:cNvPr id="185" name="Shape 185"/>
+        <p:cNvPr id="1" name="Shape 185"/>
         <p:cNvGrpSpPr/>
         <p:nvPr/>
       </p:nvGrpSpPr>
@@ -1425,9 +1512,11 @@
       <p:sp>
         <p:nvSpPr>
           <p:cNvPr id="186" name="Google Shape;186;g156e7f6da3c_0_103:notes"/>
-          <p:cNvSpPr/>
+          <p:cNvSpPr>
+            <a:spLocks noGrp="1" noRot="1" noChangeAspect="1"/>
+          </p:cNvSpPr>
           <p:nvPr>
-            <p:ph idx="2" type="sldImg"/>
+            <p:ph type="sldImg" idx="2"/>
           </p:nvPr>
         </p:nvSpPr>
         <p:spPr>
@@ -1436,9 +1525,13 @@
             <a:ext cx="6096000" cy="3429000"/>
           </a:xfrm>
           <a:custGeom>
-            <a:rect b="b" l="l" r="r" t="t"/>
+            <a:avLst/>
+            <a:gdLst/>
+            <a:ahLst/>
+            <a:cxnLst/>
+            <a:rect l="l" t="t" r="r" b="b"/>
             <a:pathLst>
-              <a:path extrusionOk="0" h="120000" w="120000">
+              <a:path w="120000" h="120000" extrusionOk="0">
                 <a:moveTo>
                   <a:pt x="0" y="0"/>
                 </a:moveTo>
@@ -1460,9 +1553,11 @@
       <p:sp>
         <p:nvSpPr>
           <p:cNvPr id="187" name="Google Shape;187;g156e7f6da3c_0_103:notes"/>
-          <p:cNvSpPr txBox="1"/>
+          <p:cNvSpPr txBox="1">
+            <a:spLocks noGrp="1"/>
+          </p:cNvSpPr>
           <p:nvPr>
-            <p:ph idx="1" type="body"/>
+            <p:ph type="body" idx="1"/>
           </p:nvPr>
         </p:nvSpPr>
         <p:spPr>
@@ -1475,12 +1570,12 @@
           </a:prstGeom>
         </p:spPr>
         <p:txBody>
-          <a:bodyPr anchorCtr="0" anchor="t" bIns="91425" lIns="91425" spcFirstLastPara="1" rIns="91425" wrap="square" tIns="91425">
+          <a:bodyPr spcFirstLastPara="1" wrap="square" lIns="91425" tIns="91425" rIns="91425" bIns="91425" anchor="t" anchorCtr="0">
             <a:noAutofit/>
           </a:bodyPr>
           <a:lstStyle/>
           <a:p>
-            <a:pPr indent="0" lvl="0" marL="0" rtl="0" algn="l">
+            <a:pPr marL="0" lvl="0" indent="0" algn="l" rtl="0">
               <a:spcBef>
                 <a:spcPts val="0"/>
               </a:spcBef>
@@ -1489,9 +1584,6 @@
               </a:spcAft>
               <a:buNone/>
             </a:pPr>
-            <a:r>
-              <a:t/>
-            </a:r>
             <a:endParaRPr/>
           </a:p>
         </p:txBody>
@@ -1505,11 +1597,11 @@
 </file>
 
 <file path=ppt/notesSlides/notesSlide17.xml><?xml version="1.0" encoding="utf-8"?>
-<p:notes xmlns:a="http://schemas.openxmlformats.org/drawingml/2006/main" xmlns:r="http://schemas.openxmlformats.org/officeDocument/2006/relationships" xmlns:mc="http://schemas.openxmlformats.org/markup-compatibility/2006" xmlns:mv="urn:schemas-microsoft-com:mac:vml" xmlns:p="http://schemas.openxmlformats.org/presentationml/2006/main" xmlns:c="http://schemas.openxmlformats.org/drawingml/2006/chart" xmlns:dgm="http://schemas.openxmlformats.org/drawingml/2006/diagram" xmlns:o="urn:schemas-microsoft-com:office:office" xmlns:v="urn:schemas-microsoft-com:vml" xmlns:pvml="urn:schemas-microsoft-com:office:powerpoint" xmlns:com="http://schemas.openxmlformats.org/drawingml/2006/compatibility" xmlns:p14="http://schemas.microsoft.com/office/powerpoint/2010/main" xmlns:p15="http://schemas.microsoft.com/office/powerpoint/2012/main" xmlns:ahyp="http://schemas.microsoft.com/office/drawing/2018/hyperlinkcolor" showMasterPhAnim="0" showMasterSp="0">
+<p:notes xmlns:a="http://schemas.openxmlformats.org/drawingml/2006/main" xmlns:r="http://schemas.openxmlformats.org/officeDocument/2006/relationships" xmlns:p="http://schemas.openxmlformats.org/presentationml/2006/main" showMasterSp="0" showMasterPhAnim="0">
   <p:cSld>
     <p:spTree>
       <p:nvGrpSpPr>
-        <p:cNvPr id="191" name="Shape 191"/>
+        <p:cNvPr id="1" name="Shape 191"/>
         <p:cNvGrpSpPr/>
         <p:nvPr/>
       </p:nvGrpSpPr>
@@ -1524,9 +1616,11 @@
       <p:sp>
         <p:nvSpPr>
           <p:cNvPr id="192" name="Google Shape;192;g156e7f6da3c_0_108:notes"/>
-          <p:cNvSpPr/>
+          <p:cNvSpPr>
+            <a:spLocks noGrp="1" noRot="1" noChangeAspect="1"/>
+          </p:cNvSpPr>
           <p:nvPr>
-            <p:ph idx="2" type="sldImg"/>
+            <p:ph type="sldImg" idx="2"/>
           </p:nvPr>
         </p:nvSpPr>
         <p:spPr>
@@ -1535,9 +1629,13 @@
             <a:ext cx="6096000" cy="3429000"/>
           </a:xfrm>
           <a:custGeom>
-            <a:rect b="b" l="l" r="r" t="t"/>
+            <a:avLst/>
+            <a:gdLst/>
+            <a:ahLst/>
+            <a:cxnLst/>
+            <a:rect l="l" t="t" r="r" b="b"/>
             <a:pathLst>
-              <a:path extrusionOk="0" h="120000" w="120000">
+              <a:path w="120000" h="120000" extrusionOk="0">
                 <a:moveTo>
                   <a:pt x="0" y="0"/>
                 </a:moveTo>
@@ -1559,9 +1657,11 @@
       <p:sp>
         <p:nvSpPr>
           <p:cNvPr id="193" name="Google Shape;193;g156e7f6da3c_0_108:notes"/>
-          <p:cNvSpPr txBox="1"/>
+          <p:cNvSpPr txBox="1">
+            <a:spLocks noGrp="1"/>
+          </p:cNvSpPr>
           <p:nvPr>
-            <p:ph idx="1" type="body"/>
+            <p:ph type="body" idx="1"/>
           </p:nvPr>
         </p:nvSpPr>
         <p:spPr>
@@ -1574,12 +1674,12 @@
           </a:prstGeom>
         </p:spPr>
         <p:txBody>
-          <a:bodyPr anchorCtr="0" anchor="t" bIns="91425" lIns="91425" spcFirstLastPara="1" rIns="91425" wrap="square" tIns="91425">
+          <a:bodyPr spcFirstLastPara="1" wrap="square" lIns="91425" tIns="91425" rIns="91425" bIns="91425" anchor="t" anchorCtr="0">
             <a:noAutofit/>
           </a:bodyPr>
           <a:lstStyle/>
           <a:p>
-            <a:pPr indent="0" lvl="0" marL="0" rtl="0" algn="l">
+            <a:pPr marL="0" lvl="0" indent="0" algn="l" rtl="0">
               <a:spcBef>
                 <a:spcPts val="0"/>
               </a:spcBef>
@@ -1588,9 +1688,6 @@
               </a:spcAft>
               <a:buNone/>
             </a:pPr>
-            <a:r>
-              <a:t/>
-            </a:r>
             <a:endParaRPr/>
           </a:p>
         </p:txBody>
@@ -1604,11 +1701,11 @@
 </file>
 
 <file path=ppt/notesSlides/notesSlide18.xml><?xml version="1.0" encoding="utf-8"?>
-<p:notes xmlns:a="http://schemas.openxmlformats.org/drawingml/2006/main" xmlns:r="http://schemas.openxmlformats.org/officeDocument/2006/relationships" xmlns:mc="http://schemas.openxmlformats.org/markup-compatibility/2006" xmlns:mv="urn:schemas-microsoft-com:mac:vml" xmlns:p="http://schemas.openxmlformats.org/presentationml/2006/main" xmlns:c="http://schemas.openxmlformats.org/drawingml/2006/chart" xmlns:dgm="http://schemas.openxmlformats.org/drawingml/2006/diagram" xmlns:o="urn:schemas-microsoft-com:office:office" xmlns:v="urn:schemas-microsoft-com:vml" xmlns:pvml="urn:schemas-microsoft-com:office:powerpoint" xmlns:com="http://schemas.openxmlformats.org/drawingml/2006/compatibility" xmlns:p14="http://schemas.microsoft.com/office/powerpoint/2010/main" xmlns:p15="http://schemas.microsoft.com/office/powerpoint/2012/main" xmlns:ahyp="http://schemas.microsoft.com/office/drawing/2018/hyperlinkcolor" showMasterPhAnim="0" showMasterSp="0">
+<p:notes xmlns:a="http://schemas.openxmlformats.org/drawingml/2006/main" xmlns:r="http://schemas.openxmlformats.org/officeDocument/2006/relationships" xmlns:p="http://schemas.openxmlformats.org/presentationml/2006/main" showMasterSp="0" showMasterPhAnim="0">
   <p:cSld>
     <p:spTree>
       <p:nvGrpSpPr>
-        <p:cNvPr id="197" name="Shape 197"/>
+        <p:cNvPr id="1" name="Shape 197"/>
         <p:cNvGrpSpPr/>
         <p:nvPr/>
       </p:nvGrpSpPr>
@@ -1623,9 +1720,11 @@
       <p:sp>
         <p:nvSpPr>
           <p:cNvPr id="198" name="Google Shape;198;g157cd330988_3_5:notes"/>
-          <p:cNvSpPr/>
+          <p:cNvSpPr>
+            <a:spLocks noGrp="1" noRot="1" noChangeAspect="1"/>
+          </p:cNvSpPr>
           <p:nvPr>
-            <p:ph idx="2" type="sldImg"/>
+            <p:ph type="sldImg" idx="2"/>
           </p:nvPr>
         </p:nvSpPr>
         <p:spPr>
@@ -1634,9 +1733,13 @@
             <a:ext cx="6096000" cy="3429000"/>
           </a:xfrm>
           <a:custGeom>
-            <a:rect b="b" l="l" r="r" t="t"/>
+            <a:avLst/>
+            <a:gdLst/>
+            <a:ahLst/>
+            <a:cxnLst/>
+            <a:rect l="l" t="t" r="r" b="b"/>
             <a:pathLst>
-              <a:path extrusionOk="0" h="120000" w="120000">
+              <a:path w="120000" h="120000" extrusionOk="0">
                 <a:moveTo>
                   <a:pt x="0" y="0"/>
                 </a:moveTo>
@@ -1658,9 +1761,11 @@
       <p:sp>
         <p:nvSpPr>
           <p:cNvPr id="199" name="Google Shape;199;g157cd330988_3_5:notes"/>
-          <p:cNvSpPr txBox="1"/>
+          <p:cNvSpPr txBox="1">
+            <a:spLocks noGrp="1"/>
+          </p:cNvSpPr>
           <p:nvPr>
-            <p:ph idx="1" type="body"/>
+            <p:ph type="body" idx="1"/>
           </p:nvPr>
         </p:nvSpPr>
         <p:spPr>
@@ -1673,12 +1778,12 @@
           </a:prstGeom>
         </p:spPr>
         <p:txBody>
-          <a:bodyPr anchorCtr="0" anchor="t" bIns="91425" lIns="91425" spcFirstLastPara="1" rIns="91425" wrap="square" tIns="91425">
+          <a:bodyPr spcFirstLastPara="1" wrap="square" lIns="91425" tIns="91425" rIns="91425" bIns="91425" anchor="t" anchorCtr="0">
             <a:noAutofit/>
           </a:bodyPr>
           <a:lstStyle/>
           <a:p>
-            <a:pPr indent="0" lvl="0" marL="0" rtl="0" algn="l">
+            <a:pPr marL="0" lvl="0" indent="0" algn="l" rtl="0">
               <a:spcBef>
                 <a:spcPts val="0"/>
               </a:spcBef>
@@ -1687,9 +1792,6 @@
               </a:spcAft>
               <a:buNone/>
             </a:pPr>
-            <a:r>
-              <a:t/>
-            </a:r>
             <a:endParaRPr/>
           </a:p>
         </p:txBody>
@@ -1703,11 +1805,11 @@
 </file>
 
 <file path=ppt/notesSlides/notesSlide2.xml><?xml version="1.0" encoding="utf-8"?>
-<p:notes xmlns:a="http://schemas.openxmlformats.org/drawingml/2006/main" xmlns:r="http://schemas.openxmlformats.org/officeDocument/2006/relationships" xmlns:mc="http://schemas.openxmlformats.org/markup-compatibility/2006" xmlns:mv="urn:schemas-microsoft-com:mac:vml" xmlns:p="http://schemas.openxmlformats.org/presentationml/2006/main" xmlns:c="http://schemas.openxmlformats.org/drawingml/2006/chart" xmlns:dgm="http://schemas.openxmlformats.org/drawingml/2006/diagram" xmlns:o="urn:schemas-microsoft-com:office:office" xmlns:v="urn:schemas-microsoft-com:vml" xmlns:pvml="urn:schemas-microsoft-com:office:powerpoint" xmlns:com="http://schemas.openxmlformats.org/drawingml/2006/compatibility" xmlns:p14="http://schemas.microsoft.com/office/powerpoint/2010/main" xmlns:p15="http://schemas.microsoft.com/office/powerpoint/2012/main" xmlns:ahyp="http://schemas.microsoft.com/office/drawing/2018/hyperlinkcolor" showMasterPhAnim="0" showMasterSp="0">
+<p:notes xmlns:a="http://schemas.openxmlformats.org/drawingml/2006/main" xmlns:r="http://schemas.openxmlformats.org/officeDocument/2006/relationships" xmlns:p="http://schemas.openxmlformats.org/presentationml/2006/main" showMasterSp="0" showMasterPhAnim="0">
   <p:cSld>
     <p:spTree>
       <p:nvGrpSpPr>
-        <p:cNvPr id="87" name="Shape 87"/>
+        <p:cNvPr id="1" name="Shape 87"/>
         <p:cNvGrpSpPr/>
         <p:nvPr/>
       </p:nvGrpSpPr>
@@ -1722,9 +1824,11 @@
       <p:sp>
         <p:nvSpPr>
           <p:cNvPr id="88" name="Google Shape;88;g156e7f6da3c_0_92:notes"/>
-          <p:cNvSpPr/>
+          <p:cNvSpPr>
+            <a:spLocks noGrp="1" noRot="1" noChangeAspect="1"/>
+          </p:cNvSpPr>
           <p:nvPr>
-            <p:ph idx="2" type="sldImg"/>
+            <p:ph type="sldImg" idx="2"/>
           </p:nvPr>
         </p:nvSpPr>
         <p:spPr>
@@ -1733,9 +1837,13 @@
             <a:ext cx="6096000" cy="3429000"/>
           </a:xfrm>
           <a:custGeom>
-            <a:rect b="b" l="l" r="r" t="t"/>
+            <a:avLst/>
+            <a:gdLst/>
+            <a:ahLst/>
+            <a:cxnLst/>
+            <a:rect l="l" t="t" r="r" b="b"/>
             <a:pathLst>
-              <a:path extrusionOk="0" h="120000" w="120000">
+              <a:path w="120000" h="120000" extrusionOk="0">
                 <a:moveTo>
                   <a:pt x="0" y="0"/>
                 </a:moveTo>
@@ -1757,9 +1865,11 @@
       <p:sp>
         <p:nvSpPr>
           <p:cNvPr id="89" name="Google Shape;89;g156e7f6da3c_0_92:notes"/>
-          <p:cNvSpPr txBox="1"/>
+          <p:cNvSpPr txBox="1">
+            <a:spLocks noGrp="1"/>
+          </p:cNvSpPr>
           <p:nvPr>
-            <p:ph idx="1" type="body"/>
+            <p:ph type="body" idx="1"/>
           </p:nvPr>
         </p:nvSpPr>
         <p:spPr>
@@ -1772,12 +1882,12 @@
           </a:prstGeom>
         </p:spPr>
         <p:txBody>
-          <a:bodyPr anchorCtr="0" anchor="t" bIns="91425" lIns="91425" spcFirstLastPara="1" rIns="91425" wrap="square" tIns="91425">
+          <a:bodyPr spcFirstLastPara="1" wrap="square" lIns="91425" tIns="91425" rIns="91425" bIns="91425" anchor="t" anchorCtr="0">
             <a:noAutofit/>
           </a:bodyPr>
           <a:lstStyle/>
           <a:p>
-            <a:pPr indent="0" lvl="0" marL="0" rtl="0" algn="l">
+            <a:pPr marL="0" lvl="0" indent="0" algn="l" rtl="0">
               <a:spcBef>
                 <a:spcPts val="0"/>
               </a:spcBef>
@@ -1786,9 +1896,6 @@
               </a:spcAft>
               <a:buNone/>
             </a:pPr>
-            <a:r>
-              <a:t/>
-            </a:r>
             <a:endParaRPr/>
           </a:p>
         </p:txBody>
@@ -1802,11 +1909,11 @@
 </file>
 
 <file path=ppt/notesSlides/notesSlide3.xml><?xml version="1.0" encoding="utf-8"?>
-<p:notes xmlns:a="http://schemas.openxmlformats.org/drawingml/2006/main" xmlns:r="http://schemas.openxmlformats.org/officeDocument/2006/relationships" xmlns:mc="http://schemas.openxmlformats.org/markup-compatibility/2006" xmlns:mv="urn:schemas-microsoft-com:mac:vml" xmlns:p="http://schemas.openxmlformats.org/presentationml/2006/main" xmlns:c="http://schemas.openxmlformats.org/drawingml/2006/chart" xmlns:dgm="http://schemas.openxmlformats.org/drawingml/2006/diagram" xmlns:o="urn:schemas-microsoft-com:office:office" xmlns:v="urn:schemas-microsoft-com:vml" xmlns:pvml="urn:schemas-microsoft-com:office:powerpoint" xmlns:com="http://schemas.openxmlformats.org/drawingml/2006/compatibility" xmlns:p14="http://schemas.microsoft.com/office/powerpoint/2010/main" xmlns:p15="http://schemas.microsoft.com/office/powerpoint/2012/main" xmlns:ahyp="http://schemas.microsoft.com/office/drawing/2018/hyperlinkcolor" showMasterPhAnim="0" showMasterSp="0">
+<p:notes xmlns:a="http://schemas.openxmlformats.org/drawingml/2006/main" xmlns:r="http://schemas.openxmlformats.org/officeDocument/2006/relationships" xmlns:p="http://schemas.openxmlformats.org/presentationml/2006/main" showMasterSp="0" showMasterPhAnim="0">
   <p:cSld>
     <p:spTree>
       <p:nvGrpSpPr>
-        <p:cNvPr id="94" name="Shape 94"/>
+        <p:cNvPr id="1" name="Shape 94"/>
         <p:cNvGrpSpPr/>
         <p:nvPr/>
       </p:nvGrpSpPr>
@@ -1821,20 +1928,26 @@
       <p:sp>
         <p:nvSpPr>
           <p:cNvPr id="95" name="Google Shape;95;g156e7f6da3c_4_46:notes"/>
-          <p:cNvSpPr/>
+          <p:cNvSpPr>
+            <a:spLocks noGrp="1" noRot="1" noChangeAspect="1"/>
+          </p:cNvSpPr>
           <p:nvPr>
-            <p:ph idx="2" type="sldImg"/>
+            <p:ph type="sldImg" idx="2"/>
           </p:nvPr>
         </p:nvSpPr>
         <p:spPr>
           <a:xfrm>
-            <a:off x="381300" y="685800"/>
+            <a:off x="381000" y="685800"/>
             <a:ext cx="6096000" cy="3429000"/>
           </a:xfrm>
           <a:custGeom>
-            <a:rect b="b" l="l" r="r" t="t"/>
+            <a:avLst/>
+            <a:gdLst/>
+            <a:ahLst/>
+            <a:cxnLst/>
+            <a:rect l="l" t="t" r="r" b="b"/>
             <a:pathLst>
-              <a:path extrusionOk="0" h="120000" w="120000">
+              <a:path w="120000" h="120000" extrusionOk="0">
                 <a:moveTo>
                   <a:pt x="0" y="0"/>
                 </a:moveTo>
@@ -1856,9 +1969,11 @@
       <p:sp>
         <p:nvSpPr>
           <p:cNvPr id="96" name="Google Shape;96;g156e7f6da3c_4_46:notes"/>
-          <p:cNvSpPr txBox="1"/>
+          <p:cNvSpPr txBox="1">
+            <a:spLocks noGrp="1"/>
+          </p:cNvSpPr>
           <p:nvPr>
-            <p:ph idx="1" type="body"/>
+            <p:ph type="body" idx="1"/>
           </p:nvPr>
         </p:nvSpPr>
         <p:spPr>
@@ -1871,12 +1986,12 @@
           </a:prstGeom>
         </p:spPr>
         <p:txBody>
-          <a:bodyPr anchorCtr="0" anchor="t" bIns="91425" lIns="91425" spcFirstLastPara="1" rIns="91425" wrap="square" tIns="91425">
+          <a:bodyPr spcFirstLastPara="1" wrap="square" lIns="91425" tIns="91425" rIns="91425" bIns="91425" anchor="t" anchorCtr="0">
             <a:noAutofit/>
           </a:bodyPr>
           <a:lstStyle/>
           <a:p>
-            <a:pPr indent="0" lvl="0" marL="0" rtl="0" algn="l">
+            <a:pPr marL="0" lvl="0" indent="0" algn="l" rtl="0">
               <a:spcBef>
                 <a:spcPts val="0"/>
               </a:spcBef>
@@ -1885,9 +2000,6 @@
               </a:spcAft>
               <a:buNone/>
             </a:pPr>
-            <a:r>
-              <a:t/>
-            </a:r>
             <a:endParaRPr/>
           </a:p>
         </p:txBody>
@@ -1901,11 +2013,11 @@
 </file>
 
 <file path=ppt/notesSlides/notesSlide4.xml><?xml version="1.0" encoding="utf-8"?>
-<p:notes xmlns:a="http://schemas.openxmlformats.org/drawingml/2006/main" xmlns:r="http://schemas.openxmlformats.org/officeDocument/2006/relationships" xmlns:mc="http://schemas.openxmlformats.org/markup-compatibility/2006" xmlns:mv="urn:schemas-microsoft-com:mac:vml" xmlns:p="http://schemas.openxmlformats.org/presentationml/2006/main" xmlns:c="http://schemas.openxmlformats.org/drawingml/2006/chart" xmlns:dgm="http://schemas.openxmlformats.org/drawingml/2006/diagram" xmlns:o="urn:schemas-microsoft-com:office:office" xmlns:v="urn:schemas-microsoft-com:vml" xmlns:pvml="urn:schemas-microsoft-com:office:powerpoint" xmlns:com="http://schemas.openxmlformats.org/drawingml/2006/compatibility" xmlns:p14="http://schemas.microsoft.com/office/powerpoint/2010/main" xmlns:p15="http://schemas.microsoft.com/office/powerpoint/2012/main" xmlns:ahyp="http://schemas.microsoft.com/office/drawing/2018/hyperlinkcolor" showMasterPhAnim="0" showMasterSp="0">
+<p:notes xmlns:a="http://schemas.openxmlformats.org/drawingml/2006/main" xmlns:r="http://schemas.openxmlformats.org/officeDocument/2006/relationships" xmlns:p="http://schemas.openxmlformats.org/presentationml/2006/main" showMasterSp="0" showMasterPhAnim="0">
   <p:cSld>
     <p:spTree>
       <p:nvGrpSpPr>
-        <p:cNvPr id="101" name="Shape 101"/>
+        <p:cNvPr id="1" name="Shape 101"/>
         <p:cNvGrpSpPr/>
         <p:nvPr/>
       </p:nvGrpSpPr>
@@ -1920,9 +2032,11 @@
       <p:sp>
         <p:nvSpPr>
           <p:cNvPr id="102" name="Google Shape;102;g156e7f6da3c_0_86:notes"/>
-          <p:cNvSpPr/>
+          <p:cNvSpPr>
+            <a:spLocks noGrp="1" noRot="1" noChangeAspect="1"/>
+          </p:cNvSpPr>
           <p:nvPr>
-            <p:ph idx="2" type="sldImg"/>
+            <p:ph type="sldImg" idx="2"/>
           </p:nvPr>
         </p:nvSpPr>
         <p:spPr>
@@ -1931,9 +2045,13 @@
             <a:ext cx="6096000" cy="3429000"/>
           </a:xfrm>
           <a:custGeom>
-            <a:rect b="b" l="l" r="r" t="t"/>
+            <a:avLst/>
+            <a:gdLst/>
+            <a:ahLst/>
+            <a:cxnLst/>
+            <a:rect l="l" t="t" r="r" b="b"/>
             <a:pathLst>
-              <a:path extrusionOk="0" h="120000" w="120000">
+              <a:path w="120000" h="120000" extrusionOk="0">
                 <a:moveTo>
                   <a:pt x="0" y="0"/>
                 </a:moveTo>
@@ -1955,9 +2073,11 @@
       <p:sp>
         <p:nvSpPr>
           <p:cNvPr id="103" name="Google Shape;103;g156e7f6da3c_0_86:notes"/>
-          <p:cNvSpPr txBox="1"/>
+          <p:cNvSpPr txBox="1">
+            <a:spLocks noGrp="1"/>
+          </p:cNvSpPr>
           <p:nvPr>
-            <p:ph idx="1" type="body"/>
+            <p:ph type="body" idx="1"/>
           </p:nvPr>
         </p:nvSpPr>
         <p:spPr>
@@ -1970,12 +2090,12 @@
           </a:prstGeom>
         </p:spPr>
         <p:txBody>
-          <a:bodyPr anchorCtr="0" anchor="t" bIns="91425" lIns="91425" spcFirstLastPara="1" rIns="91425" wrap="square" tIns="91425">
+          <a:bodyPr spcFirstLastPara="1" wrap="square" lIns="91425" tIns="91425" rIns="91425" bIns="91425" anchor="t" anchorCtr="0">
             <a:noAutofit/>
           </a:bodyPr>
           <a:lstStyle/>
           <a:p>
-            <a:pPr indent="0" lvl="0" marL="0" rtl="0" algn="l">
+            <a:pPr marL="0" lvl="0" indent="0" algn="l" rtl="0">
               <a:spcBef>
                 <a:spcPts val="0"/>
               </a:spcBef>
@@ -1984,9 +2104,6 @@
               </a:spcAft>
               <a:buNone/>
             </a:pPr>
-            <a:r>
-              <a:t/>
-            </a:r>
             <a:endParaRPr/>
           </a:p>
         </p:txBody>
@@ -2000,11 +2117,11 @@
 </file>
 
 <file path=ppt/notesSlides/notesSlide5.xml><?xml version="1.0" encoding="utf-8"?>
-<p:notes xmlns:a="http://schemas.openxmlformats.org/drawingml/2006/main" xmlns:r="http://schemas.openxmlformats.org/officeDocument/2006/relationships" xmlns:mc="http://schemas.openxmlformats.org/markup-compatibility/2006" xmlns:mv="urn:schemas-microsoft-com:mac:vml" xmlns:p="http://schemas.openxmlformats.org/presentationml/2006/main" xmlns:c="http://schemas.openxmlformats.org/drawingml/2006/chart" xmlns:dgm="http://schemas.openxmlformats.org/drawingml/2006/diagram" xmlns:o="urn:schemas-microsoft-com:office:office" xmlns:v="urn:schemas-microsoft-com:vml" xmlns:pvml="urn:schemas-microsoft-com:office:powerpoint" xmlns:com="http://schemas.openxmlformats.org/drawingml/2006/compatibility" xmlns:p14="http://schemas.microsoft.com/office/powerpoint/2010/main" xmlns:p15="http://schemas.microsoft.com/office/powerpoint/2012/main" xmlns:ahyp="http://schemas.microsoft.com/office/drawing/2018/hyperlinkcolor" showMasterPhAnim="0" showMasterSp="0">
+<p:notes xmlns:a="http://schemas.openxmlformats.org/drawingml/2006/main" xmlns:r="http://schemas.openxmlformats.org/officeDocument/2006/relationships" xmlns:p="http://schemas.openxmlformats.org/presentationml/2006/main" showMasterSp="0" showMasterPhAnim="0">
   <p:cSld>
     <p:spTree>
       <p:nvGrpSpPr>
-        <p:cNvPr id="108" name="Shape 108"/>
+        <p:cNvPr id="1" name="Shape 108"/>
         <p:cNvGrpSpPr/>
         <p:nvPr/>
       </p:nvGrpSpPr>
@@ -2019,9 +2136,11 @@
       <p:sp>
         <p:nvSpPr>
           <p:cNvPr id="109" name="Google Shape;109;g156e7f6da3c_0_98:notes"/>
-          <p:cNvSpPr/>
+          <p:cNvSpPr>
+            <a:spLocks noGrp="1" noRot="1" noChangeAspect="1"/>
+          </p:cNvSpPr>
           <p:nvPr>
-            <p:ph idx="2" type="sldImg"/>
+            <p:ph type="sldImg" idx="2"/>
           </p:nvPr>
         </p:nvSpPr>
         <p:spPr>
@@ -2030,9 +2149,13 @@
             <a:ext cx="6096000" cy="3429000"/>
           </a:xfrm>
           <a:custGeom>
-            <a:rect b="b" l="l" r="r" t="t"/>
+            <a:avLst/>
+            <a:gdLst/>
+            <a:ahLst/>
+            <a:cxnLst/>
+            <a:rect l="l" t="t" r="r" b="b"/>
             <a:pathLst>
-              <a:path extrusionOk="0" h="120000" w="120000">
+              <a:path w="120000" h="120000" extrusionOk="0">
                 <a:moveTo>
                   <a:pt x="0" y="0"/>
                 </a:moveTo>
@@ -2054,9 +2177,11 @@
       <p:sp>
         <p:nvSpPr>
           <p:cNvPr id="110" name="Google Shape;110;g156e7f6da3c_0_98:notes"/>
-          <p:cNvSpPr txBox="1"/>
+          <p:cNvSpPr txBox="1">
+            <a:spLocks noGrp="1"/>
+          </p:cNvSpPr>
           <p:nvPr>
-            <p:ph idx="1" type="body"/>
+            <p:ph type="body" idx="1"/>
           </p:nvPr>
         </p:nvSpPr>
         <p:spPr>
@@ -2069,12 +2194,12 @@
           </a:prstGeom>
         </p:spPr>
         <p:txBody>
-          <a:bodyPr anchorCtr="0" anchor="t" bIns="91425" lIns="91425" spcFirstLastPara="1" rIns="91425" wrap="square" tIns="91425">
+          <a:bodyPr spcFirstLastPara="1" wrap="square" lIns="91425" tIns="91425" rIns="91425" bIns="91425" anchor="t" anchorCtr="0">
             <a:noAutofit/>
           </a:bodyPr>
           <a:lstStyle/>
           <a:p>
-            <a:pPr indent="0" lvl="0" marL="0" rtl="0" algn="l">
+            <a:pPr marL="0" lvl="0" indent="0" algn="l" rtl="0">
               <a:spcBef>
                 <a:spcPts val="0"/>
               </a:spcBef>
@@ -2083,9 +2208,6 @@
               </a:spcAft>
               <a:buNone/>
             </a:pPr>
-            <a:r>
-              <a:t/>
-            </a:r>
             <a:endParaRPr/>
           </a:p>
         </p:txBody>
@@ -2099,11 +2221,11 @@
 </file>
 
 <file path=ppt/notesSlides/notesSlide6.xml><?xml version="1.0" encoding="utf-8"?>
-<p:notes xmlns:a="http://schemas.openxmlformats.org/drawingml/2006/main" xmlns:r="http://schemas.openxmlformats.org/officeDocument/2006/relationships" xmlns:mc="http://schemas.openxmlformats.org/markup-compatibility/2006" xmlns:mv="urn:schemas-microsoft-com:mac:vml" xmlns:p="http://schemas.openxmlformats.org/presentationml/2006/main" xmlns:c="http://schemas.openxmlformats.org/drawingml/2006/chart" xmlns:dgm="http://schemas.openxmlformats.org/drawingml/2006/diagram" xmlns:o="urn:schemas-microsoft-com:office:office" xmlns:v="urn:schemas-microsoft-com:vml" xmlns:pvml="urn:schemas-microsoft-com:office:powerpoint" xmlns:com="http://schemas.openxmlformats.org/drawingml/2006/compatibility" xmlns:p14="http://schemas.microsoft.com/office/powerpoint/2010/main" xmlns:p15="http://schemas.microsoft.com/office/powerpoint/2012/main" xmlns:ahyp="http://schemas.microsoft.com/office/drawing/2018/hyperlinkcolor" showMasterPhAnim="0" showMasterSp="0">
+<p:notes xmlns:a="http://schemas.openxmlformats.org/drawingml/2006/main" xmlns:r="http://schemas.openxmlformats.org/officeDocument/2006/relationships" xmlns:p="http://schemas.openxmlformats.org/presentationml/2006/main" showMasterSp="0" showMasterPhAnim="0">
   <p:cSld>
     <p:spTree>
       <p:nvGrpSpPr>
-        <p:cNvPr id="114" name="Shape 114"/>
+        <p:cNvPr id="1" name="Shape 114"/>
         <p:cNvGrpSpPr/>
         <p:nvPr/>
       </p:nvGrpSpPr>
@@ -2118,9 +2240,11 @@
       <p:sp>
         <p:nvSpPr>
           <p:cNvPr id="115" name="Google Shape;115;g156e7f6da3c_0_76:notes"/>
-          <p:cNvSpPr/>
+          <p:cNvSpPr>
+            <a:spLocks noGrp="1" noRot="1" noChangeAspect="1"/>
+          </p:cNvSpPr>
           <p:nvPr>
-            <p:ph idx="2" type="sldImg"/>
+            <p:ph type="sldImg" idx="2"/>
           </p:nvPr>
         </p:nvSpPr>
         <p:spPr>
@@ -2129,9 +2253,13 @@
             <a:ext cx="6096000" cy="3429000"/>
           </a:xfrm>
           <a:custGeom>
-            <a:rect b="b" l="l" r="r" t="t"/>
+            <a:avLst/>
+            <a:gdLst/>
+            <a:ahLst/>
+            <a:cxnLst/>
+            <a:rect l="l" t="t" r="r" b="b"/>
             <a:pathLst>
-              <a:path extrusionOk="0" h="120000" w="120000">
+              <a:path w="120000" h="120000" extrusionOk="0">
                 <a:moveTo>
                   <a:pt x="0" y="0"/>
                 </a:moveTo>
@@ -2153,9 +2281,11 @@
       <p:sp>
         <p:nvSpPr>
           <p:cNvPr id="116" name="Google Shape;116;g156e7f6da3c_0_76:notes"/>
-          <p:cNvSpPr txBox="1"/>
+          <p:cNvSpPr txBox="1">
+            <a:spLocks noGrp="1"/>
+          </p:cNvSpPr>
           <p:nvPr>
-            <p:ph idx="1" type="body"/>
+            <p:ph type="body" idx="1"/>
           </p:nvPr>
         </p:nvSpPr>
         <p:spPr>
@@ -2168,12 +2298,12 @@
           </a:prstGeom>
         </p:spPr>
         <p:txBody>
-          <a:bodyPr anchorCtr="0" anchor="t" bIns="91425" lIns="91425" spcFirstLastPara="1" rIns="91425" wrap="square" tIns="91425">
+          <a:bodyPr spcFirstLastPara="1" wrap="square" lIns="91425" tIns="91425" rIns="91425" bIns="91425" anchor="t" anchorCtr="0">
             <a:noAutofit/>
           </a:bodyPr>
           <a:lstStyle/>
           <a:p>
-            <a:pPr indent="0" lvl="0" marL="0" rtl="0" algn="l">
+            <a:pPr marL="0" lvl="0" indent="0" algn="l" rtl="0">
               <a:spcBef>
                 <a:spcPts val="0"/>
               </a:spcBef>
@@ -2182,9 +2312,6 @@
               </a:spcAft>
               <a:buNone/>
             </a:pPr>
-            <a:r>
-              <a:t/>
-            </a:r>
             <a:endParaRPr/>
           </a:p>
         </p:txBody>
@@ -2198,11 +2325,11 @@
 </file>
 
 <file path=ppt/notesSlides/notesSlide7.xml><?xml version="1.0" encoding="utf-8"?>
-<p:notes xmlns:a="http://schemas.openxmlformats.org/drawingml/2006/main" xmlns:r="http://schemas.openxmlformats.org/officeDocument/2006/relationships" xmlns:mc="http://schemas.openxmlformats.org/markup-compatibility/2006" xmlns:mv="urn:schemas-microsoft-com:mac:vml" xmlns:p="http://schemas.openxmlformats.org/presentationml/2006/main" xmlns:c="http://schemas.openxmlformats.org/drawingml/2006/chart" xmlns:dgm="http://schemas.openxmlformats.org/drawingml/2006/diagram" xmlns:o="urn:schemas-microsoft-com:office:office" xmlns:v="urn:schemas-microsoft-com:vml" xmlns:pvml="urn:schemas-microsoft-com:office:powerpoint" xmlns:com="http://schemas.openxmlformats.org/drawingml/2006/compatibility" xmlns:p14="http://schemas.microsoft.com/office/powerpoint/2010/main" xmlns:p15="http://schemas.microsoft.com/office/powerpoint/2012/main" xmlns:ahyp="http://schemas.microsoft.com/office/drawing/2018/hyperlinkcolor" showMasterPhAnim="0" showMasterSp="0">
+<p:notes xmlns:a="http://schemas.openxmlformats.org/drawingml/2006/main" xmlns:r="http://schemas.openxmlformats.org/officeDocument/2006/relationships" xmlns:p="http://schemas.openxmlformats.org/presentationml/2006/main" showMasterSp="0" showMasterPhAnim="0">
   <p:cSld>
     <p:spTree>
       <p:nvGrpSpPr>
-        <p:cNvPr id="123" name="Shape 123"/>
+        <p:cNvPr id="1" name="Shape 123"/>
         <p:cNvGrpSpPr/>
         <p:nvPr/>
       </p:nvGrpSpPr>
@@ -2217,9 +2344,11 @@
       <p:sp>
         <p:nvSpPr>
           <p:cNvPr id="124" name="Google Shape;124;g156e7f6da3c_0_128:notes"/>
-          <p:cNvSpPr/>
+          <p:cNvSpPr>
+            <a:spLocks noGrp="1" noRot="1" noChangeAspect="1"/>
+          </p:cNvSpPr>
           <p:nvPr>
-            <p:ph idx="2" type="sldImg"/>
+            <p:ph type="sldImg" idx="2"/>
           </p:nvPr>
         </p:nvSpPr>
         <p:spPr>
@@ -2228,9 +2357,13 @@
             <a:ext cx="6096000" cy="3429000"/>
           </a:xfrm>
           <a:custGeom>
-            <a:rect b="b" l="l" r="r" t="t"/>
+            <a:avLst/>
+            <a:gdLst/>
+            <a:ahLst/>
+            <a:cxnLst/>
+            <a:rect l="l" t="t" r="r" b="b"/>
             <a:pathLst>
-              <a:path extrusionOk="0" h="120000" w="120000">
+              <a:path w="120000" h="120000" extrusionOk="0">
                 <a:moveTo>
                   <a:pt x="0" y="0"/>
                 </a:moveTo>
@@ -2252,9 +2385,11 @@
       <p:sp>
         <p:nvSpPr>
           <p:cNvPr id="125" name="Google Shape;125;g156e7f6da3c_0_128:notes"/>
-          <p:cNvSpPr txBox="1"/>
+          <p:cNvSpPr txBox="1">
+            <a:spLocks noGrp="1"/>
+          </p:cNvSpPr>
           <p:nvPr>
-            <p:ph idx="1" type="body"/>
+            <p:ph type="body" idx="1"/>
           </p:nvPr>
         </p:nvSpPr>
         <p:spPr>
@@ -2267,12 +2402,12 @@
           </a:prstGeom>
         </p:spPr>
         <p:txBody>
-          <a:bodyPr anchorCtr="0" anchor="t" bIns="91425" lIns="91425" spcFirstLastPara="1" rIns="91425" wrap="square" tIns="91425">
+          <a:bodyPr spcFirstLastPara="1" wrap="square" lIns="91425" tIns="91425" rIns="91425" bIns="91425" anchor="t" anchorCtr="0">
             <a:noAutofit/>
           </a:bodyPr>
           <a:lstStyle/>
           <a:p>
-            <a:pPr indent="0" lvl="0" marL="0" rtl="0" algn="l">
+            <a:pPr marL="0" lvl="0" indent="0" algn="l" rtl="0">
               <a:spcBef>
                 <a:spcPts val="0"/>
               </a:spcBef>
@@ -2281,9 +2416,6 @@
               </a:spcAft>
               <a:buNone/>
             </a:pPr>
-            <a:r>
-              <a:t/>
-            </a:r>
             <a:endParaRPr/>
           </a:p>
         </p:txBody>
@@ -2297,11 +2429,11 @@
 </file>
 
 <file path=ppt/notesSlides/notesSlide8.xml><?xml version="1.0" encoding="utf-8"?>
-<p:notes xmlns:a="http://schemas.openxmlformats.org/drawingml/2006/main" xmlns:r="http://schemas.openxmlformats.org/officeDocument/2006/relationships" xmlns:mc="http://schemas.openxmlformats.org/markup-compatibility/2006" xmlns:mv="urn:schemas-microsoft-com:mac:vml" xmlns:p="http://schemas.openxmlformats.org/presentationml/2006/main" xmlns:c="http://schemas.openxmlformats.org/drawingml/2006/chart" xmlns:dgm="http://schemas.openxmlformats.org/drawingml/2006/diagram" xmlns:o="urn:schemas-microsoft-com:office:office" xmlns:v="urn:schemas-microsoft-com:vml" xmlns:pvml="urn:schemas-microsoft-com:office:powerpoint" xmlns:com="http://schemas.openxmlformats.org/drawingml/2006/compatibility" xmlns:p14="http://schemas.microsoft.com/office/powerpoint/2010/main" xmlns:p15="http://schemas.microsoft.com/office/powerpoint/2012/main" xmlns:ahyp="http://schemas.microsoft.com/office/drawing/2018/hyperlinkcolor" showMasterPhAnim="0" showMasterSp="0">
+<p:notes xmlns:a="http://schemas.openxmlformats.org/drawingml/2006/main" xmlns:r="http://schemas.openxmlformats.org/officeDocument/2006/relationships" xmlns:p="http://schemas.openxmlformats.org/presentationml/2006/main" showMasterSp="0" showMasterPhAnim="0">
   <p:cSld>
     <p:spTree>
       <p:nvGrpSpPr>
-        <p:cNvPr id="129" name="Shape 129"/>
+        <p:cNvPr id="1" name="Shape 129"/>
         <p:cNvGrpSpPr/>
         <p:nvPr/>
       </p:nvGrpSpPr>
@@ -2316,9 +2448,11 @@
       <p:sp>
         <p:nvSpPr>
           <p:cNvPr id="130" name="Google Shape;130;g156e7f6da3c_4_1:notes"/>
-          <p:cNvSpPr/>
+          <p:cNvSpPr>
+            <a:spLocks noGrp="1" noRot="1" noChangeAspect="1"/>
+          </p:cNvSpPr>
           <p:nvPr>
-            <p:ph idx="2" type="sldImg"/>
+            <p:ph type="sldImg" idx="2"/>
           </p:nvPr>
         </p:nvSpPr>
         <p:spPr>
@@ -2327,9 +2461,13 @@
             <a:ext cx="6096000" cy="3429000"/>
           </a:xfrm>
           <a:custGeom>
-            <a:rect b="b" l="l" r="r" t="t"/>
+            <a:avLst/>
+            <a:gdLst/>
+            <a:ahLst/>
+            <a:cxnLst/>
+            <a:rect l="l" t="t" r="r" b="b"/>
             <a:pathLst>
-              <a:path extrusionOk="0" h="120000" w="120000">
+              <a:path w="120000" h="120000" extrusionOk="0">
                 <a:moveTo>
                   <a:pt x="0" y="0"/>
                 </a:moveTo>
@@ -2351,9 +2489,11 @@
       <p:sp>
         <p:nvSpPr>
           <p:cNvPr id="131" name="Google Shape;131;g156e7f6da3c_4_1:notes"/>
-          <p:cNvSpPr txBox="1"/>
+          <p:cNvSpPr txBox="1">
+            <a:spLocks noGrp="1"/>
+          </p:cNvSpPr>
           <p:nvPr>
-            <p:ph idx="1" type="body"/>
+            <p:ph type="body" idx="1"/>
           </p:nvPr>
         </p:nvSpPr>
         <p:spPr>
@@ -2366,12 +2506,12 @@
           </a:prstGeom>
         </p:spPr>
         <p:txBody>
-          <a:bodyPr anchorCtr="0" anchor="t" bIns="91425" lIns="91425" spcFirstLastPara="1" rIns="91425" wrap="square" tIns="91425">
+          <a:bodyPr spcFirstLastPara="1" wrap="square" lIns="91425" tIns="91425" rIns="91425" bIns="91425" anchor="t" anchorCtr="0">
             <a:noAutofit/>
           </a:bodyPr>
           <a:lstStyle/>
           <a:p>
-            <a:pPr indent="0" lvl="0" marL="0" rtl="0" algn="l">
+            <a:pPr marL="0" lvl="0" indent="0" algn="l" rtl="0">
               <a:spcBef>
                 <a:spcPts val="0"/>
               </a:spcBef>
@@ -2380,9 +2520,6 @@
               </a:spcAft>
               <a:buNone/>
             </a:pPr>
-            <a:r>
-              <a:t/>
-            </a:r>
             <a:endParaRPr/>
           </a:p>
         </p:txBody>
@@ -2396,11 +2533,11 @@
 </file>
 
 <file path=ppt/notesSlides/notesSlide9.xml><?xml version="1.0" encoding="utf-8"?>
-<p:notes xmlns:a="http://schemas.openxmlformats.org/drawingml/2006/main" xmlns:r="http://schemas.openxmlformats.org/officeDocument/2006/relationships" xmlns:mc="http://schemas.openxmlformats.org/markup-compatibility/2006" xmlns:mv="urn:schemas-microsoft-com:mac:vml" xmlns:p="http://schemas.openxmlformats.org/presentationml/2006/main" xmlns:c="http://schemas.openxmlformats.org/drawingml/2006/chart" xmlns:dgm="http://schemas.openxmlformats.org/drawingml/2006/diagram" xmlns:o="urn:schemas-microsoft-com:office:office" xmlns:v="urn:schemas-microsoft-com:vml" xmlns:pvml="urn:schemas-microsoft-com:office:powerpoint" xmlns:com="http://schemas.openxmlformats.org/drawingml/2006/compatibility" xmlns:p14="http://schemas.microsoft.com/office/powerpoint/2010/main" xmlns:p15="http://schemas.microsoft.com/office/powerpoint/2012/main" xmlns:ahyp="http://schemas.microsoft.com/office/drawing/2018/hyperlinkcolor" showMasterPhAnim="0" showMasterSp="0">
+<p:notes xmlns:a="http://schemas.openxmlformats.org/drawingml/2006/main" xmlns:r="http://schemas.openxmlformats.org/officeDocument/2006/relationships" xmlns:p="http://schemas.openxmlformats.org/presentationml/2006/main" showMasterSp="0" showMasterPhAnim="0">
   <p:cSld>
     <p:spTree>
       <p:nvGrpSpPr>
-        <p:cNvPr id="136" name="Shape 136"/>
+        <p:cNvPr id="1" name="Shape 136"/>
         <p:cNvGrpSpPr/>
         <p:nvPr/>
       </p:nvGrpSpPr>
@@ -2415,9 +2552,11 @@
       <p:sp>
         <p:nvSpPr>
           <p:cNvPr id="137" name="Google Shape;137;g1576867e4de_0_1:notes"/>
-          <p:cNvSpPr/>
+          <p:cNvSpPr>
+            <a:spLocks noGrp="1" noRot="1" noChangeAspect="1"/>
+          </p:cNvSpPr>
           <p:nvPr>
-            <p:ph idx="2" type="sldImg"/>
+            <p:ph type="sldImg" idx="2"/>
           </p:nvPr>
         </p:nvSpPr>
         <p:spPr>
@@ -2426,9 +2565,13 @@
             <a:ext cx="6096000" cy="3429000"/>
           </a:xfrm>
           <a:custGeom>
-            <a:rect b="b" l="l" r="r" t="t"/>
+            <a:avLst/>
+            <a:gdLst/>
+            <a:ahLst/>
+            <a:cxnLst/>
+            <a:rect l="l" t="t" r="r" b="b"/>
             <a:pathLst>
-              <a:path extrusionOk="0" h="120000" w="120000">
+              <a:path w="120000" h="120000" extrusionOk="0">
                 <a:moveTo>
                   <a:pt x="0" y="0"/>
                 </a:moveTo>
@@ -2450,9 +2593,11 @@
       <p:sp>
         <p:nvSpPr>
           <p:cNvPr id="138" name="Google Shape;138;g1576867e4de_0_1:notes"/>
-          <p:cNvSpPr txBox="1"/>
+          <p:cNvSpPr txBox="1">
+            <a:spLocks noGrp="1"/>
+          </p:cNvSpPr>
           <p:nvPr>
-            <p:ph idx="1" type="body"/>
+            <p:ph type="body" idx="1"/>
           </p:nvPr>
         </p:nvSpPr>
         <p:spPr>
@@ -2465,12 +2610,12 @@
           </a:prstGeom>
         </p:spPr>
         <p:txBody>
-          <a:bodyPr anchorCtr="0" anchor="t" bIns="91425" lIns="91425" spcFirstLastPara="1" rIns="91425" wrap="square" tIns="91425">
+          <a:bodyPr spcFirstLastPara="1" wrap="square" lIns="91425" tIns="91425" rIns="91425" bIns="91425" anchor="t" anchorCtr="0">
             <a:noAutofit/>
           </a:bodyPr>
           <a:lstStyle/>
           <a:p>
-            <a:pPr indent="0" lvl="0" marL="0" rtl="0" algn="l">
+            <a:pPr marL="0" lvl="0" indent="0" algn="l" rtl="0">
               <a:spcBef>
                 <a:spcPts val="0"/>
               </a:spcBef>
@@ -2479,9 +2624,6 @@
               </a:spcAft>
               <a:buNone/>
             </a:pPr>
-            <a:r>
-              <a:t/>
-            </a:r>
             <a:endParaRPr/>
           </a:p>
         </p:txBody>
@@ -2495,18 +2637,19 @@
 </file>
 
 <file path=ppt/slideLayouts/slideLayout1.xml><?xml version="1.0" encoding="utf-8"?>
-<p:sldLayout xmlns:a="http://schemas.openxmlformats.org/drawingml/2006/main" xmlns:r="http://schemas.openxmlformats.org/officeDocument/2006/relationships" xmlns:mc="http://schemas.openxmlformats.org/markup-compatibility/2006" xmlns:mv="urn:schemas-microsoft-com:mac:vml" xmlns:p="http://schemas.openxmlformats.org/presentationml/2006/main" xmlns:c="http://schemas.openxmlformats.org/drawingml/2006/chart" xmlns:dgm="http://schemas.openxmlformats.org/drawingml/2006/diagram" xmlns:o="urn:schemas-microsoft-com:office:office" xmlns:v="urn:schemas-microsoft-com:vml" xmlns:pvml="urn:schemas-microsoft-com:office:powerpoint" xmlns:com="http://schemas.openxmlformats.org/drawingml/2006/compatibility" xmlns:p14="http://schemas.microsoft.com/office/powerpoint/2010/main" xmlns:p15="http://schemas.microsoft.com/office/powerpoint/2012/main" xmlns:ahyp="http://schemas.microsoft.com/office/drawing/2018/hyperlinkcolor" matchingName="Title slide" type="title">
+<p:sldLayout xmlns:a="http://schemas.openxmlformats.org/drawingml/2006/main" xmlns:r="http://schemas.openxmlformats.org/officeDocument/2006/relationships" xmlns:p="http://schemas.openxmlformats.org/presentationml/2006/main" matchingName="Title slide" type="title">
   <p:cSld name="TITLE">
     <p:bg>
       <p:bgPr>
         <a:solidFill>
           <a:schemeClr val="dk1"/>
         </a:solidFill>
+        <a:effectLst/>
       </p:bgPr>
     </p:bg>
     <p:spTree>
       <p:nvGrpSpPr>
-        <p:cNvPr id="9" name="Shape 9"/>
+        <p:cNvPr id="1" name="Shape 9"/>
         <p:cNvGrpSpPr/>
         <p:nvPr/>
       </p:nvGrpSpPr>
@@ -2554,12 +2697,12 @@
             </a:ln>
           </p:spPr>
           <p:txBody>
-            <a:bodyPr anchorCtr="0" anchor="ctr" bIns="91425" lIns="91425" spcFirstLastPara="1" rIns="91425" wrap="square" tIns="91425">
+            <a:bodyPr spcFirstLastPara="1" wrap="square" lIns="91425" tIns="91425" rIns="91425" bIns="91425" anchor="ctr" anchorCtr="0">
               <a:noAutofit/>
             </a:bodyPr>
             <a:lstStyle/>
             <a:p>
-              <a:pPr indent="0" lvl="0" marL="0" rtl="0" algn="l">
+              <a:pPr marL="0" lvl="0" indent="0" algn="l" rtl="0">
                 <a:spcBef>
                   <a:spcPts val="0"/>
                 </a:spcBef>
@@ -2568,9 +2711,6 @@
                 </a:spcAft>
                 <a:buNone/>
               </a:pPr>
-              <a:r>
-                <a:t/>
-              </a:r>
               <a:endParaRPr/>
             </a:p>
           </p:txBody>
@@ -2597,12 +2737,12 @@
             </a:ln>
           </p:spPr>
           <p:txBody>
-            <a:bodyPr anchorCtr="0" anchor="ctr" bIns="91425" lIns="91425" spcFirstLastPara="1" rIns="91425" wrap="square" tIns="91425">
+            <a:bodyPr spcFirstLastPara="1" wrap="square" lIns="91425" tIns="91425" rIns="91425" bIns="91425" anchor="ctr" anchorCtr="0">
               <a:noAutofit/>
             </a:bodyPr>
             <a:lstStyle/>
             <a:p>
-              <a:pPr indent="0" lvl="0" marL="0" rtl="0" algn="l">
+              <a:pPr marL="0" lvl="0" indent="0" algn="l" rtl="0">
                 <a:spcBef>
                   <a:spcPts val="0"/>
                 </a:spcBef>
@@ -2611,9 +2751,6 @@
                 </a:spcAft>
                 <a:buNone/>
               </a:pPr>
-              <a:r>
-                <a:t/>
-              </a:r>
               <a:endParaRPr/>
             </a:p>
           </p:txBody>
@@ -2625,7 +2762,7 @@
             <p:nvPr/>
           </p:nvSpPr>
           <p:spPr>
-            <a:xfrm flipH="1" rot="10800000">
+            <a:xfrm rot="10800000" flipH="1">
               <a:off x="7113588" y="107"/>
               <a:ext cx="1015200" cy="1015200"/>
             </a:xfrm>
@@ -2640,12 +2777,12 @@
             </a:ln>
           </p:spPr>
           <p:txBody>
-            <a:bodyPr anchorCtr="0" anchor="ctr" bIns="91425" lIns="91425" spcFirstLastPara="1" rIns="91425" wrap="square" tIns="91425">
+            <a:bodyPr spcFirstLastPara="1" wrap="square" lIns="91425" tIns="91425" rIns="91425" bIns="91425" anchor="ctr" anchorCtr="0">
               <a:noAutofit/>
             </a:bodyPr>
             <a:lstStyle/>
             <a:p>
-              <a:pPr indent="0" lvl="0" marL="0" rtl="0" algn="l">
+              <a:pPr marL="0" lvl="0" indent="0" algn="l" rtl="0">
                 <a:spcBef>
                   <a:spcPts val="0"/>
                 </a:spcBef>
@@ -2654,9 +2791,6 @@
                 </a:spcAft>
                 <a:buNone/>
               </a:pPr>
-              <a:r>
-                <a:t/>
-              </a:r>
               <a:endParaRPr/>
             </a:p>
           </p:txBody>
@@ -2683,12 +2817,12 @@
             </a:ln>
           </p:spPr>
           <p:txBody>
-            <a:bodyPr anchorCtr="0" anchor="ctr" bIns="91425" lIns="91425" spcFirstLastPara="1" rIns="91425" wrap="square" tIns="91425">
+            <a:bodyPr spcFirstLastPara="1" wrap="square" lIns="91425" tIns="91425" rIns="91425" bIns="91425" anchor="ctr" anchorCtr="0">
               <a:noAutofit/>
             </a:bodyPr>
             <a:lstStyle/>
             <a:p>
-              <a:pPr indent="0" lvl="0" marL="0" rtl="0" algn="l">
+              <a:pPr marL="0" lvl="0" indent="0" algn="l" rtl="0">
                 <a:spcBef>
                   <a:spcPts val="0"/>
                 </a:spcBef>
@@ -2697,9 +2831,6 @@
                 </a:spcAft>
                 <a:buNone/>
               </a:pPr>
-              <a:r>
-                <a:t/>
-              </a:r>
               <a:endParaRPr/>
             </a:p>
           </p:txBody>
@@ -2726,12 +2857,12 @@
             </a:ln>
           </p:spPr>
           <p:txBody>
-            <a:bodyPr anchorCtr="0" anchor="ctr" bIns="91425" lIns="91425" spcFirstLastPara="1" rIns="91425" wrap="square" tIns="91425">
+            <a:bodyPr spcFirstLastPara="1" wrap="square" lIns="91425" tIns="91425" rIns="91425" bIns="91425" anchor="ctr" anchorCtr="0">
               <a:noAutofit/>
             </a:bodyPr>
             <a:lstStyle/>
             <a:p>
-              <a:pPr indent="0" lvl="0" marL="0" rtl="0" algn="l">
+              <a:pPr marL="0" lvl="0" indent="0" algn="l" rtl="0">
                 <a:spcBef>
                   <a:spcPts val="0"/>
                 </a:spcBef>
@@ -2740,9 +2871,6 @@
                 </a:spcAft>
                 <a:buNone/>
               </a:pPr>
-              <a:r>
-                <a:t/>
-              </a:r>
               <a:endParaRPr/>
             </a:p>
           </p:txBody>
@@ -2751,7 +2879,9 @@
       <p:sp>
         <p:nvSpPr>
           <p:cNvPr id="16" name="Google Shape;16;p2"/>
-          <p:cNvSpPr txBox="1"/>
+          <p:cNvSpPr txBox="1">
+            <a:spLocks noGrp="1"/>
+          </p:cNvSpPr>
           <p:nvPr>
             <p:ph type="ctrTitle"/>
           </p:nvPr>
@@ -2766,7 +2896,7 @@
           </a:prstGeom>
         </p:spPr>
         <p:txBody>
-          <a:bodyPr anchorCtr="0" anchor="b" bIns="91425" lIns="91425" spcFirstLastPara="1" rIns="91425" wrap="square" tIns="91425">
+          <a:bodyPr spcFirstLastPara="1" wrap="square" lIns="91425" tIns="91425" rIns="91425" bIns="91425" anchor="b" anchorCtr="0">
             <a:normAutofit/>
           </a:bodyPr>
           <a:lstStyle>
@@ -2933,15 +3063,19 @@
               </a:defRPr>
             </a:lvl9pPr>
           </a:lstStyle>
-          <a:p/>
+          <a:p>
+            <a:endParaRPr/>
+          </a:p>
         </p:txBody>
       </p:sp>
       <p:sp>
         <p:nvSpPr>
           <p:cNvPr id="17" name="Google Shape;17;p2"/>
-          <p:cNvSpPr txBox="1"/>
+          <p:cNvSpPr txBox="1">
+            <a:spLocks noGrp="1"/>
+          </p:cNvSpPr>
           <p:nvPr>
-            <p:ph idx="1" type="subTitle"/>
+            <p:ph type="subTitle" idx="1"/>
           </p:nvPr>
         </p:nvSpPr>
         <p:spPr>
@@ -2954,7 +3088,7 @@
           </a:prstGeom>
         </p:spPr>
         <p:txBody>
-          <a:bodyPr anchorCtr="0" anchor="t" bIns="91425" lIns="91425" spcFirstLastPara="1" rIns="91425" wrap="square" tIns="91425">
+          <a:bodyPr spcFirstLastPara="1" wrap="square" lIns="91425" tIns="91425" rIns="91425" bIns="91425" anchor="t" anchorCtr="0">
             <a:normAutofit/>
           </a:bodyPr>
           <a:lstStyle>
@@ -3148,15 +3282,19 @@
               </a:defRPr>
             </a:lvl9pPr>
           </a:lstStyle>
-          <a:p/>
+          <a:p>
+            <a:endParaRPr/>
+          </a:p>
         </p:txBody>
       </p:sp>
       <p:sp>
         <p:nvSpPr>
           <p:cNvPr id="18" name="Google Shape;18;p2"/>
-          <p:cNvSpPr txBox="1"/>
+          <p:cNvSpPr txBox="1">
+            <a:spLocks noGrp="1"/>
+          </p:cNvSpPr>
           <p:nvPr>
-            <p:ph idx="12" type="sldNum"/>
+            <p:ph type="sldNum" idx="12"/>
           </p:nvPr>
         </p:nvSpPr>
         <p:spPr>
@@ -3169,7 +3307,7 @@
           </a:prstGeom>
         </p:spPr>
         <p:txBody>
-          <a:bodyPr anchorCtr="0" anchor="ctr" bIns="91425" lIns="91425" spcFirstLastPara="1" rIns="91425" wrap="square" tIns="91425">
+          <a:bodyPr spcFirstLastPara="1" wrap="square" lIns="91425" tIns="91425" rIns="91425" bIns="91425" anchor="ctr" anchorCtr="0">
             <a:normAutofit/>
           </a:bodyPr>
           <a:lstStyle>
@@ -3211,7 +3349,7 @@
             </a:lvl9pPr>
           </a:lstStyle>
           <a:p>
-            <a:pPr indent="0" lvl="0" marL="0" rtl="0" algn="r">
+            <a:pPr marL="0" lvl="0" indent="0" algn="r" rtl="0">
               <a:spcBef>
                 <a:spcPts val="0"/>
               </a:spcBef>
@@ -3237,18 +3375,19 @@
 </file>
 
 <file path=ppt/slideLayouts/slideLayout10.xml><?xml version="1.0" encoding="utf-8"?>
-<p:sldLayout xmlns:a="http://schemas.openxmlformats.org/drawingml/2006/main" xmlns:r="http://schemas.openxmlformats.org/officeDocument/2006/relationships" xmlns:mc="http://schemas.openxmlformats.org/markup-compatibility/2006" xmlns:mv="urn:schemas-microsoft-com:mac:vml" xmlns:p="http://schemas.openxmlformats.org/presentationml/2006/main" xmlns:c="http://schemas.openxmlformats.org/drawingml/2006/chart" xmlns:dgm="http://schemas.openxmlformats.org/drawingml/2006/diagram" xmlns:o="urn:schemas-microsoft-com:office:office" xmlns:v="urn:schemas-microsoft-com:vml" xmlns:pvml="urn:schemas-microsoft-com:office:powerpoint" xmlns:com="http://schemas.openxmlformats.org/drawingml/2006/compatibility" xmlns:p14="http://schemas.microsoft.com/office/powerpoint/2010/main" xmlns:p15="http://schemas.microsoft.com/office/powerpoint/2012/main" xmlns:ahyp="http://schemas.microsoft.com/office/drawing/2018/hyperlinkcolor" matchingName="Big number">
+<p:sldLayout xmlns:a="http://schemas.openxmlformats.org/drawingml/2006/main" xmlns:r="http://schemas.openxmlformats.org/officeDocument/2006/relationships" xmlns:p="http://schemas.openxmlformats.org/presentationml/2006/main" matchingName="Big number">
   <p:cSld name="BIG_NUMBER">
     <p:bg>
       <p:bgPr>
         <a:solidFill>
           <a:schemeClr val="dk1"/>
         </a:solidFill>
+        <a:effectLst/>
       </p:bgPr>
     </p:bg>
     <p:spTree>
       <p:nvGrpSpPr>
-        <p:cNvPr id="69" name="Shape 69"/>
+        <p:cNvPr id="1" name="Shape 69"/>
         <p:cNvGrpSpPr/>
         <p:nvPr/>
       </p:nvGrpSpPr>
@@ -3296,12 +3435,12 @@
             </a:ln>
           </p:spPr>
           <p:txBody>
-            <a:bodyPr anchorCtr="0" anchor="ctr" bIns="91425" lIns="91425" spcFirstLastPara="1" rIns="91425" wrap="square" tIns="91425">
+            <a:bodyPr spcFirstLastPara="1" wrap="square" lIns="91425" tIns="91425" rIns="91425" bIns="91425" anchor="ctr" anchorCtr="0">
               <a:noAutofit/>
             </a:bodyPr>
             <a:lstStyle/>
             <a:p>
-              <a:pPr indent="0" lvl="0" marL="0" rtl="0" algn="l">
+              <a:pPr marL="0" lvl="0" indent="0" algn="l" rtl="0">
                 <a:spcBef>
                   <a:spcPts val="0"/>
                 </a:spcBef>
@@ -3310,9 +3449,6 @@
                 </a:spcAft>
                 <a:buNone/>
               </a:pPr>
-              <a:r>
-                <a:t/>
-              </a:r>
               <a:endParaRPr/>
             </a:p>
           </p:txBody>
@@ -3339,12 +3475,12 @@
             </a:ln>
           </p:spPr>
           <p:txBody>
-            <a:bodyPr anchorCtr="0" anchor="ctr" bIns="91425" lIns="91425" spcFirstLastPara="1" rIns="91425" wrap="square" tIns="91425">
+            <a:bodyPr spcFirstLastPara="1" wrap="square" lIns="91425" tIns="91425" rIns="91425" bIns="91425" anchor="ctr" anchorCtr="0">
               <a:noAutofit/>
             </a:bodyPr>
             <a:lstStyle/>
             <a:p>
-              <a:pPr indent="0" lvl="0" marL="0" rtl="0" algn="l">
+              <a:pPr marL="0" lvl="0" indent="0" algn="l" rtl="0">
                 <a:spcBef>
                   <a:spcPts val="0"/>
                 </a:spcBef>
@@ -3353,9 +3489,6 @@
                 </a:spcAft>
                 <a:buNone/>
               </a:pPr>
-              <a:r>
-                <a:t/>
-              </a:r>
               <a:endParaRPr/>
             </a:p>
           </p:txBody>
@@ -3367,7 +3500,7 @@
             <p:nvPr/>
           </p:nvSpPr>
           <p:spPr>
-            <a:xfrm flipH="1" rot="10800000">
+            <a:xfrm rot="10800000" flipH="1">
               <a:off x="7113588" y="107"/>
               <a:ext cx="1015200" cy="1015200"/>
             </a:xfrm>
@@ -3382,12 +3515,12 @@
             </a:ln>
           </p:spPr>
           <p:txBody>
-            <a:bodyPr anchorCtr="0" anchor="ctr" bIns="91425" lIns="91425" spcFirstLastPara="1" rIns="91425" wrap="square" tIns="91425">
+            <a:bodyPr spcFirstLastPara="1" wrap="square" lIns="91425" tIns="91425" rIns="91425" bIns="91425" anchor="ctr" anchorCtr="0">
               <a:noAutofit/>
             </a:bodyPr>
             <a:lstStyle/>
             <a:p>
-              <a:pPr indent="0" lvl="0" marL="0" rtl="0" algn="l">
+              <a:pPr marL="0" lvl="0" indent="0" algn="l" rtl="0">
                 <a:spcBef>
                   <a:spcPts val="0"/>
                 </a:spcBef>
@@ -3396,9 +3529,6 @@
                 </a:spcAft>
                 <a:buNone/>
               </a:pPr>
-              <a:r>
-                <a:t/>
-              </a:r>
               <a:endParaRPr/>
             </a:p>
           </p:txBody>
@@ -3425,12 +3555,12 @@
             </a:ln>
           </p:spPr>
           <p:txBody>
-            <a:bodyPr anchorCtr="0" anchor="ctr" bIns="91425" lIns="91425" spcFirstLastPara="1" rIns="91425" wrap="square" tIns="91425">
+            <a:bodyPr spcFirstLastPara="1" wrap="square" lIns="91425" tIns="91425" rIns="91425" bIns="91425" anchor="ctr" anchorCtr="0">
               <a:noAutofit/>
             </a:bodyPr>
             <a:lstStyle/>
             <a:p>
-              <a:pPr indent="0" lvl="0" marL="0" rtl="0" algn="l">
+              <a:pPr marL="0" lvl="0" indent="0" algn="l" rtl="0">
                 <a:spcBef>
                   <a:spcPts val="0"/>
                 </a:spcBef>
@@ -3439,9 +3569,6 @@
                 </a:spcAft>
                 <a:buNone/>
               </a:pPr>
-              <a:r>
-                <a:t/>
-              </a:r>
               <a:endParaRPr/>
             </a:p>
           </p:txBody>
@@ -3468,12 +3595,12 @@
             </a:ln>
           </p:spPr>
           <p:txBody>
-            <a:bodyPr anchorCtr="0" anchor="ctr" bIns="91425" lIns="91425" spcFirstLastPara="1" rIns="91425" wrap="square" tIns="91425">
+            <a:bodyPr spcFirstLastPara="1" wrap="square" lIns="91425" tIns="91425" rIns="91425" bIns="91425" anchor="ctr" anchorCtr="0">
               <a:noAutofit/>
             </a:bodyPr>
             <a:lstStyle/>
             <a:p>
-              <a:pPr indent="0" lvl="0" marL="0" rtl="0" algn="l">
+              <a:pPr marL="0" lvl="0" indent="0" algn="l" rtl="0">
                 <a:spcBef>
                   <a:spcPts val="0"/>
                 </a:spcBef>
@@ -3482,9 +3609,6 @@
                 </a:spcAft>
                 <a:buNone/>
               </a:pPr>
-              <a:r>
-                <a:t/>
-              </a:r>
               <a:endParaRPr/>
             </a:p>
           </p:txBody>
@@ -3493,9 +3617,11 @@
       <p:sp>
         <p:nvSpPr>
           <p:cNvPr id="76" name="Google Shape;76;p11"/>
-          <p:cNvSpPr txBox="1"/>
+          <p:cNvSpPr txBox="1">
+            <a:spLocks noGrp="1"/>
+          </p:cNvSpPr>
           <p:nvPr>
-            <p:ph hasCustomPrompt="1" type="title"/>
+            <p:ph type="title" hasCustomPrompt="1"/>
           </p:nvPr>
         </p:nvSpPr>
         <p:spPr>
@@ -3508,7 +3634,7 @@
           </a:prstGeom>
         </p:spPr>
         <p:txBody>
-          <a:bodyPr anchorCtr="0" anchor="b" bIns="91425" lIns="91425" spcFirstLastPara="1" rIns="91425" wrap="square" tIns="91425">
+          <a:bodyPr spcFirstLastPara="1" wrap="square" lIns="91425" tIns="91425" rIns="91425" bIns="91425" anchor="b" anchorCtr="0">
             <a:normAutofit/>
           </a:bodyPr>
           <a:lstStyle>
@@ -3685,9 +3811,11 @@
       <p:sp>
         <p:nvSpPr>
           <p:cNvPr id="77" name="Google Shape;77;p11"/>
-          <p:cNvSpPr txBox="1"/>
+          <p:cNvSpPr txBox="1">
+            <a:spLocks noGrp="1"/>
+          </p:cNvSpPr>
           <p:nvPr>
-            <p:ph idx="1" type="body"/>
+            <p:ph type="body" idx="1"/>
           </p:nvPr>
         </p:nvSpPr>
         <p:spPr>
@@ -3700,11 +3828,11 @@
           </a:prstGeom>
         </p:spPr>
         <p:txBody>
-          <a:bodyPr anchorCtr="0" anchor="t" bIns="91425" lIns="91425" spcFirstLastPara="1" rIns="91425" wrap="square" tIns="91425">
+          <a:bodyPr spcFirstLastPara="1" wrap="square" lIns="91425" tIns="91425" rIns="91425" bIns="91425" anchor="t" anchorCtr="0">
             <a:normAutofit/>
           </a:bodyPr>
           <a:lstStyle>
-            <a:lvl1pPr indent="-342900" lvl="0" marL="457200" algn="ctr">
+            <a:lvl1pPr marL="457200" lvl="0" indent="-342900" algn="ctr">
               <a:spcBef>
                 <a:spcPts val="0"/>
               </a:spcBef>
@@ -3722,7 +3850,7 @@
                 </a:solidFill>
               </a:defRPr>
             </a:lvl1pPr>
-            <a:lvl2pPr indent="-317500" lvl="1" marL="914400" algn="ctr">
+            <a:lvl2pPr marL="914400" lvl="1" indent="-317500" algn="ctr">
               <a:spcBef>
                 <a:spcPts val="0"/>
               </a:spcBef>
@@ -3740,7 +3868,7 @@
                 </a:solidFill>
               </a:defRPr>
             </a:lvl2pPr>
-            <a:lvl3pPr indent="-317500" lvl="2" marL="1371600" algn="ctr">
+            <a:lvl3pPr marL="1371600" lvl="2" indent="-317500" algn="ctr">
               <a:spcBef>
                 <a:spcPts val="0"/>
               </a:spcBef>
@@ -3758,7 +3886,7 @@
                 </a:solidFill>
               </a:defRPr>
             </a:lvl3pPr>
-            <a:lvl4pPr indent="-317500" lvl="3" marL="1828800" algn="ctr">
+            <a:lvl4pPr marL="1828800" lvl="3" indent="-317500" algn="ctr">
               <a:spcBef>
                 <a:spcPts val="0"/>
               </a:spcBef>
@@ -3776,7 +3904,7 @@
                 </a:solidFill>
               </a:defRPr>
             </a:lvl4pPr>
-            <a:lvl5pPr indent="-317500" lvl="4" marL="2286000" algn="ctr">
+            <a:lvl5pPr marL="2286000" lvl="4" indent="-317500" algn="ctr">
               <a:spcBef>
                 <a:spcPts val="0"/>
               </a:spcBef>
@@ -3794,7 +3922,7 @@
                 </a:solidFill>
               </a:defRPr>
             </a:lvl5pPr>
-            <a:lvl6pPr indent="-317500" lvl="5" marL="2743200" algn="ctr">
+            <a:lvl6pPr marL="2743200" lvl="5" indent="-317500" algn="ctr">
               <a:spcBef>
                 <a:spcPts val="0"/>
               </a:spcBef>
@@ -3812,7 +3940,7 @@
                 </a:solidFill>
               </a:defRPr>
             </a:lvl6pPr>
-            <a:lvl7pPr indent="-317500" lvl="6" marL="3200400" algn="ctr">
+            <a:lvl7pPr marL="3200400" lvl="6" indent="-317500" algn="ctr">
               <a:spcBef>
                 <a:spcPts val="0"/>
               </a:spcBef>
@@ -3830,7 +3958,7 @@
                 </a:solidFill>
               </a:defRPr>
             </a:lvl7pPr>
-            <a:lvl8pPr indent="-317500" lvl="7" marL="3657600" algn="ctr">
+            <a:lvl8pPr marL="3657600" lvl="7" indent="-317500" algn="ctr">
               <a:spcBef>
                 <a:spcPts val="0"/>
               </a:spcBef>
@@ -3848,7 +3976,7 @@
                 </a:solidFill>
               </a:defRPr>
             </a:lvl8pPr>
-            <a:lvl9pPr indent="-317500" lvl="8" marL="4114800" algn="ctr">
+            <a:lvl9pPr marL="4114800" lvl="8" indent="-317500" algn="ctr">
               <a:spcBef>
                 <a:spcPts val="0"/>
               </a:spcBef>
@@ -3867,15 +3995,19 @@
               </a:defRPr>
             </a:lvl9pPr>
           </a:lstStyle>
-          <a:p/>
+          <a:p>
+            <a:endParaRPr/>
+          </a:p>
         </p:txBody>
       </p:sp>
       <p:sp>
         <p:nvSpPr>
           <p:cNvPr id="78" name="Google Shape;78;p11"/>
-          <p:cNvSpPr txBox="1"/>
+          <p:cNvSpPr txBox="1">
+            <a:spLocks noGrp="1"/>
+          </p:cNvSpPr>
           <p:nvPr>
-            <p:ph idx="12" type="sldNum"/>
+            <p:ph type="sldNum" idx="12"/>
           </p:nvPr>
         </p:nvSpPr>
         <p:spPr>
@@ -3888,7 +4020,7 @@
           </a:prstGeom>
         </p:spPr>
         <p:txBody>
-          <a:bodyPr anchorCtr="0" anchor="ctr" bIns="91425" lIns="91425" spcFirstLastPara="1" rIns="91425" wrap="square" tIns="91425">
+          <a:bodyPr spcFirstLastPara="1" wrap="square" lIns="91425" tIns="91425" rIns="91425" bIns="91425" anchor="ctr" anchorCtr="0">
             <a:normAutofit/>
           </a:bodyPr>
           <a:lstStyle>
@@ -3930,7 +4062,7 @@
             </a:lvl9pPr>
           </a:lstStyle>
           <a:p>
-            <a:pPr indent="0" lvl="0" marL="0" rtl="0" algn="r">
+            <a:pPr marL="0" lvl="0" indent="0" algn="r" rtl="0">
               <a:spcBef>
                 <a:spcPts val="0"/>
               </a:spcBef>
@@ -3956,11 +4088,11 @@
 </file>
 
 <file path=ppt/slideLayouts/slideLayout11.xml><?xml version="1.0" encoding="utf-8"?>
-<p:sldLayout xmlns:a="http://schemas.openxmlformats.org/drawingml/2006/main" xmlns:r="http://schemas.openxmlformats.org/officeDocument/2006/relationships" xmlns:mc="http://schemas.openxmlformats.org/markup-compatibility/2006" xmlns:mv="urn:schemas-microsoft-com:mac:vml" xmlns:p="http://schemas.openxmlformats.org/presentationml/2006/main" xmlns:c="http://schemas.openxmlformats.org/drawingml/2006/chart" xmlns:dgm="http://schemas.openxmlformats.org/drawingml/2006/diagram" xmlns:o="urn:schemas-microsoft-com:office:office" xmlns:v="urn:schemas-microsoft-com:vml" xmlns:pvml="urn:schemas-microsoft-com:office:powerpoint" xmlns:com="http://schemas.openxmlformats.org/drawingml/2006/compatibility" xmlns:p14="http://schemas.microsoft.com/office/powerpoint/2010/main" xmlns:p15="http://schemas.microsoft.com/office/powerpoint/2012/main" xmlns:ahyp="http://schemas.microsoft.com/office/drawing/2018/hyperlinkcolor" matchingName="Blank" type="blank">
+<p:sldLayout xmlns:a="http://schemas.openxmlformats.org/drawingml/2006/main" xmlns:r="http://schemas.openxmlformats.org/officeDocument/2006/relationships" xmlns:p="http://schemas.openxmlformats.org/presentationml/2006/main" matchingName="Blank" type="blank">
   <p:cSld name="BLANK">
     <p:spTree>
       <p:nvGrpSpPr>
-        <p:cNvPr id="79" name="Shape 79"/>
+        <p:cNvPr id="1" name="Shape 79"/>
         <p:cNvGrpSpPr/>
         <p:nvPr/>
       </p:nvGrpSpPr>
@@ -3975,9 +4107,11 @@
       <p:sp>
         <p:nvSpPr>
           <p:cNvPr id="80" name="Google Shape;80;p12"/>
-          <p:cNvSpPr txBox="1"/>
+          <p:cNvSpPr txBox="1">
+            <a:spLocks noGrp="1"/>
+          </p:cNvSpPr>
           <p:nvPr>
-            <p:ph idx="12" type="sldNum"/>
+            <p:ph type="sldNum" idx="12"/>
           </p:nvPr>
         </p:nvSpPr>
         <p:spPr>
@@ -3990,7 +4124,7 @@
           </a:prstGeom>
         </p:spPr>
         <p:txBody>
-          <a:bodyPr anchorCtr="0" anchor="ctr" bIns="91425" lIns="91425" spcFirstLastPara="1" rIns="91425" wrap="square" tIns="91425">
+          <a:bodyPr spcFirstLastPara="1" wrap="square" lIns="91425" tIns="91425" rIns="91425" bIns="91425" anchor="ctr" anchorCtr="0">
             <a:normAutofit/>
           </a:bodyPr>
           <a:lstStyle>
@@ -4068,7 +4202,7 @@
             </a:lvl9pPr>
           </a:lstStyle>
           <a:p>
-            <a:pPr indent="0" lvl="0" marL="0" rtl="0" algn="r">
+            <a:pPr marL="0" lvl="0" indent="0" algn="r" rtl="0">
               <a:spcBef>
                 <a:spcPts val="0"/>
               </a:spcBef>
@@ -4094,18 +4228,19 @@
 </file>
 
 <file path=ppt/slideLayouts/slideLayout2.xml><?xml version="1.0" encoding="utf-8"?>
-<p:sldLayout xmlns:a="http://schemas.openxmlformats.org/drawingml/2006/main" xmlns:r="http://schemas.openxmlformats.org/officeDocument/2006/relationships" xmlns:mc="http://schemas.openxmlformats.org/markup-compatibility/2006" xmlns:mv="urn:schemas-microsoft-com:mac:vml" xmlns:p="http://schemas.openxmlformats.org/presentationml/2006/main" xmlns:c="http://schemas.openxmlformats.org/drawingml/2006/chart" xmlns:dgm="http://schemas.openxmlformats.org/drawingml/2006/diagram" xmlns:o="urn:schemas-microsoft-com:office:office" xmlns:v="urn:schemas-microsoft-com:vml" xmlns:pvml="urn:schemas-microsoft-com:office:powerpoint" xmlns:com="http://schemas.openxmlformats.org/drawingml/2006/compatibility" xmlns:p14="http://schemas.microsoft.com/office/powerpoint/2010/main" xmlns:p15="http://schemas.microsoft.com/office/powerpoint/2012/main" xmlns:ahyp="http://schemas.microsoft.com/office/drawing/2018/hyperlinkcolor" matchingName="Section header" type="secHead">
+<p:sldLayout xmlns:a="http://schemas.openxmlformats.org/drawingml/2006/main" xmlns:r="http://schemas.openxmlformats.org/officeDocument/2006/relationships" xmlns:p="http://schemas.openxmlformats.org/presentationml/2006/main" matchingName="Section header" type="secHead">
   <p:cSld name="SECTION_HEADER">
     <p:bg>
       <p:bgPr>
         <a:solidFill>
           <a:schemeClr val="dk1"/>
         </a:solidFill>
+        <a:effectLst/>
       </p:bgPr>
     </p:bg>
     <p:spTree>
       <p:nvGrpSpPr>
-        <p:cNvPr id="19" name="Shape 19"/>
+        <p:cNvPr id="1" name="Shape 19"/>
         <p:cNvGrpSpPr/>
         <p:nvPr/>
       </p:nvGrpSpPr>
@@ -4153,12 +4288,12 @@
             </a:ln>
           </p:spPr>
           <p:txBody>
-            <a:bodyPr anchorCtr="0" anchor="ctr" bIns="91425" lIns="91425" spcFirstLastPara="1" rIns="91425" wrap="square" tIns="91425">
+            <a:bodyPr spcFirstLastPara="1" wrap="square" lIns="91425" tIns="91425" rIns="91425" bIns="91425" anchor="ctr" anchorCtr="0">
               <a:noAutofit/>
             </a:bodyPr>
             <a:lstStyle/>
             <a:p>
-              <a:pPr indent="0" lvl="0" marL="0" rtl="0" algn="l">
+              <a:pPr marL="0" lvl="0" indent="0" algn="l" rtl="0">
                 <a:spcBef>
                   <a:spcPts val="0"/>
                 </a:spcBef>
@@ -4167,9 +4302,6 @@
                 </a:spcAft>
                 <a:buNone/>
               </a:pPr>
-              <a:r>
-                <a:t/>
-              </a:r>
               <a:endParaRPr/>
             </a:p>
           </p:txBody>
@@ -4196,12 +4328,12 @@
             </a:ln>
           </p:spPr>
           <p:txBody>
-            <a:bodyPr anchorCtr="0" anchor="ctr" bIns="91425" lIns="91425" spcFirstLastPara="1" rIns="91425" wrap="square" tIns="91425">
+            <a:bodyPr spcFirstLastPara="1" wrap="square" lIns="91425" tIns="91425" rIns="91425" bIns="91425" anchor="ctr" anchorCtr="0">
               <a:noAutofit/>
             </a:bodyPr>
             <a:lstStyle/>
             <a:p>
-              <a:pPr indent="0" lvl="0" marL="0" rtl="0" algn="l">
+              <a:pPr marL="0" lvl="0" indent="0" algn="l" rtl="0">
                 <a:spcBef>
                   <a:spcPts val="0"/>
                 </a:spcBef>
@@ -4210,9 +4342,6 @@
                 </a:spcAft>
                 <a:buNone/>
               </a:pPr>
-              <a:r>
-                <a:t/>
-              </a:r>
               <a:endParaRPr/>
             </a:p>
           </p:txBody>
@@ -4224,7 +4353,7 @@
             <p:nvPr/>
           </p:nvSpPr>
           <p:spPr>
-            <a:xfrm flipH="1" rot="10800000">
+            <a:xfrm rot="10800000" flipH="1">
               <a:off x="7113588" y="107"/>
               <a:ext cx="1015200" cy="1015200"/>
             </a:xfrm>
@@ -4239,12 +4368,12 @@
             </a:ln>
           </p:spPr>
           <p:txBody>
-            <a:bodyPr anchorCtr="0" anchor="ctr" bIns="91425" lIns="91425" spcFirstLastPara="1" rIns="91425" wrap="square" tIns="91425">
+            <a:bodyPr spcFirstLastPara="1" wrap="square" lIns="91425" tIns="91425" rIns="91425" bIns="91425" anchor="ctr" anchorCtr="0">
               <a:noAutofit/>
             </a:bodyPr>
             <a:lstStyle/>
             <a:p>
-              <a:pPr indent="0" lvl="0" marL="0" rtl="0" algn="l">
+              <a:pPr marL="0" lvl="0" indent="0" algn="l" rtl="0">
                 <a:spcBef>
                   <a:spcPts val="0"/>
                 </a:spcBef>
@@ -4253,9 +4382,6 @@
                 </a:spcAft>
                 <a:buNone/>
               </a:pPr>
-              <a:r>
-                <a:t/>
-              </a:r>
               <a:endParaRPr/>
             </a:p>
           </p:txBody>
@@ -4282,12 +4408,12 @@
             </a:ln>
           </p:spPr>
           <p:txBody>
-            <a:bodyPr anchorCtr="0" anchor="ctr" bIns="91425" lIns="91425" spcFirstLastPara="1" rIns="91425" wrap="square" tIns="91425">
+            <a:bodyPr spcFirstLastPara="1" wrap="square" lIns="91425" tIns="91425" rIns="91425" bIns="91425" anchor="ctr" anchorCtr="0">
               <a:noAutofit/>
             </a:bodyPr>
             <a:lstStyle/>
             <a:p>
-              <a:pPr indent="0" lvl="0" marL="0" rtl="0" algn="l">
+              <a:pPr marL="0" lvl="0" indent="0" algn="l" rtl="0">
                 <a:spcBef>
                   <a:spcPts val="0"/>
                 </a:spcBef>
@@ -4296,9 +4422,6 @@
                 </a:spcAft>
                 <a:buNone/>
               </a:pPr>
-              <a:r>
-                <a:t/>
-              </a:r>
               <a:endParaRPr/>
             </a:p>
           </p:txBody>
@@ -4325,12 +4448,12 @@
             </a:ln>
           </p:spPr>
           <p:txBody>
-            <a:bodyPr anchorCtr="0" anchor="ctr" bIns="91425" lIns="91425" spcFirstLastPara="1" rIns="91425" wrap="square" tIns="91425">
+            <a:bodyPr spcFirstLastPara="1" wrap="square" lIns="91425" tIns="91425" rIns="91425" bIns="91425" anchor="ctr" anchorCtr="0">
               <a:noAutofit/>
             </a:bodyPr>
             <a:lstStyle/>
             <a:p>
-              <a:pPr indent="0" lvl="0" marL="0" rtl="0" algn="l">
+              <a:pPr marL="0" lvl="0" indent="0" algn="l" rtl="0">
                 <a:spcBef>
                   <a:spcPts val="0"/>
                 </a:spcBef>
@@ -4339,9 +4462,6 @@
                 </a:spcAft>
                 <a:buNone/>
               </a:pPr>
-              <a:r>
-                <a:t/>
-              </a:r>
               <a:endParaRPr/>
             </a:p>
           </p:txBody>
@@ -4350,7 +4470,9 @@
       <p:sp>
         <p:nvSpPr>
           <p:cNvPr id="26" name="Google Shape;26;p3"/>
-          <p:cNvSpPr txBox="1"/>
+          <p:cNvSpPr txBox="1">
+            <a:spLocks noGrp="1"/>
+          </p:cNvSpPr>
           <p:nvPr>
             <p:ph type="title"/>
           </p:nvPr>
@@ -4365,7 +4487,7 @@
           </a:prstGeom>
         </p:spPr>
         <p:txBody>
-          <a:bodyPr anchorCtr="0" anchor="ctr" bIns="91425" lIns="91425" spcFirstLastPara="1" rIns="91425" wrap="square" tIns="91425">
+          <a:bodyPr spcFirstLastPara="1" wrap="square" lIns="91425" tIns="91425" rIns="91425" bIns="91425" anchor="ctr" anchorCtr="0">
             <a:normAutofit/>
           </a:bodyPr>
           <a:lstStyle>
@@ -4532,15 +4654,19 @@
               </a:defRPr>
             </a:lvl9pPr>
           </a:lstStyle>
-          <a:p/>
+          <a:p>
+            <a:endParaRPr/>
+          </a:p>
         </p:txBody>
       </p:sp>
       <p:sp>
         <p:nvSpPr>
           <p:cNvPr id="27" name="Google Shape;27;p3"/>
-          <p:cNvSpPr txBox="1"/>
+          <p:cNvSpPr txBox="1">
+            <a:spLocks noGrp="1"/>
+          </p:cNvSpPr>
           <p:nvPr>
-            <p:ph idx="12" type="sldNum"/>
+            <p:ph type="sldNum" idx="12"/>
           </p:nvPr>
         </p:nvSpPr>
         <p:spPr>
@@ -4553,7 +4679,7 @@
           </a:prstGeom>
         </p:spPr>
         <p:txBody>
-          <a:bodyPr anchorCtr="0" anchor="ctr" bIns="91425" lIns="91425" spcFirstLastPara="1" rIns="91425" wrap="square" tIns="91425">
+          <a:bodyPr spcFirstLastPara="1" wrap="square" lIns="91425" tIns="91425" rIns="91425" bIns="91425" anchor="ctr" anchorCtr="0">
             <a:normAutofit/>
           </a:bodyPr>
           <a:lstStyle>
@@ -4595,7 +4721,7 @@
             </a:lvl9pPr>
           </a:lstStyle>
           <a:p>
-            <a:pPr indent="0" lvl="0" marL="0" rtl="0" algn="r">
+            <a:pPr marL="0" lvl="0" indent="0" algn="r" rtl="0">
               <a:spcBef>
                 <a:spcPts val="0"/>
               </a:spcBef>
@@ -4621,11 +4747,11 @@
 </file>
 
 <file path=ppt/slideLayouts/slideLayout3.xml><?xml version="1.0" encoding="utf-8"?>
-<p:sldLayout xmlns:a="http://schemas.openxmlformats.org/drawingml/2006/main" xmlns:r="http://schemas.openxmlformats.org/officeDocument/2006/relationships" xmlns:mc="http://schemas.openxmlformats.org/markup-compatibility/2006" xmlns:mv="urn:schemas-microsoft-com:mac:vml" xmlns:p="http://schemas.openxmlformats.org/presentationml/2006/main" xmlns:c="http://schemas.openxmlformats.org/drawingml/2006/chart" xmlns:dgm="http://schemas.openxmlformats.org/drawingml/2006/diagram" xmlns:o="urn:schemas-microsoft-com:office:office" xmlns:v="urn:schemas-microsoft-com:vml" xmlns:pvml="urn:schemas-microsoft-com:office:powerpoint" xmlns:com="http://schemas.openxmlformats.org/drawingml/2006/compatibility" xmlns:p14="http://schemas.microsoft.com/office/powerpoint/2010/main" xmlns:p15="http://schemas.microsoft.com/office/powerpoint/2012/main" xmlns:ahyp="http://schemas.microsoft.com/office/drawing/2018/hyperlinkcolor" matchingName="Title and body" type="tx">
+<p:sldLayout xmlns:a="http://schemas.openxmlformats.org/drawingml/2006/main" xmlns:r="http://schemas.openxmlformats.org/officeDocument/2006/relationships" xmlns:p="http://schemas.openxmlformats.org/presentationml/2006/main" matchingName="Title and body" type="tx">
   <p:cSld name="TITLE_AND_BODY">
     <p:spTree>
       <p:nvGrpSpPr>
-        <p:cNvPr id="28" name="Shape 28"/>
+        <p:cNvPr id="1" name="Shape 28"/>
         <p:cNvGrpSpPr/>
         <p:nvPr/>
       </p:nvGrpSpPr>
@@ -4673,12 +4799,12 @@
             </a:ln>
           </p:spPr>
           <p:txBody>
-            <a:bodyPr anchorCtr="0" anchor="ctr" bIns="91425" lIns="91425" spcFirstLastPara="1" rIns="91425" wrap="square" tIns="91425">
+            <a:bodyPr spcFirstLastPara="1" wrap="square" lIns="91425" tIns="91425" rIns="91425" bIns="91425" anchor="ctr" anchorCtr="0">
               <a:noAutofit/>
             </a:bodyPr>
             <a:lstStyle/>
             <a:p>
-              <a:pPr indent="0" lvl="0" marL="0" rtl="0" algn="l">
+              <a:pPr marL="0" lvl="0" indent="0" algn="l" rtl="0">
                 <a:spcBef>
                   <a:spcPts val="0"/>
                 </a:spcBef>
@@ -4687,9 +4813,6 @@
                 </a:spcAft>
                 <a:buNone/>
               </a:pPr>
-              <a:r>
-                <a:t/>
-              </a:r>
               <a:endParaRPr/>
             </a:p>
           </p:txBody>
@@ -4716,12 +4839,12 @@
             </a:ln>
           </p:spPr>
           <p:txBody>
-            <a:bodyPr anchorCtr="0" anchor="ctr" bIns="91425" lIns="91425" spcFirstLastPara="1" rIns="91425" wrap="square" tIns="91425">
+            <a:bodyPr spcFirstLastPara="1" wrap="square" lIns="91425" tIns="91425" rIns="91425" bIns="91425" anchor="ctr" anchorCtr="0">
               <a:noAutofit/>
             </a:bodyPr>
             <a:lstStyle/>
             <a:p>
-              <a:pPr indent="0" lvl="0" marL="0" rtl="0" algn="l">
+              <a:pPr marL="0" lvl="0" indent="0" algn="l" rtl="0">
                 <a:spcBef>
                   <a:spcPts val="0"/>
                 </a:spcBef>
@@ -4730,9 +4853,6 @@
                 </a:spcAft>
                 <a:buNone/>
               </a:pPr>
-              <a:r>
-                <a:t/>
-              </a:r>
               <a:endParaRPr/>
             </a:p>
           </p:txBody>
@@ -4759,12 +4879,12 @@
             </a:ln>
           </p:spPr>
           <p:txBody>
-            <a:bodyPr anchorCtr="0" anchor="ctr" bIns="91425" lIns="91425" spcFirstLastPara="1" rIns="91425" wrap="square" tIns="91425">
+            <a:bodyPr spcFirstLastPara="1" wrap="square" lIns="91425" tIns="91425" rIns="91425" bIns="91425" anchor="ctr" anchorCtr="0">
               <a:noAutofit/>
             </a:bodyPr>
             <a:lstStyle/>
             <a:p>
-              <a:pPr indent="0" lvl="0" marL="0" rtl="0" algn="l">
+              <a:pPr marL="0" lvl="0" indent="0" algn="l" rtl="0">
                 <a:spcBef>
                   <a:spcPts val="0"/>
                 </a:spcBef>
@@ -4773,9 +4893,6 @@
                 </a:spcAft>
                 <a:buNone/>
               </a:pPr>
-              <a:r>
-                <a:t/>
-              </a:r>
               <a:endParaRPr/>
             </a:p>
           </p:txBody>
@@ -4802,12 +4919,12 @@
             </a:ln>
           </p:spPr>
           <p:txBody>
-            <a:bodyPr anchorCtr="0" anchor="ctr" bIns="91425" lIns="91425" spcFirstLastPara="1" rIns="91425" wrap="square" tIns="91425">
+            <a:bodyPr spcFirstLastPara="1" wrap="square" lIns="91425" tIns="91425" rIns="91425" bIns="91425" anchor="ctr" anchorCtr="0">
               <a:noAutofit/>
             </a:bodyPr>
             <a:lstStyle/>
             <a:p>
-              <a:pPr indent="0" lvl="0" marL="0" rtl="0" algn="l">
+              <a:pPr marL="0" lvl="0" indent="0" algn="l" rtl="0">
                 <a:spcBef>
                   <a:spcPts val="0"/>
                 </a:spcBef>
@@ -4816,9 +4933,6 @@
                 </a:spcAft>
                 <a:buNone/>
               </a:pPr>
-              <a:r>
-                <a:t/>
-              </a:r>
               <a:endParaRPr/>
             </a:p>
           </p:txBody>
@@ -4845,12 +4959,12 @@
             </a:ln>
           </p:spPr>
           <p:txBody>
-            <a:bodyPr anchorCtr="0" anchor="ctr" bIns="91425" lIns="91425" spcFirstLastPara="1" rIns="91425" wrap="square" tIns="91425">
+            <a:bodyPr spcFirstLastPara="1" wrap="square" lIns="91425" tIns="91425" rIns="91425" bIns="91425" anchor="ctr" anchorCtr="0">
               <a:noAutofit/>
             </a:bodyPr>
             <a:lstStyle/>
             <a:p>
-              <a:pPr indent="0" lvl="0" marL="0" rtl="0" algn="l">
+              <a:pPr marL="0" lvl="0" indent="0" algn="l" rtl="0">
                 <a:spcBef>
                   <a:spcPts val="0"/>
                 </a:spcBef>
@@ -4859,9 +4973,6 @@
                 </a:spcAft>
                 <a:buNone/>
               </a:pPr>
-              <a:r>
-                <a:t/>
-              </a:r>
               <a:endParaRPr/>
             </a:p>
           </p:txBody>
@@ -4870,7 +4981,9 @@
       <p:sp>
         <p:nvSpPr>
           <p:cNvPr id="35" name="Google Shape;35;p4"/>
-          <p:cNvSpPr txBox="1"/>
+          <p:cNvSpPr txBox="1">
+            <a:spLocks noGrp="1"/>
+          </p:cNvSpPr>
           <p:nvPr>
             <p:ph type="title"/>
           </p:nvPr>
@@ -4885,7 +4998,7 @@
           </a:prstGeom>
         </p:spPr>
         <p:txBody>
-          <a:bodyPr anchorCtr="0" anchor="t" bIns="91425" lIns="91425" spcFirstLastPara="1" rIns="91425" wrap="square" tIns="91425">
+          <a:bodyPr spcFirstLastPara="1" wrap="square" lIns="91425" tIns="91425" rIns="91425" bIns="91425" anchor="t" anchorCtr="0">
             <a:normAutofit/>
           </a:bodyPr>
           <a:lstStyle>
@@ -4989,15 +5102,19 @@
               <a:defRPr/>
             </a:lvl9pPr>
           </a:lstStyle>
-          <a:p/>
+          <a:p>
+            <a:endParaRPr/>
+          </a:p>
         </p:txBody>
       </p:sp>
       <p:sp>
         <p:nvSpPr>
           <p:cNvPr id="36" name="Google Shape;36;p4"/>
-          <p:cNvSpPr txBox="1"/>
+          <p:cNvSpPr txBox="1">
+            <a:spLocks noGrp="1"/>
+          </p:cNvSpPr>
           <p:nvPr>
-            <p:ph idx="1" type="body"/>
+            <p:ph type="body" idx="1"/>
           </p:nvPr>
         </p:nvSpPr>
         <p:spPr>
@@ -5010,11 +5127,11 @@
           </a:prstGeom>
         </p:spPr>
         <p:txBody>
-          <a:bodyPr anchorCtr="0" anchor="t" bIns="91425" lIns="91425" spcFirstLastPara="1" rIns="91425" wrap="square" tIns="91425">
+          <a:bodyPr spcFirstLastPara="1" wrap="square" lIns="91425" tIns="91425" rIns="91425" bIns="91425" anchor="t" anchorCtr="0">
             <a:normAutofit/>
           </a:bodyPr>
           <a:lstStyle>
-            <a:lvl1pPr indent="-342900" lvl="0" marL="457200">
+            <a:lvl1pPr marL="457200" lvl="0" indent="-342900">
               <a:spcBef>
                 <a:spcPts val="0"/>
               </a:spcBef>
@@ -5025,7 +5142,7 @@
               <a:buChar char="●"/>
               <a:defRPr/>
             </a:lvl1pPr>
-            <a:lvl2pPr indent="-317500" lvl="1" marL="914400">
+            <a:lvl2pPr marL="914400" lvl="1" indent="-317500">
               <a:spcBef>
                 <a:spcPts val="0"/>
               </a:spcBef>
@@ -5036,7 +5153,7 @@
               <a:buChar char="○"/>
               <a:defRPr/>
             </a:lvl2pPr>
-            <a:lvl3pPr indent="-317500" lvl="2" marL="1371600">
+            <a:lvl3pPr marL="1371600" lvl="2" indent="-317500">
               <a:spcBef>
                 <a:spcPts val="0"/>
               </a:spcBef>
@@ -5047,7 +5164,7 @@
               <a:buChar char="■"/>
               <a:defRPr/>
             </a:lvl3pPr>
-            <a:lvl4pPr indent="-317500" lvl="3" marL="1828800">
+            <a:lvl4pPr marL="1828800" lvl="3" indent="-317500">
               <a:spcBef>
                 <a:spcPts val="0"/>
               </a:spcBef>
@@ -5058,7 +5175,7 @@
               <a:buChar char="●"/>
               <a:defRPr/>
             </a:lvl4pPr>
-            <a:lvl5pPr indent="-317500" lvl="4" marL="2286000">
+            <a:lvl5pPr marL="2286000" lvl="4" indent="-317500">
               <a:spcBef>
                 <a:spcPts val="0"/>
               </a:spcBef>
@@ -5069,7 +5186,7 @@
               <a:buChar char="○"/>
               <a:defRPr/>
             </a:lvl5pPr>
-            <a:lvl6pPr indent="-317500" lvl="5" marL="2743200">
+            <a:lvl6pPr marL="2743200" lvl="5" indent="-317500">
               <a:spcBef>
                 <a:spcPts val="0"/>
               </a:spcBef>
@@ -5080,7 +5197,7 @@
               <a:buChar char="■"/>
               <a:defRPr/>
             </a:lvl6pPr>
-            <a:lvl7pPr indent="-317500" lvl="6" marL="3200400">
+            <a:lvl7pPr marL="3200400" lvl="6" indent="-317500">
               <a:spcBef>
                 <a:spcPts val="0"/>
               </a:spcBef>
@@ -5091,7 +5208,7 @@
               <a:buChar char="●"/>
               <a:defRPr/>
             </a:lvl7pPr>
-            <a:lvl8pPr indent="-317500" lvl="7" marL="3657600">
+            <a:lvl8pPr marL="3657600" lvl="7" indent="-317500">
               <a:spcBef>
                 <a:spcPts val="0"/>
               </a:spcBef>
@@ -5102,7 +5219,7 @@
               <a:buChar char="○"/>
               <a:defRPr/>
             </a:lvl8pPr>
-            <a:lvl9pPr indent="-317500" lvl="8" marL="4114800">
+            <a:lvl9pPr marL="4114800" lvl="8" indent="-317500">
               <a:spcBef>
                 <a:spcPts val="0"/>
               </a:spcBef>
@@ -5114,15 +5231,19 @@
               <a:defRPr/>
             </a:lvl9pPr>
           </a:lstStyle>
-          <a:p/>
+          <a:p>
+            <a:endParaRPr/>
+          </a:p>
         </p:txBody>
       </p:sp>
       <p:sp>
         <p:nvSpPr>
           <p:cNvPr id="37" name="Google Shape;37;p4"/>
-          <p:cNvSpPr txBox="1"/>
+          <p:cNvSpPr txBox="1">
+            <a:spLocks noGrp="1"/>
+          </p:cNvSpPr>
           <p:nvPr>
-            <p:ph idx="12" type="sldNum"/>
+            <p:ph type="sldNum" idx="12"/>
           </p:nvPr>
         </p:nvSpPr>
         <p:spPr>
@@ -5135,7 +5256,7 @@
           </a:prstGeom>
         </p:spPr>
         <p:txBody>
-          <a:bodyPr anchorCtr="0" anchor="ctr" bIns="91425" lIns="91425" spcFirstLastPara="1" rIns="91425" wrap="square" tIns="91425">
+          <a:bodyPr spcFirstLastPara="1" wrap="square" lIns="91425" tIns="91425" rIns="91425" bIns="91425" anchor="ctr" anchorCtr="0">
             <a:normAutofit/>
           </a:bodyPr>
           <a:lstStyle>
@@ -5177,7 +5298,7 @@
             </a:lvl9pPr>
           </a:lstStyle>
           <a:p>
-            <a:pPr indent="0" lvl="0" marL="0" rtl="0" algn="r">
+            <a:pPr marL="0" lvl="0" indent="0" algn="r" rtl="0">
               <a:spcBef>
                 <a:spcPts val="0"/>
               </a:spcBef>
@@ -5203,11 +5324,11 @@
 </file>
 
 <file path=ppt/slideLayouts/slideLayout4.xml><?xml version="1.0" encoding="utf-8"?>
-<p:sldLayout xmlns:a="http://schemas.openxmlformats.org/drawingml/2006/main" xmlns:r="http://schemas.openxmlformats.org/officeDocument/2006/relationships" xmlns:mc="http://schemas.openxmlformats.org/markup-compatibility/2006" xmlns:mv="urn:schemas-microsoft-com:mac:vml" xmlns:p="http://schemas.openxmlformats.org/presentationml/2006/main" xmlns:c="http://schemas.openxmlformats.org/drawingml/2006/chart" xmlns:dgm="http://schemas.openxmlformats.org/drawingml/2006/diagram" xmlns:o="urn:schemas-microsoft-com:office:office" xmlns:v="urn:schemas-microsoft-com:vml" xmlns:pvml="urn:schemas-microsoft-com:office:powerpoint" xmlns:com="http://schemas.openxmlformats.org/drawingml/2006/compatibility" xmlns:p14="http://schemas.microsoft.com/office/powerpoint/2010/main" xmlns:p15="http://schemas.microsoft.com/office/powerpoint/2012/main" xmlns:ahyp="http://schemas.microsoft.com/office/drawing/2018/hyperlinkcolor" matchingName="Title and two columns" type="twoColTx">
+<p:sldLayout xmlns:a="http://schemas.openxmlformats.org/drawingml/2006/main" xmlns:r="http://schemas.openxmlformats.org/officeDocument/2006/relationships" xmlns:p="http://schemas.openxmlformats.org/presentationml/2006/main" matchingName="Title and two columns" type="twoColTx">
   <p:cSld name="TITLE_AND_TWO_COLUMNS">
     <p:spTree>
       <p:nvGrpSpPr>
-        <p:cNvPr id="38" name="Shape 38"/>
+        <p:cNvPr id="1" name="Shape 38"/>
         <p:cNvGrpSpPr/>
         <p:nvPr/>
       </p:nvGrpSpPr>
@@ -5222,7 +5343,9 @@
       <p:sp>
         <p:nvSpPr>
           <p:cNvPr id="39" name="Google Shape;39;p5"/>
-          <p:cNvSpPr txBox="1"/>
+          <p:cNvSpPr txBox="1">
+            <a:spLocks noGrp="1"/>
+          </p:cNvSpPr>
           <p:nvPr>
             <p:ph type="title"/>
           </p:nvPr>
@@ -5237,7 +5360,7 @@
           </a:prstGeom>
         </p:spPr>
         <p:txBody>
-          <a:bodyPr anchorCtr="0" anchor="t" bIns="91425" lIns="91425" spcFirstLastPara="1" rIns="91425" wrap="square" tIns="91425">
+          <a:bodyPr spcFirstLastPara="1" wrap="square" lIns="91425" tIns="91425" rIns="91425" bIns="91425" anchor="t" anchorCtr="0">
             <a:normAutofit/>
           </a:bodyPr>
           <a:lstStyle>
@@ -5341,15 +5464,19 @@
               <a:defRPr/>
             </a:lvl9pPr>
           </a:lstStyle>
-          <a:p/>
+          <a:p>
+            <a:endParaRPr/>
+          </a:p>
         </p:txBody>
       </p:sp>
       <p:sp>
         <p:nvSpPr>
           <p:cNvPr id="40" name="Google Shape;40;p5"/>
-          <p:cNvSpPr txBox="1"/>
+          <p:cNvSpPr txBox="1">
+            <a:spLocks noGrp="1"/>
+          </p:cNvSpPr>
           <p:nvPr>
-            <p:ph idx="1" type="body"/>
+            <p:ph type="body" idx="1"/>
           </p:nvPr>
         </p:nvSpPr>
         <p:spPr>
@@ -5362,11 +5489,11 @@
           </a:prstGeom>
         </p:spPr>
         <p:txBody>
-          <a:bodyPr anchorCtr="0" anchor="t" bIns="91425" lIns="91425" spcFirstLastPara="1" rIns="91425" wrap="square" tIns="91425">
+          <a:bodyPr spcFirstLastPara="1" wrap="square" lIns="91425" tIns="91425" rIns="91425" bIns="91425" anchor="t" anchorCtr="0">
             <a:normAutofit/>
           </a:bodyPr>
           <a:lstStyle>
-            <a:lvl1pPr indent="-317500" lvl="0" marL="457200">
+            <a:lvl1pPr marL="457200" lvl="0" indent="-317500">
               <a:spcBef>
                 <a:spcPts val="0"/>
               </a:spcBef>
@@ -5377,7 +5504,7 @@
               <a:buChar char="●"/>
               <a:defRPr sz="1400"/>
             </a:lvl1pPr>
-            <a:lvl2pPr indent="-304800" lvl="1" marL="914400">
+            <a:lvl2pPr marL="914400" lvl="1" indent="-304800">
               <a:spcBef>
                 <a:spcPts val="0"/>
               </a:spcBef>
@@ -5388,7 +5515,7 @@
               <a:buChar char="○"/>
               <a:defRPr sz="1200"/>
             </a:lvl2pPr>
-            <a:lvl3pPr indent="-304800" lvl="2" marL="1371600">
+            <a:lvl3pPr marL="1371600" lvl="2" indent="-304800">
               <a:spcBef>
                 <a:spcPts val="0"/>
               </a:spcBef>
@@ -5399,7 +5526,7 @@
               <a:buChar char="■"/>
               <a:defRPr sz="1200"/>
             </a:lvl3pPr>
-            <a:lvl4pPr indent="-304800" lvl="3" marL="1828800">
+            <a:lvl4pPr marL="1828800" lvl="3" indent="-304800">
               <a:spcBef>
                 <a:spcPts val="0"/>
               </a:spcBef>
@@ -5410,7 +5537,7 @@
               <a:buChar char="●"/>
               <a:defRPr sz="1200"/>
             </a:lvl4pPr>
-            <a:lvl5pPr indent="-304800" lvl="4" marL="2286000">
+            <a:lvl5pPr marL="2286000" lvl="4" indent="-304800">
               <a:spcBef>
                 <a:spcPts val="0"/>
               </a:spcBef>
@@ -5421,7 +5548,7 @@
               <a:buChar char="○"/>
               <a:defRPr sz="1200"/>
             </a:lvl5pPr>
-            <a:lvl6pPr indent="-304800" lvl="5" marL="2743200">
+            <a:lvl6pPr marL="2743200" lvl="5" indent="-304800">
               <a:spcBef>
                 <a:spcPts val="0"/>
               </a:spcBef>
@@ -5432,7 +5559,7 @@
               <a:buChar char="■"/>
               <a:defRPr sz="1200"/>
             </a:lvl6pPr>
-            <a:lvl7pPr indent="-304800" lvl="6" marL="3200400">
+            <a:lvl7pPr marL="3200400" lvl="6" indent="-304800">
               <a:spcBef>
                 <a:spcPts val="0"/>
               </a:spcBef>
@@ -5443,7 +5570,7 @@
               <a:buChar char="●"/>
               <a:defRPr sz="1200"/>
             </a:lvl7pPr>
-            <a:lvl8pPr indent="-304800" lvl="7" marL="3657600">
+            <a:lvl8pPr marL="3657600" lvl="7" indent="-304800">
               <a:spcBef>
                 <a:spcPts val="0"/>
               </a:spcBef>
@@ -5454,7 +5581,7 @@
               <a:buChar char="○"/>
               <a:defRPr sz="1200"/>
             </a:lvl8pPr>
-            <a:lvl9pPr indent="-304800" lvl="8" marL="4114800">
+            <a:lvl9pPr marL="4114800" lvl="8" indent="-304800">
               <a:spcBef>
                 <a:spcPts val="0"/>
               </a:spcBef>
@@ -5466,15 +5593,19 @@
               <a:defRPr sz="1200"/>
             </a:lvl9pPr>
           </a:lstStyle>
-          <a:p/>
+          <a:p>
+            <a:endParaRPr/>
+          </a:p>
         </p:txBody>
       </p:sp>
       <p:sp>
         <p:nvSpPr>
           <p:cNvPr id="41" name="Google Shape;41;p5"/>
-          <p:cNvSpPr txBox="1"/>
+          <p:cNvSpPr txBox="1">
+            <a:spLocks noGrp="1"/>
+          </p:cNvSpPr>
           <p:nvPr>
-            <p:ph idx="2" type="body"/>
+            <p:ph type="body" idx="2"/>
           </p:nvPr>
         </p:nvSpPr>
         <p:spPr>
@@ -5487,11 +5618,11 @@
           </a:prstGeom>
         </p:spPr>
         <p:txBody>
-          <a:bodyPr anchorCtr="0" anchor="t" bIns="91425" lIns="91425" spcFirstLastPara="1" rIns="91425" wrap="square" tIns="91425">
+          <a:bodyPr spcFirstLastPara="1" wrap="square" lIns="91425" tIns="91425" rIns="91425" bIns="91425" anchor="t" anchorCtr="0">
             <a:normAutofit/>
           </a:bodyPr>
           <a:lstStyle>
-            <a:lvl1pPr indent="-317500" lvl="0" marL="457200">
+            <a:lvl1pPr marL="457200" lvl="0" indent="-317500">
               <a:spcBef>
                 <a:spcPts val="0"/>
               </a:spcBef>
@@ -5502,7 +5633,7 @@
               <a:buChar char="●"/>
               <a:defRPr sz="1400"/>
             </a:lvl1pPr>
-            <a:lvl2pPr indent="-304800" lvl="1" marL="914400">
+            <a:lvl2pPr marL="914400" lvl="1" indent="-304800">
               <a:spcBef>
                 <a:spcPts val="0"/>
               </a:spcBef>
@@ -5513,7 +5644,7 @@
               <a:buChar char="○"/>
               <a:defRPr sz="1200"/>
             </a:lvl2pPr>
-            <a:lvl3pPr indent="-304800" lvl="2" marL="1371600">
+            <a:lvl3pPr marL="1371600" lvl="2" indent="-304800">
               <a:spcBef>
                 <a:spcPts val="0"/>
               </a:spcBef>
@@ -5524,7 +5655,7 @@
               <a:buChar char="■"/>
               <a:defRPr sz="1200"/>
             </a:lvl3pPr>
-            <a:lvl4pPr indent="-304800" lvl="3" marL="1828800">
+            <a:lvl4pPr marL="1828800" lvl="3" indent="-304800">
               <a:spcBef>
                 <a:spcPts val="0"/>
               </a:spcBef>
@@ -5535,7 +5666,7 @@
               <a:buChar char="●"/>
               <a:defRPr sz="1200"/>
             </a:lvl4pPr>
-            <a:lvl5pPr indent="-304800" lvl="4" marL="2286000">
+            <a:lvl5pPr marL="2286000" lvl="4" indent="-304800">
               <a:spcBef>
                 <a:spcPts val="0"/>
               </a:spcBef>
@@ -5546,7 +5677,7 @@
               <a:buChar char="○"/>
               <a:defRPr sz="1200"/>
             </a:lvl5pPr>
-            <a:lvl6pPr indent="-304800" lvl="5" marL="2743200">
+            <a:lvl6pPr marL="2743200" lvl="5" indent="-304800">
               <a:spcBef>
                 <a:spcPts val="0"/>
               </a:spcBef>
@@ -5557,7 +5688,7 @@
               <a:buChar char="■"/>
               <a:defRPr sz="1200"/>
             </a:lvl6pPr>
-            <a:lvl7pPr indent="-304800" lvl="6" marL="3200400">
+            <a:lvl7pPr marL="3200400" lvl="6" indent="-304800">
               <a:spcBef>
                 <a:spcPts val="0"/>
               </a:spcBef>
@@ -5568,7 +5699,7 @@
               <a:buChar char="●"/>
               <a:defRPr sz="1200"/>
             </a:lvl7pPr>
-            <a:lvl8pPr indent="-304800" lvl="7" marL="3657600">
+            <a:lvl8pPr marL="3657600" lvl="7" indent="-304800">
               <a:spcBef>
                 <a:spcPts val="0"/>
               </a:spcBef>
@@ -5579,7 +5710,7 @@
               <a:buChar char="○"/>
               <a:defRPr sz="1200"/>
             </a:lvl8pPr>
-            <a:lvl9pPr indent="-304800" lvl="8" marL="4114800">
+            <a:lvl9pPr marL="4114800" lvl="8" indent="-304800">
               <a:spcBef>
                 <a:spcPts val="0"/>
               </a:spcBef>
@@ -5591,15 +5722,19 @@
               <a:defRPr sz="1200"/>
             </a:lvl9pPr>
           </a:lstStyle>
-          <a:p/>
+          <a:p>
+            <a:endParaRPr/>
+          </a:p>
         </p:txBody>
       </p:sp>
       <p:sp>
         <p:nvSpPr>
           <p:cNvPr id="42" name="Google Shape;42;p5"/>
-          <p:cNvSpPr txBox="1"/>
+          <p:cNvSpPr txBox="1">
+            <a:spLocks noGrp="1"/>
+          </p:cNvSpPr>
           <p:nvPr>
-            <p:ph idx="12" type="sldNum"/>
+            <p:ph type="sldNum" idx="12"/>
           </p:nvPr>
         </p:nvSpPr>
         <p:spPr>
@@ -5612,7 +5747,7 @@
           </a:prstGeom>
         </p:spPr>
         <p:txBody>
-          <a:bodyPr anchorCtr="0" anchor="ctr" bIns="91425" lIns="91425" spcFirstLastPara="1" rIns="91425" wrap="square" tIns="91425">
+          <a:bodyPr spcFirstLastPara="1" wrap="square" lIns="91425" tIns="91425" rIns="91425" bIns="91425" anchor="ctr" anchorCtr="0">
             <a:normAutofit/>
           </a:bodyPr>
           <a:lstStyle>
@@ -5690,7 +5825,7 @@
             </a:lvl9pPr>
           </a:lstStyle>
           <a:p>
-            <a:pPr indent="0" lvl="0" marL="0" rtl="0" algn="r">
+            <a:pPr marL="0" lvl="0" indent="0" algn="r" rtl="0">
               <a:spcBef>
                 <a:spcPts val="0"/>
               </a:spcBef>
@@ -5716,11 +5851,11 @@
 </file>
 
 <file path=ppt/slideLayouts/slideLayout5.xml><?xml version="1.0" encoding="utf-8"?>
-<p:sldLayout xmlns:a="http://schemas.openxmlformats.org/drawingml/2006/main" xmlns:r="http://schemas.openxmlformats.org/officeDocument/2006/relationships" xmlns:mc="http://schemas.openxmlformats.org/markup-compatibility/2006" xmlns:mv="urn:schemas-microsoft-com:mac:vml" xmlns:p="http://schemas.openxmlformats.org/presentationml/2006/main" xmlns:c="http://schemas.openxmlformats.org/drawingml/2006/chart" xmlns:dgm="http://schemas.openxmlformats.org/drawingml/2006/diagram" xmlns:o="urn:schemas-microsoft-com:office:office" xmlns:v="urn:schemas-microsoft-com:vml" xmlns:pvml="urn:schemas-microsoft-com:office:powerpoint" xmlns:com="http://schemas.openxmlformats.org/drawingml/2006/compatibility" xmlns:p14="http://schemas.microsoft.com/office/powerpoint/2010/main" xmlns:p15="http://schemas.microsoft.com/office/powerpoint/2012/main" xmlns:ahyp="http://schemas.microsoft.com/office/drawing/2018/hyperlinkcolor" matchingName="Title only" type="titleOnly">
+<p:sldLayout xmlns:a="http://schemas.openxmlformats.org/drawingml/2006/main" xmlns:r="http://schemas.openxmlformats.org/officeDocument/2006/relationships" xmlns:p="http://schemas.openxmlformats.org/presentationml/2006/main" matchingName="Title only" type="titleOnly">
   <p:cSld name="TITLE_ONLY">
     <p:spTree>
       <p:nvGrpSpPr>
-        <p:cNvPr id="43" name="Shape 43"/>
+        <p:cNvPr id="1" name="Shape 43"/>
         <p:cNvGrpSpPr/>
         <p:nvPr/>
       </p:nvGrpSpPr>
@@ -5735,7 +5870,9 @@
       <p:sp>
         <p:nvSpPr>
           <p:cNvPr id="44" name="Google Shape;44;p6"/>
-          <p:cNvSpPr txBox="1"/>
+          <p:cNvSpPr txBox="1">
+            <a:spLocks noGrp="1"/>
+          </p:cNvSpPr>
           <p:nvPr>
             <p:ph type="title"/>
           </p:nvPr>
@@ -5750,7 +5887,7 @@
           </a:prstGeom>
         </p:spPr>
         <p:txBody>
-          <a:bodyPr anchorCtr="0" anchor="t" bIns="91425" lIns="91425" spcFirstLastPara="1" rIns="91425" wrap="square" tIns="91425">
+          <a:bodyPr spcFirstLastPara="1" wrap="square" lIns="91425" tIns="91425" rIns="91425" bIns="91425" anchor="t" anchorCtr="0">
             <a:normAutofit/>
           </a:bodyPr>
           <a:lstStyle>
@@ -5854,15 +5991,19 @@
               <a:defRPr/>
             </a:lvl9pPr>
           </a:lstStyle>
-          <a:p/>
+          <a:p>
+            <a:endParaRPr/>
+          </a:p>
         </p:txBody>
       </p:sp>
       <p:sp>
         <p:nvSpPr>
           <p:cNvPr id="45" name="Google Shape;45;p6"/>
-          <p:cNvSpPr txBox="1"/>
+          <p:cNvSpPr txBox="1">
+            <a:spLocks noGrp="1"/>
+          </p:cNvSpPr>
           <p:nvPr>
-            <p:ph idx="12" type="sldNum"/>
+            <p:ph type="sldNum" idx="12"/>
           </p:nvPr>
         </p:nvSpPr>
         <p:spPr>
@@ -5875,7 +6016,7 @@
           </a:prstGeom>
         </p:spPr>
         <p:txBody>
-          <a:bodyPr anchorCtr="0" anchor="ctr" bIns="91425" lIns="91425" spcFirstLastPara="1" rIns="91425" wrap="square" tIns="91425">
+          <a:bodyPr spcFirstLastPara="1" wrap="square" lIns="91425" tIns="91425" rIns="91425" bIns="91425" anchor="ctr" anchorCtr="0">
             <a:normAutofit/>
           </a:bodyPr>
           <a:lstStyle>
@@ -5953,7 +6094,7 @@
             </a:lvl9pPr>
           </a:lstStyle>
           <a:p>
-            <a:pPr indent="0" lvl="0" marL="0" rtl="0" algn="r">
+            <a:pPr marL="0" lvl="0" indent="0" algn="r" rtl="0">
               <a:spcBef>
                 <a:spcPts val="0"/>
               </a:spcBef>
@@ -5979,11 +6120,11 @@
 </file>
 
 <file path=ppt/slideLayouts/slideLayout6.xml><?xml version="1.0" encoding="utf-8"?>
-<p:sldLayout xmlns:a="http://schemas.openxmlformats.org/drawingml/2006/main" xmlns:r="http://schemas.openxmlformats.org/officeDocument/2006/relationships" xmlns:mc="http://schemas.openxmlformats.org/markup-compatibility/2006" xmlns:mv="urn:schemas-microsoft-com:mac:vml" xmlns:p="http://schemas.openxmlformats.org/presentationml/2006/main" xmlns:c="http://schemas.openxmlformats.org/drawingml/2006/chart" xmlns:dgm="http://schemas.openxmlformats.org/drawingml/2006/diagram" xmlns:o="urn:schemas-microsoft-com:office:office" xmlns:v="urn:schemas-microsoft-com:vml" xmlns:pvml="urn:schemas-microsoft-com:office:powerpoint" xmlns:com="http://schemas.openxmlformats.org/drawingml/2006/compatibility" xmlns:p14="http://schemas.microsoft.com/office/powerpoint/2010/main" xmlns:p15="http://schemas.microsoft.com/office/powerpoint/2012/main" xmlns:ahyp="http://schemas.microsoft.com/office/drawing/2018/hyperlinkcolor" matchingName="One column text">
+<p:sldLayout xmlns:a="http://schemas.openxmlformats.org/drawingml/2006/main" xmlns:r="http://schemas.openxmlformats.org/officeDocument/2006/relationships" xmlns:p="http://schemas.openxmlformats.org/presentationml/2006/main" matchingName="One column text">
   <p:cSld name="ONE_COLUMN_TEXT">
     <p:spTree>
       <p:nvGrpSpPr>
-        <p:cNvPr id="46" name="Shape 46"/>
+        <p:cNvPr id="1" name="Shape 46"/>
         <p:cNvGrpSpPr/>
         <p:nvPr/>
       </p:nvGrpSpPr>
@@ -5998,7 +6139,9 @@
       <p:sp>
         <p:nvSpPr>
           <p:cNvPr id="47" name="Google Shape;47;p7"/>
-          <p:cNvSpPr txBox="1"/>
+          <p:cNvSpPr txBox="1">
+            <a:spLocks noGrp="1"/>
+          </p:cNvSpPr>
           <p:nvPr>
             <p:ph type="title"/>
           </p:nvPr>
@@ -6013,7 +6156,7 @@
           </a:prstGeom>
         </p:spPr>
         <p:txBody>
-          <a:bodyPr anchorCtr="0" anchor="b" bIns="91425" lIns="91425" spcFirstLastPara="1" rIns="91425" wrap="square" tIns="91425">
+          <a:bodyPr spcFirstLastPara="1" wrap="square" lIns="91425" tIns="91425" rIns="91425" bIns="91425" anchor="b" anchorCtr="0">
             <a:normAutofit/>
           </a:bodyPr>
           <a:lstStyle>
@@ -6117,15 +6260,19 @@
               <a:defRPr sz="2400"/>
             </a:lvl9pPr>
           </a:lstStyle>
-          <a:p/>
+          <a:p>
+            <a:endParaRPr/>
+          </a:p>
         </p:txBody>
       </p:sp>
       <p:sp>
         <p:nvSpPr>
           <p:cNvPr id="48" name="Google Shape;48;p7"/>
-          <p:cNvSpPr txBox="1"/>
+          <p:cNvSpPr txBox="1">
+            <a:spLocks noGrp="1"/>
+          </p:cNvSpPr>
           <p:nvPr>
-            <p:ph idx="1" type="body"/>
+            <p:ph type="body" idx="1"/>
           </p:nvPr>
         </p:nvSpPr>
         <p:spPr>
@@ -6138,11 +6285,11 @@
           </a:prstGeom>
         </p:spPr>
         <p:txBody>
-          <a:bodyPr anchorCtr="0" anchor="t" bIns="91425" lIns="91425" spcFirstLastPara="1" rIns="91425" wrap="square" tIns="91425">
+          <a:bodyPr spcFirstLastPara="1" wrap="square" lIns="91425" tIns="91425" rIns="91425" bIns="91425" anchor="t" anchorCtr="0">
             <a:normAutofit/>
           </a:bodyPr>
           <a:lstStyle>
-            <a:lvl1pPr indent="-304800" lvl="0" marL="457200">
+            <a:lvl1pPr marL="457200" lvl="0" indent="-304800">
               <a:spcBef>
                 <a:spcPts val="0"/>
               </a:spcBef>
@@ -6153,7 +6300,7 @@
               <a:buChar char="●"/>
               <a:defRPr sz="1200"/>
             </a:lvl1pPr>
-            <a:lvl2pPr indent="-304800" lvl="1" marL="914400">
+            <a:lvl2pPr marL="914400" lvl="1" indent="-304800">
               <a:spcBef>
                 <a:spcPts val="0"/>
               </a:spcBef>
@@ -6164,7 +6311,7 @@
               <a:buChar char="○"/>
               <a:defRPr sz="1200"/>
             </a:lvl2pPr>
-            <a:lvl3pPr indent="-304800" lvl="2" marL="1371600">
+            <a:lvl3pPr marL="1371600" lvl="2" indent="-304800">
               <a:spcBef>
                 <a:spcPts val="0"/>
               </a:spcBef>
@@ -6175,7 +6322,7 @@
               <a:buChar char="■"/>
               <a:defRPr sz="1200"/>
             </a:lvl3pPr>
-            <a:lvl4pPr indent="-304800" lvl="3" marL="1828800">
+            <a:lvl4pPr marL="1828800" lvl="3" indent="-304800">
               <a:spcBef>
                 <a:spcPts val="0"/>
               </a:spcBef>
@@ -6186,7 +6333,7 @@
               <a:buChar char="●"/>
               <a:defRPr sz="1200"/>
             </a:lvl4pPr>
-            <a:lvl5pPr indent="-304800" lvl="4" marL="2286000">
+            <a:lvl5pPr marL="2286000" lvl="4" indent="-304800">
               <a:spcBef>
                 <a:spcPts val="0"/>
               </a:spcBef>
@@ -6197,7 +6344,7 @@
               <a:buChar char="○"/>
               <a:defRPr sz="1200"/>
             </a:lvl5pPr>
-            <a:lvl6pPr indent="-304800" lvl="5" marL="2743200">
+            <a:lvl6pPr marL="2743200" lvl="5" indent="-304800">
               <a:spcBef>
                 <a:spcPts val="0"/>
               </a:spcBef>
@@ -6208,7 +6355,7 @@
               <a:buChar char="■"/>
               <a:defRPr sz="1200"/>
             </a:lvl6pPr>
-            <a:lvl7pPr indent="-304800" lvl="6" marL="3200400">
+            <a:lvl7pPr marL="3200400" lvl="6" indent="-304800">
               <a:spcBef>
                 <a:spcPts val="0"/>
               </a:spcBef>
@@ -6219,7 +6366,7 @@
               <a:buChar char="●"/>
               <a:defRPr sz="1200"/>
             </a:lvl7pPr>
-            <a:lvl8pPr indent="-304800" lvl="7" marL="3657600">
+            <a:lvl8pPr marL="3657600" lvl="7" indent="-304800">
               <a:spcBef>
                 <a:spcPts val="0"/>
               </a:spcBef>
@@ -6230,7 +6377,7 @@
               <a:buChar char="○"/>
               <a:defRPr sz="1200"/>
             </a:lvl8pPr>
-            <a:lvl9pPr indent="-304800" lvl="8" marL="4114800">
+            <a:lvl9pPr marL="4114800" lvl="8" indent="-304800">
               <a:spcBef>
                 <a:spcPts val="0"/>
               </a:spcBef>
@@ -6242,15 +6389,19 @@
               <a:defRPr sz="1200"/>
             </a:lvl9pPr>
           </a:lstStyle>
-          <a:p/>
+          <a:p>
+            <a:endParaRPr/>
+          </a:p>
         </p:txBody>
       </p:sp>
       <p:sp>
         <p:nvSpPr>
           <p:cNvPr id="49" name="Google Shape;49;p7"/>
-          <p:cNvSpPr txBox="1"/>
+          <p:cNvSpPr txBox="1">
+            <a:spLocks noGrp="1"/>
+          </p:cNvSpPr>
           <p:nvPr>
-            <p:ph idx="12" type="sldNum"/>
+            <p:ph type="sldNum" idx="12"/>
           </p:nvPr>
         </p:nvSpPr>
         <p:spPr>
@@ -6263,7 +6414,7 @@
           </a:prstGeom>
         </p:spPr>
         <p:txBody>
-          <a:bodyPr anchorCtr="0" anchor="ctr" bIns="91425" lIns="91425" spcFirstLastPara="1" rIns="91425" wrap="square" tIns="91425">
+          <a:bodyPr spcFirstLastPara="1" wrap="square" lIns="91425" tIns="91425" rIns="91425" bIns="91425" anchor="ctr" anchorCtr="0">
             <a:normAutofit/>
           </a:bodyPr>
           <a:lstStyle>
@@ -6341,7 +6492,7 @@
             </a:lvl9pPr>
           </a:lstStyle>
           <a:p>
-            <a:pPr indent="0" lvl="0" marL="0" rtl="0" algn="r">
+            <a:pPr marL="0" lvl="0" indent="0" algn="r" rtl="0">
               <a:spcBef>
                 <a:spcPts val="0"/>
               </a:spcBef>
@@ -6367,18 +6518,19 @@
 </file>
 
 <file path=ppt/slideLayouts/slideLayout7.xml><?xml version="1.0" encoding="utf-8"?>
-<p:sldLayout xmlns:a="http://schemas.openxmlformats.org/drawingml/2006/main" xmlns:r="http://schemas.openxmlformats.org/officeDocument/2006/relationships" xmlns:mc="http://schemas.openxmlformats.org/markup-compatibility/2006" xmlns:mv="urn:schemas-microsoft-com:mac:vml" xmlns:p="http://schemas.openxmlformats.org/presentationml/2006/main" xmlns:c="http://schemas.openxmlformats.org/drawingml/2006/chart" xmlns:dgm="http://schemas.openxmlformats.org/drawingml/2006/diagram" xmlns:o="urn:schemas-microsoft-com:office:office" xmlns:v="urn:schemas-microsoft-com:vml" xmlns:pvml="urn:schemas-microsoft-com:office:powerpoint" xmlns:com="http://schemas.openxmlformats.org/drawingml/2006/compatibility" xmlns:p14="http://schemas.microsoft.com/office/powerpoint/2010/main" xmlns:p15="http://schemas.microsoft.com/office/powerpoint/2012/main" xmlns:ahyp="http://schemas.microsoft.com/office/drawing/2018/hyperlinkcolor" matchingName="Main point">
+<p:sldLayout xmlns:a="http://schemas.openxmlformats.org/drawingml/2006/main" xmlns:r="http://schemas.openxmlformats.org/officeDocument/2006/relationships" xmlns:p="http://schemas.openxmlformats.org/presentationml/2006/main" matchingName="Main point">
   <p:cSld name="MAIN_POINT">
     <p:bg>
       <p:bgPr>
         <a:solidFill>
           <a:schemeClr val="accent4"/>
         </a:solidFill>
+        <a:effectLst/>
       </p:bgPr>
     </p:bg>
     <p:spTree>
       <p:nvGrpSpPr>
-        <p:cNvPr id="50" name="Shape 50"/>
+        <p:cNvPr id="1" name="Shape 50"/>
         <p:cNvGrpSpPr/>
         <p:nvPr/>
       </p:nvGrpSpPr>
@@ -6426,12 +6578,12 @@
             </a:ln>
           </p:spPr>
           <p:txBody>
-            <a:bodyPr anchorCtr="0" anchor="ctr" bIns="91425" lIns="91425" spcFirstLastPara="1" rIns="91425" wrap="square" tIns="91425">
+            <a:bodyPr spcFirstLastPara="1" wrap="square" lIns="91425" tIns="91425" rIns="91425" bIns="91425" anchor="ctr" anchorCtr="0">
               <a:noAutofit/>
             </a:bodyPr>
             <a:lstStyle/>
             <a:p>
-              <a:pPr indent="0" lvl="0" marL="0" rtl="0" algn="l">
+              <a:pPr marL="0" lvl="0" indent="0" algn="l" rtl="0">
                 <a:spcBef>
                   <a:spcPts val="0"/>
                 </a:spcBef>
@@ -6440,9 +6592,6 @@
                 </a:spcAft>
                 <a:buNone/>
               </a:pPr>
-              <a:r>
-                <a:t/>
-              </a:r>
               <a:endParaRPr/>
             </a:p>
           </p:txBody>
@@ -6469,12 +6618,12 @@
             </a:ln>
           </p:spPr>
           <p:txBody>
-            <a:bodyPr anchorCtr="0" anchor="ctr" bIns="91425" lIns="91425" spcFirstLastPara="1" rIns="91425" wrap="square" tIns="91425">
+            <a:bodyPr spcFirstLastPara="1" wrap="square" lIns="91425" tIns="91425" rIns="91425" bIns="91425" anchor="ctr" anchorCtr="0">
               <a:noAutofit/>
             </a:bodyPr>
             <a:lstStyle/>
             <a:p>
-              <a:pPr indent="0" lvl="0" marL="0" rtl="0" algn="l">
+              <a:pPr marL="0" lvl="0" indent="0" algn="l" rtl="0">
                 <a:spcBef>
                   <a:spcPts val="0"/>
                 </a:spcBef>
@@ -6483,9 +6632,6 @@
                 </a:spcAft>
                 <a:buNone/>
               </a:pPr>
-              <a:r>
-                <a:t/>
-              </a:r>
               <a:endParaRPr/>
             </a:p>
           </p:txBody>
@@ -6497,7 +6643,7 @@
             <p:nvPr/>
           </p:nvSpPr>
           <p:spPr>
-            <a:xfrm flipH="1" rot="10800000">
+            <a:xfrm rot="10800000" flipH="1">
               <a:off x="7113588" y="107"/>
               <a:ext cx="1015200" cy="1015200"/>
             </a:xfrm>
@@ -6512,12 +6658,12 @@
             </a:ln>
           </p:spPr>
           <p:txBody>
-            <a:bodyPr anchorCtr="0" anchor="ctr" bIns="91425" lIns="91425" spcFirstLastPara="1" rIns="91425" wrap="square" tIns="91425">
+            <a:bodyPr spcFirstLastPara="1" wrap="square" lIns="91425" tIns="91425" rIns="91425" bIns="91425" anchor="ctr" anchorCtr="0">
               <a:noAutofit/>
             </a:bodyPr>
             <a:lstStyle/>
             <a:p>
-              <a:pPr indent="0" lvl="0" marL="0" rtl="0" algn="l">
+              <a:pPr marL="0" lvl="0" indent="0" algn="l" rtl="0">
                 <a:spcBef>
                   <a:spcPts val="0"/>
                 </a:spcBef>
@@ -6526,9 +6672,6 @@
                 </a:spcAft>
                 <a:buNone/>
               </a:pPr>
-              <a:r>
-                <a:t/>
-              </a:r>
               <a:endParaRPr/>
             </a:p>
           </p:txBody>
@@ -6555,12 +6698,12 @@
             </a:ln>
           </p:spPr>
           <p:txBody>
-            <a:bodyPr anchorCtr="0" anchor="ctr" bIns="91425" lIns="91425" spcFirstLastPara="1" rIns="91425" wrap="square" tIns="91425">
+            <a:bodyPr spcFirstLastPara="1" wrap="square" lIns="91425" tIns="91425" rIns="91425" bIns="91425" anchor="ctr" anchorCtr="0">
               <a:noAutofit/>
             </a:bodyPr>
             <a:lstStyle/>
             <a:p>
-              <a:pPr indent="0" lvl="0" marL="0" rtl="0" algn="l">
+              <a:pPr marL="0" lvl="0" indent="0" algn="l" rtl="0">
                 <a:spcBef>
                   <a:spcPts val="0"/>
                 </a:spcBef>
@@ -6569,9 +6712,6 @@
                 </a:spcAft>
                 <a:buNone/>
               </a:pPr>
-              <a:r>
-                <a:t/>
-              </a:r>
               <a:endParaRPr/>
             </a:p>
           </p:txBody>
@@ -6598,12 +6738,12 @@
             </a:ln>
           </p:spPr>
           <p:txBody>
-            <a:bodyPr anchorCtr="0" anchor="ctr" bIns="91425" lIns="91425" spcFirstLastPara="1" rIns="91425" wrap="square" tIns="91425">
+            <a:bodyPr spcFirstLastPara="1" wrap="square" lIns="91425" tIns="91425" rIns="91425" bIns="91425" anchor="ctr" anchorCtr="0">
               <a:noAutofit/>
             </a:bodyPr>
             <a:lstStyle/>
             <a:p>
-              <a:pPr indent="0" lvl="0" marL="0" rtl="0" algn="l">
+              <a:pPr marL="0" lvl="0" indent="0" algn="l" rtl="0">
                 <a:spcBef>
                   <a:spcPts val="0"/>
                 </a:spcBef>
@@ -6612,9 +6752,6 @@
                 </a:spcAft>
                 <a:buNone/>
               </a:pPr>
-              <a:r>
-                <a:t/>
-              </a:r>
               <a:endParaRPr/>
             </a:p>
           </p:txBody>
@@ -6623,7 +6760,9 @@
       <p:sp>
         <p:nvSpPr>
           <p:cNvPr id="57" name="Google Shape;57;p8"/>
-          <p:cNvSpPr txBox="1"/>
+          <p:cNvSpPr txBox="1">
+            <a:spLocks noGrp="1"/>
+          </p:cNvSpPr>
           <p:nvPr>
             <p:ph type="title"/>
           </p:nvPr>
@@ -6638,7 +6777,7 @@
           </a:prstGeom>
         </p:spPr>
         <p:txBody>
-          <a:bodyPr anchorCtr="0" anchor="ctr" bIns="91425" lIns="91425" spcFirstLastPara="1" rIns="91425" wrap="square" tIns="91425">
+          <a:bodyPr spcFirstLastPara="1" wrap="square" lIns="91425" tIns="91425" rIns="91425" bIns="91425" anchor="ctr" anchorCtr="0">
             <a:normAutofit/>
           </a:bodyPr>
           <a:lstStyle>
@@ -6805,15 +6944,19 @@
               </a:defRPr>
             </a:lvl9pPr>
           </a:lstStyle>
-          <a:p/>
+          <a:p>
+            <a:endParaRPr/>
+          </a:p>
         </p:txBody>
       </p:sp>
       <p:sp>
         <p:nvSpPr>
           <p:cNvPr id="58" name="Google Shape;58;p8"/>
-          <p:cNvSpPr txBox="1"/>
+          <p:cNvSpPr txBox="1">
+            <a:spLocks noGrp="1"/>
+          </p:cNvSpPr>
           <p:nvPr>
-            <p:ph idx="12" type="sldNum"/>
+            <p:ph type="sldNum" idx="12"/>
           </p:nvPr>
         </p:nvSpPr>
         <p:spPr>
@@ -6826,7 +6969,7 @@
           </a:prstGeom>
         </p:spPr>
         <p:txBody>
-          <a:bodyPr anchorCtr="0" anchor="ctr" bIns="91425" lIns="91425" spcFirstLastPara="1" rIns="91425" wrap="square" tIns="91425">
+          <a:bodyPr spcFirstLastPara="1" wrap="square" lIns="91425" tIns="91425" rIns="91425" bIns="91425" anchor="ctr" anchorCtr="0">
             <a:normAutofit/>
           </a:bodyPr>
           <a:lstStyle>
@@ -6868,7 +7011,7 @@
             </a:lvl9pPr>
           </a:lstStyle>
           <a:p>
-            <a:pPr indent="0" lvl="0" marL="0" rtl="0" algn="r">
+            <a:pPr marL="0" lvl="0" indent="0" algn="r" rtl="0">
               <a:spcBef>
                 <a:spcPts val="0"/>
               </a:spcBef>
@@ -6894,11 +7037,11 @@
 </file>
 
 <file path=ppt/slideLayouts/slideLayout8.xml><?xml version="1.0" encoding="utf-8"?>
-<p:sldLayout xmlns:a="http://schemas.openxmlformats.org/drawingml/2006/main" xmlns:r="http://schemas.openxmlformats.org/officeDocument/2006/relationships" xmlns:mc="http://schemas.openxmlformats.org/markup-compatibility/2006" xmlns:mv="urn:schemas-microsoft-com:mac:vml" xmlns:p="http://schemas.openxmlformats.org/presentationml/2006/main" xmlns:c="http://schemas.openxmlformats.org/drawingml/2006/chart" xmlns:dgm="http://schemas.openxmlformats.org/drawingml/2006/diagram" xmlns:o="urn:schemas-microsoft-com:office:office" xmlns:v="urn:schemas-microsoft-com:vml" xmlns:pvml="urn:schemas-microsoft-com:office:powerpoint" xmlns:com="http://schemas.openxmlformats.org/drawingml/2006/compatibility" xmlns:p14="http://schemas.microsoft.com/office/powerpoint/2010/main" xmlns:p15="http://schemas.microsoft.com/office/powerpoint/2012/main" xmlns:ahyp="http://schemas.microsoft.com/office/drawing/2018/hyperlinkcolor" matchingName="Section title and description">
+<p:sldLayout xmlns:a="http://schemas.openxmlformats.org/drawingml/2006/main" xmlns:r="http://schemas.openxmlformats.org/officeDocument/2006/relationships" xmlns:p="http://schemas.openxmlformats.org/presentationml/2006/main" matchingName="Section title and description">
   <p:cSld name="SECTION_TITLE_AND_DESCRIPTION">
     <p:spTree>
       <p:nvGrpSpPr>
-        <p:cNvPr id="59" name="Shape 59"/>
+        <p:cNvPr id="1" name="Shape 59"/>
         <p:cNvGrpSpPr/>
         <p:nvPr/>
       </p:nvGrpSpPr>
@@ -6932,12 +7075,12 @@
           </a:ln>
         </p:spPr>
         <p:txBody>
-          <a:bodyPr anchorCtr="0" anchor="ctr" bIns="91425" lIns="91425" spcFirstLastPara="1" rIns="91425" wrap="square" tIns="91425">
+          <a:bodyPr spcFirstLastPara="1" wrap="square" lIns="91425" tIns="91425" rIns="91425" bIns="91425" anchor="ctr" anchorCtr="0">
             <a:noAutofit/>
           </a:bodyPr>
           <a:lstStyle/>
           <a:p>
-            <a:pPr indent="0" lvl="0" marL="0" rtl="0" algn="l">
+            <a:pPr marL="0" lvl="0" indent="0" algn="l" rtl="0">
               <a:spcBef>
                 <a:spcPts val="0"/>
               </a:spcBef>
@@ -6946,9 +7089,6 @@
               </a:spcAft>
               <a:buNone/>
             </a:pPr>
-            <a:r>
-              <a:t/>
-            </a:r>
             <a:endParaRPr/>
           </a:p>
         </p:txBody>
@@ -6968,21 +7108,23 @@
             <a:avLst/>
           </a:prstGeom>
           <a:noFill/>
-          <a:ln cap="flat" cmpd="sng" w="19050">
+          <a:ln w="19050" cap="flat" cmpd="sng">
             <a:solidFill>
               <a:schemeClr val="lt1"/>
             </a:solidFill>
             <a:prstDash val="solid"/>
             <a:round/>
-            <a:headEnd len="sm" w="sm" type="none"/>
-            <a:tailEnd len="sm" w="sm" type="none"/>
+            <a:headEnd type="none" w="sm" len="sm"/>
+            <a:tailEnd type="none" w="sm" len="sm"/>
           </a:ln>
         </p:spPr>
       </p:cxnSp>
       <p:sp>
         <p:nvSpPr>
           <p:cNvPr id="62" name="Google Shape;62;p9"/>
-          <p:cNvSpPr txBox="1"/>
+          <p:cNvSpPr txBox="1">
+            <a:spLocks noGrp="1"/>
+          </p:cNvSpPr>
           <p:nvPr>
             <p:ph type="title"/>
           </p:nvPr>
@@ -6997,7 +7139,7 @@
           </a:prstGeom>
         </p:spPr>
         <p:txBody>
-          <a:bodyPr anchorCtr="0" anchor="b" bIns="91425" lIns="91425" spcFirstLastPara="1" rIns="91425" wrap="square" tIns="91425">
+          <a:bodyPr spcFirstLastPara="1" wrap="square" lIns="91425" tIns="91425" rIns="91425" bIns="91425" anchor="b" anchorCtr="0">
             <a:normAutofit/>
           </a:bodyPr>
           <a:lstStyle>
@@ -7101,15 +7243,19 @@
               <a:defRPr sz="4200"/>
             </a:lvl9pPr>
           </a:lstStyle>
-          <a:p/>
+          <a:p>
+            <a:endParaRPr/>
+          </a:p>
         </p:txBody>
       </p:sp>
       <p:sp>
         <p:nvSpPr>
           <p:cNvPr id="63" name="Google Shape;63;p9"/>
-          <p:cNvSpPr txBox="1"/>
+          <p:cNvSpPr txBox="1">
+            <a:spLocks noGrp="1"/>
+          </p:cNvSpPr>
           <p:nvPr>
-            <p:ph idx="1" type="subTitle"/>
+            <p:ph type="subTitle" idx="1"/>
           </p:nvPr>
         </p:nvSpPr>
         <p:spPr>
@@ -7122,7 +7268,7 @@
           </a:prstGeom>
         </p:spPr>
         <p:txBody>
-          <a:bodyPr anchorCtr="0" anchor="t" bIns="91425" lIns="91425" spcFirstLastPara="1" rIns="91425" wrap="square" tIns="91425">
+          <a:bodyPr spcFirstLastPara="1" wrap="square" lIns="91425" tIns="91425" rIns="91425" bIns="91425" anchor="t" anchorCtr="0">
             <a:normAutofit/>
           </a:bodyPr>
           <a:lstStyle>
@@ -7253,15 +7399,19 @@
               <a:defRPr sz="2100"/>
             </a:lvl9pPr>
           </a:lstStyle>
-          <a:p/>
+          <a:p>
+            <a:endParaRPr/>
+          </a:p>
         </p:txBody>
       </p:sp>
       <p:sp>
         <p:nvSpPr>
           <p:cNvPr id="64" name="Google Shape;64;p9"/>
-          <p:cNvSpPr txBox="1"/>
+          <p:cNvSpPr txBox="1">
+            <a:spLocks noGrp="1"/>
+          </p:cNvSpPr>
           <p:nvPr>
-            <p:ph idx="2" type="body"/>
+            <p:ph type="body" idx="2"/>
           </p:nvPr>
         </p:nvSpPr>
         <p:spPr>
@@ -7274,11 +7424,11 @@
           </a:prstGeom>
         </p:spPr>
         <p:txBody>
-          <a:bodyPr anchorCtr="0" anchor="ctr" bIns="91425" lIns="91425" spcFirstLastPara="1" rIns="91425" wrap="square" tIns="91425">
+          <a:bodyPr spcFirstLastPara="1" wrap="square" lIns="91425" tIns="91425" rIns="91425" bIns="91425" anchor="ctr" anchorCtr="0">
             <a:normAutofit/>
           </a:bodyPr>
           <a:lstStyle>
-            <a:lvl1pPr indent="-342900" lvl="0" marL="457200">
+            <a:lvl1pPr marL="457200" lvl="0" indent="-342900">
               <a:spcBef>
                 <a:spcPts val="0"/>
               </a:spcBef>
@@ -7296,7 +7446,7 @@
                 </a:solidFill>
               </a:defRPr>
             </a:lvl1pPr>
-            <a:lvl2pPr indent="-317500" lvl="1" marL="914400">
+            <a:lvl2pPr marL="914400" lvl="1" indent="-317500">
               <a:spcBef>
                 <a:spcPts val="0"/>
               </a:spcBef>
@@ -7314,7 +7464,7 @@
                 </a:solidFill>
               </a:defRPr>
             </a:lvl2pPr>
-            <a:lvl3pPr indent="-317500" lvl="2" marL="1371600">
+            <a:lvl3pPr marL="1371600" lvl="2" indent="-317500">
               <a:spcBef>
                 <a:spcPts val="0"/>
               </a:spcBef>
@@ -7332,7 +7482,7 @@
                 </a:solidFill>
               </a:defRPr>
             </a:lvl3pPr>
-            <a:lvl4pPr indent="-317500" lvl="3" marL="1828800">
+            <a:lvl4pPr marL="1828800" lvl="3" indent="-317500">
               <a:spcBef>
                 <a:spcPts val="0"/>
               </a:spcBef>
@@ -7350,7 +7500,7 @@
                 </a:solidFill>
               </a:defRPr>
             </a:lvl4pPr>
-            <a:lvl5pPr indent="-317500" lvl="4" marL="2286000">
+            <a:lvl5pPr marL="2286000" lvl="4" indent="-317500">
               <a:spcBef>
                 <a:spcPts val="0"/>
               </a:spcBef>
@@ -7368,7 +7518,7 @@
                 </a:solidFill>
               </a:defRPr>
             </a:lvl5pPr>
-            <a:lvl6pPr indent="-317500" lvl="5" marL="2743200">
+            <a:lvl6pPr marL="2743200" lvl="5" indent="-317500">
               <a:spcBef>
                 <a:spcPts val="0"/>
               </a:spcBef>
@@ -7386,7 +7536,7 @@
                 </a:solidFill>
               </a:defRPr>
             </a:lvl6pPr>
-            <a:lvl7pPr indent="-317500" lvl="6" marL="3200400">
+            <a:lvl7pPr marL="3200400" lvl="6" indent="-317500">
               <a:spcBef>
                 <a:spcPts val="0"/>
               </a:spcBef>
@@ -7404,7 +7554,7 @@
                 </a:solidFill>
               </a:defRPr>
             </a:lvl7pPr>
-            <a:lvl8pPr indent="-317500" lvl="7" marL="3657600">
+            <a:lvl8pPr marL="3657600" lvl="7" indent="-317500">
               <a:spcBef>
                 <a:spcPts val="0"/>
               </a:spcBef>
@@ -7422,7 +7572,7 @@
                 </a:solidFill>
               </a:defRPr>
             </a:lvl8pPr>
-            <a:lvl9pPr indent="-317500" lvl="8" marL="4114800">
+            <a:lvl9pPr marL="4114800" lvl="8" indent="-317500">
               <a:spcBef>
                 <a:spcPts val="0"/>
               </a:spcBef>
@@ -7441,15 +7591,19 @@
               </a:defRPr>
             </a:lvl9pPr>
           </a:lstStyle>
-          <a:p/>
+          <a:p>
+            <a:endParaRPr/>
+          </a:p>
         </p:txBody>
       </p:sp>
       <p:sp>
         <p:nvSpPr>
           <p:cNvPr id="65" name="Google Shape;65;p9"/>
-          <p:cNvSpPr txBox="1"/>
+          <p:cNvSpPr txBox="1">
+            <a:spLocks noGrp="1"/>
+          </p:cNvSpPr>
           <p:nvPr>
-            <p:ph idx="12" type="sldNum"/>
+            <p:ph type="sldNum" idx="12"/>
           </p:nvPr>
         </p:nvSpPr>
         <p:spPr>
@@ -7462,7 +7616,7 @@
           </a:prstGeom>
         </p:spPr>
         <p:txBody>
-          <a:bodyPr anchorCtr="0" anchor="ctr" bIns="91425" lIns="91425" spcFirstLastPara="1" rIns="91425" wrap="square" tIns="91425">
+          <a:bodyPr spcFirstLastPara="1" wrap="square" lIns="91425" tIns="91425" rIns="91425" bIns="91425" anchor="ctr" anchorCtr="0">
             <a:normAutofit/>
           </a:bodyPr>
           <a:lstStyle>
@@ -7504,7 +7658,7 @@
             </a:lvl9pPr>
           </a:lstStyle>
           <a:p>
-            <a:pPr indent="0" lvl="0" marL="0" rtl="0" algn="r">
+            <a:pPr marL="0" lvl="0" indent="0" algn="r" rtl="0">
               <a:spcBef>
                 <a:spcPts val="0"/>
               </a:spcBef>
@@ -7530,11 +7684,11 @@
 </file>
 
 <file path=ppt/slideLayouts/slideLayout9.xml><?xml version="1.0" encoding="utf-8"?>
-<p:sldLayout xmlns:a="http://schemas.openxmlformats.org/drawingml/2006/main" xmlns:r="http://schemas.openxmlformats.org/officeDocument/2006/relationships" xmlns:mc="http://schemas.openxmlformats.org/markup-compatibility/2006" xmlns:mv="urn:schemas-microsoft-com:mac:vml" xmlns:p="http://schemas.openxmlformats.org/presentationml/2006/main" xmlns:c="http://schemas.openxmlformats.org/drawingml/2006/chart" xmlns:dgm="http://schemas.openxmlformats.org/drawingml/2006/diagram" xmlns:o="urn:schemas-microsoft-com:office:office" xmlns:v="urn:schemas-microsoft-com:vml" xmlns:pvml="urn:schemas-microsoft-com:office:powerpoint" xmlns:com="http://schemas.openxmlformats.org/drawingml/2006/compatibility" xmlns:p14="http://schemas.microsoft.com/office/powerpoint/2010/main" xmlns:p15="http://schemas.microsoft.com/office/powerpoint/2012/main" xmlns:ahyp="http://schemas.microsoft.com/office/drawing/2018/hyperlinkcolor" matchingName="Caption">
+<p:sldLayout xmlns:a="http://schemas.openxmlformats.org/drawingml/2006/main" xmlns:r="http://schemas.openxmlformats.org/officeDocument/2006/relationships" xmlns:p="http://schemas.openxmlformats.org/presentationml/2006/main" matchingName="Caption">
   <p:cSld name="CAPTION_ONLY">
     <p:spTree>
       <p:nvGrpSpPr>
-        <p:cNvPr id="66" name="Shape 66"/>
+        <p:cNvPr id="1" name="Shape 66"/>
         <p:cNvGrpSpPr/>
         <p:nvPr/>
       </p:nvGrpSpPr>
@@ -7549,9 +7703,11 @@
       <p:sp>
         <p:nvSpPr>
           <p:cNvPr id="67" name="Google Shape;67;p10"/>
-          <p:cNvSpPr txBox="1"/>
+          <p:cNvSpPr txBox="1">
+            <a:spLocks noGrp="1"/>
+          </p:cNvSpPr>
           <p:nvPr>
-            <p:ph idx="1" type="body"/>
+            <p:ph type="body" idx="1"/>
           </p:nvPr>
         </p:nvSpPr>
         <p:spPr>
@@ -7564,11 +7720,11 @@
           </a:prstGeom>
         </p:spPr>
         <p:txBody>
-          <a:bodyPr anchorCtr="0" anchor="ctr" bIns="91425" lIns="91425" spcFirstLastPara="1" rIns="91425" wrap="square" tIns="91425">
+          <a:bodyPr spcFirstLastPara="1" wrap="square" lIns="91425" tIns="91425" rIns="91425" bIns="91425" anchor="ctr" anchorCtr="0">
             <a:normAutofit/>
           </a:bodyPr>
           <a:lstStyle>
-            <a:lvl1pPr indent="-228600" lvl="0" marL="457200">
+            <a:lvl1pPr marL="457200" lvl="0" indent="-228600">
               <a:lnSpc>
                 <a:spcPct val="100000"/>
               </a:lnSpc>
@@ -7583,15 +7739,19 @@
               <a:defRPr/>
             </a:lvl1pPr>
           </a:lstStyle>
-          <a:p/>
+          <a:p>
+            <a:endParaRPr/>
+          </a:p>
         </p:txBody>
       </p:sp>
       <p:sp>
         <p:nvSpPr>
           <p:cNvPr id="68" name="Google Shape;68;p10"/>
-          <p:cNvSpPr txBox="1"/>
+          <p:cNvSpPr txBox="1">
+            <a:spLocks noGrp="1"/>
+          </p:cNvSpPr>
           <p:nvPr>
-            <p:ph idx="12" type="sldNum"/>
+            <p:ph type="sldNum" idx="12"/>
           </p:nvPr>
         </p:nvSpPr>
         <p:spPr>
@@ -7604,7 +7764,7 @@
           </a:prstGeom>
         </p:spPr>
         <p:txBody>
-          <a:bodyPr anchorCtr="0" anchor="ctr" bIns="91425" lIns="91425" spcFirstLastPara="1" rIns="91425" wrap="square" tIns="91425">
+          <a:bodyPr spcFirstLastPara="1" wrap="square" lIns="91425" tIns="91425" rIns="91425" bIns="91425" anchor="ctr" anchorCtr="0">
             <a:normAutofit/>
           </a:bodyPr>
           <a:lstStyle>
@@ -7682,7 +7842,7 @@
             </a:lvl9pPr>
           </a:lstStyle>
           <a:p>
-            <a:pPr indent="0" lvl="0" marL="0" rtl="0" algn="r">
+            <a:pPr marL="0" lvl="0" indent="0" algn="r" rtl="0">
               <a:spcBef>
                 <a:spcPts val="0"/>
               </a:spcBef>
@@ -7708,18 +7868,19 @@
 </file>
 
 <file path=ppt/slideMasters/slideMaster1.xml><?xml version="1.0" encoding="utf-8"?>
-<p:sldMaster xmlns:a="http://schemas.openxmlformats.org/drawingml/2006/main" xmlns:r="http://schemas.openxmlformats.org/officeDocument/2006/relationships" xmlns:mc="http://schemas.openxmlformats.org/markup-compatibility/2006" xmlns:mv="urn:schemas-microsoft-com:mac:vml" xmlns:p="http://schemas.openxmlformats.org/presentationml/2006/main" xmlns:c="http://schemas.openxmlformats.org/drawingml/2006/chart" xmlns:dgm="http://schemas.openxmlformats.org/drawingml/2006/diagram" xmlns:o="urn:schemas-microsoft-com:office:office" xmlns:v="urn:schemas-microsoft-com:vml" xmlns:pvml="urn:schemas-microsoft-com:office:powerpoint" xmlns:com="http://schemas.openxmlformats.org/drawingml/2006/compatibility" xmlns:p14="http://schemas.microsoft.com/office/powerpoint/2010/main" xmlns:p15="http://schemas.microsoft.com/office/powerpoint/2012/main" xmlns:ahyp="http://schemas.microsoft.com/office/drawing/2018/hyperlinkcolor">
+<p:sldMaster xmlns:a="http://schemas.openxmlformats.org/drawingml/2006/main" xmlns:r="http://schemas.openxmlformats.org/officeDocument/2006/relationships" xmlns:p="http://schemas.openxmlformats.org/presentationml/2006/main">
   <p:cSld name="geometric">
     <p:bg>
       <p:bgPr>
         <a:solidFill>
           <a:schemeClr val="lt1"/>
         </a:solidFill>
+        <a:effectLst/>
       </p:bgPr>
     </p:bg>
     <p:spTree>
       <p:nvGrpSpPr>
-        <p:cNvPr id="5" name="Shape 5"/>
+        <p:cNvPr id="1" name="Shape 5"/>
         <p:cNvGrpSpPr/>
         <p:nvPr/>
       </p:nvGrpSpPr>
@@ -7734,7 +7895,9 @@
       <p:sp>
         <p:nvSpPr>
           <p:cNvPr id="6" name="Google Shape;6;p1"/>
-          <p:cNvSpPr txBox="1"/>
+          <p:cNvSpPr txBox="1">
+            <a:spLocks noGrp="1"/>
+          </p:cNvSpPr>
           <p:nvPr>
             <p:ph type="title"/>
           </p:nvPr>
@@ -7753,7 +7916,7 @@
           </a:ln>
         </p:spPr>
         <p:txBody>
-          <a:bodyPr anchorCtr="0" anchor="t" bIns="91425" lIns="91425" spcFirstLastPara="1" rIns="91425" wrap="square" tIns="91425">
+          <a:bodyPr spcFirstLastPara="1" wrap="square" lIns="91425" tIns="91425" rIns="91425" bIns="91425" anchor="t" anchorCtr="0">
             <a:normAutofit/>
           </a:bodyPr>
           <a:lstStyle>
@@ -7965,15 +8128,19 @@
               </a:defRPr>
             </a:lvl9pPr>
           </a:lstStyle>
-          <a:p/>
+          <a:p>
+            <a:endParaRPr/>
+          </a:p>
         </p:txBody>
       </p:sp>
       <p:sp>
         <p:nvSpPr>
           <p:cNvPr id="7" name="Google Shape;7;p1"/>
-          <p:cNvSpPr txBox="1"/>
+          <p:cNvSpPr txBox="1">
+            <a:spLocks noGrp="1"/>
+          </p:cNvSpPr>
           <p:nvPr>
-            <p:ph idx="1" type="body"/>
+            <p:ph type="body" idx="1"/>
           </p:nvPr>
         </p:nvSpPr>
         <p:spPr>
@@ -7990,11 +8157,11 @@
           </a:ln>
         </p:spPr>
         <p:txBody>
-          <a:bodyPr anchorCtr="0" anchor="t" bIns="91425" lIns="91425" spcFirstLastPara="1" rIns="91425" wrap="square" tIns="91425">
+          <a:bodyPr spcFirstLastPara="1" wrap="square" lIns="91425" tIns="91425" rIns="91425" bIns="91425" anchor="t" anchorCtr="0">
             <a:normAutofit/>
           </a:bodyPr>
           <a:lstStyle>
-            <a:lvl1pPr indent="-342900" lvl="0" marL="457200">
+            <a:lvl1pPr marL="457200" lvl="0" indent="-342900">
               <a:lnSpc>
                 <a:spcPct val="115000"/>
               </a:lnSpc>
@@ -8020,7 +8187,7 @@
                 <a:sym typeface="Roboto"/>
               </a:defRPr>
             </a:lvl1pPr>
-            <a:lvl2pPr indent="-317500" lvl="1" marL="914400">
+            <a:lvl2pPr marL="914400" lvl="1" indent="-317500">
               <a:lnSpc>
                 <a:spcPct val="115000"/>
               </a:lnSpc>
@@ -8046,7 +8213,7 @@
                 <a:sym typeface="Roboto"/>
               </a:defRPr>
             </a:lvl2pPr>
-            <a:lvl3pPr indent="-317500" lvl="2" marL="1371600">
+            <a:lvl3pPr marL="1371600" lvl="2" indent="-317500">
               <a:lnSpc>
                 <a:spcPct val="115000"/>
               </a:lnSpc>
@@ -8072,7 +8239,7 @@
                 <a:sym typeface="Roboto"/>
               </a:defRPr>
             </a:lvl3pPr>
-            <a:lvl4pPr indent="-317500" lvl="3" marL="1828800">
+            <a:lvl4pPr marL="1828800" lvl="3" indent="-317500">
               <a:lnSpc>
                 <a:spcPct val="115000"/>
               </a:lnSpc>
@@ -8098,7 +8265,7 @@
                 <a:sym typeface="Roboto"/>
               </a:defRPr>
             </a:lvl4pPr>
-            <a:lvl5pPr indent="-317500" lvl="4" marL="2286000">
+            <a:lvl5pPr marL="2286000" lvl="4" indent="-317500">
               <a:lnSpc>
                 <a:spcPct val="115000"/>
               </a:lnSpc>
@@ -8124,7 +8291,7 @@
                 <a:sym typeface="Roboto"/>
               </a:defRPr>
             </a:lvl5pPr>
-            <a:lvl6pPr indent="-317500" lvl="5" marL="2743200">
+            <a:lvl6pPr marL="2743200" lvl="5" indent="-317500">
               <a:lnSpc>
                 <a:spcPct val="115000"/>
               </a:lnSpc>
@@ -8150,7 +8317,7 @@
                 <a:sym typeface="Roboto"/>
               </a:defRPr>
             </a:lvl6pPr>
-            <a:lvl7pPr indent="-317500" lvl="6" marL="3200400">
+            <a:lvl7pPr marL="3200400" lvl="6" indent="-317500">
               <a:lnSpc>
                 <a:spcPct val="115000"/>
               </a:lnSpc>
@@ -8176,7 +8343,7 @@
                 <a:sym typeface="Roboto"/>
               </a:defRPr>
             </a:lvl7pPr>
-            <a:lvl8pPr indent="-317500" lvl="7" marL="3657600">
+            <a:lvl8pPr marL="3657600" lvl="7" indent="-317500">
               <a:lnSpc>
                 <a:spcPct val="115000"/>
               </a:lnSpc>
@@ -8202,7 +8369,7 @@
                 <a:sym typeface="Roboto"/>
               </a:defRPr>
             </a:lvl8pPr>
-            <a:lvl9pPr indent="-317500" lvl="8" marL="4114800">
+            <a:lvl9pPr marL="4114800" lvl="8" indent="-317500">
               <a:lnSpc>
                 <a:spcPct val="115000"/>
               </a:lnSpc>
@@ -8229,15 +8396,19 @@
               </a:defRPr>
             </a:lvl9pPr>
           </a:lstStyle>
-          <a:p/>
+          <a:p>
+            <a:endParaRPr/>
+          </a:p>
         </p:txBody>
       </p:sp>
       <p:sp>
         <p:nvSpPr>
           <p:cNvPr id="8" name="Google Shape;8;p1"/>
-          <p:cNvSpPr txBox="1"/>
+          <p:cNvSpPr txBox="1">
+            <a:spLocks noGrp="1"/>
+          </p:cNvSpPr>
           <p:nvPr>
-            <p:ph idx="12" type="sldNum"/>
+            <p:ph type="sldNum" idx="12"/>
           </p:nvPr>
         </p:nvSpPr>
         <p:spPr>
@@ -8254,7 +8425,7 @@
           </a:ln>
         </p:spPr>
         <p:txBody>
-          <a:bodyPr anchorCtr="0" anchor="ctr" bIns="91425" lIns="91425" spcFirstLastPara="1" rIns="91425" wrap="square" tIns="91425">
+          <a:bodyPr spcFirstLastPara="1" wrap="square" lIns="91425" tIns="91425" rIns="91425" bIns="91425" anchor="ctr" anchorCtr="0">
             <a:normAutofit/>
           </a:bodyPr>
           <a:lstStyle>
@@ -8368,7 +8539,7 @@
             </a:lvl9pPr>
           </a:lstStyle>
           <a:p>
-            <a:pPr indent="0" lvl="0" marL="0" rtl="0" algn="r">
+            <a:pPr marL="0" lvl="0" indent="0" algn="r" rtl="0">
               <a:spcBef>
                 <a:spcPts val="0"/>
               </a:spcBef>
@@ -8387,7 +8558,7 @@
       </p:sp>
     </p:spTree>
   </p:cSld>
-  <p:clrMap accent1="accent1" accent2="accent2" accent3="accent3" accent4="accent4" accent5="accent5" accent6="accent6" bg1="lt1" bg2="dk2" tx1="dk1" tx2="lt2" folHlink="folHlink" hlink="hlink"/>
+  <p:clrMap bg1="lt1" tx1="dk1" bg2="dk2" tx2="lt2" accent1="accent1" accent2="accent2" accent3="accent3" accent4="accent4" accent5="accent5" accent6="accent6" hlink="hlink" folHlink="folHlink"/>
   <p:sldLayoutIdLst>
     <p:sldLayoutId id="2147483648" r:id="rId1"/>
     <p:sldLayoutId id="2147483649" r:id="rId2"/>
@@ -8401,10 +8572,10 @@
     <p:sldLayoutId id="2147483657" r:id="rId10"/>
     <p:sldLayoutId id="2147483658" r:id="rId11"/>
   </p:sldLayoutIdLst>
-  <p:hf dt="0" ftr="0" hdr="0" sldNum="0"/>
+  <p:hf sldNum="0" hdr="0" ftr="0" dt="0"/>
   <p:txStyles>
     <p:titleStyle>
-      <a:defPPr lvl="0" marR="0" rtl="0" algn="l">
+      <a:defPPr marR="0" lvl="0" algn="l" rtl="0">
         <a:lnSpc>
           <a:spcPct val="100000"/>
         </a:lnSpc>
@@ -8415,7 +8586,7 @@
           <a:spcPts val="0"/>
         </a:spcAft>
       </a:defPPr>
-      <a:lvl1pPr lvl="0" marR="0" rtl="0" algn="l">
+      <a:lvl1pPr marR="0" lvl="0" algn="l" rtl="0">
         <a:lnSpc>
           <a:spcPct val="100000"/>
         </a:lnSpc>
@@ -8429,7 +8600,7 @@
           <a:srgbClr val="000000"/>
         </a:buClr>
         <a:buFont typeface="Arial"/>
-        <a:defRPr b="0" i="0" sz="1400" u="none" cap="none" strike="noStrike">
+        <a:defRPr sz="1400" b="0" i="0" u="none" strike="noStrike" cap="none">
           <a:solidFill>
             <a:srgbClr val="000000"/>
           </a:solidFill>
@@ -8439,7 +8610,7 @@
           <a:sym typeface="Arial"/>
         </a:defRPr>
       </a:lvl1pPr>
-      <a:lvl2pPr lvl="1" marR="0" rtl="0" algn="l">
+      <a:lvl2pPr marR="0" lvl="1" algn="l" rtl="0">
         <a:lnSpc>
           <a:spcPct val="100000"/>
         </a:lnSpc>
@@ -8453,7 +8624,7 @@
           <a:srgbClr val="000000"/>
         </a:buClr>
         <a:buFont typeface="Arial"/>
-        <a:defRPr b="0" i="0" sz="1400" u="none" cap="none" strike="noStrike">
+        <a:defRPr sz="1400" b="0" i="0" u="none" strike="noStrike" cap="none">
           <a:solidFill>
             <a:srgbClr val="000000"/>
           </a:solidFill>
@@ -8463,7 +8634,7 @@
           <a:sym typeface="Arial"/>
         </a:defRPr>
       </a:lvl2pPr>
-      <a:lvl3pPr lvl="2" marR="0" rtl="0" algn="l">
+      <a:lvl3pPr marR="0" lvl="2" algn="l" rtl="0">
         <a:lnSpc>
           <a:spcPct val="100000"/>
         </a:lnSpc>
@@ -8477,7 +8648,7 @@
           <a:srgbClr val="000000"/>
         </a:buClr>
         <a:buFont typeface="Arial"/>
-        <a:defRPr b="0" i="0" sz="1400" u="none" cap="none" strike="noStrike">
+        <a:defRPr sz="1400" b="0" i="0" u="none" strike="noStrike" cap="none">
           <a:solidFill>
             <a:srgbClr val="000000"/>
           </a:solidFill>
@@ -8487,7 +8658,7 @@
           <a:sym typeface="Arial"/>
         </a:defRPr>
       </a:lvl3pPr>
-      <a:lvl4pPr lvl="3" marR="0" rtl="0" algn="l">
+      <a:lvl4pPr marR="0" lvl="3" algn="l" rtl="0">
         <a:lnSpc>
           <a:spcPct val="100000"/>
         </a:lnSpc>
@@ -8501,7 +8672,7 @@
           <a:srgbClr val="000000"/>
         </a:buClr>
         <a:buFont typeface="Arial"/>
-        <a:defRPr b="0" i="0" sz="1400" u="none" cap="none" strike="noStrike">
+        <a:defRPr sz="1400" b="0" i="0" u="none" strike="noStrike" cap="none">
           <a:solidFill>
             <a:srgbClr val="000000"/>
           </a:solidFill>
@@ -8511,7 +8682,7 @@
           <a:sym typeface="Arial"/>
         </a:defRPr>
       </a:lvl4pPr>
-      <a:lvl5pPr lvl="4" marR="0" rtl="0" algn="l">
+      <a:lvl5pPr marR="0" lvl="4" algn="l" rtl="0">
         <a:lnSpc>
           <a:spcPct val="100000"/>
         </a:lnSpc>
@@ -8525,7 +8696,7 @@
           <a:srgbClr val="000000"/>
         </a:buClr>
         <a:buFont typeface="Arial"/>
-        <a:defRPr b="0" i="0" sz="1400" u="none" cap="none" strike="noStrike">
+        <a:defRPr sz="1400" b="0" i="0" u="none" strike="noStrike" cap="none">
           <a:solidFill>
             <a:srgbClr val="000000"/>
           </a:solidFill>
@@ -8535,7 +8706,7 @@
           <a:sym typeface="Arial"/>
         </a:defRPr>
       </a:lvl5pPr>
-      <a:lvl6pPr lvl="5" marR="0" rtl="0" algn="l">
+      <a:lvl6pPr marR="0" lvl="5" algn="l" rtl="0">
         <a:lnSpc>
           <a:spcPct val="100000"/>
         </a:lnSpc>
@@ -8549,7 +8720,7 @@
           <a:srgbClr val="000000"/>
         </a:buClr>
         <a:buFont typeface="Arial"/>
-        <a:defRPr b="0" i="0" sz="1400" u="none" cap="none" strike="noStrike">
+        <a:defRPr sz="1400" b="0" i="0" u="none" strike="noStrike" cap="none">
           <a:solidFill>
             <a:srgbClr val="000000"/>
           </a:solidFill>
@@ -8559,7 +8730,7 @@
           <a:sym typeface="Arial"/>
         </a:defRPr>
       </a:lvl6pPr>
-      <a:lvl7pPr lvl="6" marR="0" rtl="0" algn="l">
+      <a:lvl7pPr marR="0" lvl="6" algn="l" rtl="0">
         <a:lnSpc>
           <a:spcPct val="100000"/>
         </a:lnSpc>
@@ -8573,7 +8744,7 @@
           <a:srgbClr val="000000"/>
         </a:buClr>
         <a:buFont typeface="Arial"/>
-        <a:defRPr b="0" i="0" sz="1400" u="none" cap="none" strike="noStrike">
+        <a:defRPr sz="1400" b="0" i="0" u="none" strike="noStrike" cap="none">
           <a:solidFill>
             <a:srgbClr val="000000"/>
           </a:solidFill>
@@ -8583,7 +8754,7 @@
           <a:sym typeface="Arial"/>
         </a:defRPr>
       </a:lvl7pPr>
-      <a:lvl8pPr lvl="7" marR="0" rtl="0" algn="l">
+      <a:lvl8pPr marR="0" lvl="7" algn="l" rtl="0">
         <a:lnSpc>
           <a:spcPct val="100000"/>
         </a:lnSpc>
@@ -8597,7 +8768,7 @@
           <a:srgbClr val="000000"/>
         </a:buClr>
         <a:buFont typeface="Arial"/>
-        <a:defRPr b="0" i="0" sz="1400" u="none" cap="none" strike="noStrike">
+        <a:defRPr sz="1400" b="0" i="0" u="none" strike="noStrike" cap="none">
           <a:solidFill>
             <a:srgbClr val="000000"/>
           </a:solidFill>
@@ -8607,7 +8778,7 @@
           <a:sym typeface="Arial"/>
         </a:defRPr>
       </a:lvl8pPr>
-      <a:lvl9pPr lvl="8" marR="0" rtl="0" algn="l">
+      <a:lvl9pPr marR="0" lvl="8" algn="l" rtl="0">
         <a:lnSpc>
           <a:spcPct val="100000"/>
         </a:lnSpc>
@@ -8621,7 +8792,7 @@
           <a:srgbClr val="000000"/>
         </a:buClr>
         <a:buFont typeface="Arial"/>
-        <a:defRPr b="0" i="0" sz="1400" u="none" cap="none" strike="noStrike">
+        <a:defRPr sz="1400" b="0" i="0" u="none" strike="noStrike" cap="none">
           <a:solidFill>
             <a:srgbClr val="000000"/>
           </a:solidFill>
@@ -8633,7 +8804,7 @@
       </a:lvl9pPr>
     </p:titleStyle>
     <p:bodyStyle>
-      <a:defPPr lvl="0" marR="0" rtl="0" algn="l">
+      <a:defPPr marR="0" lvl="0" algn="l" rtl="0">
         <a:lnSpc>
           <a:spcPct val="100000"/>
         </a:lnSpc>
@@ -8644,7 +8815,7 @@
           <a:spcPts val="0"/>
         </a:spcAft>
       </a:defPPr>
-      <a:lvl1pPr lvl="0" marR="0" rtl="0" algn="l">
+      <a:lvl1pPr marR="0" lvl="0" algn="l" rtl="0">
         <a:lnSpc>
           <a:spcPct val="100000"/>
         </a:lnSpc>
@@ -8658,7 +8829,7 @@
           <a:srgbClr val="000000"/>
         </a:buClr>
         <a:buFont typeface="Arial"/>
-        <a:defRPr b="0" i="0" sz="1400" u="none" cap="none" strike="noStrike">
+        <a:defRPr sz="1400" b="0" i="0" u="none" strike="noStrike" cap="none">
           <a:solidFill>
             <a:srgbClr val="000000"/>
           </a:solidFill>
@@ -8668,7 +8839,7 @@
           <a:sym typeface="Arial"/>
         </a:defRPr>
       </a:lvl1pPr>
-      <a:lvl2pPr lvl="1" marR="0" rtl="0" algn="l">
+      <a:lvl2pPr marR="0" lvl="1" algn="l" rtl="0">
         <a:lnSpc>
           <a:spcPct val="100000"/>
         </a:lnSpc>
@@ -8682,7 +8853,7 @@
           <a:srgbClr val="000000"/>
         </a:buClr>
         <a:buFont typeface="Arial"/>
-        <a:defRPr b="0" i="0" sz="1400" u="none" cap="none" strike="noStrike">
+        <a:defRPr sz="1400" b="0" i="0" u="none" strike="noStrike" cap="none">
           <a:solidFill>
             <a:srgbClr val="000000"/>
           </a:solidFill>
@@ -8692,7 +8863,7 @@
           <a:sym typeface="Arial"/>
         </a:defRPr>
       </a:lvl2pPr>
-      <a:lvl3pPr lvl="2" marR="0" rtl="0" algn="l">
+      <a:lvl3pPr marR="0" lvl="2" algn="l" rtl="0">
         <a:lnSpc>
           <a:spcPct val="100000"/>
         </a:lnSpc>
@@ -8706,7 +8877,7 @@
           <a:srgbClr val="000000"/>
         </a:buClr>
         <a:buFont typeface="Arial"/>
-        <a:defRPr b="0" i="0" sz="1400" u="none" cap="none" strike="noStrike">
+        <a:defRPr sz="1400" b="0" i="0" u="none" strike="noStrike" cap="none">
           <a:solidFill>
             <a:srgbClr val="000000"/>
           </a:solidFill>
@@ -8716,7 +8887,7 @@
           <a:sym typeface="Arial"/>
         </a:defRPr>
       </a:lvl3pPr>
-      <a:lvl4pPr lvl="3" marR="0" rtl="0" algn="l">
+      <a:lvl4pPr marR="0" lvl="3" algn="l" rtl="0">
         <a:lnSpc>
           <a:spcPct val="100000"/>
         </a:lnSpc>
@@ -8730,7 +8901,7 @@
           <a:srgbClr val="000000"/>
         </a:buClr>
         <a:buFont typeface="Arial"/>
-        <a:defRPr b="0" i="0" sz="1400" u="none" cap="none" strike="noStrike">
+        <a:defRPr sz="1400" b="0" i="0" u="none" strike="noStrike" cap="none">
           <a:solidFill>
             <a:srgbClr val="000000"/>
           </a:solidFill>
@@ -8740,7 +8911,7 @@
           <a:sym typeface="Arial"/>
         </a:defRPr>
       </a:lvl4pPr>
-      <a:lvl5pPr lvl="4" marR="0" rtl="0" algn="l">
+      <a:lvl5pPr marR="0" lvl="4" algn="l" rtl="0">
         <a:lnSpc>
           <a:spcPct val="100000"/>
         </a:lnSpc>
@@ -8754,7 +8925,7 @@
           <a:srgbClr val="000000"/>
         </a:buClr>
         <a:buFont typeface="Arial"/>
-        <a:defRPr b="0" i="0" sz="1400" u="none" cap="none" strike="noStrike">
+        <a:defRPr sz="1400" b="0" i="0" u="none" strike="noStrike" cap="none">
           <a:solidFill>
             <a:srgbClr val="000000"/>
           </a:solidFill>
@@ -8764,7 +8935,7 @@
           <a:sym typeface="Arial"/>
         </a:defRPr>
       </a:lvl5pPr>
-      <a:lvl6pPr lvl="5" marR="0" rtl="0" algn="l">
+      <a:lvl6pPr marR="0" lvl="5" algn="l" rtl="0">
         <a:lnSpc>
           <a:spcPct val="100000"/>
         </a:lnSpc>
@@ -8778,7 +8949,7 @@
           <a:srgbClr val="000000"/>
         </a:buClr>
         <a:buFont typeface="Arial"/>
-        <a:defRPr b="0" i="0" sz="1400" u="none" cap="none" strike="noStrike">
+        <a:defRPr sz="1400" b="0" i="0" u="none" strike="noStrike" cap="none">
           <a:solidFill>
             <a:srgbClr val="000000"/>
           </a:solidFill>
@@ -8788,7 +8959,7 @@
           <a:sym typeface="Arial"/>
         </a:defRPr>
       </a:lvl6pPr>
-      <a:lvl7pPr lvl="6" marR="0" rtl="0" algn="l">
+      <a:lvl7pPr marR="0" lvl="6" algn="l" rtl="0">
         <a:lnSpc>
           <a:spcPct val="100000"/>
         </a:lnSpc>
@@ -8802,7 +8973,7 @@
           <a:srgbClr val="000000"/>
         </a:buClr>
         <a:buFont typeface="Arial"/>
-        <a:defRPr b="0" i="0" sz="1400" u="none" cap="none" strike="noStrike">
+        <a:defRPr sz="1400" b="0" i="0" u="none" strike="noStrike" cap="none">
           <a:solidFill>
             <a:srgbClr val="000000"/>
           </a:solidFill>
@@ -8812,7 +8983,7 @@
           <a:sym typeface="Arial"/>
         </a:defRPr>
       </a:lvl7pPr>
-      <a:lvl8pPr lvl="7" marR="0" rtl="0" algn="l">
+      <a:lvl8pPr marR="0" lvl="7" algn="l" rtl="0">
         <a:lnSpc>
           <a:spcPct val="100000"/>
         </a:lnSpc>
@@ -8826,7 +8997,7 @@
           <a:srgbClr val="000000"/>
         </a:buClr>
         <a:buFont typeface="Arial"/>
-        <a:defRPr b="0" i="0" sz="1400" u="none" cap="none" strike="noStrike">
+        <a:defRPr sz="1400" b="0" i="0" u="none" strike="noStrike" cap="none">
           <a:solidFill>
             <a:srgbClr val="000000"/>
           </a:solidFill>
@@ -8836,7 +9007,7 @@
           <a:sym typeface="Arial"/>
         </a:defRPr>
       </a:lvl8pPr>
-      <a:lvl9pPr lvl="8" marR="0" rtl="0" algn="l">
+      <a:lvl9pPr marR="0" lvl="8" algn="l" rtl="0">
         <a:lnSpc>
           <a:spcPct val="100000"/>
         </a:lnSpc>
@@ -8850,7 +9021,7 @@
           <a:srgbClr val="000000"/>
         </a:buClr>
         <a:buFont typeface="Arial"/>
-        <a:defRPr b="0" i="0" sz="1400" u="none" cap="none" strike="noStrike">
+        <a:defRPr sz="1400" b="0" i="0" u="none" strike="noStrike" cap="none">
           <a:solidFill>
             <a:srgbClr val="000000"/>
           </a:solidFill>
@@ -8862,7 +9033,7 @@
       </a:lvl9pPr>
     </p:bodyStyle>
     <p:otherStyle>
-      <a:defPPr lvl="0" marR="0" rtl="0" algn="l">
+      <a:defPPr marR="0" lvl="0" algn="l" rtl="0">
         <a:lnSpc>
           <a:spcPct val="100000"/>
         </a:lnSpc>
@@ -8873,7 +9044,7 @@
           <a:spcPts val="0"/>
         </a:spcAft>
       </a:defPPr>
-      <a:lvl1pPr lvl="0" marR="0" rtl="0" algn="l">
+      <a:lvl1pPr marR="0" lvl="0" algn="l" rtl="0">
         <a:lnSpc>
           <a:spcPct val="100000"/>
         </a:lnSpc>
@@ -8887,7 +9058,7 @@
           <a:srgbClr val="000000"/>
         </a:buClr>
         <a:buFont typeface="Arial"/>
-        <a:defRPr b="0" i="0" sz="1400" u="none" cap="none" strike="noStrike">
+        <a:defRPr sz="1400" b="0" i="0" u="none" strike="noStrike" cap="none">
           <a:solidFill>
             <a:srgbClr val="000000"/>
           </a:solidFill>
@@ -8897,7 +9068,7 @@
           <a:sym typeface="Arial"/>
         </a:defRPr>
       </a:lvl1pPr>
-      <a:lvl2pPr lvl="1" marR="0" rtl="0" algn="l">
+      <a:lvl2pPr marR="0" lvl="1" algn="l" rtl="0">
         <a:lnSpc>
           <a:spcPct val="100000"/>
         </a:lnSpc>
@@ -8911,7 +9082,7 @@
           <a:srgbClr val="000000"/>
         </a:buClr>
         <a:buFont typeface="Arial"/>
-        <a:defRPr b="0" i="0" sz="1400" u="none" cap="none" strike="noStrike">
+        <a:defRPr sz="1400" b="0" i="0" u="none" strike="noStrike" cap="none">
           <a:solidFill>
             <a:srgbClr val="000000"/>
           </a:solidFill>
@@ -8921,7 +9092,7 @@
           <a:sym typeface="Arial"/>
         </a:defRPr>
       </a:lvl2pPr>
-      <a:lvl3pPr lvl="2" marR="0" rtl="0" algn="l">
+      <a:lvl3pPr marR="0" lvl="2" algn="l" rtl="0">
         <a:lnSpc>
           <a:spcPct val="100000"/>
         </a:lnSpc>
@@ -8935,7 +9106,7 @@
           <a:srgbClr val="000000"/>
         </a:buClr>
         <a:buFont typeface="Arial"/>
-        <a:defRPr b="0" i="0" sz="1400" u="none" cap="none" strike="noStrike">
+        <a:defRPr sz="1400" b="0" i="0" u="none" strike="noStrike" cap="none">
           <a:solidFill>
             <a:srgbClr val="000000"/>
           </a:solidFill>
@@ -8945,7 +9116,7 @@
           <a:sym typeface="Arial"/>
         </a:defRPr>
       </a:lvl3pPr>
-      <a:lvl4pPr lvl="3" marR="0" rtl="0" algn="l">
+      <a:lvl4pPr marR="0" lvl="3" algn="l" rtl="0">
         <a:lnSpc>
           <a:spcPct val="100000"/>
         </a:lnSpc>
@@ -8959,7 +9130,7 @@
           <a:srgbClr val="000000"/>
         </a:buClr>
         <a:buFont typeface="Arial"/>
-        <a:defRPr b="0" i="0" sz="1400" u="none" cap="none" strike="noStrike">
+        <a:defRPr sz="1400" b="0" i="0" u="none" strike="noStrike" cap="none">
           <a:solidFill>
             <a:srgbClr val="000000"/>
           </a:solidFill>
@@ -8969,7 +9140,7 @@
           <a:sym typeface="Arial"/>
         </a:defRPr>
       </a:lvl4pPr>
-      <a:lvl5pPr lvl="4" marR="0" rtl="0" algn="l">
+      <a:lvl5pPr marR="0" lvl="4" algn="l" rtl="0">
         <a:lnSpc>
           <a:spcPct val="100000"/>
         </a:lnSpc>
@@ -8983,7 +9154,7 @@
           <a:srgbClr val="000000"/>
         </a:buClr>
         <a:buFont typeface="Arial"/>
-        <a:defRPr b="0" i="0" sz="1400" u="none" cap="none" strike="noStrike">
+        <a:defRPr sz="1400" b="0" i="0" u="none" strike="noStrike" cap="none">
           <a:solidFill>
             <a:srgbClr val="000000"/>
           </a:solidFill>
@@ -8993,7 +9164,7 @@
           <a:sym typeface="Arial"/>
         </a:defRPr>
       </a:lvl5pPr>
-      <a:lvl6pPr lvl="5" marR="0" rtl="0" algn="l">
+      <a:lvl6pPr marR="0" lvl="5" algn="l" rtl="0">
         <a:lnSpc>
           <a:spcPct val="100000"/>
         </a:lnSpc>
@@ -9007,7 +9178,7 @@
           <a:srgbClr val="000000"/>
         </a:buClr>
         <a:buFont typeface="Arial"/>
-        <a:defRPr b="0" i="0" sz="1400" u="none" cap="none" strike="noStrike">
+        <a:defRPr sz="1400" b="0" i="0" u="none" strike="noStrike" cap="none">
           <a:solidFill>
             <a:srgbClr val="000000"/>
           </a:solidFill>
@@ -9017,7 +9188,7 @@
           <a:sym typeface="Arial"/>
         </a:defRPr>
       </a:lvl6pPr>
-      <a:lvl7pPr lvl="6" marR="0" rtl="0" algn="l">
+      <a:lvl7pPr marR="0" lvl="6" algn="l" rtl="0">
         <a:lnSpc>
           <a:spcPct val="100000"/>
         </a:lnSpc>
@@ -9031,7 +9202,7 @@
           <a:srgbClr val="000000"/>
         </a:buClr>
         <a:buFont typeface="Arial"/>
-        <a:defRPr b="0" i="0" sz="1400" u="none" cap="none" strike="noStrike">
+        <a:defRPr sz="1400" b="0" i="0" u="none" strike="noStrike" cap="none">
           <a:solidFill>
             <a:srgbClr val="000000"/>
           </a:solidFill>
@@ -9041,7 +9212,7 @@
           <a:sym typeface="Arial"/>
         </a:defRPr>
       </a:lvl7pPr>
-      <a:lvl8pPr lvl="7" marR="0" rtl="0" algn="l">
+      <a:lvl8pPr marR="0" lvl="7" algn="l" rtl="0">
         <a:lnSpc>
           <a:spcPct val="100000"/>
         </a:lnSpc>
@@ -9055,7 +9226,7 @@
           <a:srgbClr val="000000"/>
         </a:buClr>
         <a:buFont typeface="Arial"/>
-        <a:defRPr b="0" i="0" sz="1400" u="none" cap="none" strike="noStrike">
+        <a:defRPr sz="1400" b="0" i="0" u="none" strike="noStrike" cap="none">
           <a:solidFill>
             <a:srgbClr val="000000"/>
           </a:solidFill>
@@ -9065,7 +9236,7 @@
           <a:sym typeface="Arial"/>
         </a:defRPr>
       </a:lvl8pPr>
-      <a:lvl9pPr lvl="8" marR="0" rtl="0" algn="l">
+      <a:lvl9pPr marR="0" lvl="8" algn="l" rtl="0">
         <a:lnSpc>
           <a:spcPct val="100000"/>
         </a:lnSpc>
@@ -9079,7 +9250,7 @@
           <a:srgbClr val="000000"/>
         </a:buClr>
         <a:buFont typeface="Arial"/>
-        <a:defRPr b="0" i="0" sz="1400" u="none" cap="none" strike="noStrike">
+        <a:defRPr sz="1400" b="0" i="0" u="none" strike="noStrike" cap="none">
           <a:solidFill>
             <a:srgbClr val="000000"/>
           </a:solidFill>
@@ -9095,11 +9266,11 @@
 </file>
 
 <file path=ppt/slides/slide1.xml><?xml version="1.0" encoding="utf-8"?>
-<p:sld xmlns:a="http://schemas.openxmlformats.org/drawingml/2006/main" xmlns:r="http://schemas.openxmlformats.org/officeDocument/2006/relationships" xmlns:mc="http://schemas.openxmlformats.org/markup-compatibility/2006" xmlns:mv="urn:schemas-microsoft-com:mac:vml" xmlns:p="http://schemas.openxmlformats.org/presentationml/2006/main" xmlns:c="http://schemas.openxmlformats.org/drawingml/2006/chart" xmlns:dgm="http://schemas.openxmlformats.org/drawingml/2006/diagram" xmlns:o="urn:schemas-microsoft-com:office:office" xmlns:v="urn:schemas-microsoft-com:vml" xmlns:pvml="urn:schemas-microsoft-com:office:powerpoint" xmlns:com="http://schemas.openxmlformats.org/drawingml/2006/compatibility" xmlns:p14="http://schemas.microsoft.com/office/powerpoint/2010/main" xmlns:p15="http://schemas.microsoft.com/office/powerpoint/2012/main" xmlns:ahyp="http://schemas.microsoft.com/office/drawing/2018/hyperlinkcolor">
+<p:sld xmlns:a="http://schemas.openxmlformats.org/drawingml/2006/main" xmlns:r="http://schemas.openxmlformats.org/officeDocument/2006/relationships" xmlns:p="http://schemas.openxmlformats.org/presentationml/2006/main">
   <p:cSld>
     <p:spTree>
       <p:nvGrpSpPr>
-        <p:cNvPr id="84" name="Shape 84"/>
+        <p:cNvPr id="1" name="Shape 84"/>
         <p:cNvGrpSpPr/>
         <p:nvPr/>
       </p:nvGrpSpPr>
@@ -9114,7 +9285,9 @@
       <p:sp>
         <p:nvSpPr>
           <p:cNvPr id="85" name="Google Shape;85;p13"/>
-          <p:cNvSpPr txBox="1"/>
+          <p:cNvSpPr txBox="1">
+            <a:spLocks noGrp="1"/>
+          </p:cNvSpPr>
           <p:nvPr>
             <p:ph type="ctrTitle"/>
           </p:nvPr>
@@ -9129,12 +9302,12 @@
           </a:prstGeom>
         </p:spPr>
         <p:txBody>
-          <a:bodyPr anchorCtr="0" anchor="b" bIns="91425" lIns="91425" spcFirstLastPara="1" rIns="91425" wrap="square" tIns="91425">
+          <a:bodyPr spcFirstLastPara="1" wrap="square" lIns="91425" tIns="91425" rIns="91425" bIns="91425" anchor="b" anchorCtr="0">
             <a:normAutofit fontScale="90000"/>
           </a:bodyPr>
           <a:lstStyle/>
           <a:p>
-            <a:pPr indent="0" lvl="0" marL="0" rtl="0" algn="l">
+            <a:pPr marL="0" lvl="0" indent="0" algn="l" rtl="0">
               <a:spcBef>
                 <a:spcPts val="0"/>
               </a:spcBef>
@@ -9145,19 +9318,21 @@
               <a:buNone/>
             </a:pPr>
             <a:r>
-              <a:rPr b="1" lang="en-GB" sz="4013"/>
+              <a:rPr lang="en-GB" sz="4013" b="1"/>
               <a:t>House Rental Price Prediction Analysis</a:t>
             </a:r>
-            <a:endParaRPr b="1" sz="4013"/>
+            <a:endParaRPr sz="4013" b="1"/>
           </a:p>
         </p:txBody>
       </p:sp>
       <p:sp>
         <p:nvSpPr>
           <p:cNvPr id="86" name="Google Shape;86;p13"/>
-          <p:cNvSpPr txBox="1"/>
+          <p:cNvSpPr txBox="1">
+            <a:spLocks noGrp="1"/>
+          </p:cNvSpPr>
           <p:nvPr>
-            <p:ph idx="1" type="subTitle"/>
+            <p:ph type="subTitle" idx="1"/>
           </p:nvPr>
         </p:nvSpPr>
         <p:spPr>
@@ -9170,12 +9345,12 @@
           </a:prstGeom>
         </p:spPr>
         <p:txBody>
-          <a:bodyPr anchorCtr="0" anchor="t" bIns="91425" lIns="91425" spcFirstLastPara="1" rIns="91425" wrap="square" tIns="91425">
+          <a:bodyPr spcFirstLastPara="1" wrap="square" lIns="91425" tIns="91425" rIns="91425" bIns="91425" anchor="t" anchorCtr="0">
             <a:normAutofit fontScale="92500" lnSpcReduction="20000"/>
           </a:bodyPr>
           <a:lstStyle/>
           <a:p>
-            <a:pPr indent="0" lvl="0" marL="0" rtl="0" algn="l">
+            <a:pPr marL="0" lvl="0" indent="0" algn="l" rtl="0">
               <a:spcBef>
                 <a:spcPts val="0"/>
               </a:spcBef>
@@ -9201,11 +9376,11 @@
 </file>
 
 <file path=ppt/slides/slide10.xml><?xml version="1.0" encoding="utf-8"?>
-<p:sld xmlns:a="http://schemas.openxmlformats.org/drawingml/2006/main" xmlns:r="http://schemas.openxmlformats.org/officeDocument/2006/relationships" xmlns:mc="http://schemas.openxmlformats.org/markup-compatibility/2006" xmlns:mv="urn:schemas-microsoft-com:mac:vml" xmlns:p="http://schemas.openxmlformats.org/presentationml/2006/main" xmlns:c="http://schemas.openxmlformats.org/drawingml/2006/chart" xmlns:dgm="http://schemas.openxmlformats.org/drawingml/2006/diagram" xmlns:o="urn:schemas-microsoft-com:office:office" xmlns:v="urn:schemas-microsoft-com:vml" xmlns:pvml="urn:schemas-microsoft-com:office:powerpoint" xmlns:com="http://schemas.openxmlformats.org/drawingml/2006/compatibility" xmlns:p14="http://schemas.microsoft.com/office/powerpoint/2010/main" xmlns:p15="http://schemas.microsoft.com/office/powerpoint/2012/main" xmlns:ahyp="http://schemas.microsoft.com/office/drawing/2018/hyperlinkcolor">
+<p:sld xmlns:a="http://schemas.openxmlformats.org/drawingml/2006/main" xmlns:r="http://schemas.openxmlformats.org/officeDocument/2006/relationships" xmlns:p="http://schemas.openxmlformats.org/presentationml/2006/main">
   <p:cSld>
     <p:spTree>
       <p:nvGrpSpPr>
-        <p:cNvPr id="145" name="Shape 145"/>
+        <p:cNvPr id="1" name="Shape 145"/>
         <p:cNvGrpSpPr/>
         <p:nvPr/>
       </p:nvGrpSpPr>
@@ -9248,9 +9423,11 @@
       <p:sp>
         <p:nvSpPr>
           <p:cNvPr id="147" name="Google Shape;147;p22"/>
-          <p:cNvSpPr txBox="1"/>
+          <p:cNvSpPr txBox="1">
+            <a:spLocks noGrp="1"/>
+          </p:cNvSpPr>
           <p:nvPr>
-            <p:ph idx="1" type="body"/>
+            <p:ph type="body" idx="1"/>
           </p:nvPr>
         </p:nvSpPr>
         <p:spPr>
@@ -9263,12 +9440,12 @@
           </a:prstGeom>
         </p:spPr>
         <p:txBody>
-          <a:bodyPr anchorCtr="0" anchor="t" bIns="91425" lIns="91425" spcFirstLastPara="1" rIns="91425" wrap="square" tIns="91425">
+          <a:bodyPr spcFirstLastPara="1" wrap="square" lIns="91425" tIns="91425" rIns="91425" bIns="91425" anchor="t" anchorCtr="0">
             <a:normAutofit/>
           </a:bodyPr>
           <a:lstStyle/>
           <a:p>
-            <a:pPr indent="0" lvl="0" marL="0" rtl="0" algn="l">
+            <a:pPr marL="0" lvl="0" indent="0" algn="l" rtl="0">
               <a:spcBef>
                 <a:spcPts val="0"/>
               </a:spcBef>
@@ -9284,7 +9461,7 @@
             <a:endParaRPr/>
           </a:p>
           <a:p>
-            <a:pPr indent="0" lvl="0" marL="0" rtl="0" algn="l">
+            <a:pPr marL="0" lvl="0" indent="0" algn="l" rtl="0">
               <a:spcBef>
                 <a:spcPts val="1200"/>
               </a:spcBef>
@@ -9308,7 +9485,9 @@
       <p:sp>
         <p:nvSpPr>
           <p:cNvPr id="148" name="Google Shape;148;p22"/>
-          <p:cNvSpPr txBox="1"/>
+          <p:cNvSpPr txBox="1">
+            <a:spLocks noGrp="1"/>
+          </p:cNvSpPr>
           <p:nvPr>
             <p:ph type="title"/>
           </p:nvPr>
@@ -9323,12 +9502,12 @@
           </a:prstGeom>
         </p:spPr>
         <p:txBody>
-          <a:bodyPr anchorCtr="0" anchor="t" bIns="91425" lIns="91425" spcFirstLastPara="1" rIns="91425" wrap="square" tIns="91425">
+          <a:bodyPr spcFirstLastPara="1" wrap="square" lIns="91425" tIns="91425" rIns="91425" bIns="91425" anchor="t" anchorCtr="0">
             <a:normAutofit fontScale="90000"/>
           </a:bodyPr>
           <a:lstStyle/>
           <a:p>
-            <a:pPr indent="0" lvl="0" marL="0" rtl="0" algn="l">
+            <a:pPr marL="0" lvl="0" indent="0" algn="l" rtl="0">
               <a:spcBef>
                 <a:spcPts val="0"/>
               </a:spcBef>
@@ -9344,7 +9523,7 @@
             <a:endParaRPr sz="1777" u="sng"/>
           </a:p>
           <a:p>
-            <a:pPr indent="0" lvl="0" marL="0" rtl="0" algn="l">
+            <a:pPr marL="0" lvl="0" indent="0" algn="l" rtl="0">
               <a:spcBef>
                 <a:spcPts val="0"/>
               </a:spcBef>
@@ -9370,11 +9549,11 @@
 </file>
 
 <file path=ppt/slides/slide11.xml><?xml version="1.0" encoding="utf-8"?>
-<p:sld xmlns:a="http://schemas.openxmlformats.org/drawingml/2006/main" xmlns:r="http://schemas.openxmlformats.org/officeDocument/2006/relationships" xmlns:mc="http://schemas.openxmlformats.org/markup-compatibility/2006" xmlns:mv="urn:schemas-microsoft-com:mac:vml" xmlns:p="http://schemas.openxmlformats.org/presentationml/2006/main" xmlns:c="http://schemas.openxmlformats.org/drawingml/2006/chart" xmlns:dgm="http://schemas.openxmlformats.org/drawingml/2006/diagram" xmlns:o="urn:schemas-microsoft-com:office:office" xmlns:v="urn:schemas-microsoft-com:vml" xmlns:pvml="urn:schemas-microsoft-com:office:powerpoint" xmlns:com="http://schemas.openxmlformats.org/drawingml/2006/compatibility" xmlns:p14="http://schemas.microsoft.com/office/powerpoint/2010/main" xmlns:p15="http://schemas.microsoft.com/office/powerpoint/2012/main" xmlns:ahyp="http://schemas.microsoft.com/office/drawing/2018/hyperlinkcolor">
+<p:sld xmlns:a="http://schemas.openxmlformats.org/drawingml/2006/main" xmlns:r="http://schemas.openxmlformats.org/officeDocument/2006/relationships" xmlns:p="http://schemas.openxmlformats.org/presentationml/2006/main">
   <p:cSld>
     <p:spTree>
       <p:nvGrpSpPr>
-        <p:cNvPr id="152" name="Shape 152"/>
+        <p:cNvPr id="1" name="Shape 152"/>
         <p:cNvGrpSpPr/>
         <p:nvPr/>
       </p:nvGrpSpPr>
@@ -9389,9 +9568,11 @@
       <p:sp>
         <p:nvSpPr>
           <p:cNvPr id="153" name="Google Shape;153;p23"/>
-          <p:cNvSpPr txBox="1"/>
+          <p:cNvSpPr txBox="1">
+            <a:spLocks noGrp="1"/>
+          </p:cNvSpPr>
           <p:nvPr>
-            <p:ph idx="1" type="body"/>
+            <p:ph type="body" idx="1"/>
           </p:nvPr>
         </p:nvSpPr>
         <p:spPr>
@@ -9404,12 +9585,12 @@
           </a:prstGeom>
         </p:spPr>
         <p:txBody>
-          <a:bodyPr anchorCtr="0" anchor="t" bIns="91425" lIns="91425" spcFirstLastPara="1" rIns="91425" wrap="square" tIns="91425">
+          <a:bodyPr spcFirstLastPara="1" wrap="square" lIns="91425" tIns="91425" rIns="91425" bIns="91425" anchor="t" anchorCtr="0">
             <a:normAutofit/>
           </a:bodyPr>
           <a:lstStyle/>
           <a:p>
-            <a:pPr indent="0" lvl="0" marL="0" rtl="0" algn="l">
+            <a:pPr marL="0" lvl="0" indent="0" algn="l" rtl="0">
               <a:spcBef>
                 <a:spcPts val="0"/>
               </a:spcBef>
@@ -9420,16 +9601,12 @@
             </a:pPr>
             <a:r>
               <a:rPr lang="en-GB"/>
-              <a:t>-</a:t>
-            </a:r>
-            <a:r>
-              <a:rPr lang="en-GB"/>
-              <a:t>P&lt;0.0001</a:t>
+              <a:t>-P&lt;0.0001</a:t>
             </a:r>
             <a:endParaRPr/>
           </a:p>
           <a:p>
-            <a:pPr indent="0" lvl="0" marL="0" rtl="0" algn="l">
+            <a:pPr marL="0" lvl="0" indent="0" algn="l" rtl="0">
               <a:spcBef>
                 <a:spcPts val="1200"/>
               </a:spcBef>
@@ -9449,7 +9626,9 @@
       <p:sp>
         <p:nvSpPr>
           <p:cNvPr id="154" name="Google Shape;154;p23"/>
-          <p:cNvSpPr txBox="1"/>
+          <p:cNvSpPr txBox="1">
+            <a:spLocks noGrp="1"/>
+          </p:cNvSpPr>
           <p:nvPr>
             <p:ph type="title"/>
           </p:nvPr>
@@ -9464,12 +9643,12 @@
           </a:prstGeom>
         </p:spPr>
         <p:txBody>
-          <a:bodyPr anchorCtr="0" anchor="t" bIns="91425" lIns="91425" spcFirstLastPara="1" rIns="91425" wrap="square" tIns="91425">
+          <a:bodyPr spcFirstLastPara="1" wrap="square" lIns="91425" tIns="91425" rIns="91425" bIns="91425" anchor="t" anchorCtr="0">
             <a:normAutofit fontScale="90000"/>
           </a:bodyPr>
           <a:lstStyle/>
           <a:p>
-            <a:pPr indent="0" lvl="0" marL="0" rtl="0" algn="l">
+            <a:pPr marL="0" lvl="0" indent="0" algn="l" rtl="0">
               <a:spcBef>
                 <a:spcPts val="0"/>
               </a:spcBef>
@@ -9485,7 +9664,7 @@
             <a:endParaRPr sz="1777" u="sng"/>
           </a:p>
           <a:p>
-            <a:pPr indent="0" lvl="0" marL="0" rtl="0" algn="l">
+            <a:pPr marL="0" lvl="0" indent="0" algn="l" rtl="0">
               <a:spcBef>
                 <a:spcPts val="0"/>
               </a:spcBef>
@@ -9496,11 +9675,7 @@
             </a:pPr>
             <a:r>
               <a:rPr lang="en-GB"/>
-              <a:t>City</a:t>
-            </a:r>
-            <a:r>
-              <a:rPr lang="en-GB"/>
-              <a:t> affects rental prices.</a:t>
+              <a:t>City affects rental prices.</a:t>
             </a:r>
             <a:endParaRPr/>
           </a:p>
@@ -9543,11 +9718,11 @@
 </file>
 
 <file path=ppt/slides/slide12.xml><?xml version="1.0" encoding="utf-8"?>
-<p:sld xmlns:a="http://schemas.openxmlformats.org/drawingml/2006/main" xmlns:r="http://schemas.openxmlformats.org/officeDocument/2006/relationships" xmlns:mc="http://schemas.openxmlformats.org/markup-compatibility/2006" xmlns:mv="urn:schemas-microsoft-com:mac:vml" xmlns:p="http://schemas.openxmlformats.org/presentationml/2006/main" xmlns:c="http://schemas.openxmlformats.org/drawingml/2006/chart" xmlns:dgm="http://schemas.openxmlformats.org/drawingml/2006/diagram" xmlns:o="urn:schemas-microsoft-com:office:office" xmlns:v="urn:schemas-microsoft-com:vml" xmlns:pvml="urn:schemas-microsoft-com:office:powerpoint" xmlns:com="http://schemas.openxmlformats.org/drawingml/2006/compatibility" xmlns:p14="http://schemas.microsoft.com/office/powerpoint/2010/main" xmlns:p15="http://schemas.microsoft.com/office/powerpoint/2012/main" xmlns:ahyp="http://schemas.microsoft.com/office/drawing/2018/hyperlinkcolor">
+<p:sld xmlns:a="http://schemas.openxmlformats.org/drawingml/2006/main" xmlns:r="http://schemas.openxmlformats.org/officeDocument/2006/relationships" xmlns:p="http://schemas.openxmlformats.org/presentationml/2006/main">
   <p:cSld>
     <p:spTree>
       <p:nvGrpSpPr>
-        <p:cNvPr id="159" name="Shape 159"/>
+        <p:cNvPr id="1" name="Shape 159"/>
         <p:cNvGrpSpPr/>
         <p:nvPr/>
       </p:nvGrpSpPr>
@@ -9562,9 +9737,11 @@
       <p:sp>
         <p:nvSpPr>
           <p:cNvPr id="160" name="Google Shape;160;p24"/>
-          <p:cNvSpPr txBox="1"/>
+          <p:cNvSpPr txBox="1">
+            <a:spLocks noGrp="1"/>
+          </p:cNvSpPr>
           <p:nvPr>
-            <p:ph idx="1" type="body"/>
+            <p:ph type="body" idx="1"/>
           </p:nvPr>
         </p:nvSpPr>
         <p:spPr>
@@ -9577,12 +9754,12 @@
           </a:prstGeom>
         </p:spPr>
         <p:txBody>
-          <a:bodyPr anchorCtr="0" anchor="t" bIns="91425" lIns="91425" spcFirstLastPara="1" rIns="91425" wrap="square" tIns="91425">
+          <a:bodyPr spcFirstLastPara="1" wrap="square" lIns="91425" tIns="91425" rIns="91425" bIns="91425" anchor="t" anchorCtr="0">
             <a:normAutofit/>
           </a:bodyPr>
           <a:lstStyle/>
           <a:p>
-            <a:pPr indent="0" lvl="0" marL="0" rtl="0" algn="l">
+            <a:pPr marL="0" lvl="0" indent="0" algn="l" rtl="0">
               <a:spcBef>
                 <a:spcPts val="0"/>
               </a:spcBef>
@@ -9593,16 +9770,12 @@
             </a:pPr>
             <a:r>
               <a:rPr lang="en-GB"/>
-              <a:t>-</a:t>
-            </a:r>
-            <a:r>
-              <a:rPr lang="en-GB"/>
-              <a:t>P&lt;0.0001</a:t>
+              <a:t>-P&lt;0.0001</a:t>
             </a:r>
             <a:endParaRPr/>
           </a:p>
           <a:p>
-            <a:pPr indent="0" lvl="0" marL="0" rtl="0" algn="l">
+            <a:pPr marL="0" lvl="0" indent="0" algn="l" rtl="0">
               <a:spcBef>
                 <a:spcPts val="1200"/>
               </a:spcBef>
@@ -9622,7 +9795,9 @@
       <p:sp>
         <p:nvSpPr>
           <p:cNvPr id="161" name="Google Shape;161;p24"/>
-          <p:cNvSpPr txBox="1"/>
+          <p:cNvSpPr txBox="1">
+            <a:spLocks noGrp="1"/>
+          </p:cNvSpPr>
           <p:nvPr>
             <p:ph type="title"/>
           </p:nvPr>
@@ -9637,12 +9812,12 @@
           </a:prstGeom>
         </p:spPr>
         <p:txBody>
-          <a:bodyPr anchorCtr="0" anchor="t" bIns="91425" lIns="91425" spcFirstLastPara="1" rIns="91425" wrap="square" tIns="91425">
+          <a:bodyPr spcFirstLastPara="1" wrap="square" lIns="91425" tIns="91425" rIns="91425" bIns="91425" anchor="t" anchorCtr="0">
             <a:normAutofit fontScale="90000"/>
           </a:bodyPr>
           <a:lstStyle/>
           <a:p>
-            <a:pPr indent="0" lvl="0" marL="0" rtl="0" algn="l">
+            <a:pPr marL="0" lvl="0" indent="0" algn="l" rtl="0">
               <a:spcBef>
                 <a:spcPts val="0"/>
               </a:spcBef>
@@ -9658,7 +9833,7 @@
             <a:endParaRPr sz="1777" u="sng"/>
           </a:p>
           <a:p>
-            <a:pPr indent="0" lvl="0" marL="0" rtl="0" algn="l">
+            <a:pPr marL="0" lvl="0" indent="0" algn="l" rtl="0">
               <a:spcBef>
                 <a:spcPts val="0"/>
               </a:spcBef>
@@ -9669,11 +9844,7 @@
             </a:pPr>
             <a:r>
               <a:rPr lang="en-GB"/>
-              <a:t>More furnished properties are more expensive</a:t>
-            </a:r>
-            <a:r>
-              <a:rPr lang="en-GB"/>
-              <a:t>.</a:t>
+              <a:t>More furnished properties are more expensive.</a:t>
             </a:r>
             <a:endParaRPr/>
           </a:p>
@@ -9716,11 +9887,11 @@
 </file>
 
 <file path=ppt/slides/slide13.xml><?xml version="1.0" encoding="utf-8"?>
-<p:sld xmlns:a="http://schemas.openxmlformats.org/drawingml/2006/main" xmlns:r="http://schemas.openxmlformats.org/officeDocument/2006/relationships" xmlns:mc="http://schemas.openxmlformats.org/markup-compatibility/2006" xmlns:mv="urn:schemas-microsoft-com:mac:vml" xmlns:p="http://schemas.openxmlformats.org/presentationml/2006/main" xmlns:c="http://schemas.openxmlformats.org/drawingml/2006/chart" xmlns:dgm="http://schemas.openxmlformats.org/drawingml/2006/diagram" xmlns:o="urn:schemas-microsoft-com:office:office" xmlns:v="urn:schemas-microsoft-com:vml" xmlns:pvml="urn:schemas-microsoft-com:office:powerpoint" xmlns:com="http://schemas.openxmlformats.org/drawingml/2006/compatibility" xmlns:p14="http://schemas.microsoft.com/office/powerpoint/2010/main" xmlns:p15="http://schemas.microsoft.com/office/powerpoint/2012/main" xmlns:ahyp="http://schemas.microsoft.com/office/drawing/2018/hyperlinkcolor">
+<p:sld xmlns:a="http://schemas.openxmlformats.org/drawingml/2006/main" xmlns:r="http://schemas.openxmlformats.org/officeDocument/2006/relationships" xmlns:p="http://schemas.openxmlformats.org/presentationml/2006/main">
   <p:cSld>
     <p:spTree>
       <p:nvGrpSpPr>
-        <p:cNvPr id="166" name="Shape 166"/>
+        <p:cNvPr id="1" name="Shape 166"/>
         <p:cNvGrpSpPr/>
         <p:nvPr/>
       </p:nvGrpSpPr>
@@ -9735,9 +9906,11 @@
       <p:sp>
         <p:nvSpPr>
           <p:cNvPr id="167" name="Google Shape;167;p25"/>
-          <p:cNvSpPr txBox="1"/>
+          <p:cNvSpPr txBox="1">
+            <a:spLocks noGrp="1"/>
+          </p:cNvSpPr>
           <p:nvPr>
-            <p:ph idx="1" type="body"/>
+            <p:ph type="body" idx="1"/>
           </p:nvPr>
         </p:nvSpPr>
         <p:spPr>
@@ -9750,12 +9923,12 @@
           </a:prstGeom>
         </p:spPr>
         <p:txBody>
-          <a:bodyPr anchorCtr="0" anchor="t" bIns="91425" lIns="91425" spcFirstLastPara="1" rIns="91425" wrap="square" tIns="91425">
+          <a:bodyPr spcFirstLastPara="1" wrap="square" lIns="91425" tIns="91425" rIns="91425" bIns="91425" anchor="t" anchorCtr="0">
             <a:normAutofit/>
           </a:bodyPr>
           <a:lstStyle/>
           <a:p>
-            <a:pPr indent="0" lvl="0" marL="0" rtl="0" algn="l">
+            <a:pPr marL="0" lvl="0" indent="0" algn="l" rtl="0">
               <a:spcBef>
                 <a:spcPts val="0"/>
               </a:spcBef>
@@ -9766,16 +9939,12 @@
             </a:pPr>
             <a:r>
               <a:rPr lang="en-GB"/>
-              <a:t>-</a:t>
-            </a:r>
-            <a:r>
-              <a:rPr lang="en-GB"/>
-              <a:t>P&lt;0.0001</a:t>
+              <a:t>-P&lt;0.0001</a:t>
             </a:r>
             <a:endParaRPr/>
           </a:p>
           <a:p>
-            <a:pPr indent="0" lvl="0" marL="0" rtl="0" algn="l">
+            <a:pPr marL="0" lvl="0" indent="0" algn="l" rtl="0">
               <a:spcBef>
                 <a:spcPts val="1200"/>
               </a:spcBef>
@@ -9795,7 +9964,9 @@
       <p:sp>
         <p:nvSpPr>
           <p:cNvPr id="168" name="Google Shape;168;p25"/>
-          <p:cNvSpPr txBox="1"/>
+          <p:cNvSpPr txBox="1">
+            <a:spLocks noGrp="1"/>
+          </p:cNvSpPr>
           <p:nvPr>
             <p:ph type="title"/>
           </p:nvPr>
@@ -9810,12 +9981,12 @@
           </a:prstGeom>
         </p:spPr>
         <p:txBody>
-          <a:bodyPr anchorCtr="0" anchor="t" bIns="91425" lIns="91425" spcFirstLastPara="1" rIns="91425" wrap="square" tIns="91425">
+          <a:bodyPr spcFirstLastPara="1" wrap="square" lIns="91425" tIns="91425" rIns="91425" bIns="91425" anchor="t" anchorCtr="0">
             <a:normAutofit fontScale="90000"/>
           </a:bodyPr>
           <a:lstStyle/>
           <a:p>
-            <a:pPr indent="0" lvl="0" marL="0" rtl="0" algn="l">
+            <a:pPr marL="0" lvl="0" indent="0" algn="l" rtl="0">
               <a:spcBef>
                 <a:spcPts val="0"/>
               </a:spcBef>
@@ -9831,7 +10002,7 @@
             <a:endParaRPr sz="1777" u="sng"/>
           </a:p>
           <a:p>
-            <a:pPr indent="0" lvl="0" marL="0" rtl="0" algn="l">
+            <a:pPr marL="0" lvl="0" indent="0" algn="l" rtl="0">
               <a:spcBef>
                 <a:spcPts val="0"/>
               </a:spcBef>
@@ -9842,11 +10013,7 @@
             </a:pPr>
             <a:r>
               <a:rPr lang="en-GB"/>
-              <a:t>Contact agent rentals are more expensive</a:t>
-            </a:r>
-            <a:r>
-              <a:rPr lang="en-GB"/>
-              <a:t>.</a:t>
+              <a:t>Contact agent rentals are more expensive.</a:t>
             </a:r>
             <a:endParaRPr/>
           </a:p>
@@ -9889,11 +10056,11 @@
 </file>
 
 <file path=ppt/slides/slide14.xml><?xml version="1.0" encoding="utf-8"?>
-<p:sld xmlns:a="http://schemas.openxmlformats.org/drawingml/2006/main" xmlns:r="http://schemas.openxmlformats.org/officeDocument/2006/relationships" xmlns:mc="http://schemas.openxmlformats.org/markup-compatibility/2006" xmlns:mv="urn:schemas-microsoft-com:mac:vml" xmlns:p="http://schemas.openxmlformats.org/presentationml/2006/main" xmlns:c="http://schemas.openxmlformats.org/drawingml/2006/chart" xmlns:dgm="http://schemas.openxmlformats.org/drawingml/2006/diagram" xmlns:o="urn:schemas-microsoft-com:office:office" xmlns:v="urn:schemas-microsoft-com:vml" xmlns:pvml="urn:schemas-microsoft-com:office:powerpoint" xmlns:com="http://schemas.openxmlformats.org/drawingml/2006/compatibility" xmlns:p14="http://schemas.microsoft.com/office/powerpoint/2010/main" xmlns:p15="http://schemas.microsoft.com/office/powerpoint/2012/main" xmlns:ahyp="http://schemas.microsoft.com/office/drawing/2018/hyperlinkcolor">
+<p:sld xmlns:a="http://schemas.openxmlformats.org/drawingml/2006/main" xmlns:r="http://schemas.openxmlformats.org/officeDocument/2006/relationships" xmlns:p="http://schemas.openxmlformats.org/presentationml/2006/main">
   <p:cSld>
     <p:spTree>
       <p:nvGrpSpPr>
-        <p:cNvPr id="173" name="Shape 173"/>
+        <p:cNvPr id="1" name="Shape 173"/>
         <p:cNvGrpSpPr/>
         <p:nvPr/>
       </p:nvGrpSpPr>
@@ -9908,9 +10075,11 @@
       <p:sp>
         <p:nvSpPr>
           <p:cNvPr id="174" name="Google Shape;174;p26"/>
-          <p:cNvSpPr txBox="1"/>
+          <p:cNvSpPr txBox="1">
+            <a:spLocks noGrp="1"/>
+          </p:cNvSpPr>
           <p:nvPr>
-            <p:ph idx="1" type="body"/>
+            <p:ph type="body" idx="1"/>
           </p:nvPr>
         </p:nvSpPr>
         <p:spPr>
@@ -9923,12 +10092,12 @@
           </a:prstGeom>
         </p:spPr>
         <p:txBody>
-          <a:bodyPr anchorCtr="0" anchor="t" bIns="91425" lIns="91425" spcFirstLastPara="1" rIns="91425" wrap="square" tIns="91425">
+          <a:bodyPr spcFirstLastPara="1" wrap="square" lIns="91425" tIns="91425" rIns="91425" bIns="91425" anchor="t" anchorCtr="0">
             <a:normAutofit/>
           </a:bodyPr>
           <a:lstStyle/>
           <a:p>
-            <a:pPr indent="0" lvl="0" marL="0" rtl="0" algn="l">
+            <a:pPr marL="0" lvl="0" indent="0" algn="l" rtl="0">
               <a:spcBef>
                 <a:spcPts val="0"/>
               </a:spcBef>
@@ -9944,7 +10113,7 @@
             <a:endParaRPr/>
           </a:p>
           <a:p>
-            <a:pPr indent="0" lvl="0" marL="0" rtl="0" algn="l">
+            <a:pPr marL="0" lvl="0" indent="0" algn="l" rtl="0">
               <a:spcBef>
                 <a:spcPts val="1200"/>
               </a:spcBef>
@@ -9964,7 +10133,9 @@
       <p:sp>
         <p:nvSpPr>
           <p:cNvPr id="175" name="Google Shape;175;p26"/>
-          <p:cNvSpPr txBox="1"/>
+          <p:cNvSpPr txBox="1">
+            <a:spLocks noGrp="1"/>
+          </p:cNvSpPr>
           <p:nvPr>
             <p:ph type="title"/>
           </p:nvPr>
@@ -9979,12 +10150,12 @@
           </a:prstGeom>
         </p:spPr>
         <p:txBody>
-          <a:bodyPr anchorCtr="0" anchor="t" bIns="91425" lIns="91425" spcFirstLastPara="1" rIns="91425" wrap="square" tIns="91425">
+          <a:bodyPr spcFirstLastPara="1" wrap="square" lIns="91425" tIns="91425" rIns="91425" bIns="91425" anchor="t" anchorCtr="0">
             <a:normAutofit fontScale="90000"/>
           </a:bodyPr>
           <a:lstStyle/>
           <a:p>
-            <a:pPr indent="0" lvl="0" marL="0" rtl="0" algn="l">
+            <a:pPr marL="0" lvl="0" indent="0" algn="l" rtl="0">
               <a:spcBef>
                 <a:spcPts val="0"/>
               </a:spcBef>
@@ -10000,7 +10171,7 @@
             <a:endParaRPr sz="1777" u="sng"/>
           </a:p>
           <a:p>
-            <a:pPr indent="0" lvl="0" marL="0" rtl="0" algn="l">
+            <a:pPr marL="0" lvl="0" indent="0" algn="l" rtl="0">
               <a:spcBef>
                 <a:spcPts val="0"/>
               </a:spcBef>
@@ -10054,11 +10225,11 @@
 </file>
 
 <file path=ppt/slides/slide15.xml><?xml version="1.0" encoding="utf-8"?>
-<p:sld xmlns:a="http://schemas.openxmlformats.org/drawingml/2006/main" xmlns:r="http://schemas.openxmlformats.org/officeDocument/2006/relationships" xmlns:mc="http://schemas.openxmlformats.org/markup-compatibility/2006" xmlns:mv="urn:schemas-microsoft-com:mac:vml" xmlns:p="http://schemas.openxmlformats.org/presentationml/2006/main" xmlns:c="http://schemas.openxmlformats.org/drawingml/2006/chart" xmlns:dgm="http://schemas.openxmlformats.org/drawingml/2006/diagram" xmlns:o="urn:schemas-microsoft-com:office:office" xmlns:v="urn:schemas-microsoft-com:vml" xmlns:pvml="urn:schemas-microsoft-com:office:powerpoint" xmlns:com="http://schemas.openxmlformats.org/drawingml/2006/compatibility" xmlns:p14="http://schemas.microsoft.com/office/powerpoint/2010/main" xmlns:p15="http://schemas.microsoft.com/office/powerpoint/2012/main" xmlns:ahyp="http://schemas.microsoft.com/office/drawing/2018/hyperlinkcolor">
+<p:sld xmlns:a="http://schemas.openxmlformats.org/drawingml/2006/main" xmlns:r="http://schemas.openxmlformats.org/officeDocument/2006/relationships" xmlns:p="http://schemas.openxmlformats.org/presentationml/2006/main">
   <p:cSld>
     <p:spTree>
       <p:nvGrpSpPr>
-        <p:cNvPr id="180" name="Shape 180"/>
+        <p:cNvPr id="1" name="Shape 180"/>
         <p:cNvGrpSpPr/>
         <p:nvPr/>
       </p:nvGrpSpPr>
@@ -10073,9 +10244,11 @@
       <p:sp>
         <p:nvSpPr>
           <p:cNvPr id="181" name="Google Shape;181;p27"/>
-          <p:cNvSpPr txBox="1"/>
+          <p:cNvSpPr txBox="1">
+            <a:spLocks noGrp="1"/>
+          </p:cNvSpPr>
           <p:nvPr>
-            <p:ph idx="1" type="body"/>
+            <p:ph type="body" idx="1"/>
           </p:nvPr>
         </p:nvSpPr>
         <p:spPr>
@@ -10088,12 +10261,12 @@
           </a:prstGeom>
         </p:spPr>
         <p:txBody>
-          <a:bodyPr anchorCtr="0" anchor="t" bIns="91425" lIns="91425" spcFirstLastPara="1" rIns="91425" wrap="square" tIns="91425">
+          <a:bodyPr spcFirstLastPara="1" wrap="square" lIns="91425" tIns="91425" rIns="91425" bIns="91425" anchor="t" anchorCtr="0">
             <a:normAutofit/>
           </a:bodyPr>
           <a:lstStyle/>
           <a:p>
-            <a:pPr indent="0" lvl="0" marL="0" rtl="0" algn="l">
+            <a:pPr marL="0" lvl="0" indent="0" algn="l" rtl="0">
               <a:spcBef>
                 <a:spcPts val="0"/>
               </a:spcBef>
@@ -10113,7 +10286,9 @@
       <p:sp>
         <p:nvSpPr>
           <p:cNvPr id="182" name="Google Shape;182;p27"/>
-          <p:cNvSpPr txBox="1"/>
+          <p:cNvSpPr txBox="1">
+            <a:spLocks noGrp="1"/>
+          </p:cNvSpPr>
           <p:nvPr>
             <p:ph type="title"/>
           </p:nvPr>
@@ -10128,12 +10303,12 @@
           </a:prstGeom>
         </p:spPr>
         <p:txBody>
-          <a:bodyPr anchorCtr="0" anchor="t" bIns="91425" lIns="91425" spcFirstLastPara="1" rIns="91425" wrap="square" tIns="91425">
+          <a:bodyPr spcFirstLastPara="1" wrap="square" lIns="91425" tIns="91425" rIns="91425" bIns="91425" anchor="t" anchorCtr="0">
             <a:normAutofit fontScale="90000"/>
           </a:bodyPr>
           <a:lstStyle/>
           <a:p>
-            <a:pPr indent="0" lvl="0" marL="0" rtl="0" algn="l">
+            <a:pPr marL="0" lvl="0" indent="0" algn="l" rtl="0">
               <a:spcBef>
                 <a:spcPts val="0"/>
               </a:spcBef>
@@ -10149,7 +10324,7 @@
             <a:endParaRPr sz="1777" u="sng"/>
           </a:p>
           <a:p>
-            <a:pPr indent="0" lvl="0" marL="0" rtl="0" algn="l">
+            <a:pPr marL="0" lvl="0" indent="0" algn="l" rtl="0">
               <a:spcBef>
                 <a:spcPts val="0"/>
               </a:spcBef>
@@ -10160,11 +10335,7 @@
             </a:pPr>
             <a:r>
               <a:rPr lang="en-GB"/>
-              <a:t>Population</a:t>
-            </a:r>
-            <a:r>
-              <a:rPr lang="en-GB"/>
-              <a:t> affects rental prices.</a:t>
+              <a:t>Population affects rental prices.</a:t>
             </a:r>
             <a:endParaRPr/>
           </a:p>
@@ -10218,12 +10389,12 @@
           </a:ln>
         </p:spPr>
         <p:txBody>
-          <a:bodyPr anchorCtr="0" anchor="t" bIns="91425" lIns="91425" spcFirstLastPara="1" rIns="91425" wrap="square" tIns="91425">
+          <a:bodyPr spcFirstLastPara="1" wrap="square" lIns="91425" tIns="91425" rIns="91425" bIns="91425" anchor="t" anchorCtr="0">
             <a:spAutoFit/>
           </a:bodyPr>
           <a:lstStyle/>
           <a:p>
-            <a:pPr indent="0" lvl="0" marL="0" rtl="0" algn="l">
+            <a:pPr marL="0" lvl="0" indent="0" algn="l" rtl="0">
               <a:spcBef>
                 <a:spcPts val="0"/>
               </a:spcBef>
@@ -10259,11 +10430,11 @@
 </file>
 
 <file path=ppt/slides/slide16.xml><?xml version="1.0" encoding="utf-8"?>
-<p:sld xmlns:a="http://schemas.openxmlformats.org/drawingml/2006/main" xmlns:r="http://schemas.openxmlformats.org/officeDocument/2006/relationships" xmlns:mc="http://schemas.openxmlformats.org/markup-compatibility/2006" xmlns:mv="urn:schemas-microsoft-com:mac:vml" xmlns:p="http://schemas.openxmlformats.org/presentationml/2006/main" xmlns:c="http://schemas.openxmlformats.org/drawingml/2006/chart" xmlns:dgm="http://schemas.openxmlformats.org/drawingml/2006/diagram" xmlns:o="urn:schemas-microsoft-com:office:office" xmlns:v="urn:schemas-microsoft-com:vml" xmlns:pvml="urn:schemas-microsoft-com:office:powerpoint" xmlns:com="http://schemas.openxmlformats.org/drawingml/2006/compatibility" xmlns:p14="http://schemas.microsoft.com/office/powerpoint/2010/main" xmlns:p15="http://schemas.microsoft.com/office/powerpoint/2012/main" xmlns:ahyp="http://schemas.microsoft.com/office/drawing/2018/hyperlinkcolor">
+<p:sld xmlns:a="http://schemas.openxmlformats.org/drawingml/2006/main" xmlns:r="http://schemas.openxmlformats.org/officeDocument/2006/relationships" xmlns:p="http://schemas.openxmlformats.org/presentationml/2006/main">
   <p:cSld>
     <p:spTree>
       <p:nvGrpSpPr>
-        <p:cNvPr id="188" name="Shape 188"/>
+        <p:cNvPr id="1" name="Shape 188"/>
         <p:cNvGrpSpPr/>
         <p:nvPr/>
       </p:nvGrpSpPr>
@@ -10278,7 +10449,9 @@
       <p:sp>
         <p:nvSpPr>
           <p:cNvPr id="189" name="Google Shape;189;p28"/>
-          <p:cNvSpPr txBox="1"/>
+          <p:cNvSpPr txBox="1">
+            <a:spLocks noGrp="1"/>
+          </p:cNvSpPr>
           <p:nvPr>
             <p:ph type="title"/>
           </p:nvPr>
@@ -10293,12 +10466,12 @@
           </a:prstGeom>
         </p:spPr>
         <p:txBody>
-          <a:bodyPr anchorCtr="0" anchor="t" bIns="91425" lIns="91425" spcFirstLastPara="1" rIns="91425" wrap="square" tIns="91425">
+          <a:bodyPr spcFirstLastPara="1" wrap="square" lIns="91425" tIns="91425" rIns="91425" bIns="91425" anchor="t" anchorCtr="0">
             <a:normAutofit fontScale="90000"/>
           </a:bodyPr>
           <a:lstStyle/>
           <a:p>
-            <a:pPr indent="0" lvl="0" marL="0" rtl="0" algn="l">
+            <a:pPr marL="0" lvl="0" indent="0" algn="l" rtl="0">
               <a:spcBef>
                 <a:spcPts val="0"/>
               </a:spcBef>
@@ -10318,9 +10491,11 @@
       <p:sp>
         <p:nvSpPr>
           <p:cNvPr id="190" name="Google Shape;190;p28"/>
-          <p:cNvSpPr txBox="1"/>
+          <p:cNvSpPr txBox="1">
+            <a:spLocks noGrp="1"/>
+          </p:cNvSpPr>
           <p:nvPr>
-            <p:ph idx="1" type="body"/>
+            <p:ph type="body" idx="1"/>
           </p:nvPr>
         </p:nvSpPr>
         <p:spPr>
@@ -10333,12 +10508,12 @@
           </a:prstGeom>
         </p:spPr>
         <p:txBody>
-          <a:bodyPr anchorCtr="0" anchor="t" bIns="91425" lIns="91425" spcFirstLastPara="1" rIns="91425" wrap="square" tIns="91425">
+          <a:bodyPr spcFirstLastPara="1" wrap="square" lIns="91425" tIns="91425" rIns="91425" bIns="91425" anchor="t" anchorCtr="0">
             <a:normAutofit lnSpcReduction="20000"/>
           </a:bodyPr>
           <a:lstStyle/>
           <a:p>
-            <a:pPr indent="0" lvl="0" marL="0" rtl="0" algn="l">
+            <a:pPr marL="0" lvl="0" indent="0" algn="l" rtl="0">
               <a:spcBef>
                 <a:spcPts val="0"/>
               </a:spcBef>
@@ -10354,7 +10529,7 @@
             <a:endParaRPr/>
           </a:p>
           <a:p>
-            <a:pPr indent="-342900" lvl="1" marL="1371600" rtl="0" algn="l">
+            <a:pPr marL="1371600" lvl="1" indent="-342900" algn="l" rtl="0">
               <a:spcBef>
                 <a:spcPts val="1200"/>
               </a:spcBef>
@@ -10371,7 +10546,7 @@
             <a:endParaRPr sz="1800"/>
           </a:p>
           <a:p>
-            <a:pPr indent="-342900" lvl="1" marL="1371600" rtl="0" algn="l">
+            <a:pPr marL="1371600" lvl="1" indent="-342900" algn="l" rtl="0">
               <a:spcBef>
                 <a:spcPts val="1200"/>
               </a:spcBef>
@@ -10388,7 +10563,7 @@
             <a:endParaRPr sz="1800"/>
           </a:p>
           <a:p>
-            <a:pPr indent="-342900" lvl="1" marL="1371600" rtl="0" algn="l">
+            <a:pPr marL="1371600" lvl="1" indent="-342900" algn="l" rtl="0">
               <a:spcBef>
                 <a:spcPts val="1000"/>
               </a:spcBef>
@@ -10405,7 +10580,7 @@
             <a:endParaRPr sz="1800"/>
           </a:p>
           <a:p>
-            <a:pPr indent="-342900" lvl="1" marL="1371600" rtl="0" algn="l">
+            <a:pPr marL="1371600" lvl="1" indent="-342900" algn="l" rtl="0">
               <a:spcBef>
                 <a:spcPts val="1000"/>
               </a:spcBef>
@@ -10422,7 +10597,7 @@
             <a:endParaRPr sz="1800"/>
           </a:p>
           <a:p>
-            <a:pPr indent="-342900" lvl="1" marL="1371600" rtl="0" algn="l">
+            <a:pPr marL="1371600" lvl="1" indent="-342900" algn="l" rtl="0">
               <a:spcBef>
                 <a:spcPts val="1000"/>
               </a:spcBef>
@@ -10439,7 +10614,7 @@
             <a:endParaRPr sz="1800"/>
           </a:p>
           <a:p>
-            <a:pPr indent="-342900" lvl="1" marL="1371600" rtl="0" algn="l">
+            <a:pPr marL="1371600" lvl="1" indent="-342900" algn="l" rtl="0">
               <a:spcBef>
                 <a:spcPts val="1000"/>
               </a:spcBef>
@@ -10456,7 +10631,7 @@
             <a:endParaRPr sz="1800"/>
           </a:p>
           <a:p>
-            <a:pPr indent="-342900" lvl="1" marL="1371600" rtl="0" algn="l">
+            <a:pPr marL="1371600" lvl="1" indent="-342900" algn="l" rtl="0">
               <a:spcBef>
                 <a:spcPts val="1000"/>
               </a:spcBef>
@@ -10483,11 +10658,11 @@
 </file>
 
 <file path=ppt/slides/slide17.xml><?xml version="1.0" encoding="utf-8"?>
-<p:sld xmlns:a="http://schemas.openxmlformats.org/drawingml/2006/main" xmlns:r="http://schemas.openxmlformats.org/officeDocument/2006/relationships" xmlns:mc="http://schemas.openxmlformats.org/markup-compatibility/2006" xmlns:mv="urn:schemas-microsoft-com:mac:vml" xmlns:p="http://schemas.openxmlformats.org/presentationml/2006/main" xmlns:c="http://schemas.openxmlformats.org/drawingml/2006/chart" xmlns:dgm="http://schemas.openxmlformats.org/drawingml/2006/diagram" xmlns:o="urn:schemas-microsoft-com:office:office" xmlns:v="urn:schemas-microsoft-com:vml" xmlns:pvml="urn:schemas-microsoft-com:office:powerpoint" xmlns:com="http://schemas.openxmlformats.org/drawingml/2006/compatibility" xmlns:p14="http://schemas.microsoft.com/office/powerpoint/2010/main" xmlns:p15="http://schemas.microsoft.com/office/powerpoint/2012/main" xmlns:ahyp="http://schemas.microsoft.com/office/drawing/2018/hyperlinkcolor">
+<p:sld xmlns:a="http://schemas.openxmlformats.org/drawingml/2006/main" xmlns:r="http://schemas.openxmlformats.org/officeDocument/2006/relationships" xmlns:p="http://schemas.openxmlformats.org/presentationml/2006/main">
   <p:cSld>
     <p:spTree>
       <p:nvGrpSpPr>
-        <p:cNvPr id="194" name="Shape 194"/>
+        <p:cNvPr id="1" name="Shape 194"/>
         <p:cNvGrpSpPr/>
         <p:nvPr/>
       </p:nvGrpSpPr>
@@ -10502,7 +10677,9 @@
       <p:sp>
         <p:nvSpPr>
           <p:cNvPr id="195" name="Google Shape;195;p29"/>
-          <p:cNvSpPr txBox="1"/>
+          <p:cNvSpPr txBox="1">
+            <a:spLocks noGrp="1"/>
+          </p:cNvSpPr>
           <p:nvPr>
             <p:ph type="title"/>
           </p:nvPr>
@@ -10517,12 +10694,12 @@
           </a:prstGeom>
         </p:spPr>
         <p:txBody>
-          <a:bodyPr anchorCtr="0" anchor="t" bIns="91425" lIns="91425" spcFirstLastPara="1" rIns="91425" wrap="square" tIns="91425">
+          <a:bodyPr spcFirstLastPara="1" wrap="square" lIns="91425" tIns="91425" rIns="91425" bIns="91425" anchor="t" anchorCtr="0">
             <a:normAutofit fontScale="90000"/>
           </a:bodyPr>
           <a:lstStyle/>
           <a:p>
-            <a:pPr indent="0" lvl="0" marL="0" rtl="0" algn="l">
+            <a:pPr marL="0" lvl="0" indent="0" algn="l" rtl="0">
               <a:spcBef>
                 <a:spcPts val="0"/>
               </a:spcBef>
@@ -10542,9 +10719,11 @@
       <p:sp>
         <p:nvSpPr>
           <p:cNvPr id="196" name="Google Shape;196;p29"/>
-          <p:cNvSpPr txBox="1"/>
+          <p:cNvSpPr txBox="1">
+            <a:spLocks noGrp="1"/>
+          </p:cNvSpPr>
           <p:nvPr>
-            <p:ph idx="1" type="body"/>
+            <p:ph type="body" idx="1"/>
           </p:nvPr>
         </p:nvSpPr>
         <p:spPr>
@@ -10557,12 +10736,12 @@
           </a:prstGeom>
         </p:spPr>
         <p:txBody>
-          <a:bodyPr anchorCtr="0" anchor="t" bIns="91425" lIns="91425" spcFirstLastPara="1" rIns="91425" wrap="square" tIns="91425">
+          <a:bodyPr spcFirstLastPara="1" wrap="square" lIns="91425" tIns="91425" rIns="91425" bIns="91425" anchor="t" anchorCtr="0">
             <a:normAutofit fontScale="92500" lnSpcReduction="10000"/>
           </a:bodyPr>
           <a:lstStyle/>
           <a:p>
-            <a:pPr indent="0" lvl="0" marL="0" rtl="0" algn="l">
+            <a:pPr marL="0" lvl="0" indent="0" algn="l" rtl="0">
               <a:spcBef>
                 <a:spcPts val="0"/>
               </a:spcBef>
@@ -10586,7 +10765,7 @@
             </a:endParaRPr>
           </a:p>
           <a:p>
-            <a:pPr indent="-310832" lvl="0" marL="457200" rtl="0" algn="l">
+            <a:pPr marL="457200" lvl="0" indent="-310832" algn="l" rtl="0">
               <a:spcBef>
                 <a:spcPts val="1200"/>
               </a:spcBef>
@@ -10614,7 +10793,7 @@
             </a:endParaRPr>
           </a:p>
           <a:p>
-            <a:pPr indent="-310832" lvl="0" marL="457200" rtl="0" algn="l">
+            <a:pPr marL="457200" lvl="0" indent="-310832" algn="l" rtl="0">
               <a:spcBef>
                 <a:spcPts val="1000"/>
               </a:spcBef>
@@ -10642,7 +10821,7 @@
             </a:endParaRPr>
           </a:p>
           <a:p>
-            <a:pPr indent="-310832" lvl="0" marL="457200" rtl="0" algn="l">
+            <a:pPr marL="457200" lvl="0" indent="-310832" algn="l" rtl="0">
               <a:spcBef>
                 <a:spcPts val="1000"/>
               </a:spcBef>
@@ -10670,7 +10849,7 @@
             </a:endParaRPr>
           </a:p>
           <a:p>
-            <a:pPr indent="-310832" lvl="0" marL="457200" rtl="0" algn="l">
+            <a:pPr marL="457200" lvl="0" indent="-310832" algn="l" rtl="0">
               <a:spcBef>
                 <a:spcPts val="1000"/>
               </a:spcBef>
@@ -10698,7 +10877,7 @@
             </a:endParaRPr>
           </a:p>
           <a:p>
-            <a:pPr indent="-310832" lvl="0" marL="457200" rtl="0" algn="l">
+            <a:pPr marL="457200" lvl="0" indent="-310832" algn="l" rtl="0">
               <a:spcBef>
                 <a:spcPts val="1000"/>
               </a:spcBef>
@@ -10726,7 +10905,7 @@
             </a:endParaRPr>
           </a:p>
           <a:p>
-            <a:pPr indent="-310832" lvl="0" marL="457200" rtl="0" algn="l">
+            <a:pPr marL="457200" lvl="0" indent="-310832" algn="l" rtl="0">
               <a:spcBef>
                 <a:spcPts val="1000"/>
               </a:spcBef>
@@ -10754,7 +10933,7 @@
             </a:endParaRPr>
           </a:p>
           <a:p>
-            <a:pPr indent="0" lvl="0" marL="0" rtl="0" algn="l">
+            <a:pPr marL="0" lvl="0" indent="0" algn="l" rtl="0">
               <a:spcBef>
                 <a:spcPts val="1000"/>
               </a:spcBef>
@@ -10778,7 +10957,7 @@
             </a:endParaRPr>
           </a:p>
           <a:p>
-            <a:pPr indent="-310832" lvl="0" marL="457200" rtl="0" algn="l">
+            <a:pPr marL="457200" lvl="0" indent="-310832" algn="l" rtl="0">
               <a:spcBef>
                 <a:spcPts val="1200"/>
               </a:spcBef>
@@ -10806,7 +10985,7 @@
             </a:endParaRPr>
           </a:p>
           <a:p>
-            <a:pPr indent="-310832" lvl="0" marL="457200" rtl="0" algn="l">
+            <a:pPr marL="457200" lvl="0" indent="-310832" algn="l" rtl="0">
               <a:spcBef>
                 <a:spcPts val="1000"/>
               </a:spcBef>
@@ -10844,11 +11023,11 @@
 </file>
 
 <file path=ppt/slides/slide18.xml><?xml version="1.0" encoding="utf-8"?>
-<p:sld xmlns:a="http://schemas.openxmlformats.org/drawingml/2006/main" xmlns:r="http://schemas.openxmlformats.org/officeDocument/2006/relationships" xmlns:mc="http://schemas.openxmlformats.org/markup-compatibility/2006" xmlns:mv="urn:schemas-microsoft-com:mac:vml" xmlns:p="http://schemas.openxmlformats.org/presentationml/2006/main" xmlns:c="http://schemas.openxmlformats.org/drawingml/2006/chart" xmlns:dgm="http://schemas.openxmlformats.org/drawingml/2006/diagram" xmlns:o="urn:schemas-microsoft-com:office:office" xmlns:v="urn:schemas-microsoft-com:vml" xmlns:pvml="urn:schemas-microsoft-com:office:powerpoint" xmlns:com="http://schemas.openxmlformats.org/drawingml/2006/compatibility" xmlns:p14="http://schemas.microsoft.com/office/powerpoint/2010/main" xmlns:p15="http://schemas.microsoft.com/office/powerpoint/2012/main" xmlns:ahyp="http://schemas.microsoft.com/office/drawing/2018/hyperlinkcolor">
+<p:sld xmlns:a="http://schemas.openxmlformats.org/drawingml/2006/main" xmlns:r="http://schemas.openxmlformats.org/officeDocument/2006/relationships" xmlns:p="http://schemas.openxmlformats.org/presentationml/2006/main">
   <p:cSld>
     <p:spTree>
       <p:nvGrpSpPr>
-        <p:cNvPr id="200" name="Shape 200"/>
+        <p:cNvPr id="1" name="Shape 200"/>
         <p:cNvGrpSpPr/>
         <p:nvPr/>
       </p:nvGrpSpPr>
@@ -10863,7 +11042,9 @@
       <p:sp>
         <p:nvSpPr>
           <p:cNvPr id="201" name="Google Shape;201;p30"/>
-          <p:cNvSpPr txBox="1"/>
+          <p:cNvSpPr txBox="1">
+            <a:spLocks noGrp="1"/>
+          </p:cNvSpPr>
           <p:nvPr>
             <p:ph type="title"/>
           </p:nvPr>
@@ -10878,12 +11059,12 @@
           </a:prstGeom>
         </p:spPr>
         <p:txBody>
-          <a:bodyPr anchorCtr="0" anchor="ctr" bIns="91425" lIns="91425" spcFirstLastPara="1" rIns="91425" wrap="square" tIns="91425">
+          <a:bodyPr spcFirstLastPara="1" wrap="square" lIns="91425" tIns="91425" rIns="91425" bIns="91425" anchor="ctr" anchorCtr="0">
             <a:normAutofit/>
           </a:bodyPr>
           <a:lstStyle/>
           <a:p>
-            <a:pPr indent="0" lvl="0" marL="0" rtl="0" algn="l">
+            <a:pPr marL="0" lvl="0" indent="0" algn="l" rtl="0">
               <a:spcBef>
                 <a:spcPts val="0"/>
               </a:spcBef>
@@ -10909,11 +11090,11 @@
 </file>
 
 <file path=ppt/slides/slide2.xml><?xml version="1.0" encoding="utf-8"?>
-<p:sld xmlns:a="http://schemas.openxmlformats.org/drawingml/2006/main" xmlns:r="http://schemas.openxmlformats.org/officeDocument/2006/relationships" xmlns:mc="http://schemas.openxmlformats.org/markup-compatibility/2006" xmlns:mv="urn:schemas-microsoft-com:mac:vml" xmlns:p="http://schemas.openxmlformats.org/presentationml/2006/main" xmlns:c="http://schemas.openxmlformats.org/drawingml/2006/chart" xmlns:dgm="http://schemas.openxmlformats.org/drawingml/2006/diagram" xmlns:o="urn:schemas-microsoft-com:office:office" xmlns:v="urn:schemas-microsoft-com:vml" xmlns:pvml="urn:schemas-microsoft-com:office:powerpoint" xmlns:com="http://schemas.openxmlformats.org/drawingml/2006/compatibility" xmlns:p14="http://schemas.microsoft.com/office/powerpoint/2010/main" xmlns:p15="http://schemas.microsoft.com/office/powerpoint/2012/main" xmlns:ahyp="http://schemas.microsoft.com/office/drawing/2018/hyperlinkcolor">
+<p:sld xmlns:a="http://schemas.openxmlformats.org/drawingml/2006/main" xmlns:r="http://schemas.openxmlformats.org/officeDocument/2006/relationships" xmlns:p="http://schemas.openxmlformats.org/presentationml/2006/main">
   <p:cSld>
     <p:spTree>
       <p:nvGrpSpPr>
-        <p:cNvPr id="90" name="Shape 90"/>
+        <p:cNvPr id="1" name="Shape 90"/>
         <p:cNvGrpSpPr/>
         <p:nvPr/>
       </p:nvGrpSpPr>
@@ -10928,7 +11109,9 @@
       <p:sp>
         <p:nvSpPr>
           <p:cNvPr id="91" name="Google Shape;91;p14"/>
-          <p:cNvSpPr txBox="1"/>
+          <p:cNvSpPr txBox="1">
+            <a:spLocks noGrp="1"/>
+          </p:cNvSpPr>
           <p:nvPr>
             <p:ph type="title"/>
           </p:nvPr>
@@ -10943,12 +11126,12 @@
           </a:prstGeom>
         </p:spPr>
         <p:txBody>
-          <a:bodyPr anchorCtr="0" anchor="t" bIns="91425" lIns="91425" spcFirstLastPara="1" rIns="91425" wrap="square" tIns="91425">
+          <a:bodyPr spcFirstLastPara="1" wrap="square" lIns="91425" tIns="91425" rIns="91425" bIns="91425" anchor="t" anchorCtr="0">
             <a:normAutofit fontScale="90000"/>
           </a:bodyPr>
           <a:lstStyle/>
           <a:p>
-            <a:pPr indent="0" lvl="0" marL="0" rtl="0" algn="l">
+            <a:pPr marL="0" lvl="0" indent="0" algn="l" rtl="0">
               <a:spcBef>
                 <a:spcPts val="0"/>
               </a:spcBef>
@@ -10968,9 +11151,11 @@
       <p:sp>
         <p:nvSpPr>
           <p:cNvPr id="92" name="Google Shape;92;p14"/>
-          <p:cNvSpPr txBox="1"/>
+          <p:cNvSpPr txBox="1">
+            <a:spLocks noGrp="1"/>
+          </p:cNvSpPr>
           <p:nvPr>
-            <p:ph idx="1" type="body"/>
+            <p:ph type="body" idx="1"/>
           </p:nvPr>
         </p:nvSpPr>
         <p:spPr>
@@ -10983,12 +11168,12 @@
           </a:prstGeom>
         </p:spPr>
         <p:txBody>
-          <a:bodyPr anchorCtr="0" anchor="t" bIns="91425" lIns="91425" spcFirstLastPara="1" rIns="91425" wrap="square" tIns="91425">
+          <a:bodyPr spcFirstLastPara="1" wrap="square" lIns="91425" tIns="91425" rIns="91425" bIns="91425" anchor="t" anchorCtr="0">
             <a:normAutofit/>
           </a:bodyPr>
           <a:lstStyle/>
           <a:p>
-            <a:pPr indent="0" lvl="0" marL="0" rtl="0" algn="l">
+            <a:pPr marL="0" lvl="0" indent="0" algn="l" rtl="0">
               <a:spcBef>
                 <a:spcPts val="0"/>
               </a:spcBef>
@@ -10997,9 +11182,6 @@
               </a:spcAft>
               <a:buNone/>
             </a:pPr>
-            <a:r>
-              <a:t/>
-            </a:r>
             <a:endParaRPr/>
           </a:p>
         </p:txBody>
@@ -11041,11 +11223,11 @@
 </file>
 
 <file path=ppt/slides/slide3.xml><?xml version="1.0" encoding="utf-8"?>
-<p:sld xmlns:a="http://schemas.openxmlformats.org/drawingml/2006/main" xmlns:r="http://schemas.openxmlformats.org/officeDocument/2006/relationships" xmlns:mc="http://schemas.openxmlformats.org/markup-compatibility/2006" xmlns:mv="urn:schemas-microsoft-com:mac:vml" xmlns:p="http://schemas.openxmlformats.org/presentationml/2006/main" xmlns:c="http://schemas.openxmlformats.org/drawingml/2006/chart" xmlns:dgm="http://schemas.openxmlformats.org/drawingml/2006/diagram" xmlns:o="urn:schemas-microsoft-com:office:office" xmlns:v="urn:schemas-microsoft-com:vml" xmlns:pvml="urn:schemas-microsoft-com:office:powerpoint" xmlns:com="http://schemas.openxmlformats.org/drawingml/2006/compatibility" xmlns:p14="http://schemas.microsoft.com/office/powerpoint/2010/main" xmlns:p15="http://schemas.microsoft.com/office/powerpoint/2012/main" xmlns:ahyp="http://schemas.microsoft.com/office/drawing/2018/hyperlinkcolor">
+<p:sld xmlns:a="http://schemas.openxmlformats.org/drawingml/2006/main" xmlns:r="http://schemas.openxmlformats.org/officeDocument/2006/relationships" xmlns:p="http://schemas.openxmlformats.org/presentationml/2006/main">
   <p:cSld>
     <p:spTree>
       <p:nvGrpSpPr>
-        <p:cNvPr id="97" name="Shape 97"/>
+        <p:cNvPr id="1" name="Shape 97"/>
         <p:cNvGrpSpPr/>
         <p:nvPr/>
       </p:nvGrpSpPr>
@@ -11060,7 +11242,9 @@
       <p:sp>
         <p:nvSpPr>
           <p:cNvPr id="98" name="Google Shape;98;p15"/>
-          <p:cNvSpPr txBox="1"/>
+          <p:cNvSpPr txBox="1">
+            <a:spLocks noGrp="1"/>
+          </p:cNvSpPr>
           <p:nvPr>
             <p:ph type="title"/>
           </p:nvPr>
@@ -11075,12 +11259,12 @@
           </a:prstGeom>
         </p:spPr>
         <p:txBody>
-          <a:bodyPr anchorCtr="0" anchor="t" bIns="91425" lIns="91425" spcFirstLastPara="1" rIns="91425" wrap="square" tIns="91425">
+          <a:bodyPr spcFirstLastPara="1" wrap="square" lIns="91425" tIns="91425" rIns="91425" bIns="91425" anchor="t" anchorCtr="0">
             <a:normAutofit fontScale="90000"/>
           </a:bodyPr>
           <a:lstStyle/>
           <a:p>
-            <a:pPr indent="0" lvl="0" marL="0" rtl="0" algn="l">
+            <a:pPr marL="0" lvl="0" indent="0" algn="l" rtl="0">
               <a:spcBef>
                 <a:spcPts val="0"/>
               </a:spcBef>
@@ -11100,9 +11284,11 @@
       <p:sp>
         <p:nvSpPr>
           <p:cNvPr id="99" name="Google Shape;99;p15"/>
-          <p:cNvSpPr txBox="1"/>
+          <p:cNvSpPr txBox="1">
+            <a:spLocks noGrp="1"/>
+          </p:cNvSpPr>
           <p:nvPr>
-            <p:ph idx="1" type="body"/>
+            <p:ph type="body" idx="1"/>
           </p:nvPr>
         </p:nvSpPr>
         <p:spPr>
@@ -11116,12 +11302,12 @@
           <a:noFill/>
         </p:spPr>
         <p:txBody>
-          <a:bodyPr anchorCtr="0" anchor="t" bIns="91425" lIns="91425" spcFirstLastPara="1" rIns="91425" wrap="square" tIns="91425">
-            <a:normAutofit/>
+          <a:bodyPr spcFirstLastPara="1" wrap="square" lIns="91425" tIns="91425" rIns="91425" bIns="91425" anchor="t" anchorCtr="0">
+            <a:normAutofit fontScale="92500" lnSpcReduction="20000"/>
           </a:bodyPr>
           <a:lstStyle/>
           <a:p>
-            <a:pPr indent="-314325" lvl="0" marL="457200" rtl="0" algn="l">
+            <a:pPr marL="457200" lvl="0" indent="-314325" algn="l" rtl="0">
               <a:lnSpc>
                 <a:spcPct val="200000"/>
               </a:lnSpc>
@@ -11139,7 +11325,7 @@
               <a:buChar char="●"/>
             </a:pPr>
             <a:r>
-              <a:rPr b="1" lang="en-GB" sz="1350">
+              <a:rPr lang="en-GB" sz="1350" b="1" dirty="0">
                 <a:solidFill>
                   <a:srgbClr val="1D1C1D"/>
                 </a:solidFill>
@@ -11151,7 +11337,7 @@
               <a:t>Super area: </a:t>
             </a:r>
             <a:r>
-              <a:rPr lang="en-GB" sz="1350">
+              <a:rPr lang="en-GB" sz="1350" dirty="0">
                 <a:solidFill>
                   <a:srgbClr val="1D1C1D"/>
                 </a:solidFill>
@@ -11162,7 +11348,7 @@
               </a:rPr>
               <a:t>the built-up area and includes common spaces like lifts and stairs.</a:t>
             </a:r>
-            <a:endParaRPr sz="1350">
+            <a:endParaRPr sz="1350" dirty="0">
               <a:solidFill>
                 <a:srgbClr val="1D1C1D"/>
               </a:solidFill>
@@ -11173,7 +11359,7 @@
             </a:endParaRPr>
           </a:p>
           <a:p>
-            <a:pPr indent="-314325" lvl="0" marL="457200" rtl="0" algn="l">
+            <a:pPr marL="457200" lvl="0" indent="-314325" algn="l" rtl="0">
               <a:lnSpc>
                 <a:spcPct val="200000"/>
               </a:lnSpc>
@@ -11191,7 +11377,7 @@
               <a:buChar char="●"/>
             </a:pPr>
             <a:r>
-              <a:rPr b="1" lang="en-GB" sz="1350">
+              <a:rPr lang="en-GB" sz="1350" b="1" dirty="0">
                 <a:solidFill>
                   <a:srgbClr val="1D1C1D"/>
                 </a:solidFill>
@@ -11203,7 +11389,7 @@
               <a:t>Carpet area: </a:t>
             </a:r>
             <a:r>
-              <a:rPr lang="en-GB" sz="1350">
+              <a:rPr lang="en-GB" sz="1350" dirty="0">
                 <a:solidFill>
                   <a:srgbClr val="1D1C1D"/>
                 </a:solidFill>
@@ -11214,7 +11400,7 @@
               </a:rPr>
               <a:t>the area in the flat or the apartment, which you could cover using a carpet.</a:t>
             </a:r>
-            <a:endParaRPr sz="1350">
+            <a:endParaRPr sz="1350" dirty="0">
               <a:solidFill>
                 <a:srgbClr val="1D1C1D"/>
               </a:solidFill>
@@ -11225,7 +11411,7 @@
             </a:endParaRPr>
           </a:p>
           <a:p>
-            <a:pPr indent="-314325" lvl="0" marL="457200" rtl="0" algn="l">
+            <a:pPr marL="457200" lvl="0" indent="-314325" algn="l" rtl="0">
               <a:lnSpc>
                 <a:spcPct val="200000"/>
               </a:lnSpc>
@@ -11243,7 +11429,7 @@
               <a:buChar char="●"/>
             </a:pPr>
             <a:r>
-              <a:rPr b="1" lang="en-GB" sz="1350">
+              <a:rPr lang="en-GB" sz="1350" b="1" dirty="0">
                 <a:solidFill>
                   <a:srgbClr val="1D1C1D"/>
                 </a:solidFill>
@@ -11255,7 +11441,7 @@
               <a:t>Build area: </a:t>
             </a:r>
             <a:r>
-              <a:rPr lang="en-GB" sz="1350">
+              <a:rPr lang="en-GB" sz="1350" dirty="0">
                 <a:solidFill>
                   <a:srgbClr val="1D1C1D"/>
                 </a:solidFill>
@@ -11266,7 +11452,7 @@
               </a:rPr>
               <a:t>the greatest horizontal area of a building within the outside surface of the exterior walls.</a:t>
             </a:r>
-            <a:endParaRPr sz="1350">
+            <a:endParaRPr sz="1350" dirty="0">
               <a:solidFill>
                 <a:srgbClr val="1D1C1D"/>
               </a:solidFill>
@@ -11277,7 +11463,7 @@
             </a:endParaRPr>
           </a:p>
           <a:p>
-            <a:pPr indent="-314325" lvl="0" marL="457200" rtl="0" algn="l">
+            <a:pPr marL="457200" lvl="0" indent="-314325" algn="l" rtl="0">
               <a:lnSpc>
                 <a:spcPct val="200000"/>
               </a:lnSpc>
@@ -11295,7 +11481,7 @@
               <a:buChar char="●"/>
             </a:pPr>
             <a:r>
-              <a:rPr b="1" lang="en-GB" sz="1350">
+              <a:rPr lang="en-GB" sz="1350" b="1" dirty="0">
                 <a:solidFill>
                   <a:srgbClr val="1D1C1D"/>
                 </a:solidFill>
@@ -11307,7 +11493,7 @@
               <a:t>BHK: </a:t>
             </a:r>
             <a:r>
-              <a:rPr lang="en-GB" sz="1350">
+              <a:rPr lang="en-GB" sz="1350" dirty="0">
                 <a:solidFill>
                   <a:srgbClr val="1D1C1D"/>
                 </a:solidFill>
@@ -11316,10 +11502,29 @@
                 <a:cs typeface="Arial"/>
                 <a:sym typeface="Arial"/>
               </a:rPr>
-              <a:t>bedrooms, halls, and </a:t>
+              <a:t>bedrooms, halls, and kitchens.</a:t>
             </a:r>
+          </a:p>
+          <a:p>
+            <a:pPr marL="457200" lvl="0" indent="-314325" algn="l" rtl="0">
+              <a:lnSpc>
+                <a:spcPct val="200000"/>
+              </a:lnSpc>
+              <a:spcBef>
+                <a:spcPts val="0"/>
+              </a:spcBef>
+              <a:spcAft>
+                <a:spcPts val="0"/>
+              </a:spcAft>
+              <a:buClr>
+                <a:srgbClr val="1D1C1D"/>
+              </a:buClr>
+              <a:buSzPts val="1350"/>
+              <a:buFont typeface="Arial"/>
+              <a:buChar char="●"/>
+            </a:pPr>
             <a:r>
-              <a:rPr lang="en-GB" sz="1350">
+              <a:rPr lang="en-AU" sz="1350" b="1" dirty="0">
                 <a:solidFill>
                   <a:srgbClr val="1D1C1D"/>
                 </a:solidFill>
@@ -11328,9 +11533,33 @@
                 <a:cs typeface="Arial"/>
                 <a:sym typeface="Arial"/>
               </a:rPr>
-              <a:t>kitchens.</a:t>
+              <a:t>Rental price: </a:t>
             </a:r>
-            <a:endParaRPr sz="1350">
+            <a:r>
+              <a:rPr lang="en-AU" sz="1350" dirty="0">
+                <a:solidFill>
+                  <a:srgbClr val="1D1C1D"/>
+                </a:solidFill>
+                <a:latin typeface="Arial"/>
+                <a:ea typeface="Arial"/>
+                <a:cs typeface="Arial"/>
+                <a:sym typeface="Arial"/>
+              </a:rPr>
+              <a:t>the monthly cost of rent (presumably in </a:t>
+            </a:r>
+            <a:r>
+              <a:rPr lang="en-AU" sz="1350">
+                <a:solidFill>
+                  <a:srgbClr val="1D1C1D"/>
+                </a:solidFill>
+                <a:latin typeface="Arial"/>
+                <a:ea typeface="Arial"/>
+                <a:cs typeface="Arial"/>
+                <a:sym typeface="Arial"/>
+              </a:rPr>
+              <a:t>Indian Rupees)</a:t>
+            </a:r>
+            <a:endParaRPr sz="1350" b="1">
               <a:solidFill>
                 <a:srgbClr val="1D1C1D"/>
               </a:solidFill>
@@ -11358,7 +11587,7 @@
         </p:blipFill>
         <p:spPr>
           <a:xfrm>
-            <a:off x="1788700" y="2571750"/>
+            <a:off x="1788699" y="2763851"/>
             <a:ext cx="5566601" cy="2136450"/>
           </a:xfrm>
           <a:prstGeom prst="rect">
@@ -11379,11 +11608,11 @@
 </file>
 
 <file path=ppt/slides/slide4.xml><?xml version="1.0" encoding="utf-8"?>
-<p:sld xmlns:a="http://schemas.openxmlformats.org/drawingml/2006/main" xmlns:r="http://schemas.openxmlformats.org/officeDocument/2006/relationships" xmlns:mc="http://schemas.openxmlformats.org/markup-compatibility/2006" xmlns:mv="urn:schemas-microsoft-com:mac:vml" xmlns:p="http://schemas.openxmlformats.org/presentationml/2006/main" xmlns:c="http://schemas.openxmlformats.org/drawingml/2006/chart" xmlns:dgm="http://schemas.openxmlformats.org/drawingml/2006/diagram" xmlns:o="urn:schemas-microsoft-com:office:office" xmlns:v="urn:schemas-microsoft-com:vml" xmlns:pvml="urn:schemas-microsoft-com:office:powerpoint" xmlns:com="http://schemas.openxmlformats.org/drawingml/2006/compatibility" xmlns:p14="http://schemas.microsoft.com/office/powerpoint/2010/main" xmlns:p15="http://schemas.microsoft.com/office/powerpoint/2012/main" xmlns:ahyp="http://schemas.microsoft.com/office/drawing/2018/hyperlinkcolor">
+<p:sld xmlns:a="http://schemas.openxmlformats.org/drawingml/2006/main" xmlns:r="http://schemas.openxmlformats.org/officeDocument/2006/relationships" xmlns:p="http://schemas.openxmlformats.org/presentationml/2006/main">
   <p:cSld>
     <p:spTree>
       <p:nvGrpSpPr>
-        <p:cNvPr id="104" name="Shape 104"/>
+        <p:cNvPr id="1" name="Shape 104"/>
         <p:cNvGrpSpPr/>
         <p:nvPr/>
       </p:nvGrpSpPr>
@@ -11398,7 +11627,9 @@
       <p:sp>
         <p:nvSpPr>
           <p:cNvPr id="105" name="Google Shape;105;p16"/>
-          <p:cNvSpPr txBox="1"/>
+          <p:cNvSpPr txBox="1">
+            <a:spLocks noGrp="1"/>
+          </p:cNvSpPr>
           <p:nvPr>
             <p:ph type="title"/>
           </p:nvPr>
@@ -11413,12 +11644,12 @@
           </a:prstGeom>
         </p:spPr>
         <p:txBody>
-          <a:bodyPr anchorCtr="0" anchor="t" bIns="91425" lIns="91425" spcFirstLastPara="1" rIns="91425" wrap="square" tIns="91425">
+          <a:bodyPr spcFirstLastPara="1" wrap="square" lIns="91425" tIns="91425" rIns="91425" bIns="91425" anchor="t" anchorCtr="0">
             <a:normAutofit fontScale="90000"/>
           </a:bodyPr>
           <a:lstStyle/>
           <a:p>
-            <a:pPr indent="0" lvl="0" marL="0" rtl="0" algn="l">
+            <a:pPr marL="0" lvl="0" indent="0" algn="l" rtl="0">
               <a:spcBef>
                 <a:spcPts val="0"/>
               </a:spcBef>
@@ -11438,9 +11669,11 @@
       <p:sp>
         <p:nvSpPr>
           <p:cNvPr id="106" name="Google Shape;106;p16"/>
-          <p:cNvSpPr txBox="1"/>
+          <p:cNvSpPr txBox="1">
+            <a:spLocks noGrp="1"/>
+          </p:cNvSpPr>
           <p:nvPr>
-            <p:ph idx="1" type="body"/>
+            <p:ph type="body" idx="1"/>
           </p:nvPr>
         </p:nvSpPr>
         <p:spPr>
@@ -11453,12 +11686,12 @@
           </a:prstGeom>
         </p:spPr>
         <p:txBody>
-          <a:bodyPr anchorCtr="0" anchor="t" bIns="91425" lIns="91425" spcFirstLastPara="1" rIns="91425" wrap="square" tIns="91425">
+          <a:bodyPr spcFirstLastPara="1" wrap="square" lIns="91425" tIns="91425" rIns="91425" bIns="91425" anchor="t" anchorCtr="0">
             <a:normAutofit/>
           </a:bodyPr>
           <a:lstStyle/>
           <a:p>
-            <a:pPr indent="0" lvl="0" marL="0" rtl="0" algn="l">
+            <a:pPr marL="0" lvl="0" indent="0" algn="l" rtl="0">
               <a:spcBef>
                 <a:spcPts val="0"/>
               </a:spcBef>
@@ -11467,9 +11700,6 @@
               </a:spcAft>
               <a:buNone/>
             </a:pPr>
-            <a:r>
-              <a:t/>
-            </a:r>
             <a:endParaRPr/>
           </a:p>
         </p:txBody>
@@ -11511,11 +11741,11 @@
 </file>
 
 <file path=ppt/slides/slide5.xml><?xml version="1.0" encoding="utf-8"?>
-<p:sld xmlns:a="http://schemas.openxmlformats.org/drawingml/2006/main" xmlns:r="http://schemas.openxmlformats.org/officeDocument/2006/relationships" xmlns:mc="http://schemas.openxmlformats.org/markup-compatibility/2006" xmlns:mv="urn:schemas-microsoft-com:mac:vml" xmlns:p="http://schemas.openxmlformats.org/presentationml/2006/main" xmlns:c="http://schemas.openxmlformats.org/drawingml/2006/chart" xmlns:dgm="http://schemas.openxmlformats.org/drawingml/2006/diagram" xmlns:o="urn:schemas-microsoft-com:office:office" xmlns:v="urn:schemas-microsoft-com:vml" xmlns:pvml="urn:schemas-microsoft-com:office:powerpoint" xmlns:com="http://schemas.openxmlformats.org/drawingml/2006/compatibility" xmlns:p14="http://schemas.microsoft.com/office/powerpoint/2010/main" xmlns:p15="http://schemas.microsoft.com/office/powerpoint/2012/main" xmlns:ahyp="http://schemas.microsoft.com/office/drawing/2018/hyperlinkcolor">
+<p:sld xmlns:a="http://schemas.openxmlformats.org/drawingml/2006/main" xmlns:r="http://schemas.openxmlformats.org/officeDocument/2006/relationships" xmlns:p="http://schemas.openxmlformats.org/presentationml/2006/main">
   <p:cSld>
     <p:spTree>
       <p:nvGrpSpPr>
-        <p:cNvPr id="111" name="Shape 111"/>
+        <p:cNvPr id="1" name="Shape 111"/>
         <p:cNvGrpSpPr/>
         <p:nvPr/>
       </p:nvGrpSpPr>
@@ -11530,7 +11760,9 @@
       <p:sp>
         <p:nvSpPr>
           <p:cNvPr id="112" name="Google Shape;112;p17"/>
-          <p:cNvSpPr txBox="1"/>
+          <p:cNvSpPr txBox="1">
+            <a:spLocks noGrp="1"/>
+          </p:cNvSpPr>
           <p:nvPr>
             <p:ph type="title"/>
           </p:nvPr>
@@ -11545,12 +11777,12 @@
           </a:prstGeom>
         </p:spPr>
         <p:txBody>
-          <a:bodyPr anchorCtr="0" anchor="t" bIns="91425" lIns="91425" spcFirstLastPara="1" rIns="91425" wrap="square" tIns="91425">
+          <a:bodyPr spcFirstLastPara="1" wrap="square" lIns="91425" tIns="91425" rIns="91425" bIns="91425" anchor="t" anchorCtr="0">
             <a:normAutofit fontScale="90000"/>
           </a:bodyPr>
           <a:lstStyle/>
           <a:p>
-            <a:pPr indent="0" lvl="0" marL="0" rtl="0" algn="l">
+            <a:pPr marL="0" lvl="0" indent="0" algn="l" rtl="0">
               <a:spcBef>
                 <a:spcPts val="0"/>
               </a:spcBef>
@@ -11570,9 +11802,11 @@
       <p:sp>
         <p:nvSpPr>
           <p:cNvPr id="113" name="Google Shape;113;p17"/>
-          <p:cNvSpPr txBox="1"/>
+          <p:cNvSpPr txBox="1">
+            <a:spLocks noGrp="1"/>
+          </p:cNvSpPr>
           <p:nvPr>
-            <p:ph idx="1" type="body"/>
+            <p:ph type="body" idx="1"/>
           </p:nvPr>
         </p:nvSpPr>
         <p:spPr>
@@ -11585,12 +11819,12 @@
           </a:prstGeom>
         </p:spPr>
         <p:txBody>
-          <a:bodyPr anchorCtr="0" anchor="t" bIns="91425" lIns="91425" spcFirstLastPara="1" rIns="91425" wrap="square" tIns="91425">
+          <a:bodyPr spcFirstLastPara="1" wrap="square" lIns="91425" tIns="91425" rIns="91425" bIns="91425" anchor="t" anchorCtr="0">
             <a:normAutofit lnSpcReduction="20000"/>
           </a:bodyPr>
           <a:lstStyle/>
           <a:p>
-            <a:pPr indent="-333375" lvl="0" marL="457200" rtl="0" algn="l">
+            <a:pPr marL="457200" lvl="0" indent="-333375" algn="l" rtl="0">
               <a:lnSpc>
                 <a:spcPct val="100000"/>
               </a:lnSpc>
@@ -11610,7 +11844,7 @@
             <a:endParaRPr sz="1650"/>
           </a:p>
           <a:p>
-            <a:pPr indent="0" lvl="0" marL="457200" rtl="0" algn="l">
+            <a:pPr marL="457200" lvl="0" indent="0" algn="l" rtl="0">
               <a:lnSpc>
                 <a:spcPct val="100000"/>
               </a:lnSpc>
@@ -11622,13 +11856,10 @@
               </a:spcAft>
               <a:buNone/>
             </a:pPr>
-            <a:r>
-              <a:t/>
-            </a:r>
             <a:endParaRPr sz="1650"/>
           </a:p>
           <a:p>
-            <a:pPr indent="-333375" lvl="0" marL="457200" rtl="0" algn="l">
+            <a:pPr marL="457200" lvl="0" indent="-333375" algn="l" rtl="0">
               <a:lnSpc>
                 <a:spcPct val="100000"/>
               </a:lnSpc>
@@ -11655,7 +11886,7 @@
             <a:endParaRPr sz="1650"/>
           </a:p>
           <a:p>
-            <a:pPr indent="-333375" lvl="0" marL="457200" rtl="0" algn="l">
+            <a:pPr marL="457200" lvl="0" indent="-333375" algn="l" rtl="0">
               <a:lnSpc>
                 <a:spcPct val="100000"/>
               </a:lnSpc>
@@ -11682,7 +11913,7 @@
             <a:endParaRPr sz="1650"/>
           </a:p>
           <a:p>
-            <a:pPr indent="-333375" lvl="0" marL="457200" rtl="0" algn="l">
+            <a:pPr marL="457200" lvl="0" indent="-333375" algn="l" rtl="0">
               <a:lnSpc>
                 <a:spcPct val="100000"/>
               </a:lnSpc>
@@ -11709,7 +11940,7 @@
             <a:endParaRPr sz="1650"/>
           </a:p>
           <a:p>
-            <a:pPr indent="-333375" lvl="0" marL="457200" rtl="0" algn="l">
+            <a:pPr marL="457200" lvl="0" indent="-333375" algn="l" rtl="0">
               <a:lnSpc>
                 <a:spcPct val="100000"/>
               </a:lnSpc>
@@ -11736,7 +11967,7 @@
             <a:endParaRPr sz="1650"/>
           </a:p>
           <a:p>
-            <a:pPr indent="-333375" lvl="0" marL="457200" rtl="0" algn="l">
+            <a:pPr marL="457200" lvl="0" indent="-333375" algn="l" rtl="0">
               <a:lnSpc>
                 <a:spcPct val="100000"/>
               </a:lnSpc>
@@ -11763,7 +11994,7 @@
             <a:endParaRPr sz="1650"/>
           </a:p>
           <a:p>
-            <a:pPr indent="-333375" lvl="0" marL="457200" rtl="0" algn="l">
+            <a:pPr marL="457200" lvl="0" indent="-333375" algn="l" rtl="0">
               <a:lnSpc>
                 <a:spcPct val="100000"/>
               </a:lnSpc>
@@ -11783,7 +12014,7 @@
             <a:endParaRPr sz="1650"/>
           </a:p>
           <a:p>
-            <a:pPr indent="0" lvl="0" marL="0" rtl="0" algn="l">
+            <a:pPr marL="0" lvl="0" indent="0" algn="l" rtl="0">
               <a:spcBef>
                 <a:spcPts val="0"/>
               </a:spcBef>
@@ -11792,9 +12023,6 @@
               </a:spcAft>
               <a:buNone/>
             </a:pPr>
-            <a:r>
-              <a:t/>
-            </a:r>
             <a:endParaRPr/>
           </a:p>
         </p:txBody>
@@ -11808,11 +12036,11 @@
 </file>
 
 <file path=ppt/slides/slide6.xml><?xml version="1.0" encoding="utf-8"?>
-<p:sld xmlns:a="http://schemas.openxmlformats.org/drawingml/2006/main" xmlns:r="http://schemas.openxmlformats.org/officeDocument/2006/relationships" xmlns:mc="http://schemas.openxmlformats.org/markup-compatibility/2006" xmlns:mv="urn:schemas-microsoft-com:mac:vml" xmlns:p="http://schemas.openxmlformats.org/presentationml/2006/main" xmlns:c="http://schemas.openxmlformats.org/drawingml/2006/chart" xmlns:dgm="http://schemas.openxmlformats.org/drawingml/2006/diagram" xmlns:o="urn:schemas-microsoft-com:office:office" xmlns:v="urn:schemas-microsoft-com:vml" xmlns:pvml="urn:schemas-microsoft-com:office:powerpoint" xmlns:com="http://schemas.openxmlformats.org/drawingml/2006/compatibility" xmlns:p14="http://schemas.microsoft.com/office/powerpoint/2010/main" xmlns:p15="http://schemas.microsoft.com/office/powerpoint/2012/main" xmlns:ahyp="http://schemas.microsoft.com/office/drawing/2018/hyperlinkcolor">
+<p:sld xmlns:a="http://schemas.openxmlformats.org/drawingml/2006/main" xmlns:r="http://schemas.openxmlformats.org/officeDocument/2006/relationships" xmlns:p="http://schemas.openxmlformats.org/presentationml/2006/main">
   <p:cSld>
     <p:spTree>
       <p:nvGrpSpPr>
-        <p:cNvPr id="117" name="Shape 117"/>
+        <p:cNvPr id="1" name="Shape 117"/>
         <p:cNvGrpSpPr/>
         <p:nvPr/>
       </p:nvGrpSpPr>
@@ -11827,7 +12055,9 @@
       <p:sp>
         <p:nvSpPr>
           <p:cNvPr id="118" name="Google Shape;118;p18"/>
-          <p:cNvSpPr txBox="1"/>
+          <p:cNvSpPr txBox="1">
+            <a:spLocks noGrp="1"/>
+          </p:cNvSpPr>
           <p:nvPr>
             <p:ph type="title"/>
           </p:nvPr>
@@ -11842,12 +12072,12 @@
           </a:prstGeom>
         </p:spPr>
         <p:txBody>
-          <a:bodyPr anchorCtr="0" anchor="t" bIns="91425" lIns="91425" spcFirstLastPara="1" rIns="91425" wrap="square" tIns="91425">
+          <a:bodyPr spcFirstLastPara="1" wrap="square" lIns="91425" tIns="91425" rIns="91425" bIns="91425" anchor="t" anchorCtr="0">
             <a:normAutofit fontScale="90000"/>
           </a:bodyPr>
           <a:lstStyle/>
           <a:p>
-            <a:pPr indent="0" lvl="0" marL="0" rtl="0" algn="l">
+            <a:pPr marL="0" lvl="0" indent="0" algn="l" rtl="0">
               <a:spcBef>
                 <a:spcPts val="0"/>
               </a:spcBef>
@@ -11867,9 +12097,11 @@
       <p:sp>
         <p:nvSpPr>
           <p:cNvPr id="119" name="Google Shape;119;p18"/>
-          <p:cNvSpPr txBox="1"/>
+          <p:cNvSpPr txBox="1">
+            <a:spLocks noGrp="1"/>
+          </p:cNvSpPr>
           <p:nvPr>
-            <p:ph idx="1" type="body"/>
+            <p:ph type="body" idx="1"/>
           </p:nvPr>
         </p:nvSpPr>
         <p:spPr>
@@ -11882,12 +12114,12 @@
           </a:prstGeom>
         </p:spPr>
         <p:txBody>
-          <a:bodyPr anchorCtr="0" anchor="t" bIns="91425" lIns="91425" spcFirstLastPara="1" rIns="91425" wrap="square" tIns="91425">
+          <a:bodyPr spcFirstLastPara="1" wrap="square" lIns="91425" tIns="91425" rIns="91425" bIns="91425" anchor="t" anchorCtr="0">
             <a:normAutofit lnSpcReduction="10000"/>
           </a:bodyPr>
           <a:lstStyle/>
           <a:p>
-            <a:pPr indent="0" lvl="0" marL="0" rtl="0" algn="l">
+            <a:pPr marL="0" lvl="0" indent="0" algn="l" rtl="0">
               <a:spcBef>
                 <a:spcPts val="0"/>
               </a:spcBef>
@@ -11925,7 +12157,7 @@
             </a:endParaRPr>
           </a:p>
           <a:p>
-            <a:pPr indent="0" lvl="0" marL="0" rtl="0" algn="l">
+            <a:pPr marL="0" lvl="0" indent="0" algn="l" rtl="0">
               <a:spcBef>
                 <a:spcPts val="0"/>
               </a:spcBef>
@@ -11934,9 +12166,6 @@
               </a:spcAft>
               <a:buNone/>
             </a:pPr>
-            <a:r>
-              <a:t/>
-            </a:r>
             <a:endParaRPr/>
           </a:p>
         </p:txBody>
@@ -12034,11 +12263,11 @@
 </file>
 
 <file path=ppt/slides/slide7.xml><?xml version="1.0" encoding="utf-8"?>
-<p:sld xmlns:a="http://schemas.openxmlformats.org/drawingml/2006/main" xmlns:r="http://schemas.openxmlformats.org/officeDocument/2006/relationships" xmlns:mc="http://schemas.openxmlformats.org/markup-compatibility/2006" xmlns:mv="urn:schemas-microsoft-com:mac:vml" xmlns:p="http://schemas.openxmlformats.org/presentationml/2006/main" xmlns:c="http://schemas.openxmlformats.org/drawingml/2006/chart" xmlns:dgm="http://schemas.openxmlformats.org/drawingml/2006/diagram" xmlns:o="urn:schemas-microsoft-com:office:office" xmlns:v="urn:schemas-microsoft-com:vml" xmlns:pvml="urn:schemas-microsoft-com:office:powerpoint" xmlns:com="http://schemas.openxmlformats.org/drawingml/2006/compatibility" xmlns:p14="http://schemas.microsoft.com/office/powerpoint/2010/main" xmlns:p15="http://schemas.microsoft.com/office/powerpoint/2012/main" xmlns:ahyp="http://schemas.microsoft.com/office/drawing/2018/hyperlinkcolor">
+<p:sld xmlns:a="http://schemas.openxmlformats.org/drawingml/2006/main" xmlns:r="http://schemas.openxmlformats.org/officeDocument/2006/relationships" xmlns:p="http://schemas.openxmlformats.org/presentationml/2006/main">
   <p:cSld>
     <p:spTree>
       <p:nvGrpSpPr>
-        <p:cNvPr id="126" name="Shape 126"/>
+        <p:cNvPr id="1" name="Shape 126"/>
         <p:cNvGrpSpPr/>
         <p:nvPr/>
       </p:nvGrpSpPr>
@@ -12053,7 +12282,9 @@
       <p:sp>
         <p:nvSpPr>
           <p:cNvPr id="127" name="Google Shape;127;p19"/>
-          <p:cNvSpPr txBox="1"/>
+          <p:cNvSpPr txBox="1">
+            <a:spLocks noGrp="1"/>
+          </p:cNvSpPr>
           <p:nvPr>
             <p:ph type="title"/>
           </p:nvPr>
@@ -12068,12 +12299,12 @@
           </a:prstGeom>
         </p:spPr>
         <p:txBody>
-          <a:bodyPr anchorCtr="0" anchor="t" bIns="91425" lIns="91425" spcFirstLastPara="1" rIns="91425" wrap="square" tIns="91425">
+          <a:bodyPr spcFirstLastPara="1" wrap="square" lIns="91425" tIns="91425" rIns="91425" bIns="91425" anchor="t" anchorCtr="0">
             <a:normAutofit fontScale="90000"/>
           </a:bodyPr>
           <a:lstStyle/>
           <a:p>
-            <a:pPr indent="0" lvl="0" marL="0" rtl="0" algn="l">
+            <a:pPr marL="0" lvl="0" indent="0" algn="l" rtl="0">
               <a:spcBef>
                 <a:spcPts val="0"/>
               </a:spcBef>
@@ -12127,11 +12358,11 @@
 </file>
 
 <file path=ppt/slides/slide8.xml><?xml version="1.0" encoding="utf-8"?>
-<p:sld xmlns:a="http://schemas.openxmlformats.org/drawingml/2006/main" xmlns:r="http://schemas.openxmlformats.org/officeDocument/2006/relationships" xmlns:mc="http://schemas.openxmlformats.org/markup-compatibility/2006" xmlns:mv="urn:schemas-microsoft-com:mac:vml" xmlns:p="http://schemas.openxmlformats.org/presentationml/2006/main" xmlns:c="http://schemas.openxmlformats.org/drawingml/2006/chart" xmlns:dgm="http://schemas.openxmlformats.org/drawingml/2006/diagram" xmlns:o="urn:schemas-microsoft-com:office:office" xmlns:v="urn:schemas-microsoft-com:vml" xmlns:pvml="urn:schemas-microsoft-com:office:powerpoint" xmlns:com="http://schemas.openxmlformats.org/drawingml/2006/compatibility" xmlns:p14="http://schemas.microsoft.com/office/powerpoint/2010/main" xmlns:p15="http://schemas.microsoft.com/office/powerpoint/2012/main" xmlns:ahyp="http://schemas.microsoft.com/office/drawing/2018/hyperlinkcolor">
+<p:sld xmlns:a="http://schemas.openxmlformats.org/drawingml/2006/main" xmlns:r="http://schemas.openxmlformats.org/officeDocument/2006/relationships" xmlns:p="http://schemas.openxmlformats.org/presentationml/2006/main">
   <p:cSld>
     <p:spTree>
       <p:nvGrpSpPr>
-        <p:cNvPr id="132" name="Shape 132"/>
+        <p:cNvPr id="1" name="Shape 132"/>
         <p:cNvGrpSpPr/>
         <p:nvPr/>
       </p:nvGrpSpPr>
@@ -12146,7 +12377,9 @@
       <p:sp>
         <p:nvSpPr>
           <p:cNvPr id="133" name="Google Shape;133;p20"/>
-          <p:cNvSpPr txBox="1"/>
+          <p:cNvSpPr txBox="1">
+            <a:spLocks noGrp="1"/>
+          </p:cNvSpPr>
           <p:nvPr>
             <p:ph type="title"/>
           </p:nvPr>
@@ -12161,12 +12394,12 @@
           </a:prstGeom>
         </p:spPr>
         <p:txBody>
-          <a:bodyPr anchorCtr="0" anchor="t" bIns="91425" lIns="91425" spcFirstLastPara="1" rIns="91425" wrap="square" tIns="91425">
+          <a:bodyPr spcFirstLastPara="1" wrap="square" lIns="91425" tIns="91425" rIns="91425" bIns="91425" anchor="t" anchorCtr="0">
             <a:normAutofit fontScale="90000"/>
           </a:bodyPr>
           <a:lstStyle/>
           <a:p>
-            <a:pPr indent="0" lvl="0" marL="0" rtl="0" algn="l">
+            <a:pPr marL="0" lvl="0" indent="0" algn="l" rtl="0">
               <a:spcBef>
                 <a:spcPts val="0"/>
               </a:spcBef>
@@ -12182,7 +12415,7 @@
             <a:endParaRPr sz="1777" u="sng"/>
           </a:p>
           <a:p>
-            <a:pPr indent="0" lvl="0" marL="0" rtl="0" algn="l">
+            <a:pPr marL="0" lvl="0" indent="0" algn="l" rtl="0">
               <a:spcBef>
                 <a:spcPts val="0"/>
               </a:spcBef>
@@ -12202,9 +12435,11 @@
       <p:sp>
         <p:nvSpPr>
           <p:cNvPr id="134" name="Google Shape;134;p20"/>
-          <p:cNvSpPr txBox="1"/>
+          <p:cNvSpPr txBox="1">
+            <a:spLocks noGrp="1"/>
+          </p:cNvSpPr>
           <p:nvPr>
-            <p:ph idx="1" type="body"/>
+            <p:ph type="body" idx="1"/>
           </p:nvPr>
         </p:nvSpPr>
         <p:spPr>
@@ -12217,12 +12452,12 @@
           </a:prstGeom>
         </p:spPr>
         <p:txBody>
-          <a:bodyPr anchorCtr="0" anchor="t" bIns="91425" lIns="91425" spcFirstLastPara="1" rIns="91425" wrap="square" tIns="91425">
+          <a:bodyPr spcFirstLastPara="1" wrap="square" lIns="91425" tIns="91425" rIns="91425" bIns="91425" anchor="t" anchorCtr="0">
             <a:normAutofit/>
           </a:bodyPr>
           <a:lstStyle/>
           <a:p>
-            <a:pPr indent="0" lvl="0" marL="0" rtl="0" algn="l">
+            <a:pPr marL="0" lvl="0" indent="0" algn="l" rtl="0">
               <a:spcBef>
                 <a:spcPts val="0"/>
               </a:spcBef>
@@ -12233,16 +12468,12 @@
             </a:pPr>
             <a:r>
               <a:rPr lang="en-GB" sz="1500"/>
-              <a:t>- </a:t>
-            </a:r>
-            <a:r>
-              <a:rPr lang="en-GB" sz="1500"/>
-              <a:t>The r-value for this relationship is: 0.394</a:t>
+              <a:t>- The r-value for this relationship is: 0.394</a:t>
             </a:r>
             <a:endParaRPr sz="1500"/>
           </a:p>
           <a:p>
-            <a:pPr indent="0" lvl="0" marL="0" rtl="0" algn="l">
+            <a:pPr marL="0" lvl="0" indent="0" algn="l" rtl="0">
               <a:spcBef>
                 <a:spcPts val="1200"/>
               </a:spcBef>
@@ -12258,7 +12489,7 @@
             <a:endParaRPr sz="1500"/>
           </a:p>
           <a:p>
-            <a:pPr indent="0" lvl="0" marL="0" rtl="0" algn="l">
+            <a:pPr marL="0" lvl="0" indent="0" algn="l" rtl="0">
               <a:spcBef>
                 <a:spcPts val="1200"/>
               </a:spcBef>
@@ -12267,9 +12498,6 @@
               </a:spcAft>
               <a:buNone/>
             </a:pPr>
-            <a:r>
-              <a:t/>
-            </a:r>
             <a:endParaRPr sz="1500"/>
           </a:p>
         </p:txBody>
@@ -12311,11 +12539,11 @@
 </file>
 
 <file path=ppt/slides/slide9.xml><?xml version="1.0" encoding="utf-8"?>
-<p:sld xmlns:a="http://schemas.openxmlformats.org/drawingml/2006/main" xmlns:r="http://schemas.openxmlformats.org/officeDocument/2006/relationships" xmlns:mc="http://schemas.openxmlformats.org/markup-compatibility/2006" xmlns:mv="urn:schemas-microsoft-com:mac:vml" xmlns:p="http://schemas.openxmlformats.org/presentationml/2006/main" xmlns:c="http://schemas.openxmlformats.org/drawingml/2006/chart" xmlns:dgm="http://schemas.openxmlformats.org/drawingml/2006/diagram" xmlns:o="urn:schemas-microsoft-com:office:office" xmlns:v="urn:schemas-microsoft-com:vml" xmlns:pvml="urn:schemas-microsoft-com:office:powerpoint" xmlns:com="http://schemas.openxmlformats.org/drawingml/2006/compatibility" xmlns:p14="http://schemas.microsoft.com/office/powerpoint/2010/main" xmlns:p15="http://schemas.microsoft.com/office/powerpoint/2012/main" xmlns:ahyp="http://schemas.microsoft.com/office/drawing/2018/hyperlinkcolor">
+<p:sld xmlns:a="http://schemas.openxmlformats.org/drawingml/2006/main" xmlns:r="http://schemas.openxmlformats.org/officeDocument/2006/relationships" xmlns:p="http://schemas.openxmlformats.org/presentationml/2006/main">
   <p:cSld>
     <p:spTree>
       <p:nvGrpSpPr>
-        <p:cNvPr id="139" name="Shape 139"/>
+        <p:cNvPr id="1" name="Shape 139"/>
         <p:cNvGrpSpPr/>
         <p:nvPr/>
       </p:nvGrpSpPr>
@@ -12330,7 +12558,9 @@
       <p:sp>
         <p:nvSpPr>
           <p:cNvPr id="140" name="Google Shape;140;p21"/>
-          <p:cNvSpPr txBox="1"/>
+          <p:cNvSpPr txBox="1">
+            <a:spLocks noGrp="1"/>
+          </p:cNvSpPr>
           <p:nvPr>
             <p:ph type="title"/>
           </p:nvPr>
@@ -12345,12 +12575,12 @@
           </a:prstGeom>
         </p:spPr>
         <p:txBody>
-          <a:bodyPr anchorCtr="0" anchor="t" bIns="91425" lIns="91425" spcFirstLastPara="1" rIns="91425" wrap="square" tIns="91425">
+          <a:bodyPr spcFirstLastPara="1" wrap="square" lIns="91425" tIns="91425" rIns="91425" bIns="91425" anchor="t" anchorCtr="0">
             <a:normAutofit fontScale="90000"/>
           </a:bodyPr>
           <a:lstStyle/>
           <a:p>
-            <a:pPr indent="0" lvl="0" marL="0" rtl="0" algn="l">
+            <a:pPr marL="0" lvl="0" indent="0" algn="l" rtl="0">
               <a:spcBef>
                 <a:spcPts val="0"/>
               </a:spcBef>
@@ -12404,7 +12634,7 @@
 </file>
 
 <file path=ppt/theme/theme1.xml><?xml version="1.0" encoding="utf-8"?>
-<a:theme xmlns:a="http://schemas.openxmlformats.org/drawingml/2006/main" xmlns:r="http://schemas.openxmlformats.org/officeDocument/2006/relationships" name="Geometric">
+<a:theme xmlns:a="http://schemas.openxmlformats.org/drawingml/2006/main" name="Geometric">
   <a:themeElements>
     <a:clrScheme name="Geometric">
       <a:dk1>
@@ -12679,11 +12909,13 @@
       </a:bgFillStyleLst>
     </a:fmtScheme>
   </a:themeElements>
+  <a:objectDefaults/>
+  <a:extraClrSchemeLst/>
 </a:theme>
 </file>
 
 <file path=ppt/theme/theme2.xml><?xml version="1.0" encoding="utf-8"?>
-<a:theme xmlns:a="http://schemas.openxmlformats.org/drawingml/2006/main" xmlns:r="http://schemas.openxmlformats.org/officeDocument/2006/relationships">
+<a:theme xmlns:a="http://schemas.openxmlformats.org/drawingml/2006/main">
   <a:themeElements>
     <a:clrScheme name="Default">
       <a:dk1>
@@ -12958,5 +13190,7 @@
       </a:bgFillStyleLst>
     </a:fmtScheme>
   </a:themeElements>
+  <a:objectDefaults/>
+  <a:extraClrSchemeLst/>
 </a:theme>
 </file>